--- a/doc/Project 5.pptx
+++ b/doc/Project 5.pptx
@@ -5,34 +5,33 @@
     <p:sldMasterId id="2147483648" r:id="rId1"/>
   </p:sldMasterIdLst>
   <p:notesMasterIdLst>
-    <p:notesMasterId r:id="rId22"/>
+    <p:notesMasterId r:id="rId21"/>
   </p:notesMasterIdLst>
   <p:sldIdLst>
     <p:sldId id="257" r:id="rId2"/>
     <p:sldId id="265" r:id="rId3"/>
     <p:sldId id="283" r:id="rId4"/>
     <p:sldId id="256" r:id="rId5"/>
-    <p:sldId id="282" r:id="rId6"/>
-    <p:sldId id="284" r:id="rId7"/>
-    <p:sldId id="292" r:id="rId8"/>
-    <p:sldId id="274" r:id="rId9"/>
-    <p:sldId id="286" r:id="rId10"/>
-    <p:sldId id="291" r:id="rId11"/>
-    <p:sldId id="276" r:id="rId12"/>
-    <p:sldId id="290" r:id="rId13"/>
-    <p:sldId id="299" r:id="rId14"/>
-    <p:sldId id="269" r:id="rId15"/>
-    <p:sldId id="285" r:id="rId16"/>
-    <p:sldId id="304" r:id="rId17"/>
-    <p:sldId id="300" r:id="rId18"/>
-    <p:sldId id="288" r:id="rId19"/>
-    <p:sldId id="260" r:id="rId20"/>
-    <p:sldId id="301" r:id="rId21"/>
+    <p:sldId id="284" r:id="rId6"/>
+    <p:sldId id="292" r:id="rId7"/>
+    <p:sldId id="274" r:id="rId8"/>
+    <p:sldId id="286" r:id="rId9"/>
+    <p:sldId id="291" r:id="rId10"/>
+    <p:sldId id="276" r:id="rId11"/>
+    <p:sldId id="290" r:id="rId12"/>
+    <p:sldId id="299" r:id="rId13"/>
+    <p:sldId id="269" r:id="rId14"/>
+    <p:sldId id="285" r:id="rId15"/>
+    <p:sldId id="304" r:id="rId16"/>
+    <p:sldId id="300" r:id="rId17"/>
+    <p:sldId id="288" r:id="rId18"/>
+    <p:sldId id="260" r:id="rId19"/>
+    <p:sldId id="301" r:id="rId20"/>
   </p:sldIdLst>
   <p:sldSz cx="12192000" cy="6858000"/>
   <p:notesSz cx="6858000" cy="9144000"/>
   <p:custDataLst>
-    <p:tags r:id="rId23"/>
+    <p:tags r:id="rId22"/>
   </p:custDataLst>
   <p:defaultTextStyle>
     <a:defPPr>
@@ -644,7 +643,7 @@
     </p:spTree>
     <p:extLst>
       <p:ext uri="{BB962C8B-B14F-4D97-AF65-F5344CB8AC3E}">
-        <p14:creationId xmlns:p14="http://schemas.microsoft.com/office/powerpoint/2010/main" val="3631409089"/>
+        <p14:creationId xmlns:p14="http://schemas.microsoft.com/office/powerpoint/2010/main" val="2281719120"/>
       </p:ext>
     </p:extLst>
   </p:cSld>
@@ -728,7 +727,7 @@
     </p:spTree>
     <p:extLst>
       <p:ext uri="{BB962C8B-B14F-4D97-AF65-F5344CB8AC3E}">
-        <p14:creationId xmlns:p14="http://schemas.microsoft.com/office/powerpoint/2010/main" val="2281719120"/>
+        <p14:creationId xmlns:p14="http://schemas.microsoft.com/office/powerpoint/2010/main" val="916470596"/>
       </p:ext>
     </p:extLst>
   </p:cSld>
@@ -812,7 +811,7 @@
     </p:spTree>
     <p:extLst>
       <p:ext uri="{BB962C8B-B14F-4D97-AF65-F5344CB8AC3E}">
-        <p14:creationId xmlns:p14="http://schemas.microsoft.com/office/powerpoint/2010/main" val="916470596"/>
+        <p14:creationId xmlns:p14="http://schemas.microsoft.com/office/powerpoint/2010/main" val="283212851"/>
       </p:ext>
     </p:extLst>
   </p:cSld>
@@ -896,7 +895,7 @@
     </p:spTree>
     <p:extLst>
       <p:ext uri="{BB962C8B-B14F-4D97-AF65-F5344CB8AC3E}">
-        <p14:creationId xmlns:p14="http://schemas.microsoft.com/office/powerpoint/2010/main" val="283212851"/>
+        <p14:creationId xmlns:p14="http://schemas.microsoft.com/office/powerpoint/2010/main" val="2843515861"/>
       </p:ext>
     </p:extLst>
   </p:cSld>
@@ -980,7 +979,7 @@
     </p:spTree>
     <p:extLst>
       <p:ext uri="{BB962C8B-B14F-4D97-AF65-F5344CB8AC3E}">
-        <p14:creationId xmlns:p14="http://schemas.microsoft.com/office/powerpoint/2010/main" val="2843515861"/>
+        <p14:creationId xmlns:p14="http://schemas.microsoft.com/office/powerpoint/2010/main" val="27692108"/>
       </p:ext>
     </p:extLst>
   </p:cSld>
@@ -1055,7 +1054,7 @@
           <a:p>
             <a:fld id="{67C0C9F3-A9BA-4A7C-8595-3C4ED8312ADC}" type="slidenum">
               <a:rPr lang="zh-CN" altLang="en-US" smtClean="0"/>
-              <a:t>15</a:t>
+              <a:t>16</a:t>
             </a:fld>
             <a:endParaRPr lang="zh-CN" altLang="en-US"/>
           </a:p>
@@ -1064,7 +1063,7 @@
     </p:spTree>
     <p:extLst>
       <p:ext uri="{BB962C8B-B14F-4D97-AF65-F5344CB8AC3E}">
-        <p14:creationId xmlns:p14="http://schemas.microsoft.com/office/powerpoint/2010/main" val="27692108"/>
+        <p14:creationId xmlns:p14="http://schemas.microsoft.com/office/powerpoint/2010/main" val="3742661194"/>
       </p:ext>
     </p:extLst>
   </p:cSld>
@@ -1148,7 +1147,7 @@
     </p:spTree>
     <p:extLst>
       <p:ext uri="{BB962C8B-B14F-4D97-AF65-F5344CB8AC3E}">
-        <p14:creationId xmlns:p14="http://schemas.microsoft.com/office/powerpoint/2010/main" val="3742661194"/>
+        <p14:creationId xmlns:p14="http://schemas.microsoft.com/office/powerpoint/2010/main" val="2823171417"/>
       </p:ext>
     </p:extLst>
   </p:cSld>
@@ -1232,7 +1231,7 @@
     </p:spTree>
     <p:extLst>
       <p:ext uri="{BB962C8B-B14F-4D97-AF65-F5344CB8AC3E}">
-        <p14:creationId xmlns:p14="http://schemas.microsoft.com/office/powerpoint/2010/main" val="2823171417"/>
+        <p14:creationId xmlns:p14="http://schemas.microsoft.com/office/powerpoint/2010/main" val="220409063"/>
       </p:ext>
     </p:extLst>
   </p:cSld>
@@ -1308,90 +1307,6 @@
             <a:fld id="{67C0C9F3-A9BA-4A7C-8595-3C4ED8312ADC}" type="slidenum">
               <a:rPr lang="zh-CN" altLang="en-US" smtClean="0"/>
               <a:t>19</a:t>
-            </a:fld>
-            <a:endParaRPr lang="zh-CN" altLang="en-US"/>
-          </a:p>
-        </p:txBody>
-      </p:sp>
-    </p:spTree>
-    <p:extLst>
-      <p:ext uri="{BB962C8B-B14F-4D97-AF65-F5344CB8AC3E}">
-        <p14:creationId xmlns:p14="http://schemas.microsoft.com/office/powerpoint/2010/main" val="220409063"/>
-      </p:ext>
-    </p:extLst>
-  </p:cSld>
-  <p:clrMapOvr>
-    <a:masterClrMapping/>
-  </p:clrMapOvr>
-</p:notes>
-</file>
-
-<file path=ppt/notesSlides/notesSlide19.xml><?xml version="1.0" encoding="utf-8"?>
-<p:notes xmlns:a="http://schemas.openxmlformats.org/drawingml/2006/main" xmlns:r="http://schemas.openxmlformats.org/officeDocument/2006/relationships" xmlns:p="http://schemas.openxmlformats.org/presentationml/2006/main">
-  <p:cSld>
-    <p:spTree>
-      <p:nvGrpSpPr>
-        <p:cNvPr id="1" name=""/>
-        <p:cNvGrpSpPr/>
-        <p:nvPr/>
-      </p:nvGrpSpPr>
-      <p:grpSpPr>
-        <a:xfrm>
-          <a:off x="0" y="0"/>
-          <a:ext cx="0" cy="0"/>
-          <a:chOff x="0" y="0"/>
-          <a:chExt cx="0" cy="0"/>
-        </a:xfrm>
-      </p:grpSpPr>
-      <p:sp>
-        <p:nvSpPr>
-          <p:cNvPr id="2" name="幻灯片图像占位符 1"/>
-          <p:cNvSpPr>
-            <a:spLocks noGrp="1" noRot="1" noChangeAspect="1"/>
-          </p:cNvSpPr>
-          <p:nvPr>
-            <p:ph type="sldImg"/>
-          </p:nvPr>
-        </p:nvSpPr>
-        <p:spPr/>
-      </p:sp>
-      <p:sp>
-        <p:nvSpPr>
-          <p:cNvPr id="3" name="备注占位符 2"/>
-          <p:cNvSpPr>
-            <a:spLocks noGrp="1"/>
-          </p:cNvSpPr>
-          <p:nvPr>
-            <p:ph type="body" idx="1"/>
-          </p:nvPr>
-        </p:nvSpPr>
-        <p:spPr/>
-        <p:txBody>
-          <a:bodyPr/>
-          <a:lstStyle/>
-          <a:p>
-            <a:endParaRPr lang="zh-CN" altLang="en-US"/>
-          </a:p>
-        </p:txBody>
-      </p:sp>
-      <p:sp>
-        <p:nvSpPr>
-          <p:cNvPr id="4" name="灯片编号占位符 3"/>
-          <p:cNvSpPr>
-            <a:spLocks noGrp="1"/>
-          </p:cNvSpPr>
-          <p:nvPr>
-            <p:ph type="sldNum" sz="quarter" idx="10"/>
-          </p:nvPr>
-        </p:nvSpPr>
-        <p:spPr/>
-        <p:txBody>
-          <a:bodyPr/>
-          <a:lstStyle/>
-          <a:p>
-            <a:fld id="{67C0C9F3-A9BA-4A7C-8595-3C4ED8312ADC}" type="slidenum">
-              <a:rPr lang="zh-CN" altLang="en-US" smtClean="0"/>
-              <a:t>20</a:t>
             </a:fld>
             <a:endParaRPr lang="zh-CN" altLang="en-US"/>
           </a:p>
@@ -1706,7 +1621,7 @@
           <a:bodyPr/>
           <a:lstStyle/>
           <a:p>
-            <a:endParaRPr lang="zh-CN" altLang="en-US"/>
+            <a:endParaRPr lang="zh-CN" altLang="en-US" dirty="0"/>
           </a:p>
         </p:txBody>
       </p:sp>
@@ -1736,7 +1651,7 @@
     </p:spTree>
     <p:extLst>
       <p:ext uri="{BB962C8B-B14F-4D97-AF65-F5344CB8AC3E}">
-        <p14:creationId xmlns:p14="http://schemas.microsoft.com/office/powerpoint/2010/main" val="443184401"/>
+        <p14:creationId xmlns:p14="http://schemas.microsoft.com/office/powerpoint/2010/main" val="3067783506"/>
       </p:ext>
     </p:extLst>
   </p:cSld>
@@ -1747,90 +1662,6 @@
 </file>
 
 <file path=ppt/notesSlides/notesSlide6.xml><?xml version="1.0" encoding="utf-8"?>
-<p:notes xmlns:a="http://schemas.openxmlformats.org/drawingml/2006/main" xmlns:r="http://schemas.openxmlformats.org/officeDocument/2006/relationships" xmlns:p="http://schemas.openxmlformats.org/presentationml/2006/main">
-  <p:cSld>
-    <p:spTree>
-      <p:nvGrpSpPr>
-        <p:cNvPr id="1" name=""/>
-        <p:cNvGrpSpPr/>
-        <p:nvPr/>
-      </p:nvGrpSpPr>
-      <p:grpSpPr>
-        <a:xfrm>
-          <a:off x="0" y="0"/>
-          <a:ext cx="0" cy="0"/>
-          <a:chOff x="0" y="0"/>
-          <a:chExt cx="0" cy="0"/>
-        </a:xfrm>
-      </p:grpSpPr>
-      <p:sp>
-        <p:nvSpPr>
-          <p:cNvPr id="2" name="幻灯片图像占位符 1"/>
-          <p:cNvSpPr>
-            <a:spLocks noGrp="1" noRot="1" noChangeAspect="1"/>
-          </p:cNvSpPr>
-          <p:nvPr>
-            <p:ph type="sldImg"/>
-          </p:nvPr>
-        </p:nvSpPr>
-        <p:spPr/>
-      </p:sp>
-      <p:sp>
-        <p:nvSpPr>
-          <p:cNvPr id="3" name="备注占位符 2"/>
-          <p:cNvSpPr>
-            <a:spLocks noGrp="1"/>
-          </p:cNvSpPr>
-          <p:nvPr>
-            <p:ph type="body" idx="1"/>
-          </p:nvPr>
-        </p:nvSpPr>
-        <p:spPr/>
-        <p:txBody>
-          <a:bodyPr/>
-          <a:lstStyle/>
-          <a:p>
-            <a:endParaRPr lang="zh-CN" altLang="en-US" dirty="0"/>
-          </a:p>
-        </p:txBody>
-      </p:sp>
-      <p:sp>
-        <p:nvSpPr>
-          <p:cNvPr id="4" name="灯片编号占位符 3"/>
-          <p:cNvSpPr>
-            <a:spLocks noGrp="1"/>
-          </p:cNvSpPr>
-          <p:nvPr>
-            <p:ph type="sldNum" sz="quarter" idx="10"/>
-          </p:nvPr>
-        </p:nvSpPr>
-        <p:spPr/>
-        <p:txBody>
-          <a:bodyPr/>
-          <a:lstStyle/>
-          <a:p>
-            <a:fld id="{67C0C9F3-A9BA-4A7C-8595-3C4ED8312ADC}" type="slidenum">
-              <a:rPr lang="zh-CN" altLang="en-US" smtClean="0"/>
-              <a:t>6</a:t>
-            </a:fld>
-            <a:endParaRPr lang="zh-CN" altLang="en-US"/>
-          </a:p>
-        </p:txBody>
-      </p:sp>
-    </p:spTree>
-    <p:extLst>
-      <p:ext uri="{BB962C8B-B14F-4D97-AF65-F5344CB8AC3E}">
-        <p14:creationId xmlns:p14="http://schemas.microsoft.com/office/powerpoint/2010/main" val="3067783506"/>
-      </p:ext>
-    </p:extLst>
-  </p:cSld>
-  <p:clrMapOvr>
-    <a:masterClrMapping/>
-  </p:clrMapOvr>
-</p:notes>
-</file>
-
-<file path=ppt/notesSlides/notesSlide7.xml><?xml version="1.0" encoding="utf-8"?>
 <p:notes xmlns:a="http://schemas.openxmlformats.org/drawingml/2006/main" xmlns:r="http://schemas.openxmlformats.org/officeDocument/2006/relationships" xmlns:p="http://schemas.openxmlformats.org/presentationml/2006/main">
   <p:cSld>
     <p:spTree>
@@ -2054,7 +1885,7 @@
           <a:p>
             <a:fld id="{67C0C9F3-A9BA-4A7C-8595-3C4ED8312ADC}" type="slidenum">
               <a:rPr lang="zh-CN" altLang="en-US" smtClean="0"/>
-              <a:t>7</a:t>
+              <a:t>6</a:t>
             </a:fld>
             <a:endParaRPr lang="zh-CN" altLang="en-US"/>
           </a:p>
@@ -2073,7 +1904,7 @@
 </p:notes>
 </file>
 
-<file path=ppt/notesSlides/notesSlide8.xml><?xml version="1.0" encoding="utf-8"?>
+<file path=ppt/notesSlides/notesSlide7.xml><?xml version="1.0" encoding="utf-8"?>
 <p:notes xmlns:a="http://schemas.openxmlformats.org/drawingml/2006/main" xmlns:r="http://schemas.openxmlformats.org/officeDocument/2006/relationships" xmlns:p="http://schemas.openxmlformats.org/presentationml/2006/main">
   <p:cSld>
     <p:spTree>
@@ -2138,6 +1969,90 @@
           <a:p>
             <a:fld id="{67C0C9F3-A9BA-4A7C-8595-3C4ED8312ADC}" type="slidenum">
               <a:rPr lang="zh-CN" altLang="en-US" smtClean="0"/>
+              <a:t>7</a:t>
+            </a:fld>
+            <a:endParaRPr lang="zh-CN" altLang="en-US"/>
+          </a:p>
+        </p:txBody>
+      </p:sp>
+    </p:spTree>
+    <p:extLst>
+      <p:ext uri="{BB962C8B-B14F-4D97-AF65-F5344CB8AC3E}">
+        <p14:creationId xmlns:p14="http://schemas.microsoft.com/office/powerpoint/2010/main" val="3971167694"/>
+      </p:ext>
+    </p:extLst>
+  </p:cSld>
+  <p:clrMapOvr>
+    <a:masterClrMapping/>
+  </p:clrMapOvr>
+</p:notes>
+</file>
+
+<file path=ppt/notesSlides/notesSlide8.xml><?xml version="1.0" encoding="utf-8"?>
+<p:notes xmlns:a="http://schemas.openxmlformats.org/drawingml/2006/main" xmlns:r="http://schemas.openxmlformats.org/officeDocument/2006/relationships" xmlns:p="http://schemas.openxmlformats.org/presentationml/2006/main">
+  <p:cSld>
+    <p:spTree>
+      <p:nvGrpSpPr>
+        <p:cNvPr id="1" name=""/>
+        <p:cNvGrpSpPr/>
+        <p:nvPr/>
+      </p:nvGrpSpPr>
+      <p:grpSpPr>
+        <a:xfrm>
+          <a:off x="0" y="0"/>
+          <a:ext cx="0" cy="0"/>
+          <a:chOff x="0" y="0"/>
+          <a:chExt cx="0" cy="0"/>
+        </a:xfrm>
+      </p:grpSpPr>
+      <p:sp>
+        <p:nvSpPr>
+          <p:cNvPr id="2" name="幻灯片图像占位符 1"/>
+          <p:cNvSpPr>
+            <a:spLocks noGrp="1" noRot="1" noChangeAspect="1"/>
+          </p:cNvSpPr>
+          <p:nvPr>
+            <p:ph type="sldImg"/>
+          </p:nvPr>
+        </p:nvSpPr>
+        <p:spPr/>
+      </p:sp>
+      <p:sp>
+        <p:nvSpPr>
+          <p:cNvPr id="3" name="备注占位符 2"/>
+          <p:cNvSpPr>
+            <a:spLocks noGrp="1"/>
+          </p:cNvSpPr>
+          <p:nvPr>
+            <p:ph type="body" idx="1"/>
+          </p:nvPr>
+        </p:nvSpPr>
+        <p:spPr/>
+        <p:txBody>
+          <a:bodyPr/>
+          <a:lstStyle/>
+          <a:p>
+            <a:endParaRPr lang="zh-CN" altLang="en-US"/>
+          </a:p>
+        </p:txBody>
+      </p:sp>
+      <p:sp>
+        <p:nvSpPr>
+          <p:cNvPr id="4" name="灯片编号占位符 3"/>
+          <p:cNvSpPr>
+            <a:spLocks noGrp="1"/>
+          </p:cNvSpPr>
+          <p:nvPr>
+            <p:ph type="sldNum" sz="quarter" idx="10"/>
+          </p:nvPr>
+        </p:nvSpPr>
+        <p:spPr/>
+        <p:txBody>
+          <a:bodyPr/>
+          <a:lstStyle/>
+          <a:p>
+            <a:fld id="{67C0C9F3-A9BA-4A7C-8595-3C4ED8312ADC}" type="slidenum">
+              <a:rPr lang="zh-CN" altLang="en-US" smtClean="0"/>
               <a:t>8</a:t>
             </a:fld>
             <a:endParaRPr lang="zh-CN" altLang="en-US"/>
@@ -2147,7 +2062,7 @@
     </p:spTree>
     <p:extLst>
       <p:ext uri="{BB962C8B-B14F-4D97-AF65-F5344CB8AC3E}">
-        <p14:creationId xmlns:p14="http://schemas.microsoft.com/office/powerpoint/2010/main" val="3971167694"/>
+        <p14:creationId xmlns:p14="http://schemas.microsoft.com/office/powerpoint/2010/main" val="1711789376"/>
       </p:ext>
     </p:extLst>
   </p:cSld>
@@ -2231,7 +2146,7 @@
     </p:spTree>
     <p:extLst>
       <p:ext uri="{BB962C8B-B14F-4D97-AF65-F5344CB8AC3E}">
-        <p14:creationId xmlns:p14="http://schemas.microsoft.com/office/powerpoint/2010/main" val="1711789376"/>
+        <p14:creationId xmlns:p14="http://schemas.microsoft.com/office/powerpoint/2010/main" val="3631409089"/>
       </p:ext>
     </p:extLst>
   </p:cSld>
@@ -4455,558 +4370,6 @@
           <a:chExt cx="0" cy="0"/>
         </a:xfrm>
       </p:grpSpPr>
-      <p:grpSp>
-        <p:nvGrpSpPr>
-          <p:cNvPr id="5" name="组合 4"/>
-          <p:cNvGrpSpPr/>
-          <p:nvPr/>
-        </p:nvGrpSpPr>
-        <p:grpSpPr>
-          <a:xfrm>
-            <a:off x="2533919" y="529097"/>
-            <a:ext cx="6858976" cy="5841228"/>
-            <a:chOff x="3205724" y="537743"/>
-            <a:chExt cx="6198825" cy="5279032"/>
-          </a:xfrm>
-        </p:grpSpPr>
-        <p:pic>
-          <p:nvPicPr>
-            <p:cNvPr id="4" name="图片 3"/>
-            <p:cNvPicPr>
-              <a:picLocks noChangeAspect="1"/>
-            </p:cNvPicPr>
-            <p:nvPr/>
-          </p:nvPicPr>
-          <p:blipFill>
-            <a:blip r:embed="rId3">
-              <a:extLst>
-                <a:ext uri="{28A0092B-C50C-407E-A947-70E740481C1C}">
-                  <a14:useLocalDpi xmlns:a14="http://schemas.microsoft.com/office/drawing/2010/main" val="0"/>
-                </a:ext>
-              </a:extLst>
-            </a:blip>
-            <a:stretch>
-              <a:fillRect/>
-            </a:stretch>
-          </p:blipFill>
-          <p:spPr>
-            <a:xfrm rot="7200000">
-              <a:off x="4281210" y="577305"/>
-              <a:ext cx="5162902" cy="5083777"/>
-            </a:xfrm>
-            <a:prstGeom prst="rect">
-              <a:avLst/>
-            </a:prstGeom>
-          </p:spPr>
-        </p:pic>
-        <p:pic>
-          <p:nvPicPr>
-            <p:cNvPr id="3" name="图片 2"/>
-            <p:cNvPicPr>
-              <a:picLocks noChangeAspect="1"/>
-            </p:cNvPicPr>
-            <p:nvPr/>
-          </p:nvPicPr>
-          <p:blipFill>
-            <a:blip r:embed="rId3">
-              <a:extLst>
-                <a:ext uri="{28A0092B-C50C-407E-A947-70E740481C1C}">
-                  <a14:useLocalDpi xmlns:a14="http://schemas.microsoft.com/office/drawing/2010/main" val="0"/>
-                </a:ext>
-              </a:extLst>
-            </a:blip>
-            <a:stretch>
-              <a:fillRect/>
-            </a:stretch>
-          </p:blipFill>
-          <p:spPr>
-            <a:xfrm rot="18839218">
-              <a:off x="3166162" y="693435"/>
-              <a:ext cx="5162902" cy="5083777"/>
-            </a:xfrm>
-            <a:prstGeom prst="rect">
-              <a:avLst/>
-            </a:prstGeom>
-          </p:spPr>
-        </p:pic>
-      </p:grpSp>
-      <p:sp>
-        <p:nvSpPr>
-          <p:cNvPr id="2" name="矩形 1"/>
-          <p:cNvSpPr/>
-          <p:nvPr/>
-        </p:nvSpPr>
-        <p:spPr>
-          <a:xfrm>
-            <a:off x="0" y="2444261"/>
-            <a:ext cx="12192000" cy="1969477"/>
-          </a:xfrm>
-          <a:prstGeom prst="rect">
-            <a:avLst/>
-          </a:prstGeom>
-          <a:solidFill>
-            <a:schemeClr val="accent1">
-              <a:lumMod val="25000"/>
-              <a:alpha val="80000"/>
-            </a:schemeClr>
-          </a:solidFill>
-          <a:ln>
-            <a:noFill/>
-          </a:ln>
-        </p:spPr>
-        <p:style>
-          <a:lnRef idx="2">
-            <a:schemeClr val="accent1">
-              <a:shade val="50000"/>
-            </a:schemeClr>
-          </a:lnRef>
-          <a:fillRef idx="1">
-            <a:schemeClr val="accent1"/>
-          </a:fillRef>
-          <a:effectRef idx="0">
-            <a:schemeClr val="accent1"/>
-          </a:effectRef>
-          <a:fontRef idx="minor">
-            <a:schemeClr val="lt1"/>
-          </a:fontRef>
-        </p:style>
-        <p:txBody>
-          <a:bodyPr rtlCol="0" anchor="ctr"/>
-          <a:lstStyle/>
-          <a:p>
-            <a:pPr algn="ctr"/>
-            <a:endParaRPr lang="zh-CN" altLang="en-US"/>
-          </a:p>
-        </p:txBody>
-      </p:sp>
-      <p:sp>
-        <p:nvSpPr>
-          <p:cNvPr id="6" name="标题 1"/>
-          <p:cNvSpPr txBox="1">
-            <a:spLocks/>
-          </p:cNvSpPr>
-          <p:nvPr/>
-        </p:nvSpPr>
-        <p:spPr>
-          <a:xfrm>
-            <a:off x="-210334" y="3165704"/>
-            <a:ext cx="12014790" cy="999896"/>
-          </a:xfrm>
-          <a:prstGeom prst="rect">
-            <a:avLst/>
-          </a:prstGeom>
-        </p:spPr>
-        <p:txBody>
-          <a:bodyPr>
-            <a:noAutofit/>
-          </a:bodyPr>
-          <a:lstStyle>
-            <a:lvl1pPr algn="l" defTabSz="914400" rtl="0" eaLnBrk="1" latinLnBrk="0" hangingPunct="1">
-              <a:lnSpc>
-                <a:spcPct val="90000"/>
-              </a:lnSpc>
-              <a:spcBef>
-                <a:spcPct val="0"/>
-              </a:spcBef>
-              <a:buNone/>
-              <a:defRPr sz="4400" kern="1200">
-                <a:solidFill>
-                  <a:schemeClr val="tx1"/>
-                </a:solidFill>
-                <a:latin typeface="+mj-lt"/>
-                <a:ea typeface="+mj-ea"/>
-                <a:cs typeface="+mj-cs"/>
-              </a:defRPr>
-            </a:lvl1pPr>
-          </a:lstStyle>
-          <a:p>
-            <a:pPr algn="ctr"/>
-            <a:r>
-              <a:rPr lang="en-US" altLang="zh-CN" sz="4000" b="1" dirty="0">
-                <a:latin typeface="Georgia" panose="02040502050405020303" pitchFamily="18" charset="0"/>
-              </a:rPr>
-              <a:t>Alternating Least Squares </a:t>
-            </a:r>
-            <a:r>
-              <a:rPr lang="en-US" altLang="zh-CN" sz="4000" b="1" spc="600" dirty="0">
-                <a:solidFill>
-                  <a:schemeClr val="bg1"/>
-                </a:solidFill>
-                <a:latin typeface="Georgia" panose="02040502050405020303" pitchFamily="18" charset="0"/>
-                <a:ea typeface="+mn-ea"/>
-                <a:cs typeface="+mn-ea"/>
-                <a:sym typeface="+mn-lt"/>
-              </a:rPr>
-              <a:t>| PART3</a:t>
-            </a:r>
-            <a:endParaRPr lang="zh-CN" altLang="en-US" sz="4000" b="1" spc="600" dirty="0">
-              <a:solidFill>
-                <a:schemeClr val="bg1"/>
-              </a:solidFill>
-              <a:latin typeface="Georgia" panose="02040502050405020303" pitchFamily="18" charset="0"/>
-              <a:ea typeface="+mn-ea"/>
-              <a:cs typeface="+mn-ea"/>
-              <a:sym typeface="+mn-lt"/>
-            </a:endParaRPr>
-          </a:p>
-        </p:txBody>
-      </p:sp>
-    </p:spTree>
-    <p:extLst>
-      <p:ext uri="{BB962C8B-B14F-4D97-AF65-F5344CB8AC3E}">
-        <p14:creationId xmlns:p14="http://schemas.microsoft.com/office/powerpoint/2010/main" val="3207532404"/>
-      </p:ext>
-    </p:extLst>
-  </p:cSld>
-  <p:clrMapOvr>
-    <a:masterClrMapping/>
-  </p:clrMapOvr>
-  <mc:AlternateContent xmlns:mc="http://schemas.openxmlformats.org/markup-compatibility/2006" xmlns:p14="http://schemas.microsoft.com/office/powerpoint/2010/main">
-    <mc:Choice Requires="p14">
-      <p:transition spd="slow" p14:dur="3900">
-        <p14:glitter pattern="hexagon"/>
-      </p:transition>
-    </mc:Choice>
-    <mc:Fallback xmlns="">
-      <p:transition spd="slow">
-        <p:fade/>
-      </p:transition>
-    </mc:Fallback>
-  </mc:AlternateContent>
-  <p:timing>
-    <p:tnLst>
-      <p:par>
-        <p:cTn id="1" dur="indefinite" restart="never" nodeType="tmRoot">
-          <p:childTnLst>
-            <p:seq concurrent="1" nextAc="seek">
-              <p:cTn id="2" dur="indefinite" nodeType="mainSeq">
-                <p:childTnLst>
-                  <p:par>
-                    <p:cTn id="3" fill="hold">
-                      <p:stCondLst>
-                        <p:cond delay="indefinite"/>
-                      </p:stCondLst>
-                      <p:childTnLst>
-                        <p:par>
-                          <p:cTn id="4" fill="hold">
-                            <p:stCondLst>
-                              <p:cond delay="0"/>
-                            </p:stCondLst>
-                            <p:childTnLst>
-                              <p:par>
-                                <p:cTn id="5" presetID="2" presetClass="entr" presetSubtype="4" fill="hold" nodeType="clickEffect">
-                                  <p:stCondLst>
-                                    <p:cond delay="0"/>
-                                  </p:stCondLst>
-                                  <p:childTnLst>
-                                    <p:set>
-                                      <p:cBhvr>
-                                        <p:cTn id="6" dur="1" fill="hold">
-                                          <p:stCondLst>
-                                            <p:cond delay="0"/>
-                                          </p:stCondLst>
-                                        </p:cTn>
-                                        <p:tgtEl>
-                                          <p:spTgt spid="5"/>
-                                        </p:tgtEl>
-                                        <p:attrNameLst>
-                                          <p:attrName>style.visibility</p:attrName>
-                                        </p:attrNameLst>
-                                      </p:cBhvr>
-                                      <p:to>
-                                        <p:strVal val="visible"/>
-                                      </p:to>
-                                    </p:set>
-                                    <p:anim calcmode="lin" valueType="num">
-                                      <p:cBhvr additive="base">
-                                        <p:cTn id="7" dur="500" fill="hold"/>
-                                        <p:tgtEl>
-                                          <p:spTgt spid="5"/>
-                                        </p:tgtEl>
-                                        <p:attrNameLst>
-                                          <p:attrName>ppt_x</p:attrName>
-                                        </p:attrNameLst>
-                                      </p:cBhvr>
-                                      <p:tavLst>
-                                        <p:tav tm="0">
-                                          <p:val>
-                                            <p:strVal val="#ppt_x"/>
-                                          </p:val>
-                                        </p:tav>
-                                        <p:tav tm="100000">
-                                          <p:val>
-                                            <p:strVal val="#ppt_x"/>
-                                          </p:val>
-                                        </p:tav>
-                                      </p:tavLst>
-                                    </p:anim>
-                                    <p:anim calcmode="lin" valueType="num">
-                                      <p:cBhvr additive="base">
-                                        <p:cTn id="8" dur="500" fill="hold"/>
-                                        <p:tgtEl>
-                                          <p:spTgt spid="5"/>
-                                        </p:tgtEl>
-                                        <p:attrNameLst>
-                                          <p:attrName>ppt_y</p:attrName>
-                                        </p:attrNameLst>
-                                      </p:cBhvr>
-                                      <p:tavLst>
-                                        <p:tav tm="0">
-                                          <p:val>
-                                            <p:strVal val="1+#ppt_h/2"/>
-                                          </p:val>
-                                        </p:tav>
-                                        <p:tav tm="100000">
-                                          <p:val>
-                                            <p:strVal val="#ppt_y"/>
-                                          </p:val>
-                                        </p:tav>
-                                      </p:tavLst>
-                                    </p:anim>
-                                  </p:childTnLst>
-                                </p:cTn>
-                              </p:par>
-                            </p:childTnLst>
-                          </p:cTn>
-                        </p:par>
-                      </p:childTnLst>
-                    </p:cTn>
-                  </p:par>
-                  <p:par>
-                    <p:cTn id="9" fill="hold">
-                      <p:stCondLst>
-                        <p:cond delay="indefinite"/>
-                      </p:stCondLst>
-                      <p:childTnLst>
-                        <p:par>
-                          <p:cTn id="10" fill="hold">
-                            <p:stCondLst>
-                              <p:cond delay="0"/>
-                            </p:stCondLst>
-                            <p:childTnLst>
-                              <p:par>
-                                <p:cTn id="11" presetID="10" presetClass="entr" presetSubtype="0" fill="hold" grpId="1" nodeType="clickEffect">
-                                  <p:stCondLst>
-                                    <p:cond delay="0"/>
-                                  </p:stCondLst>
-                                  <p:iterate type="lt">
-                                    <p:tmPct val="0"/>
-                                  </p:iterate>
-                                  <p:childTnLst>
-                                    <p:set>
-                                      <p:cBhvr>
-                                        <p:cTn id="12" dur="1" fill="hold">
-                                          <p:stCondLst>
-                                            <p:cond delay="0"/>
-                                          </p:stCondLst>
-                                        </p:cTn>
-                                        <p:tgtEl>
-                                          <p:spTgt spid="6"/>
-                                        </p:tgtEl>
-                                        <p:attrNameLst>
-                                          <p:attrName>style.visibility</p:attrName>
-                                        </p:attrNameLst>
-                                      </p:cBhvr>
-                                      <p:to>
-                                        <p:strVal val="visible"/>
-                                      </p:to>
-                                    </p:set>
-                                    <p:animEffect transition="in" filter="fade">
-                                      <p:cBhvr>
-                                        <p:cTn id="13" dur="500"/>
-                                        <p:tgtEl>
-                                          <p:spTgt spid="6"/>
-                                        </p:tgtEl>
-                                      </p:cBhvr>
-                                    </p:animEffect>
-                                  </p:childTnLst>
-                                </p:cTn>
-                              </p:par>
-                              <p:par>
-                                <p:cTn id="14" presetID="34" presetClass="emph" presetSubtype="0" fill="hold" grpId="0" nodeType="withEffect">
-                                  <p:stCondLst>
-                                    <p:cond delay="500"/>
-                                  </p:stCondLst>
-                                  <p:iterate type="lt">
-                                    <p:tmPct val="10000"/>
-                                  </p:iterate>
-                                  <p:childTnLst>
-                                    <p:animMotion origin="layout" path="M -8.33333E-7 -7.40741E-7 L -8.33333E-7 -0.07222 " pathEditMode="relative" rAng="0" ptsTypes="AA">
-                                      <p:cBhvr>
-                                        <p:cTn id="15" dur="300" accel="50000" decel="50000" autoRev="1" fill="hold">
-                                          <p:stCondLst>
-                                            <p:cond delay="0"/>
-                                          </p:stCondLst>
-                                        </p:cTn>
-                                        <p:tgtEl>
-                                          <p:spTgt spid="6"/>
-                                        </p:tgtEl>
-                                        <p:attrNameLst>
-                                          <p:attrName>ppt_x</p:attrName>
-                                          <p:attrName>ppt_y</p:attrName>
-                                        </p:attrNameLst>
-                                      </p:cBhvr>
-                                      <p:rCtr x="0" y="-3611"/>
-                                    </p:animMotion>
-                                    <p:animRot by="1500000">
-                                      <p:cBhvr>
-                                        <p:cTn id="16" dur="150" fill="hold">
-                                          <p:stCondLst>
-                                            <p:cond delay="0"/>
-                                          </p:stCondLst>
-                                        </p:cTn>
-                                        <p:tgtEl>
-                                          <p:spTgt spid="6"/>
-                                        </p:tgtEl>
-                                        <p:attrNameLst>
-                                          <p:attrName>r</p:attrName>
-                                        </p:attrNameLst>
-                                      </p:cBhvr>
-                                    </p:animRot>
-                                    <p:animRot by="-1500000">
-                                      <p:cBhvr>
-                                        <p:cTn id="17" dur="150" fill="hold">
-                                          <p:stCondLst>
-                                            <p:cond delay="150"/>
-                                          </p:stCondLst>
-                                        </p:cTn>
-                                        <p:tgtEl>
-                                          <p:spTgt spid="6"/>
-                                        </p:tgtEl>
-                                        <p:attrNameLst>
-                                          <p:attrName>r</p:attrName>
-                                        </p:attrNameLst>
-                                      </p:cBhvr>
-                                    </p:animRot>
-                                    <p:animRot by="-1500000">
-                                      <p:cBhvr>
-                                        <p:cTn id="18" dur="150" fill="hold">
-                                          <p:stCondLst>
-                                            <p:cond delay="300"/>
-                                          </p:stCondLst>
-                                        </p:cTn>
-                                        <p:tgtEl>
-                                          <p:spTgt spid="6"/>
-                                        </p:tgtEl>
-                                        <p:attrNameLst>
-                                          <p:attrName>r</p:attrName>
-                                        </p:attrNameLst>
-                                      </p:cBhvr>
-                                    </p:animRot>
-                                    <p:animRot by="1500000">
-                                      <p:cBhvr>
-                                        <p:cTn id="19" dur="150" fill="hold">
-                                          <p:stCondLst>
-                                            <p:cond delay="450"/>
-                                          </p:stCondLst>
-                                        </p:cTn>
-                                        <p:tgtEl>
-                                          <p:spTgt spid="6"/>
-                                        </p:tgtEl>
-                                        <p:attrNameLst>
-                                          <p:attrName>r</p:attrName>
-                                        </p:attrNameLst>
-                                      </p:cBhvr>
-                                    </p:animRot>
-                                  </p:childTnLst>
-                                </p:cTn>
-                              </p:par>
-                            </p:childTnLst>
-                          </p:cTn>
-                        </p:par>
-                      </p:childTnLst>
-                    </p:cTn>
-                  </p:par>
-                  <p:par>
-                    <p:cTn id="20" fill="hold">
-                      <p:stCondLst>
-                        <p:cond delay="indefinite"/>
-                      </p:stCondLst>
-                      <p:childTnLst>
-                        <p:par>
-                          <p:cTn id="21" fill="hold">
-                            <p:stCondLst>
-                              <p:cond delay="0"/>
-                            </p:stCondLst>
-                            <p:childTnLst>
-                              <p:par>
-                                <p:cTn id="22" presetID="26" presetClass="emph" presetSubtype="0" fill="hold" nodeType="clickEffect">
-                                  <p:stCondLst>
-                                    <p:cond delay="0"/>
-                                  </p:stCondLst>
-                                  <p:childTnLst>
-                                    <p:animEffect transition="out" filter="fade">
-                                      <p:cBhvr>
-                                        <p:cTn id="23" dur="500" tmFilter="0, 0; .2, .5; .8, .5; 1, 0"/>
-                                        <p:tgtEl>
-                                          <p:spTgt spid="5"/>
-                                        </p:tgtEl>
-                                      </p:cBhvr>
-                                    </p:animEffect>
-                                    <p:animScale>
-                                      <p:cBhvr>
-                                        <p:cTn id="24" dur="250" autoRev="1" fill="hold"/>
-                                        <p:tgtEl>
-                                          <p:spTgt spid="5"/>
-                                        </p:tgtEl>
-                                      </p:cBhvr>
-                                      <p:by x="105000" y="105000"/>
-                                    </p:animScale>
-                                  </p:childTnLst>
-                                </p:cTn>
-                              </p:par>
-                            </p:childTnLst>
-                          </p:cTn>
-                        </p:par>
-                      </p:childTnLst>
-                    </p:cTn>
-                  </p:par>
-                </p:childTnLst>
-              </p:cTn>
-              <p:prevCondLst>
-                <p:cond evt="onPrev" delay="0">
-                  <p:tgtEl>
-                    <p:sldTgt/>
-                  </p:tgtEl>
-                </p:cond>
-              </p:prevCondLst>
-              <p:nextCondLst>
-                <p:cond evt="onNext" delay="0">
-                  <p:tgtEl>
-                    <p:sldTgt/>
-                  </p:tgtEl>
-                </p:cond>
-              </p:nextCondLst>
-            </p:seq>
-          </p:childTnLst>
-        </p:cTn>
-      </p:par>
-    </p:tnLst>
-    <p:bldLst>
-      <p:bldP spid="6" grpId="0"/>
-      <p:bldP spid="6" grpId="1"/>
-    </p:bldLst>
-  </p:timing>
-</p:sld>
-</file>
-
-<file path=ppt/slides/slide11.xml><?xml version="1.0" encoding="utf-8"?>
-<p:sld xmlns:a="http://schemas.openxmlformats.org/drawingml/2006/main" xmlns:r="http://schemas.openxmlformats.org/officeDocument/2006/relationships" xmlns:p="http://schemas.openxmlformats.org/presentationml/2006/main">
-  <p:cSld>
-    <p:spTree>
-      <p:nvGrpSpPr>
-        <p:cNvPr id="1" name=""/>
-        <p:cNvGrpSpPr/>
-        <p:nvPr/>
-      </p:nvGrpSpPr>
-      <p:grpSpPr>
-        <a:xfrm>
-          <a:off x="0" y="0"/>
-          <a:ext cx="0" cy="0"/>
-          <a:chOff x="0" y="0"/>
-          <a:chExt cx="0" cy="0"/>
-        </a:xfrm>
-      </p:grpSpPr>
       <p:pic>
         <p:nvPicPr>
           <p:cNvPr id="41" name="Picture 40">
@@ -5439,7 +4802,7 @@
 </p:sld>
 </file>
 
-<file path=ppt/slides/slide12.xml><?xml version="1.0" encoding="utf-8"?>
+<file path=ppt/slides/slide11.xml><?xml version="1.0" encoding="utf-8"?>
 <p:sld xmlns:a="http://schemas.openxmlformats.org/drawingml/2006/main" xmlns:r="http://schemas.openxmlformats.org/officeDocument/2006/relationships" xmlns:p="http://schemas.openxmlformats.org/presentationml/2006/main" showMasterSp="0">
   <p:cSld>
     <p:bg>
@@ -5921,7 +5284,7 @@
 </p:sld>
 </file>
 
-<file path=ppt/slides/slide13.xml><?xml version="1.0" encoding="utf-8"?>
+<file path=ppt/slides/slide12.xml><?xml version="1.0" encoding="utf-8"?>
 <p:sld xmlns:a="http://schemas.openxmlformats.org/drawingml/2006/main" xmlns:r="http://schemas.openxmlformats.org/officeDocument/2006/relationships" xmlns:p="http://schemas.openxmlformats.org/presentationml/2006/main" showMasterSp="0">
   <p:cSld>
     <p:bg>
@@ -6056,7 +5419,7 @@
 </p:sld>
 </file>
 
-<file path=ppt/slides/slide14.xml><?xml version="1.0" encoding="utf-8"?>
+<file path=ppt/slides/slide13.xml><?xml version="1.0" encoding="utf-8"?>
 <p:sld xmlns:a="http://schemas.openxmlformats.org/drawingml/2006/main" xmlns:r="http://schemas.openxmlformats.org/officeDocument/2006/relationships" xmlns:p="http://schemas.openxmlformats.org/presentationml/2006/main">
   <p:cSld>
     <p:spTree>
@@ -6367,7 +5730,7 @@
 </p:sld>
 </file>
 
-<file path=ppt/slides/slide15.xml><?xml version="1.0" encoding="utf-8"?>
+<file path=ppt/slides/slide14.xml><?xml version="1.0" encoding="utf-8"?>
 <p:sld xmlns:a="http://schemas.openxmlformats.org/drawingml/2006/main" xmlns:r="http://schemas.openxmlformats.org/officeDocument/2006/relationships" xmlns:p="http://schemas.openxmlformats.org/presentationml/2006/main">
   <p:cSld>
     <p:spTree>
@@ -6469,7 +5832,7 @@
 </p:sld>
 </file>
 
-<file path=ppt/slides/slide16.xml><?xml version="1.0" encoding="utf-8"?>
+<file path=ppt/slides/slide15.xml><?xml version="1.0" encoding="utf-8"?>
 <p:sld xmlns:a="http://schemas.openxmlformats.org/drawingml/2006/main" xmlns:r="http://schemas.openxmlformats.org/officeDocument/2006/relationships" xmlns:p="http://schemas.openxmlformats.org/presentationml/2006/main">
   <p:cSld>
     <p:spTree>
@@ -6581,7 +5944,7 @@
 </p:sld>
 </file>
 
-<file path=ppt/slides/slide17.xml><?xml version="1.0" encoding="utf-8"?>
+<file path=ppt/slides/slide16.xml><?xml version="1.0" encoding="utf-8"?>
 <p:sld xmlns:a="http://schemas.openxmlformats.org/drawingml/2006/main" xmlns:r="http://schemas.openxmlformats.org/officeDocument/2006/relationships" xmlns:p="http://schemas.openxmlformats.org/presentationml/2006/main">
   <p:cSld>
     <p:spTree>
@@ -7224,7 +6587,7 @@
 </p:sld>
 </file>
 
-<file path=ppt/slides/slide18.xml><?xml version="1.0" encoding="utf-8"?>
+<file path=ppt/slides/slide17.xml><?xml version="1.0" encoding="utf-8"?>
 <p:sld xmlns:a="http://schemas.openxmlformats.org/drawingml/2006/main" xmlns:r="http://schemas.openxmlformats.org/officeDocument/2006/relationships" xmlns:p="http://schemas.openxmlformats.org/presentationml/2006/main">
   <p:cSld>
     <p:spTree>
@@ -7568,7 +6931,7 @@
 </p:sld>
 </file>
 
-<file path=ppt/slides/slide19.xml><?xml version="1.0" encoding="utf-8"?>
+<file path=ppt/slides/slide18.xml><?xml version="1.0" encoding="utf-8"?>
 <p:sld xmlns:a="http://schemas.openxmlformats.org/drawingml/2006/main" xmlns:r="http://schemas.openxmlformats.org/officeDocument/2006/relationships" xmlns:p="http://schemas.openxmlformats.org/presentationml/2006/main">
   <p:cSld>
     <p:spTree>
@@ -9998,3298 +9361,7 @@
 </p:sld>
 </file>
 
-<file path=ppt/slides/slide2.xml><?xml version="1.0" encoding="utf-8"?>
-<p:sld xmlns:a="http://schemas.openxmlformats.org/drawingml/2006/main" xmlns:r="http://schemas.openxmlformats.org/officeDocument/2006/relationships" xmlns:p="http://schemas.openxmlformats.org/presentationml/2006/main">
-  <p:cSld>
-    <p:spTree>
-      <p:nvGrpSpPr>
-        <p:cNvPr id="1" name=""/>
-        <p:cNvGrpSpPr/>
-        <p:nvPr/>
-      </p:nvGrpSpPr>
-      <p:grpSpPr>
-        <a:xfrm>
-          <a:off x="0" y="0"/>
-          <a:ext cx="0" cy="0"/>
-          <a:chOff x="0" y="0"/>
-          <a:chExt cx="0" cy="0"/>
-        </a:xfrm>
-      </p:grpSpPr>
-      <p:grpSp>
-        <p:nvGrpSpPr>
-          <p:cNvPr id="2" name="c5accd2d-f733-4824-ad64-beb893ea6727"/>
-          <p:cNvGrpSpPr>
-            <a:grpSpLocks noChangeAspect="1"/>
-          </p:cNvGrpSpPr>
-          <p:nvPr/>
-        </p:nvGrpSpPr>
-        <p:grpSpPr>
-          <a:xfrm>
-            <a:off x="942421" y="2377132"/>
-            <a:ext cx="10358133" cy="2309777"/>
-            <a:chOff x="1390565" y="2834333"/>
-            <a:chExt cx="9909989" cy="2209845"/>
-          </a:xfrm>
-        </p:grpSpPr>
-        <p:grpSp>
-          <p:nvGrpSpPr>
-            <p:cNvPr id="3" name="Group 28"/>
-            <p:cNvGrpSpPr/>
-            <p:nvPr/>
-          </p:nvGrpSpPr>
-          <p:grpSpPr>
-            <a:xfrm>
-              <a:off x="1768046" y="2834333"/>
-              <a:ext cx="1458180" cy="1663040"/>
-              <a:chOff x="1856520" y="2834333"/>
-              <a:chExt cx="1458180" cy="1663040"/>
-            </a:xfrm>
-          </p:grpSpPr>
-          <p:sp>
-            <p:nvSpPr>
-              <p:cNvPr id="25" name="Freeform: Shape 1"/>
-              <p:cNvSpPr>
-                <a:spLocks/>
-              </p:cNvSpPr>
-              <p:nvPr/>
-            </p:nvSpPr>
-            <p:spPr bwMode="auto">
-              <a:xfrm>
-                <a:off x="1856520" y="2834333"/>
-                <a:ext cx="1458180" cy="1663040"/>
-              </a:xfrm>
-              <a:custGeom>
-                <a:avLst/>
-                <a:gdLst>
-                  <a:gd name="T0" fmla="*/ 573 w 1146"/>
-                  <a:gd name="T1" fmla="*/ 0 h 1307"/>
-                  <a:gd name="T2" fmla="*/ 1146 w 1146"/>
-                  <a:gd name="T3" fmla="*/ 287 h 1307"/>
-                  <a:gd name="T4" fmla="*/ 1146 w 1146"/>
-                  <a:gd name="T5" fmla="*/ 1021 h 1307"/>
-                  <a:gd name="T6" fmla="*/ 573 w 1146"/>
-                  <a:gd name="T7" fmla="*/ 1307 h 1307"/>
-                  <a:gd name="T8" fmla="*/ 0 w 1146"/>
-                  <a:gd name="T9" fmla="*/ 1021 h 1307"/>
-                  <a:gd name="T10" fmla="*/ 0 w 1146"/>
-                  <a:gd name="T11" fmla="*/ 287 h 1307"/>
-                  <a:gd name="T12" fmla="*/ 573 w 1146"/>
-                  <a:gd name="T13" fmla="*/ 0 h 1307"/>
-                </a:gdLst>
-                <a:ahLst/>
-                <a:cxnLst>
-                  <a:cxn ang="0">
-                    <a:pos x="T0" y="T1"/>
-                  </a:cxn>
-                  <a:cxn ang="0">
-                    <a:pos x="T2" y="T3"/>
-                  </a:cxn>
-                  <a:cxn ang="0">
-                    <a:pos x="T4" y="T5"/>
-                  </a:cxn>
-                  <a:cxn ang="0">
-                    <a:pos x="T6" y="T7"/>
-                  </a:cxn>
-                  <a:cxn ang="0">
-                    <a:pos x="T8" y="T9"/>
-                  </a:cxn>
-                  <a:cxn ang="0">
-                    <a:pos x="T10" y="T11"/>
-                  </a:cxn>
-                  <a:cxn ang="0">
-                    <a:pos x="T12" y="T13"/>
-                  </a:cxn>
-                </a:cxnLst>
-                <a:rect l="0" t="0" r="r" b="b"/>
-                <a:pathLst>
-                  <a:path w="1146" h="1307">
-                    <a:moveTo>
-                      <a:pt x="573" y="0"/>
-                    </a:moveTo>
-                    <a:lnTo>
-                      <a:pt x="1146" y="287"/>
-                    </a:lnTo>
-                    <a:lnTo>
-                      <a:pt x="1146" y="1021"/>
-                    </a:lnTo>
-                    <a:lnTo>
-                      <a:pt x="573" y="1307"/>
-                    </a:lnTo>
-                    <a:lnTo>
-                      <a:pt x="0" y="1021"/>
-                    </a:lnTo>
-                    <a:lnTo>
-                      <a:pt x="0" y="287"/>
-                    </a:lnTo>
-                    <a:lnTo>
-                      <a:pt x="573" y="0"/>
-                    </a:lnTo>
-                    <a:close/>
-                  </a:path>
-                </a:pathLst>
-              </a:custGeom>
-              <a:noFill/>
-              <a:ln w="28575">
-                <a:solidFill>
-                  <a:schemeClr val="accent1"/>
-                </a:solidFill>
-              </a:ln>
-              <a:extLst/>
-            </p:spPr>
-            <p:txBody>
-              <a:bodyPr anchor="ctr"/>
-              <a:lstStyle/>
-              <a:p>
-                <a:pPr algn="ctr"/>
-                <a:endParaRPr/>
-              </a:p>
-            </p:txBody>
-          </p:sp>
-          <p:sp>
-            <p:nvSpPr>
-              <p:cNvPr id="26" name="Freeform: Shape 10"/>
-              <p:cNvSpPr>
-                <a:spLocks noChangeAspect="1"/>
-              </p:cNvSpPr>
-              <p:nvPr/>
-            </p:nvSpPr>
-            <p:spPr bwMode="auto">
-              <a:xfrm>
-                <a:off x="2330879" y="3400302"/>
-                <a:ext cx="497910" cy="531102"/>
-              </a:xfrm>
-              <a:custGeom>
-                <a:avLst/>
-                <a:gdLst>
-                  <a:gd name="T0" fmla="*/ 41 w 45"/>
-                  <a:gd name="T1" fmla="*/ 48 h 48"/>
-                  <a:gd name="T2" fmla="*/ 0 w 45"/>
-                  <a:gd name="T3" fmla="*/ 44 h 48"/>
-                  <a:gd name="T4" fmla="*/ 3 w 45"/>
-                  <a:gd name="T5" fmla="*/ 7 h 48"/>
-                  <a:gd name="T6" fmla="*/ 7 w 45"/>
-                  <a:gd name="T7" fmla="*/ 4 h 48"/>
-                  <a:gd name="T8" fmla="*/ 13 w 45"/>
-                  <a:gd name="T9" fmla="*/ 0 h 48"/>
-                  <a:gd name="T10" fmla="*/ 17 w 45"/>
-                  <a:gd name="T11" fmla="*/ 7 h 48"/>
-                  <a:gd name="T12" fmla="*/ 27 w 45"/>
-                  <a:gd name="T13" fmla="*/ 4 h 48"/>
-                  <a:gd name="T14" fmla="*/ 33 w 45"/>
-                  <a:gd name="T15" fmla="*/ 0 h 48"/>
-                  <a:gd name="T16" fmla="*/ 38 w 45"/>
-                  <a:gd name="T17" fmla="*/ 7 h 48"/>
-                  <a:gd name="T18" fmla="*/ 45 w 45"/>
-                  <a:gd name="T19" fmla="*/ 10 h 48"/>
-                  <a:gd name="T20" fmla="*/ 11 w 45"/>
-                  <a:gd name="T21" fmla="*/ 25 h 48"/>
-                  <a:gd name="T22" fmla="*/ 3 w 45"/>
-                  <a:gd name="T23" fmla="*/ 17 h 48"/>
-                  <a:gd name="T24" fmla="*/ 11 w 45"/>
-                  <a:gd name="T25" fmla="*/ 25 h 48"/>
-                  <a:gd name="T26" fmla="*/ 11 w 45"/>
-                  <a:gd name="T27" fmla="*/ 26 h 48"/>
-                  <a:gd name="T28" fmla="*/ 3 w 45"/>
-                  <a:gd name="T29" fmla="*/ 35 h 48"/>
-                  <a:gd name="T30" fmla="*/ 11 w 45"/>
-                  <a:gd name="T31" fmla="*/ 44 h 48"/>
-                  <a:gd name="T32" fmla="*/ 3 w 45"/>
-                  <a:gd name="T33" fmla="*/ 37 h 48"/>
-                  <a:gd name="T34" fmla="*/ 11 w 45"/>
-                  <a:gd name="T35" fmla="*/ 44 h 48"/>
-                  <a:gd name="T36" fmla="*/ 13 w 45"/>
-                  <a:gd name="T37" fmla="*/ 3 h 48"/>
-                  <a:gd name="T38" fmla="*/ 10 w 45"/>
-                  <a:gd name="T39" fmla="*/ 4 h 48"/>
-                  <a:gd name="T40" fmla="*/ 11 w 45"/>
-                  <a:gd name="T41" fmla="*/ 13 h 48"/>
-                  <a:gd name="T42" fmla="*/ 14 w 45"/>
-                  <a:gd name="T43" fmla="*/ 12 h 48"/>
-                  <a:gd name="T44" fmla="*/ 21 w 45"/>
-                  <a:gd name="T45" fmla="*/ 25 h 48"/>
-                  <a:gd name="T46" fmla="*/ 13 w 45"/>
-                  <a:gd name="T47" fmla="*/ 17 h 48"/>
-                  <a:gd name="T48" fmla="*/ 21 w 45"/>
-                  <a:gd name="T49" fmla="*/ 25 h 48"/>
-                  <a:gd name="T50" fmla="*/ 21 w 45"/>
-                  <a:gd name="T51" fmla="*/ 26 h 48"/>
-                  <a:gd name="T52" fmla="*/ 13 w 45"/>
-                  <a:gd name="T53" fmla="*/ 35 h 48"/>
-                  <a:gd name="T54" fmla="*/ 21 w 45"/>
-                  <a:gd name="T55" fmla="*/ 44 h 48"/>
-                  <a:gd name="T56" fmla="*/ 13 w 45"/>
-                  <a:gd name="T57" fmla="*/ 37 h 48"/>
-                  <a:gd name="T58" fmla="*/ 21 w 45"/>
-                  <a:gd name="T59" fmla="*/ 44 h 48"/>
-                  <a:gd name="T60" fmla="*/ 32 w 45"/>
-                  <a:gd name="T61" fmla="*/ 17 h 48"/>
-                  <a:gd name="T62" fmla="*/ 23 w 45"/>
-                  <a:gd name="T63" fmla="*/ 25 h 48"/>
-                  <a:gd name="T64" fmla="*/ 32 w 45"/>
-                  <a:gd name="T65" fmla="*/ 35 h 48"/>
-                  <a:gd name="T66" fmla="*/ 23 w 45"/>
-                  <a:gd name="T67" fmla="*/ 26 h 48"/>
-                  <a:gd name="T68" fmla="*/ 32 w 45"/>
-                  <a:gd name="T69" fmla="*/ 35 h 48"/>
-                  <a:gd name="T70" fmla="*/ 32 w 45"/>
-                  <a:gd name="T71" fmla="*/ 37 h 48"/>
-                  <a:gd name="T72" fmla="*/ 23 w 45"/>
-                  <a:gd name="T73" fmla="*/ 44 h 48"/>
-                  <a:gd name="T74" fmla="*/ 34 w 45"/>
-                  <a:gd name="T75" fmla="*/ 4 h 48"/>
-                  <a:gd name="T76" fmla="*/ 32 w 45"/>
-                  <a:gd name="T77" fmla="*/ 3 h 48"/>
-                  <a:gd name="T78" fmla="*/ 31 w 45"/>
-                  <a:gd name="T79" fmla="*/ 12 h 48"/>
-                  <a:gd name="T80" fmla="*/ 33 w 45"/>
-                  <a:gd name="T81" fmla="*/ 13 h 48"/>
-                  <a:gd name="T82" fmla="*/ 34 w 45"/>
-                  <a:gd name="T83" fmla="*/ 4 h 48"/>
-                  <a:gd name="T84" fmla="*/ 41 w 45"/>
-                  <a:gd name="T85" fmla="*/ 17 h 48"/>
-                  <a:gd name="T86" fmla="*/ 33 w 45"/>
-                  <a:gd name="T87" fmla="*/ 25 h 48"/>
-                  <a:gd name="T88" fmla="*/ 41 w 45"/>
-                  <a:gd name="T89" fmla="*/ 35 h 48"/>
-                  <a:gd name="T90" fmla="*/ 33 w 45"/>
-                  <a:gd name="T91" fmla="*/ 26 h 48"/>
-                  <a:gd name="T92" fmla="*/ 41 w 45"/>
-                  <a:gd name="T93" fmla="*/ 35 h 48"/>
-                  <a:gd name="T94" fmla="*/ 41 w 45"/>
-                  <a:gd name="T95" fmla="*/ 37 h 48"/>
-                  <a:gd name="T96" fmla="*/ 33 w 45"/>
-                  <a:gd name="T97" fmla="*/ 44 h 48"/>
-                </a:gdLst>
-                <a:ahLst/>
-                <a:cxnLst>
-                  <a:cxn ang="0">
-                    <a:pos x="T0" y="T1"/>
-                  </a:cxn>
-                  <a:cxn ang="0">
-                    <a:pos x="T2" y="T3"/>
-                  </a:cxn>
-                  <a:cxn ang="0">
-                    <a:pos x="T4" y="T5"/>
-                  </a:cxn>
-                  <a:cxn ang="0">
-                    <a:pos x="T6" y="T7"/>
-                  </a:cxn>
-                  <a:cxn ang="0">
-                    <a:pos x="T8" y="T9"/>
-                  </a:cxn>
-                  <a:cxn ang="0">
-                    <a:pos x="T10" y="T11"/>
-                  </a:cxn>
-                  <a:cxn ang="0">
-                    <a:pos x="T12" y="T13"/>
-                  </a:cxn>
-                  <a:cxn ang="0">
-                    <a:pos x="T14" y="T15"/>
-                  </a:cxn>
-                  <a:cxn ang="0">
-                    <a:pos x="T16" y="T17"/>
-                  </a:cxn>
-                  <a:cxn ang="0">
-                    <a:pos x="T18" y="T19"/>
-                  </a:cxn>
-                  <a:cxn ang="0">
-                    <a:pos x="T20" y="T21"/>
-                  </a:cxn>
-                  <a:cxn ang="0">
-                    <a:pos x="T22" y="T23"/>
-                  </a:cxn>
-                  <a:cxn ang="0">
-                    <a:pos x="T24" y="T25"/>
-                  </a:cxn>
-                  <a:cxn ang="0">
-                    <a:pos x="T26" y="T27"/>
-                  </a:cxn>
-                  <a:cxn ang="0">
-                    <a:pos x="T28" y="T29"/>
-                  </a:cxn>
-                  <a:cxn ang="0">
-                    <a:pos x="T30" y="T31"/>
-                  </a:cxn>
-                  <a:cxn ang="0">
-                    <a:pos x="T32" y="T33"/>
-                  </a:cxn>
-                  <a:cxn ang="0">
-                    <a:pos x="T34" y="T35"/>
-                  </a:cxn>
-                  <a:cxn ang="0">
-                    <a:pos x="T36" y="T37"/>
-                  </a:cxn>
-                  <a:cxn ang="0">
-                    <a:pos x="T38" y="T39"/>
-                  </a:cxn>
-                  <a:cxn ang="0">
-                    <a:pos x="T40" y="T41"/>
-                  </a:cxn>
-                  <a:cxn ang="0">
-                    <a:pos x="T42" y="T43"/>
-                  </a:cxn>
-                  <a:cxn ang="0">
-                    <a:pos x="T44" y="T45"/>
-                  </a:cxn>
-                  <a:cxn ang="0">
-                    <a:pos x="T46" y="T47"/>
-                  </a:cxn>
-                  <a:cxn ang="0">
-                    <a:pos x="T48" y="T49"/>
-                  </a:cxn>
-                  <a:cxn ang="0">
-                    <a:pos x="T50" y="T51"/>
-                  </a:cxn>
-                  <a:cxn ang="0">
-                    <a:pos x="T52" y="T53"/>
-                  </a:cxn>
-                  <a:cxn ang="0">
-                    <a:pos x="T54" y="T55"/>
-                  </a:cxn>
-                  <a:cxn ang="0">
-                    <a:pos x="T56" y="T57"/>
-                  </a:cxn>
-                  <a:cxn ang="0">
-                    <a:pos x="T58" y="T59"/>
-                  </a:cxn>
-                  <a:cxn ang="0">
-                    <a:pos x="T60" y="T61"/>
-                  </a:cxn>
-                  <a:cxn ang="0">
-                    <a:pos x="T62" y="T63"/>
-                  </a:cxn>
-                  <a:cxn ang="0">
-                    <a:pos x="T64" y="T65"/>
-                  </a:cxn>
-                  <a:cxn ang="0">
-                    <a:pos x="T66" y="T67"/>
-                  </a:cxn>
-                  <a:cxn ang="0">
-                    <a:pos x="T68" y="T69"/>
-                  </a:cxn>
-                  <a:cxn ang="0">
-                    <a:pos x="T70" y="T71"/>
-                  </a:cxn>
-                  <a:cxn ang="0">
-                    <a:pos x="T72" y="T73"/>
-                  </a:cxn>
-                  <a:cxn ang="0">
-                    <a:pos x="T74" y="T75"/>
-                  </a:cxn>
-                  <a:cxn ang="0">
-                    <a:pos x="T76" y="T77"/>
-                  </a:cxn>
-                  <a:cxn ang="0">
-                    <a:pos x="T78" y="T79"/>
-                  </a:cxn>
-                  <a:cxn ang="0">
-                    <a:pos x="T80" y="T81"/>
-                  </a:cxn>
-                  <a:cxn ang="0">
-                    <a:pos x="T82" y="T83"/>
-                  </a:cxn>
-                  <a:cxn ang="0">
-                    <a:pos x="T84" y="T85"/>
-                  </a:cxn>
-                  <a:cxn ang="0">
-                    <a:pos x="T86" y="T87"/>
-                  </a:cxn>
-                  <a:cxn ang="0">
-                    <a:pos x="T88" y="T89"/>
-                  </a:cxn>
-                  <a:cxn ang="0">
-                    <a:pos x="T90" y="T91"/>
-                  </a:cxn>
-                  <a:cxn ang="0">
-                    <a:pos x="T92" y="T93"/>
-                  </a:cxn>
-                  <a:cxn ang="0">
-                    <a:pos x="T94" y="T95"/>
-                  </a:cxn>
-                  <a:cxn ang="0">
-                    <a:pos x="T96" y="T97"/>
-                  </a:cxn>
-                </a:cxnLst>
-                <a:rect l="0" t="0" r="r" b="b"/>
-                <a:pathLst>
-                  <a:path w="45" h="48">
-                    <a:moveTo>
-                      <a:pt x="45" y="44"/>
-                    </a:moveTo>
-                    <a:cubicBezTo>
-                      <a:pt x="45" y="46"/>
-                      <a:pt x="43" y="48"/>
-                      <a:pt x="41" y="48"/>
-                    </a:cubicBezTo>
-                    <a:cubicBezTo>
-                      <a:pt x="3" y="48"/>
-                      <a:pt x="3" y="48"/>
-                      <a:pt x="3" y="48"/>
-                    </a:cubicBezTo>
-                    <a:cubicBezTo>
-                      <a:pt x="1" y="48"/>
-                      <a:pt x="0" y="46"/>
-                      <a:pt x="0" y="44"/>
-                    </a:cubicBezTo>
-                    <a:cubicBezTo>
-                      <a:pt x="0" y="10"/>
-                      <a:pt x="0" y="10"/>
-                      <a:pt x="0" y="10"/>
-                    </a:cubicBezTo>
-                    <a:cubicBezTo>
-                      <a:pt x="0" y="8"/>
-                      <a:pt x="1" y="7"/>
-                      <a:pt x="3" y="7"/>
-                    </a:cubicBezTo>
-                    <a:cubicBezTo>
-                      <a:pt x="7" y="7"/>
-                      <a:pt x="7" y="7"/>
-                      <a:pt x="7" y="7"/>
-                    </a:cubicBezTo>
-                    <a:cubicBezTo>
-                      <a:pt x="7" y="4"/>
-                      <a:pt x="7" y="4"/>
-                      <a:pt x="7" y="4"/>
-                    </a:cubicBezTo>
-                    <a:cubicBezTo>
-                      <a:pt x="7" y="2"/>
-                      <a:pt x="9" y="0"/>
-                      <a:pt x="11" y="0"/>
-                    </a:cubicBezTo>
-                    <a:cubicBezTo>
-                      <a:pt x="13" y="0"/>
-                      <a:pt x="13" y="0"/>
-                      <a:pt x="13" y="0"/>
-                    </a:cubicBezTo>
-                    <a:cubicBezTo>
-                      <a:pt x="15" y="0"/>
-                      <a:pt x="17" y="2"/>
-                      <a:pt x="17" y="4"/>
-                    </a:cubicBezTo>
-                    <a:cubicBezTo>
-                      <a:pt x="17" y="7"/>
-                      <a:pt x="17" y="7"/>
-                      <a:pt x="17" y="7"/>
-                    </a:cubicBezTo>
-                    <a:cubicBezTo>
-                      <a:pt x="27" y="7"/>
-                      <a:pt x="27" y="7"/>
-                      <a:pt x="27" y="7"/>
-                    </a:cubicBezTo>
-                    <a:cubicBezTo>
-                      <a:pt x="27" y="4"/>
-                      <a:pt x="27" y="4"/>
-                      <a:pt x="27" y="4"/>
-                    </a:cubicBezTo>
-                    <a:cubicBezTo>
-                      <a:pt x="27" y="2"/>
-                      <a:pt x="29" y="0"/>
-                      <a:pt x="32" y="0"/>
-                    </a:cubicBezTo>
-                    <a:cubicBezTo>
-                      <a:pt x="33" y="0"/>
-                      <a:pt x="33" y="0"/>
-                      <a:pt x="33" y="0"/>
-                    </a:cubicBezTo>
-                    <a:cubicBezTo>
-                      <a:pt x="36" y="0"/>
-                      <a:pt x="38" y="2"/>
-                      <a:pt x="38" y="4"/>
-                    </a:cubicBezTo>
-                    <a:cubicBezTo>
-                      <a:pt x="38" y="7"/>
-                      <a:pt x="38" y="7"/>
-                      <a:pt x="38" y="7"/>
-                    </a:cubicBezTo>
-                    <a:cubicBezTo>
-                      <a:pt x="41" y="7"/>
-                      <a:pt x="41" y="7"/>
-                      <a:pt x="41" y="7"/>
-                    </a:cubicBezTo>
-                    <a:cubicBezTo>
-                      <a:pt x="43" y="7"/>
-                      <a:pt x="45" y="8"/>
-                      <a:pt x="45" y="10"/>
-                    </a:cubicBezTo>
-                    <a:lnTo>
-                      <a:pt x="45" y="44"/>
-                    </a:lnTo>
-                    <a:close/>
-                    <a:moveTo>
-                      <a:pt x="11" y="25"/>
-                    </a:moveTo>
-                    <a:cubicBezTo>
-                      <a:pt x="11" y="17"/>
-                      <a:pt x="11" y="17"/>
-                      <a:pt x="11" y="17"/>
-                    </a:cubicBezTo>
-                    <a:cubicBezTo>
-                      <a:pt x="3" y="17"/>
-                      <a:pt x="3" y="17"/>
-                      <a:pt x="3" y="17"/>
-                    </a:cubicBezTo>
-                    <a:cubicBezTo>
-                      <a:pt x="3" y="25"/>
-                      <a:pt x="3" y="25"/>
-                      <a:pt x="3" y="25"/>
-                    </a:cubicBezTo>
-                    <a:lnTo>
-                      <a:pt x="11" y="25"/>
-                    </a:lnTo>
-                    <a:close/>
-                    <a:moveTo>
-                      <a:pt x="11" y="35"/>
-                    </a:moveTo>
-                    <a:cubicBezTo>
-                      <a:pt x="11" y="26"/>
-                      <a:pt x="11" y="26"/>
-                      <a:pt x="11" y="26"/>
-                    </a:cubicBezTo>
-                    <a:cubicBezTo>
-                      <a:pt x="3" y="26"/>
-                      <a:pt x="3" y="26"/>
-                      <a:pt x="3" y="26"/>
-                    </a:cubicBezTo>
-                    <a:cubicBezTo>
-                      <a:pt x="3" y="35"/>
-                      <a:pt x="3" y="35"/>
-                      <a:pt x="3" y="35"/>
-                    </a:cubicBezTo>
-                    <a:lnTo>
-                      <a:pt x="11" y="35"/>
-                    </a:lnTo>
-                    <a:close/>
-                    <a:moveTo>
-                      <a:pt x="11" y="44"/>
-                    </a:moveTo>
-                    <a:cubicBezTo>
-                      <a:pt x="11" y="37"/>
-                      <a:pt x="11" y="37"/>
-                      <a:pt x="11" y="37"/>
-                    </a:cubicBezTo>
-                    <a:cubicBezTo>
-                      <a:pt x="3" y="37"/>
-                      <a:pt x="3" y="37"/>
-                      <a:pt x="3" y="37"/>
-                    </a:cubicBezTo>
-                    <a:cubicBezTo>
-                      <a:pt x="3" y="44"/>
-                      <a:pt x="3" y="44"/>
-                      <a:pt x="3" y="44"/>
-                    </a:cubicBezTo>
-                    <a:lnTo>
-                      <a:pt x="11" y="44"/>
-                    </a:lnTo>
-                    <a:close/>
-                    <a:moveTo>
-                      <a:pt x="14" y="4"/>
-                    </a:moveTo>
-                    <a:cubicBezTo>
-                      <a:pt x="14" y="4"/>
-                      <a:pt x="13" y="3"/>
-                      <a:pt x="13" y="3"/>
-                    </a:cubicBezTo>
-                    <a:cubicBezTo>
-                      <a:pt x="11" y="3"/>
-                      <a:pt x="11" y="3"/>
-                      <a:pt x="11" y="3"/>
-                    </a:cubicBezTo>
-                    <a:cubicBezTo>
-                      <a:pt x="11" y="3"/>
-                      <a:pt x="10" y="4"/>
-                      <a:pt x="10" y="4"/>
-                    </a:cubicBezTo>
-                    <a:cubicBezTo>
-                      <a:pt x="10" y="12"/>
-                      <a:pt x="10" y="12"/>
-                      <a:pt x="10" y="12"/>
-                    </a:cubicBezTo>
-                    <a:cubicBezTo>
-                      <a:pt x="10" y="12"/>
-                      <a:pt x="11" y="13"/>
-                      <a:pt x="11" y="13"/>
-                    </a:cubicBezTo>
-                    <a:cubicBezTo>
-                      <a:pt x="13" y="13"/>
-                      <a:pt x="13" y="13"/>
-                      <a:pt x="13" y="13"/>
-                    </a:cubicBezTo>
-                    <a:cubicBezTo>
-                      <a:pt x="13" y="13"/>
-                      <a:pt x="14" y="12"/>
-                      <a:pt x="14" y="12"/>
-                    </a:cubicBezTo>
-                    <a:lnTo>
-                      <a:pt x="14" y="4"/>
-                    </a:lnTo>
-                    <a:close/>
-                    <a:moveTo>
-                      <a:pt x="21" y="25"/>
-                    </a:moveTo>
-                    <a:cubicBezTo>
-                      <a:pt x="21" y="17"/>
-                      <a:pt x="21" y="17"/>
-                      <a:pt x="21" y="17"/>
-                    </a:cubicBezTo>
-                    <a:cubicBezTo>
-                      <a:pt x="13" y="17"/>
-                      <a:pt x="13" y="17"/>
-                      <a:pt x="13" y="17"/>
-                    </a:cubicBezTo>
-                    <a:cubicBezTo>
-                      <a:pt x="13" y="25"/>
-                      <a:pt x="13" y="25"/>
-                      <a:pt x="13" y="25"/>
-                    </a:cubicBezTo>
-                    <a:lnTo>
-                      <a:pt x="21" y="25"/>
-                    </a:lnTo>
-                    <a:close/>
-                    <a:moveTo>
-                      <a:pt x="21" y="35"/>
-                    </a:moveTo>
-                    <a:cubicBezTo>
-                      <a:pt x="21" y="26"/>
-                      <a:pt x="21" y="26"/>
-                      <a:pt x="21" y="26"/>
-                    </a:cubicBezTo>
-                    <a:cubicBezTo>
-                      <a:pt x="13" y="26"/>
-                      <a:pt x="13" y="26"/>
-                      <a:pt x="13" y="26"/>
-                    </a:cubicBezTo>
-                    <a:cubicBezTo>
-                      <a:pt x="13" y="35"/>
-                      <a:pt x="13" y="35"/>
-                      <a:pt x="13" y="35"/>
-                    </a:cubicBezTo>
-                    <a:lnTo>
-                      <a:pt x="21" y="35"/>
-                    </a:lnTo>
-                    <a:close/>
-                    <a:moveTo>
-                      <a:pt x="21" y="44"/>
-                    </a:moveTo>
-                    <a:cubicBezTo>
-                      <a:pt x="21" y="37"/>
-                      <a:pt x="21" y="37"/>
-                      <a:pt x="21" y="37"/>
-                    </a:cubicBezTo>
-                    <a:cubicBezTo>
-                      <a:pt x="13" y="37"/>
-                      <a:pt x="13" y="37"/>
-                      <a:pt x="13" y="37"/>
-                    </a:cubicBezTo>
-                    <a:cubicBezTo>
-                      <a:pt x="13" y="44"/>
-                      <a:pt x="13" y="44"/>
-                      <a:pt x="13" y="44"/>
-                    </a:cubicBezTo>
-                    <a:lnTo>
-                      <a:pt x="21" y="44"/>
-                    </a:lnTo>
-                    <a:close/>
-                    <a:moveTo>
-                      <a:pt x="32" y="25"/>
-                    </a:moveTo>
-                    <a:cubicBezTo>
-                      <a:pt x="32" y="17"/>
-                      <a:pt x="32" y="17"/>
-                      <a:pt x="32" y="17"/>
-                    </a:cubicBezTo>
-                    <a:cubicBezTo>
-                      <a:pt x="23" y="17"/>
-                      <a:pt x="23" y="17"/>
-                      <a:pt x="23" y="17"/>
-                    </a:cubicBezTo>
-                    <a:cubicBezTo>
-                      <a:pt x="23" y="25"/>
-                      <a:pt x="23" y="25"/>
-                      <a:pt x="23" y="25"/>
-                    </a:cubicBezTo>
-                    <a:lnTo>
-                      <a:pt x="32" y="25"/>
-                    </a:lnTo>
-                    <a:close/>
-                    <a:moveTo>
-                      <a:pt x="32" y="35"/>
-                    </a:moveTo>
-                    <a:cubicBezTo>
-                      <a:pt x="32" y="26"/>
-                      <a:pt x="32" y="26"/>
-                      <a:pt x="32" y="26"/>
-                    </a:cubicBezTo>
-                    <a:cubicBezTo>
-                      <a:pt x="23" y="26"/>
-                      <a:pt x="23" y="26"/>
-                      <a:pt x="23" y="26"/>
-                    </a:cubicBezTo>
-                    <a:cubicBezTo>
-                      <a:pt x="23" y="35"/>
-                      <a:pt x="23" y="35"/>
-                      <a:pt x="23" y="35"/>
-                    </a:cubicBezTo>
-                    <a:lnTo>
-                      <a:pt x="32" y="35"/>
-                    </a:lnTo>
-                    <a:close/>
-                    <a:moveTo>
-                      <a:pt x="32" y="44"/>
-                    </a:moveTo>
-                    <a:cubicBezTo>
-                      <a:pt x="32" y="37"/>
-                      <a:pt x="32" y="37"/>
-                      <a:pt x="32" y="37"/>
-                    </a:cubicBezTo>
-                    <a:cubicBezTo>
-                      <a:pt x="23" y="37"/>
-                      <a:pt x="23" y="37"/>
-                      <a:pt x="23" y="37"/>
-                    </a:cubicBezTo>
-                    <a:cubicBezTo>
-                      <a:pt x="23" y="44"/>
-                      <a:pt x="23" y="44"/>
-                      <a:pt x="23" y="44"/>
-                    </a:cubicBezTo>
-                    <a:lnTo>
-                      <a:pt x="32" y="44"/>
-                    </a:lnTo>
-                    <a:close/>
-                    <a:moveTo>
-                      <a:pt x="34" y="4"/>
-                    </a:moveTo>
-                    <a:cubicBezTo>
-                      <a:pt x="34" y="4"/>
-                      <a:pt x="34" y="3"/>
-                      <a:pt x="33" y="3"/>
-                    </a:cubicBezTo>
-                    <a:cubicBezTo>
-                      <a:pt x="32" y="3"/>
-                      <a:pt x="32" y="3"/>
-                      <a:pt x="32" y="3"/>
-                    </a:cubicBezTo>
-                    <a:cubicBezTo>
-                      <a:pt x="31" y="3"/>
-                      <a:pt x="31" y="4"/>
-                      <a:pt x="31" y="4"/>
-                    </a:cubicBezTo>
-                    <a:cubicBezTo>
-                      <a:pt x="31" y="12"/>
-                      <a:pt x="31" y="12"/>
-                      <a:pt x="31" y="12"/>
-                    </a:cubicBezTo>
-                    <a:cubicBezTo>
-                      <a:pt x="31" y="12"/>
-                      <a:pt x="31" y="13"/>
-                      <a:pt x="32" y="13"/>
-                    </a:cubicBezTo>
-                    <a:cubicBezTo>
-                      <a:pt x="33" y="13"/>
-                      <a:pt x="33" y="13"/>
-                      <a:pt x="33" y="13"/>
-                    </a:cubicBezTo>
-                    <a:cubicBezTo>
-                      <a:pt x="34" y="13"/>
-                      <a:pt x="34" y="12"/>
-                      <a:pt x="34" y="12"/>
-                    </a:cubicBezTo>
-                    <a:lnTo>
-                      <a:pt x="34" y="4"/>
-                    </a:lnTo>
-                    <a:close/>
-                    <a:moveTo>
-                      <a:pt x="41" y="25"/>
-                    </a:moveTo>
-                    <a:cubicBezTo>
-                      <a:pt x="41" y="17"/>
-                      <a:pt x="41" y="17"/>
-                      <a:pt x="41" y="17"/>
-                    </a:cubicBezTo>
-                    <a:cubicBezTo>
-                      <a:pt x="33" y="17"/>
-                      <a:pt x="33" y="17"/>
-                      <a:pt x="33" y="17"/>
-                    </a:cubicBezTo>
-                    <a:cubicBezTo>
-                      <a:pt x="33" y="25"/>
-                      <a:pt x="33" y="25"/>
-                      <a:pt x="33" y="25"/>
-                    </a:cubicBezTo>
-                    <a:lnTo>
-                      <a:pt x="41" y="25"/>
-                    </a:lnTo>
-                    <a:close/>
-                    <a:moveTo>
-                      <a:pt x="41" y="35"/>
-                    </a:moveTo>
-                    <a:cubicBezTo>
-                      <a:pt x="41" y="26"/>
-                      <a:pt x="41" y="26"/>
-                      <a:pt x="41" y="26"/>
-                    </a:cubicBezTo>
-                    <a:cubicBezTo>
-                      <a:pt x="33" y="26"/>
-                      <a:pt x="33" y="26"/>
-                      <a:pt x="33" y="26"/>
-                    </a:cubicBezTo>
-                    <a:cubicBezTo>
-                      <a:pt x="33" y="35"/>
-                      <a:pt x="33" y="35"/>
-                      <a:pt x="33" y="35"/>
-                    </a:cubicBezTo>
-                    <a:lnTo>
-                      <a:pt x="41" y="35"/>
-                    </a:lnTo>
-                    <a:close/>
-                    <a:moveTo>
-                      <a:pt x="41" y="44"/>
-                    </a:moveTo>
-                    <a:cubicBezTo>
-                      <a:pt x="41" y="37"/>
-                      <a:pt x="41" y="37"/>
-                      <a:pt x="41" y="37"/>
-                    </a:cubicBezTo>
-                    <a:cubicBezTo>
-                      <a:pt x="33" y="37"/>
-                      <a:pt x="33" y="37"/>
-                      <a:pt x="33" y="37"/>
-                    </a:cubicBezTo>
-                    <a:cubicBezTo>
-                      <a:pt x="33" y="44"/>
-                      <a:pt x="33" y="44"/>
-                      <a:pt x="33" y="44"/>
-                    </a:cubicBezTo>
-                    <a:lnTo>
-                      <a:pt x="41" y="44"/>
-                    </a:lnTo>
-                    <a:close/>
-                  </a:path>
-                </a:pathLst>
-              </a:custGeom>
-              <a:solidFill>
-                <a:schemeClr val="accent1"/>
-              </a:solidFill>
-              <a:ln>
-                <a:noFill/>
-              </a:ln>
-            </p:spPr>
-            <p:txBody>
-              <a:bodyPr anchor="ctr"/>
-              <a:lstStyle/>
-              <a:p>
-                <a:pPr algn="ctr"/>
-                <a:endParaRPr/>
-              </a:p>
-            </p:txBody>
-          </p:sp>
-        </p:grpSp>
-        <p:grpSp>
-          <p:nvGrpSpPr>
-            <p:cNvPr id="4" name="Group 29"/>
-            <p:cNvGrpSpPr/>
-            <p:nvPr/>
-          </p:nvGrpSpPr>
-          <p:grpSpPr>
-            <a:xfrm>
-              <a:off x="4333661" y="2834333"/>
-              <a:ext cx="1458180" cy="1663040"/>
-              <a:chOff x="4196780" y="2834333"/>
-              <a:chExt cx="1458180" cy="1663040"/>
-            </a:xfrm>
-          </p:grpSpPr>
-          <p:sp>
-            <p:nvSpPr>
-              <p:cNvPr id="23" name="Freeform: Shape 2"/>
-              <p:cNvSpPr>
-                <a:spLocks/>
-              </p:cNvSpPr>
-              <p:nvPr/>
-            </p:nvSpPr>
-            <p:spPr bwMode="auto">
-              <a:xfrm>
-                <a:off x="4196780" y="2834333"/>
-                <a:ext cx="1458180" cy="1663040"/>
-              </a:xfrm>
-              <a:custGeom>
-                <a:avLst/>
-                <a:gdLst>
-                  <a:gd name="T0" fmla="*/ 573 w 1146"/>
-                  <a:gd name="T1" fmla="*/ 0 h 1307"/>
-                  <a:gd name="T2" fmla="*/ 1146 w 1146"/>
-                  <a:gd name="T3" fmla="*/ 287 h 1307"/>
-                  <a:gd name="T4" fmla="*/ 1146 w 1146"/>
-                  <a:gd name="T5" fmla="*/ 1021 h 1307"/>
-                  <a:gd name="T6" fmla="*/ 573 w 1146"/>
-                  <a:gd name="T7" fmla="*/ 1307 h 1307"/>
-                  <a:gd name="T8" fmla="*/ 0 w 1146"/>
-                  <a:gd name="T9" fmla="*/ 1021 h 1307"/>
-                  <a:gd name="T10" fmla="*/ 0 w 1146"/>
-                  <a:gd name="T11" fmla="*/ 287 h 1307"/>
-                  <a:gd name="T12" fmla="*/ 573 w 1146"/>
-                  <a:gd name="T13" fmla="*/ 0 h 1307"/>
-                </a:gdLst>
-                <a:ahLst/>
-                <a:cxnLst>
-                  <a:cxn ang="0">
-                    <a:pos x="T0" y="T1"/>
-                  </a:cxn>
-                  <a:cxn ang="0">
-                    <a:pos x="T2" y="T3"/>
-                  </a:cxn>
-                  <a:cxn ang="0">
-                    <a:pos x="T4" y="T5"/>
-                  </a:cxn>
-                  <a:cxn ang="0">
-                    <a:pos x="T6" y="T7"/>
-                  </a:cxn>
-                  <a:cxn ang="0">
-                    <a:pos x="T8" y="T9"/>
-                  </a:cxn>
-                  <a:cxn ang="0">
-                    <a:pos x="T10" y="T11"/>
-                  </a:cxn>
-                  <a:cxn ang="0">
-                    <a:pos x="T12" y="T13"/>
-                  </a:cxn>
-                </a:cxnLst>
-                <a:rect l="0" t="0" r="r" b="b"/>
-                <a:pathLst>
-                  <a:path w="1146" h="1307">
-                    <a:moveTo>
-                      <a:pt x="573" y="0"/>
-                    </a:moveTo>
-                    <a:lnTo>
-                      <a:pt x="1146" y="287"/>
-                    </a:lnTo>
-                    <a:lnTo>
-                      <a:pt x="1146" y="1021"/>
-                    </a:lnTo>
-                    <a:lnTo>
-                      <a:pt x="573" y="1307"/>
-                    </a:lnTo>
-                    <a:lnTo>
-                      <a:pt x="0" y="1021"/>
-                    </a:lnTo>
-                    <a:lnTo>
-                      <a:pt x="0" y="287"/>
-                    </a:lnTo>
-                    <a:lnTo>
-                      <a:pt x="573" y="0"/>
-                    </a:lnTo>
-                    <a:close/>
-                  </a:path>
-                </a:pathLst>
-              </a:custGeom>
-              <a:noFill/>
-              <a:ln w="28575">
-                <a:solidFill>
-                  <a:schemeClr val="accent2"/>
-                </a:solidFill>
-              </a:ln>
-              <a:extLst/>
-            </p:spPr>
-            <p:txBody>
-              <a:bodyPr anchor="ctr"/>
-              <a:lstStyle/>
-              <a:p>
-                <a:pPr algn="ctr"/>
-                <a:endParaRPr/>
-              </a:p>
-            </p:txBody>
-          </p:sp>
-          <p:sp>
-            <p:nvSpPr>
-              <p:cNvPr id="24" name="Freeform: Shape 11"/>
-              <p:cNvSpPr>
-                <a:spLocks noChangeAspect="1"/>
-              </p:cNvSpPr>
-              <p:nvPr/>
-            </p:nvSpPr>
-            <p:spPr bwMode="auto">
-              <a:xfrm>
-                <a:off x="4660320" y="3439028"/>
-                <a:ext cx="531100" cy="453650"/>
-              </a:xfrm>
-              <a:custGeom>
-                <a:avLst/>
-                <a:gdLst>
-                  <a:gd name="T0" fmla="*/ 48 w 48"/>
-                  <a:gd name="T1" fmla="*/ 38 h 41"/>
-                  <a:gd name="T2" fmla="*/ 45 w 48"/>
-                  <a:gd name="T3" fmla="*/ 41 h 41"/>
-                  <a:gd name="T4" fmla="*/ 37 w 48"/>
-                  <a:gd name="T5" fmla="*/ 41 h 41"/>
-                  <a:gd name="T6" fmla="*/ 34 w 48"/>
-                  <a:gd name="T7" fmla="*/ 38 h 41"/>
-                  <a:gd name="T8" fmla="*/ 34 w 48"/>
-                  <a:gd name="T9" fmla="*/ 30 h 41"/>
-                  <a:gd name="T10" fmla="*/ 37 w 48"/>
-                  <a:gd name="T11" fmla="*/ 27 h 41"/>
-                  <a:gd name="T12" fmla="*/ 39 w 48"/>
-                  <a:gd name="T13" fmla="*/ 27 h 41"/>
-                  <a:gd name="T14" fmla="*/ 39 w 48"/>
-                  <a:gd name="T15" fmla="*/ 22 h 41"/>
-                  <a:gd name="T16" fmla="*/ 25 w 48"/>
-                  <a:gd name="T17" fmla="*/ 22 h 41"/>
-                  <a:gd name="T18" fmla="*/ 25 w 48"/>
-                  <a:gd name="T19" fmla="*/ 27 h 41"/>
-                  <a:gd name="T20" fmla="*/ 28 w 48"/>
-                  <a:gd name="T21" fmla="*/ 27 h 41"/>
-                  <a:gd name="T22" fmla="*/ 31 w 48"/>
-                  <a:gd name="T23" fmla="*/ 30 h 41"/>
-                  <a:gd name="T24" fmla="*/ 31 w 48"/>
-                  <a:gd name="T25" fmla="*/ 38 h 41"/>
-                  <a:gd name="T26" fmla="*/ 28 w 48"/>
-                  <a:gd name="T27" fmla="*/ 41 h 41"/>
-                  <a:gd name="T28" fmla="*/ 19 w 48"/>
-                  <a:gd name="T29" fmla="*/ 41 h 41"/>
-                  <a:gd name="T30" fmla="*/ 17 w 48"/>
-                  <a:gd name="T31" fmla="*/ 38 h 41"/>
-                  <a:gd name="T32" fmla="*/ 17 w 48"/>
-                  <a:gd name="T33" fmla="*/ 30 h 41"/>
-                  <a:gd name="T34" fmla="*/ 19 w 48"/>
-                  <a:gd name="T35" fmla="*/ 27 h 41"/>
-                  <a:gd name="T36" fmla="*/ 22 w 48"/>
-                  <a:gd name="T37" fmla="*/ 27 h 41"/>
-                  <a:gd name="T38" fmla="*/ 22 w 48"/>
-                  <a:gd name="T39" fmla="*/ 22 h 41"/>
-                  <a:gd name="T40" fmla="*/ 8 w 48"/>
-                  <a:gd name="T41" fmla="*/ 22 h 41"/>
-                  <a:gd name="T42" fmla="*/ 8 w 48"/>
-                  <a:gd name="T43" fmla="*/ 27 h 41"/>
-                  <a:gd name="T44" fmla="*/ 11 w 48"/>
-                  <a:gd name="T45" fmla="*/ 27 h 41"/>
-                  <a:gd name="T46" fmla="*/ 13 w 48"/>
-                  <a:gd name="T47" fmla="*/ 30 h 41"/>
-                  <a:gd name="T48" fmla="*/ 13 w 48"/>
-                  <a:gd name="T49" fmla="*/ 38 h 41"/>
-                  <a:gd name="T50" fmla="*/ 11 w 48"/>
-                  <a:gd name="T51" fmla="*/ 41 h 41"/>
-                  <a:gd name="T52" fmla="*/ 2 w 48"/>
-                  <a:gd name="T53" fmla="*/ 41 h 41"/>
-                  <a:gd name="T54" fmla="*/ 0 w 48"/>
-                  <a:gd name="T55" fmla="*/ 38 h 41"/>
-                  <a:gd name="T56" fmla="*/ 0 w 48"/>
-                  <a:gd name="T57" fmla="*/ 30 h 41"/>
-                  <a:gd name="T58" fmla="*/ 2 w 48"/>
-                  <a:gd name="T59" fmla="*/ 27 h 41"/>
-                  <a:gd name="T60" fmla="*/ 5 w 48"/>
-                  <a:gd name="T61" fmla="*/ 27 h 41"/>
-                  <a:gd name="T62" fmla="*/ 5 w 48"/>
-                  <a:gd name="T63" fmla="*/ 22 h 41"/>
-                  <a:gd name="T64" fmla="*/ 8 w 48"/>
-                  <a:gd name="T65" fmla="*/ 19 h 41"/>
-                  <a:gd name="T66" fmla="*/ 22 w 48"/>
-                  <a:gd name="T67" fmla="*/ 19 h 41"/>
-                  <a:gd name="T68" fmla="*/ 22 w 48"/>
-                  <a:gd name="T69" fmla="*/ 13 h 41"/>
-                  <a:gd name="T70" fmla="*/ 19 w 48"/>
-                  <a:gd name="T71" fmla="*/ 13 h 41"/>
-                  <a:gd name="T72" fmla="*/ 17 w 48"/>
-                  <a:gd name="T73" fmla="*/ 11 h 41"/>
-                  <a:gd name="T74" fmla="*/ 17 w 48"/>
-                  <a:gd name="T75" fmla="*/ 2 h 41"/>
-                  <a:gd name="T76" fmla="*/ 19 w 48"/>
-                  <a:gd name="T77" fmla="*/ 0 h 41"/>
-                  <a:gd name="T78" fmla="*/ 28 w 48"/>
-                  <a:gd name="T79" fmla="*/ 0 h 41"/>
-                  <a:gd name="T80" fmla="*/ 31 w 48"/>
-                  <a:gd name="T81" fmla="*/ 2 h 41"/>
-                  <a:gd name="T82" fmla="*/ 31 w 48"/>
-                  <a:gd name="T83" fmla="*/ 11 h 41"/>
-                  <a:gd name="T84" fmla="*/ 28 w 48"/>
-                  <a:gd name="T85" fmla="*/ 13 h 41"/>
-                  <a:gd name="T86" fmla="*/ 25 w 48"/>
-                  <a:gd name="T87" fmla="*/ 13 h 41"/>
-                  <a:gd name="T88" fmla="*/ 25 w 48"/>
-                  <a:gd name="T89" fmla="*/ 19 h 41"/>
-                  <a:gd name="T90" fmla="*/ 39 w 48"/>
-                  <a:gd name="T91" fmla="*/ 19 h 41"/>
-                  <a:gd name="T92" fmla="*/ 43 w 48"/>
-                  <a:gd name="T93" fmla="*/ 22 h 41"/>
-                  <a:gd name="T94" fmla="*/ 43 w 48"/>
-                  <a:gd name="T95" fmla="*/ 27 h 41"/>
-                  <a:gd name="T96" fmla="*/ 45 w 48"/>
-                  <a:gd name="T97" fmla="*/ 27 h 41"/>
-                  <a:gd name="T98" fmla="*/ 48 w 48"/>
-                  <a:gd name="T99" fmla="*/ 30 h 41"/>
-                  <a:gd name="T100" fmla="*/ 48 w 48"/>
-                  <a:gd name="T101" fmla="*/ 38 h 41"/>
-                </a:gdLst>
-                <a:ahLst/>
-                <a:cxnLst>
-                  <a:cxn ang="0">
-                    <a:pos x="T0" y="T1"/>
-                  </a:cxn>
-                  <a:cxn ang="0">
-                    <a:pos x="T2" y="T3"/>
-                  </a:cxn>
-                  <a:cxn ang="0">
-                    <a:pos x="T4" y="T5"/>
-                  </a:cxn>
-                  <a:cxn ang="0">
-                    <a:pos x="T6" y="T7"/>
-                  </a:cxn>
-                  <a:cxn ang="0">
-                    <a:pos x="T8" y="T9"/>
-                  </a:cxn>
-                  <a:cxn ang="0">
-                    <a:pos x="T10" y="T11"/>
-                  </a:cxn>
-                  <a:cxn ang="0">
-                    <a:pos x="T12" y="T13"/>
-                  </a:cxn>
-                  <a:cxn ang="0">
-                    <a:pos x="T14" y="T15"/>
-                  </a:cxn>
-                  <a:cxn ang="0">
-                    <a:pos x="T16" y="T17"/>
-                  </a:cxn>
-                  <a:cxn ang="0">
-                    <a:pos x="T18" y="T19"/>
-                  </a:cxn>
-                  <a:cxn ang="0">
-                    <a:pos x="T20" y="T21"/>
-                  </a:cxn>
-                  <a:cxn ang="0">
-                    <a:pos x="T22" y="T23"/>
-                  </a:cxn>
-                  <a:cxn ang="0">
-                    <a:pos x="T24" y="T25"/>
-                  </a:cxn>
-                  <a:cxn ang="0">
-                    <a:pos x="T26" y="T27"/>
-                  </a:cxn>
-                  <a:cxn ang="0">
-                    <a:pos x="T28" y="T29"/>
-                  </a:cxn>
-                  <a:cxn ang="0">
-                    <a:pos x="T30" y="T31"/>
-                  </a:cxn>
-                  <a:cxn ang="0">
-                    <a:pos x="T32" y="T33"/>
-                  </a:cxn>
-                  <a:cxn ang="0">
-                    <a:pos x="T34" y="T35"/>
-                  </a:cxn>
-                  <a:cxn ang="0">
-                    <a:pos x="T36" y="T37"/>
-                  </a:cxn>
-                  <a:cxn ang="0">
-                    <a:pos x="T38" y="T39"/>
-                  </a:cxn>
-                  <a:cxn ang="0">
-                    <a:pos x="T40" y="T41"/>
-                  </a:cxn>
-                  <a:cxn ang="0">
-                    <a:pos x="T42" y="T43"/>
-                  </a:cxn>
-                  <a:cxn ang="0">
-                    <a:pos x="T44" y="T45"/>
-                  </a:cxn>
-                  <a:cxn ang="0">
-                    <a:pos x="T46" y="T47"/>
-                  </a:cxn>
-                  <a:cxn ang="0">
-                    <a:pos x="T48" y="T49"/>
-                  </a:cxn>
-                  <a:cxn ang="0">
-                    <a:pos x="T50" y="T51"/>
-                  </a:cxn>
-                  <a:cxn ang="0">
-                    <a:pos x="T52" y="T53"/>
-                  </a:cxn>
-                  <a:cxn ang="0">
-                    <a:pos x="T54" y="T55"/>
-                  </a:cxn>
-                  <a:cxn ang="0">
-                    <a:pos x="T56" y="T57"/>
-                  </a:cxn>
-                  <a:cxn ang="0">
-                    <a:pos x="T58" y="T59"/>
-                  </a:cxn>
-                  <a:cxn ang="0">
-                    <a:pos x="T60" y="T61"/>
-                  </a:cxn>
-                  <a:cxn ang="0">
-                    <a:pos x="T62" y="T63"/>
-                  </a:cxn>
-                  <a:cxn ang="0">
-                    <a:pos x="T64" y="T65"/>
-                  </a:cxn>
-                  <a:cxn ang="0">
-                    <a:pos x="T66" y="T67"/>
-                  </a:cxn>
-                  <a:cxn ang="0">
-                    <a:pos x="T68" y="T69"/>
-                  </a:cxn>
-                  <a:cxn ang="0">
-                    <a:pos x="T70" y="T71"/>
-                  </a:cxn>
-                  <a:cxn ang="0">
-                    <a:pos x="T72" y="T73"/>
-                  </a:cxn>
-                  <a:cxn ang="0">
-                    <a:pos x="T74" y="T75"/>
-                  </a:cxn>
-                  <a:cxn ang="0">
-                    <a:pos x="T76" y="T77"/>
-                  </a:cxn>
-                  <a:cxn ang="0">
-                    <a:pos x="T78" y="T79"/>
-                  </a:cxn>
-                  <a:cxn ang="0">
-                    <a:pos x="T80" y="T81"/>
-                  </a:cxn>
-                  <a:cxn ang="0">
-                    <a:pos x="T82" y="T83"/>
-                  </a:cxn>
-                  <a:cxn ang="0">
-                    <a:pos x="T84" y="T85"/>
-                  </a:cxn>
-                  <a:cxn ang="0">
-                    <a:pos x="T86" y="T87"/>
-                  </a:cxn>
-                  <a:cxn ang="0">
-                    <a:pos x="T88" y="T89"/>
-                  </a:cxn>
-                  <a:cxn ang="0">
-                    <a:pos x="T90" y="T91"/>
-                  </a:cxn>
-                  <a:cxn ang="0">
-                    <a:pos x="T92" y="T93"/>
-                  </a:cxn>
-                  <a:cxn ang="0">
-                    <a:pos x="T94" y="T95"/>
-                  </a:cxn>
-                  <a:cxn ang="0">
-                    <a:pos x="T96" y="T97"/>
-                  </a:cxn>
-                  <a:cxn ang="0">
-                    <a:pos x="T98" y="T99"/>
-                  </a:cxn>
-                  <a:cxn ang="0">
-                    <a:pos x="T100" y="T101"/>
-                  </a:cxn>
-                </a:cxnLst>
-                <a:rect l="0" t="0" r="r" b="b"/>
-                <a:pathLst>
-                  <a:path w="48" h="41">
-                    <a:moveTo>
-                      <a:pt x="48" y="38"/>
-                    </a:moveTo>
-                    <a:cubicBezTo>
-                      <a:pt x="48" y="40"/>
-                      <a:pt x="47" y="41"/>
-                      <a:pt x="45" y="41"/>
-                    </a:cubicBezTo>
-                    <a:cubicBezTo>
-                      <a:pt x="37" y="41"/>
-                      <a:pt x="37" y="41"/>
-                      <a:pt x="37" y="41"/>
-                    </a:cubicBezTo>
-                    <a:cubicBezTo>
-                      <a:pt x="35" y="41"/>
-                      <a:pt x="34" y="40"/>
-                      <a:pt x="34" y="38"/>
-                    </a:cubicBezTo>
-                    <a:cubicBezTo>
-                      <a:pt x="34" y="30"/>
-                      <a:pt x="34" y="30"/>
-                      <a:pt x="34" y="30"/>
-                    </a:cubicBezTo>
-                    <a:cubicBezTo>
-                      <a:pt x="34" y="28"/>
-                      <a:pt x="35" y="27"/>
-                      <a:pt x="37" y="27"/>
-                    </a:cubicBezTo>
-                    <a:cubicBezTo>
-                      <a:pt x="39" y="27"/>
-                      <a:pt x="39" y="27"/>
-                      <a:pt x="39" y="27"/>
-                    </a:cubicBezTo>
-                    <a:cubicBezTo>
-                      <a:pt x="39" y="22"/>
-                      <a:pt x="39" y="22"/>
-                      <a:pt x="39" y="22"/>
-                    </a:cubicBezTo>
-                    <a:cubicBezTo>
-                      <a:pt x="25" y="22"/>
-                      <a:pt x="25" y="22"/>
-                      <a:pt x="25" y="22"/>
-                    </a:cubicBezTo>
-                    <a:cubicBezTo>
-                      <a:pt x="25" y="27"/>
-                      <a:pt x="25" y="27"/>
-                      <a:pt x="25" y="27"/>
-                    </a:cubicBezTo>
-                    <a:cubicBezTo>
-                      <a:pt x="28" y="27"/>
-                      <a:pt x="28" y="27"/>
-                      <a:pt x="28" y="27"/>
-                    </a:cubicBezTo>
-                    <a:cubicBezTo>
-                      <a:pt x="29" y="27"/>
-                      <a:pt x="31" y="28"/>
-                      <a:pt x="31" y="30"/>
-                    </a:cubicBezTo>
-                    <a:cubicBezTo>
-                      <a:pt x="31" y="38"/>
-                      <a:pt x="31" y="38"/>
-                      <a:pt x="31" y="38"/>
-                    </a:cubicBezTo>
-                    <a:cubicBezTo>
-                      <a:pt x="31" y="40"/>
-                      <a:pt x="29" y="41"/>
-                      <a:pt x="28" y="41"/>
-                    </a:cubicBezTo>
-                    <a:cubicBezTo>
-                      <a:pt x="19" y="41"/>
-                      <a:pt x="19" y="41"/>
-                      <a:pt x="19" y="41"/>
-                    </a:cubicBezTo>
-                    <a:cubicBezTo>
-                      <a:pt x="18" y="41"/>
-                      <a:pt x="17" y="40"/>
-                      <a:pt x="17" y="38"/>
-                    </a:cubicBezTo>
-                    <a:cubicBezTo>
-                      <a:pt x="17" y="30"/>
-                      <a:pt x="17" y="30"/>
-                      <a:pt x="17" y="30"/>
-                    </a:cubicBezTo>
-                    <a:cubicBezTo>
-                      <a:pt x="17" y="28"/>
-                      <a:pt x="18" y="27"/>
-                      <a:pt x="19" y="27"/>
-                    </a:cubicBezTo>
-                    <a:cubicBezTo>
-                      <a:pt x="22" y="27"/>
-                      <a:pt x="22" y="27"/>
-                      <a:pt x="22" y="27"/>
-                    </a:cubicBezTo>
-                    <a:cubicBezTo>
-                      <a:pt x="22" y="22"/>
-                      <a:pt x="22" y="22"/>
-                      <a:pt x="22" y="22"/>
-                    </a:cubicBezTo>
-                    <a:cubicBezTo>
-                      <a:pt x="8" y="22"/>
-                      <a:pt x="8" y="22"/>
-                      <a:pt x="8" y="22"/>
-                    </a:cubicBezTo>
-                    <a:cubicBezTo>
-                      <a:pt x="8" y="27"/>
-                      <a:pt x="8" y="27"/>
-                      <a:pt x="8" y="27"/>
-                    </a:cubicBezTo>
-                    <a:cubicBezTo>
-                      <a:pt x="11" y="27"/>
-                      <a:pt x="11" y="27"/>
-                      <a:pt x="11" y="27"/>
-                    </a:cubicBezTo>
-                    <a:cubicBezTo>
-                      <a:pt x="12" y="27"/>
-                      <a:pt x="13" y="28"/>
-                      <a:pt x="13" y="30"/>
-                    </a:cubicBezTo>
-                    <a:cubicBezTo>
-                      <a:pt x="13" y="38"/>
-                      <a:pt x="13" y="38"/>
-                      <a:pt x="13" y="38"/>
-                    </a:cubicBezTo>
-                    <a:cubicBezTo>
-                      <a:pt x="13" y="40"/>
-                      <a:pt x="12" y="41"/>
-                      <a:pt x="11" y="41"/>
-                    </a:cubicBezTo>
-                    <a:cubicBezTo>
-                      <a:pt x="2" y="41"/>
-                      <a:pt x="2" y="41"/>
-                      <a:pt x="2" y="41"/>
-                    </a:cubicBezTo>
-                    <a:cubicBezTo>
-                      <a:pt x="1" y="41"/>
-                      <a:pt x="0" y="40"/>
-                      <a:pt x="0" y="38"/>
-                    </a:cubicBezTo>
-                    <a:cubicBezTo>
-                      <a:pt x="0" y="30"/>
-                      <a:pt x="0" y="30"/>
-                      <a:pt x="0" y="30"/>
-                    </a:cubicBezTo>
-                    <a:cubicBezTo>
-                      <a:pt x="0" y="28"/>
-                      <a:pt x="1" y="27"/>
-                      <a:pt x="2" y="27"/>
-                    </a:cubicBezTo>
-                    <a:cubicBezTo>
-                      <a:pt x="5" y="27"/>
-                      <a:pt x="5" y="27"/>
-                      <a:pt x="5" y="27"/>
-                    </a:cubicBezTo>
-                    <a:cubicBezTo>
-                      <a:pt x="5" y="22"/>
-                      <a:pt x="5" y="22"/>
-                      <a:pt x="5" y="22"/>
-                    </a:cubicBezTo>
-                    <a:cubicBezTo>
-                      <a:pt x="5" y="20"/>
-                      <a:pt x="6" y="19"/>
-                      <a:pt x="8" y="19"/>
-                    </a:cubicBezTo>
-                    <a:cubicBezTo>
-                      <a:pt x="22" y="19"/>
-                      <a:pt x="22" y="19"/>
-                      <a:pt x="22" y="19"/>
-                    </a:cubicBezTo>
-                    <a:cubicBezTo>
-                      <a:pt x="22" y="13"/>
-                      <a:pt x="22" y="13"/>
-                      <a:pt x="22" y="13"/>
-                    </a:cubicBezTo>
-                    <a:cubicBezTo>
-                      <a:pt x="19" y="13"/>
-                      <a:pt x="19" y="13"/>
-                      <a:pt x="19" y="13"/>
-                    </a:cubicBezTo>
-                    <a:cubicBezTo>
-                      <a:pt x="18" y="13"/>
-                      <a:pt x="17" y="12"/>
-                      <a:pt x="17" y="11"/>
-                    </a:cubicBezTo>
-                    <a:cubicBezTo>
-                      <a:pt x="17" y="2"/>
-                      <a:pt x="17" y="2"/>
-                      <a:pt x="17" y="2"/>
-                    </a:cubicBezTo>
-                    <a:cubicBezTo>
-                      <a:pt x="17" y="1"/>
-                      <a:pt x="18" y="0"/>
-                      <a:pt x="19" y="0"/>
-                    </a:cubicBezTo>
-                    <a:cubicBezTo>
-                      <a:pt x="28" y="0"/>
-                      <a:pt x="28" y="0"/>
-                      <a:pt x="28" y="0"/>
-                    </a:cubicBezTo>
-                    <a:cubicBezTo>
-                      <a:pt x="29" y="0"/>
-                      <a:pt x="31" y="1"/>
-                      <a:pt x="31" y="2"/>
-                    </a:cubicBezTo>
-                    <a:cubicBezTo>
-                      <a:pt x="31" y="11"/>
-                      <a:pt x="31" y="11"/>
-                      <a:pt x="31" y="11"/>
-                    </a:cubicBezTo>
-                    <a:cubicBezTo>
-                      <a:pt x="31" y="12"/>
-                      <a:pt x="29" y="13"/>
-                      <a:pt x="28" y="13"/>
-                    </a:cubicBezTo>
-                    <a:cubicBezTo>
-                      <a:pt x="25" y="13"/>
-                      <a:pt x="25" y="13"/>
-                      <a:pt x="25" y="13"/>
-                    </a:cubicBezTo>
-                    <a:cubicBezTo>
-                      <a:pt x="25" y="19"/>
-                      <a:pt x="25" y="19"/>
-                      <a:pt x="25" y="19"/>
-                    </a:cubicBezTo>
-                    <a:cubicBezTo>
-                      <a:pt x="39" y="19"/>
-                      <a:pt x="39" y="19"/>
-                      <a:pt x="39" y="19"/>
-                    </a:cubicBezTo>
-                    <a:cubicBezTo>
-                      <a:pt x="41" y="19"/>
-                      <a:pt x="43" y="20"/>
-                      <a:pt x="43" y="22"/>
-                    </a:cubicBezTo>
-                    <a:cubicBezTo>
-                      <a:pt x="43" y="27"/>
-                      <a:pt x="43" y="27"/>
-                      <a:pt x="43" y="27"/>
-                    </a:cubicBezTo>
-                    <a:cubicBezTo>
-                      <a:pt x="45" y="27"/>
-                      <a:pt x="45" y="27"/>
-                      <a:pt x="45" y="27"/>
-                    </a:cubicBezTo>
-                    <a:cubicBezTo>
-                      <a:pt x="47" y="27"/>
-                      <a:pt x="48" y="28"/>
-                      <a:pt x="48" y="30"/>
-                    </a:cubicBezTo>
-                    <a:lnTo>
-                      <a:pt x="48" y="38"/>
-                    </a:lnTo>
-                    <a:close/>
-                  </a:path>
-                </a:pathLst>
-              </a:custGeom>
-              <a:solidFill>
-                <a:schemeClr val="accent2">
-                  <a:lumMod val="100000"/>
-                </a:schemeClr>
-              </a:solidFill>
-              <a:ln>
-                <a:noFill/>
-              </a:ln>
-            </p:spPr>
-            <p:txBody>
-              <a:bodyPr anchor="ctr"/>
-              <a:lstStyle/>
-              <a:p>
-                <a:pPr algn="ctr"/>
-                <a:endParaRPr/>
-              </a:p>
-            </p:txBody>
-          </p:sp>
-        </p:grpSp>
-        <p:grpSp>
-          <p:nvGrpSpPr>
-            <p:cNvPr id="5" name="Group 30"/>
-            <p:cNvGrpSpPr/>
-            <p:nvPr/>
-          </p:nvGrpSpPr>
-          <p:grpSpPr>
-            <a:xfrm>
-              <a:off x="6899276" y="2834333"/>
-              <a:ext cx="1458180" cy="1663040"/>
-              <a:chOff x="6537040" y="2834333"/>
-              <a:chExt cx="1458180" cy="1663040"/>
-            </a:xfrm>
-          </p:grpSpPr>
-          <p:sp>
-            <p:nvSpPr>
-              <p:cNvPr id="21" name="Freeform: Shape 3"/>
-              <p:cNvSpPr>
-                <a:spLocks/>
-              </p:cNvSpPr>
-              <p:nvPr/>
-            </p:nvSpPr>
-            <p:spPr bwMode="auto">
-              <a:xfrm>
-                <a:off x="6537040" y="2834333"/>
-                <a:ext cx="1458180" cy="1663040"/>
-              </a:xfrm>
-              <a:custGeom>
-                <a:avLst/>
-                <a:gdLst>
-                  <a:gd name="T0" fmla="*/ 573 w 1146"/>
-                  <a:gd name="T1" fmla="*/ 0 h 1307"/>
-                  <a:gd name="T2" fmla="*/ 1146 w 1146"/>
-                  <a:gd name="T3" fmla="*/ 287 h 1307"/>
-                  <a:gd name="T4" fmla="*/ 1146 w 1146"/>
-                  <a:gd name="T5" fmla="*/ 1021 h 1307"/>
-                  <a:gd name="T6" fmla="*/ 573 w 1146"/>
-                  <a:gd name="T7" fmla="*/ 1307 h 1307"/>
-                  <a:gd name="T8" fmla="*/ 0 w 1146"/>
-                  <a:gd name="T9" fmla="*/ 1021 h 1307"/>
-                  <a:gd name="T10" fmla="*/ 0 w 1146"/>
-                  <a:gd name="T11" fmla="*/ 287 h 1307"/>
-                  <a:gd name="T12" fmla="*/ 573 w 1146"/>
-                  <a:gd name="T13" fmla="*/ 0 h 1307"/>
-                </a:gdLst>
-                <a:ahLst/>
-                <a:cxnLst>
-                  <a:cxn ang="0">
-                    <a:pos x="T0" y="T1"/>
-                  </a:cxn>
-                  <a:cxn ang="0">
-                    <a:pos x="T2" y="T3"/>
-                  </a:cxn>
-                  <a:cxn ang="0">
-                    <a:pos x="T4" y="T5"/>
-                  </a:cxn>
-                  <a:cxn ang="0">
-                    <a:pos x="T6" y="T7"/>
-                  </a:cxn>
-                  <a:cxn ang="0">
-                    <a:pos x="T8" y="T9"/>
-                  </a:cxn>
-                  <a:cxn ang="0">
-                    <a:pos x="T10" y="T11"/>
-                  </a:cxn>
-                  <a:cxn ang="0">
-                    <a:pos x="T12" y="T13"/>
-                  </a:cxn>
-                </a:cxnLst>
-                <a:rect l="0" t="0" r="r" b="b"/>
-                <a:pathLst>
-                  <a:path w="1146" h="1307">
-                    <a:moveTo>
-                      <a:pt x="573" y="0"/>
-                    </a:moveTo>
-                    <a:lnTo>
-                      <a:pt x="1146" y="287"/>
-                    </a:lnTo>
-                    <a:lnTo>
-                      <a:pt x="1146" y="1021"/>
-                    </a:lnTo>
-                    <a:lnTo>
-                      <a:pt x="573" y="1307"/>
-                    </a:lnTo>
-                    <a:lnTo>
-                      <a:pt x="0" y="1021"/>
-                    </a:lnTo>
-                    <a:lnTo>
-                      <a:pt x="0" y="287"/>
-                    </a:lnTo>
-                    <a:lnTo>
-                      <a:pt x="573" y="0"/>
-                    </a:lnTo>
-                    <a:close/>
-                  </a:path>
-                </a:pathLst>
-              </a:custGeom>
-              <a:noFill/>
-              <a:ln w="28575">
-                <a:solidFill>
-                  <a:schemeClr val="accent3"/>
-                </a:solidFill>
-              </a:ln>
-              <a:extLst/>
-            </p:spPr>
-            <p:txBody>
-              <a:bodyPr anchor="ctr"/>
-              <a:lstStyle/>
-              <a:p>
-                <a:pPr algn="ctr"/>
-                <a:endParaRPr/>
-              </a:p>
-            </p:txBody>
-          </p:sp>
-          <p:sp>
-            <p:nvSpPr>
-              <p:cNvPr id="22" name="Freeform: Shape 12"/>
-              <p:cNvSpPr>
-                <a:spLocks noChangeAspect="1"/>
-              </p:cNvSpPr>
-              <p:nvPr/>
-            </p:nvSpPr>
-            <p:spPr bwMode="auto">
-              <a:xfrm>
-                <a:off x="6988290" y="3404376"/>
-                <a:ext cx="555680" cy="522954"/>
-              </a:xfrm>
-              <a:custGeom>
-                <a:avLst/>
-                <a:gdLst>
-                  <a:gd name="connsiteX0" fmla="*/ 69646 w 508000"/>
-                  <a:gd name="connsiteY0" fmla="*/ 394096 h 478080"/>
-                  <a:gd name="connsiteX1" fmla="*/ 438355 w 508000"/>
-                  <a:gd name="connsiteY1" fmla="*/ 394096 h 478080"/>
-                  <a:gd name="connsiteX2" fmla="*/ 438355 w 508000"/>
-                  <a:gd name="connsiteY2" fmla="*/ 422773 h 478080"/>
-                  <a:gd name="connsiteX3" fmla="*/ 473178 w 508000"/>
-                  <a:gd name="connsiteY3" fmla="*/ 422773 h 478080"/>
-                  <a:gd name="connsiteX4" fmla="*/ 473178 w 508000"/>
-                  <a:gd name="connsiteY4" fmla="*/ 447354 h 478080"/>
-                  <a:gd name="connsiteX5" fmla="*/ 497758 w 508000"/>
-                  <a:gd name="connsiteY5" fmla="*/ 447354 h 478080"/>
-                  <a:gd name="connsiteX6" fmla="*/ 497758 w 508000"/>
-                  <a:gd name="connsiteY6" fmla="*/ 478080 h 478080"/>
-                  <a:gd name="connsiteX7" fmla="*/ 14339 w 508000"/>
-                  <a:gd name="connsiteY7" fmla="*/ 478080 h 478080"/>
-                  <a:gd name="connsiteX8" fmla="*/ 14339 w 508000"/>
-                  <a:gd name="connsiteY8" fmla="*/ 447354 h 478080"/>
-                  <a:gd name="connsiteX9" fmla="*/ 38920 w 508000"/>
-                  <a:gd name="connsiteY9" fmla="*/ 447354 h 478080"/>
-                  <a:gd name="connsiteX10" fmla="*/ 38920 w 508000"/>
-                  <a:gd name="connsiteY10" fmla="*/ 422773 h 478080"/>
-                  <a:gd name="connsiteX11" fmla="*/ 69646 w 508000"/>
-                  <a:gd name="connsiteY11" fmla="*/ 422773 h 478080"/>
-                  <a:gd name="connsiteX12" fmla="*/ 362031 w 508000"/>
-                  <a:gd name="connsiteY12" fmla="*/ 193354 h 478080"/>
-                  <a:gd name="connsiteX13" fmla="*/ 436842 w 508000"/>
-                  <a:gd name="connsiteY13" fmla="*/ 193354 h 478080"/>
-                  <a:gd name="connsiteX14" fmla="*/ 456791 w 508000"/>
-                  <a:gd name="connsiteY14" fmla="*/ 213383 h 478080"/>
-                  <a:gd name="connsiteX15" fmla="*/ 456791 w 508000"/>
-                  <a:gd name="connsiteY15" fmla="*/ 233411 h 478080"/>
-                  <a:gd name="connsiteX16" fmla="*/ 436842 w 508000"/>
-                  <a:gd name="connsiteY16" fmla="*/ 233411 h 478080"/>
-                  <a:gd name="connsiteX17" fmla="*/ 436842 w 508000"/>
-                  <a:gd name="connsiteY17" fmla="*/ 373612 h 478080"/>
-                  <a:gd name="connsiteX18" fmla="*/ 362031 w 508000"/>
-                  <a:gd name="connsiteY18" fmla="*/ 373612 h 478080"/>
-                  <a:gd name="connsiteX19" fmla="*/ 362031 w 508000"/>
-                  <a:gd name="connsiteY19" fmla="*/ 233411 h 478080"/>
-                  <a:gd name="connsiteX20" fmla="*/ 342081 w 508000"/>
-                  <a:gd name="connsiteY20" fmla="*/ 233411 h 478080"/>
-                  <a:gd name="connsiteX21" fmla="*/ 342081 w 508000"/>
-                  <a:gd name="connsiteY21" fmla="*/ 213383 h 478080"/>
-                  <a:gd name="connsiteX22" fmla="*/ 362031 w 508000"/>
-                  <a:gd name="connsiteY22" fmla="*/ 193354 h 478080"/>
-                  <a:gd name="connsiteX23" fmla="*/ 218644 w 508000"/>
-                  <a:gd name="connsiteY23" fmla="*/ 193354 h 478080"/>
-                  <a:gd name="connsiteX24" fmla="*/ 293455 w 508000"/>
-                  <a:gd name="connsiteY24" fmla="*/ 193354 h 478080"/>
-                  <a:gd name="connsiteX25" fmla="*/ 313404 w 508000"/>
-                  <a:gd name="connsiteY25" fmla="*/ 213383 h 478080"/>
-                  <a:gd name="connsiteX26" fmla="*/ 313404 w 508000"/>
-                  <a:gd name="connsiteY26" fmla="*/ 233411 h 478080"/>
-                  <a:gd name="connsiteX27" fmla="*/ 293455 w 508000"/>
-                  <a:gd name="connsiteY27" fmla="*/ 233411 h 478080"/>
-                  <a:gd name="connsiteX28" fmla="*/ 293455 w 508000"/>
-                  <a:gd name="connsiteY28" fmla="*/ 373612 h 478080"/>
-                  <a:gd name="connsiteX29" fmla="*/ 213656 w 508000"/>
-                  <a:gd name="connsiteY29" fmla="*/ 373612 h 478080"/>
-                  <a:gd name="connsiteX30" fmla="*/ 213656 w 508000"/>
-                  <a:gd name="connsiteY30" fmla="*/ 233411 h 478080"/>
-                  <a:gd name="connsiteX31" fmla="*/ 198694 w 508000"/>
-                  <a:gd name="connsiteY31" fmla="*/ 233411 h 478080"/>
-                  <a:gd name="connsiteX32" fmla="*/ 198694 w 508000"/>
-                  <a:gd name="connsiteY32" fmla="*/ 213383 h 478080"/>
-                  <a:gd name="connsiteX33" fmla="*/ 218644 w 508000"/>
-                  <a:gd name="connsiteY33" fmla="*/ 193354 h 478080"/>
-                  <a:gd name="connsiteX34" fmla="*/ 73208 w 508000"/>
-                  <a:gd name="connsiteY34" fmla="*/ 193354 h 478080"/>
-                  <a:gd name="connsiteX35" fmla="*/ 148019 w 508000"/>
-                  <a:gd name="connsiteY35" fmla="*/ 193354 h 478080"/>
-                  <a:gd name="connsiteX36" fmla="*/ 167968 w 508000"/>
-                  <a:gd name="connsiteY36" fmla="*/ 213383 h 478080"/>
-                  <a:gd name="connsiteX37" fmla="*/ 167968 w 508000"/>
-                  <a:gd name="connsiteY37" fmla="*/ 233411 h 478080"/>
-                  <a:gd name="connsiteX38" fmla="*/ 148019 w 508000"/>
-                  <a:gd name="connsiteY38" fmla="*/ 233411 h 478080"/>
-                  <a:gd name="connsiteX39" fmla="*/ 148019 w 508000"/>
-                  <a:gd name="connsiteY39" fmla="*/ 373612 h 478080"/>
-                  <a:gd name="connsiteX40" fmla="*/ 73208 w 508000"/>
-                  <a:gd name="connsiteY40" fmla="*/ 373612 h 478080"/>
-                  <a:gd name="connsiteX41" fmla="*/ 73208 w 508000"/>
-                  <a:gd name="connsiteY41" fmla="*/ 233411 h 478080"/>
-                  <a:gd name="connsiteX42" fmla="*/ 53258 w 508000"/>
-                  <a:gd name="connsiteY42" fmla="*/ 233411 h 478080"/>
-                  <a:gd name="connsiteX43" fmla="*/ 53258 w 508000"/>
-                  <a:gd name="connsiteY43" fmla="*/ 213383 h 478080"/>
-                  <a:gd name="connsiteX44" fmla="*/ 73208 w 508000"/>
-                  <a:gd name="connsiteY44" fmla="*/ 193354 h 478080"/>
-                  <a:gd name="connsiteX45" fmla="*/ 234079 w 508000"/>
-                  <a:gd name="connsiteY45" fmla="*/ 68402 h 478080"/>
-                  <a:gd name="connsiteX46" fmla="*/ 169334 w 508000"/>
-                  <a:gd name="connsiteY46" fmla="*/ 108199 h 478080"/>
-                  <a:gd name="connsiteX47" fmla="*/ 169334 w 508000"/>
-                  <a:gd name="connsiteY47" fmla="*/ 113174 h 478080"/>
-                  <a:gd name="connsiteX48" fmla="*/ 174314 w 508000"/>
-                  <a:gd name="connsiteY48" fmla="*/ 113174 h 478080"/>
-                  <a:gd name="connsiteX49" fmla="*/ 333687 w 508000"/>
-                  <a:gd name="connsiteY49" fmla="*/ 113174 h 478080"/>
-                  <a:gd name="connsiteX50" fmla="*/ 338667 w 508000"/>
-                  <a:gd name="connsiteY50" fmla="*/ 113174 h 478080"/>
-                  <a:gd name="connsiteX51" fmla="*/ 338667 w 508000"/>
-                  <a:gd name="connsiteY51" fmla="*/ 108199 h 478080"/>
-                  <a:gd name="connsiteX52" fmla="*/ 273922 w 508000"/>
-                  <a:gd name="connsiteY52" fmla="*/ 68402 h 478080"/>
-                  <a:gd name="connsiteX53" fmla="*/ 234079 w 508000"/>
-                  <a:gd name="connsiteY53" fmla="*/ 68402 h 478080"/>
-                  <a:gd name="connsiteX54" fmla="*/ 234079 w 508000"/>
-                  <a:gd name="connsiteY54" fmla="*/ 3732 h 478080"/>
-                  <a:gd name="connsiteX55" fmla="*/ 273922 w 508000"/>
-                  <a:gd name="connsiteY55" fmla="*/ 3732 h 478080"/>
-                  <a:gd name="connsiteX56" fmla="*/ 488079 w 508000"/>
-                  <a:gd name="connsiteY56" fmla="*/ 123123 h 478080"/>
-                  <a:gd name="connsiteX57" fmla="*/ 508000 w 508000"/>
-                  <a:gd name="connsiteY57" fmla="*/ 157946 h 478080"/>
-                  <a:gd name="connsiteX58" fmla="*/ 508000 w 508000"/>
-                  <a:gd name="connsiteY58" fmla="*/ 172870 h 478080"/>
-                  <a:gd name="connsiteX59" fmla="*/ 0 w 508000"/>
-                  <a:gd name="connsiteY59" fmla="*/ 172870 h 478080"/>
-                  <a:gd name="connsiteX60" fmla="*/ 0 w 508000"/>
-                  <a:gd name="connsiteY60" fmla="*/ 157946 h 478080"/>
-                  <a:gd name="connsiteX61" fmla="*/ 19922 w 508000"/>
-                  <a:gd name="connsiteY61" fmla="*/ 123123 h 478080"/>
-                  <a:gd name="connsiteX62" fmla="*/ 234079 w 508000"/>
-                  <a:gd name="connsiteY62" fmla="*/ 3732 h 478080"/>
-                </a:gdLst>
-                <a:ahLst/>
-                <a:cxnLst>
-                  <a:cxn ang="0">
-                    <a:pos x="connsiteX0" y="connsiteY0"/>
-                  </a:cxn>
-                  <a:cxn ang="0">
-                    <a:pos x="connsiteX1" y="connsiteY1"/>
-                  </a:cxn>
-                  <a:cxn ang="0">
-                    <a:pos x="connsiteX2" y="connsiteY2"/>
-                  </a:cxn>
-                  <a:cxn ang="0">
-                    <a:pos x="connsiteX3" y="connsiteY3"/>
-                  </a:cxn>
-                  <a:cxn ang="0">
-                    <a:pos x="connsiteX4" y="connsiteY4"/>
-                  </a:cxn>
-                  <a:cxn ang="0">
-                    <a:pos x="connsiteX5" y="connsiteY5"/>
-                  </a:cxn>
-                  <a:cxn ang="0">
-                    <a:pos x="connsiteX6" y="connsiteY6"/>
-                  </a:cxn>
-                  <a:cxn ang="0">
-                    <a:pos x="connsiteX7" y="connsiteY7"/>
-                  </a:cxn>
-                  <a:cxn ang="0">
-                    <a:pos x="connsiteX8" y="connsiteY8"/>
-                  </a:cxn>
-                  <a:cxn ang="0">
-                    <a:pos x="connsiteX9" y="connsiteY9"/>
-                  </a:cxn>
-                  <a:cxn ang="0">
-                    <a:pos x="connsiteX10" y="connsiteY10"/>
-                  </a:cxn>
-                  <a:cxn ang="0">
-                    <a:pos x="connsiteX11" y="connsiteY11"/>
-                  </a:cxn>
-                  <a:cxn ang="0">
-                    <a:pos x="connsiteX12" y="connsiteY12"/>
-                  </a:cxn>
-                  <a:cxn ang="0">
-                    <a:pos x="connsiteX13" y="connsiteY13"/>
-                  </a:cxn>
-                  <a:cxn ang="0">
-                    <a:pos x="connsiteX14" y="connsiteY14"/>
-                  </a:cxn>
-                  <a:cxn ang="0">
-                    <a:pos x="connsiteX15" y="connsiteY15"/>
-                  </a:cxn>
-                  <a:cxn ang="0">
-                    <a:pos x="connsiteX16" y="connsiteY16"/>
-                  </a:cxn>
-                  <a:cxn ang="0">
-                    <a:pos x="connsiteX17" y="connsiteY17"/>
-                  </a:cxn>
-                  <a:cxn ang="0">
-                    <a:pos x="connsiteX18" y="connsiteY18"/>
-                  </a:cxn>
-                  <a:cxn ang="0">
-                    <a:pos x="connsiteX19" y="connsiteY19"/>
-                  </a:cxn>
-                  <a:cxn ang="0">
-                    <a:pos x="connsiteX20" y="connsiteY20"/>
-                  </a:cxn>
-                  <a:cxn ang="0">
-                    <a:pos x="connsiteX21" y="connsiteY21"/>
-                  </a:cxn>
-                  <a:cxn ang="0">
-                    <a:pos x="connsiteX22" y="connsiteY22"/>
-                  </a:cxn>
-                  <a:cxn ang="0">
-                    <a:pos x="connsiteX23" y="connsiteY23"/>
-                  </a:cxn>
-                  <a:cxn ang="0">
-                    <a:pos x="connsiteX24" y="connsiteY24"/>
-                  </a:cxn>
-                  <a:cxn ang="0">
-                    <a:pos x="connsiteX25" y="connsiteY25"/>
-                  </a:cxn>
-                  <a:cxn ang="0">
-                    <a:pos x="connsiteX26" y="connsiteY26"/>
-                  </a:cxn>
-                  <a:cxn ang="0">
-                    <a:pos x="connsiteX27" y="connsiteY27"/>
-                  </a:cxn>
-                  <a:cxn ang="0">
-                    <a:pos x="connsiteX28" y="connsiteY28"/>
-                  </a:cxn>
-                  <a:cxn ang="0">
-                    <a:pos x="connsiteX29" y="connsiteY29"/>
-                  </a:cxn>
-                  <a:cxn ang="0">
-                    <a:pos x="connsiteX30" y="connsiteY30"/>
-                  </a:cxn>
-                  <a:cxn ang="0">
-                    <a:pos x="connsiteX31" y="connsiteY31"/>
-                  </a:cxn>
-                  <a:cxn ang="0">
-                    <a:pos x="connsiteX32" y="connsiteY32"/>
-                  </a:cxn>
-                  <a:cxn ang="0">
-                    <a:pos x="connsiteX33" y="connsiteY33"/>
-                  </a:cxn>
-                  <a:cxn ang="0">
-                    <a:pos x="connsiteX34" y="connsiteY34"/>
-                  </a:cxn>
-                  <a:cxn ang="0">
-                    <a:pos x="connsiteX35" y="connsiteY35"/>
-                  </a:cxn>
-                  <a:cxn ang="0">
-                    <a:pos x="connsiteX36" y="connsiteY36"/>
-                  </a:cxn>
-                  <a:cxn ang="0">
-                    <a:pos x="connsiteX37" y="connsiteY37"/>
-                  </a:cxn>
-                  <a:cxn ang="0">
-                    <a:pos x="connsiteX38" y="connsiteY38"/>
-                  </a:cxn>
-                  <a:cxn ang="0">
-                    <a:pos x="connsiteX39" y="connsiteY39"/>
-                  </a:cxn>
-                  <a:cxn ang="0">
-                    <a:pos x="connsiteX40" y="connsiteY40"/>
-                  </a:cxn>
-                  <a:cxn ang="0">
-                    <a:pos x="connsiteX41" y="connsiteY41"/>
-                  </a:cxn>
-                  <a:cxn ang="0">
-                    <a:pos x="connsiteX42" y="connsiteY42"/>
-                  </a:cxn>
-                  <a:cxn ang="0">
-                    <a:pos x="connsiteX43" y="connsiteY43"/>
-                  </a:cxn>
-                  <a:cxn ang="0">
-                    <a:pos x="connsiteX44" y="connsiteY44"/>
-                  </a:cxn>
-                  <a:cxn ang="0">
-                    <a:pos x="connsiteX45" y="connsiteY45"/>
-                  </a:cxn>
-                  <a:cxn ang="0">
-                    <a:pos x="connsiteX46" y="connsiteY46"/>
-                  </a:cxn>
-                  <a:cxn ang="0">
-                    <a:pos x="connsiteX47" y="connsiteY47"/>
-                  </a:cxn>
-                  <a:cxn ang="0">
-                    <a:pos x="connsiteX48" y="connsiteY48"/>
-                  </a:cxn>
-                  <a:cxn ang="0">
-                    <a:pos x="connsiteX49" y="connsiteY49"/>
-                  </a:cxn>
-                  <a:cxn ang="0">
-                    <a:pos x="connsiteX50" y="connsiteY50"/>
-                  </a:cxn>
-                  <a:cxn ang="0">
-                    <a:pos x="connsiteX51" y="connsiteY51"/>
-                  </a:cxn>
-                  <a:cxn ang="0">
-                    <a:pos x="connsiteX52" y="connsiteY52"/>
-                  </a:cxn>
-                  <a:cxn ang="0">
-                    <a:pos x="connsiteX53" y="connsiteY53"/>
-                  </a:cxn>
-                  <a:cxn ang="0">
-                    <a:pos x="connsiteX54" y="connsiteY54"/>
-                  </a:cxn>
-                  <a:cxn ang="0">
-                    <a:pos x="connsiteX55" y="connsiteY55"/>
-                  </a:cxn>
-                  <a:cxn ang="0">
-                    <a:pos x="connsiteX56" y="connsiteY56"/>
-                  </a:cxn>
-                  <a:cxn ang="0">
-                    <a:pos x="connsiteX57" y="connsiteY57"/>
-                  </a:cxn>
-                  <a:cxn ang="0">
-                    <a:pos x="connsiteX58" y="connsiteY58"/>
-                  </a:cxn>
-                  <a:cxn ang="0">
-                    <a:pos x="connsiteX59" y="connsiteY59"/>
-                  </a:cxn>
-                  <a:cxn ang="0">
-                    <a:pos x="connsiteX60" y="connsiteY60"/>
-                  </a:cxn>
-                  <a:cxn ang="0">
-                    <a:pos x="connsiteX61" y="connsiteY61"/>
-                  </a:cxn>
-                  <a:cxn ang="0">
-                    <a:pos x="connsiteX62" y="connsiteY62"/>
-                  </a:cxn>
-                </a:cxnLst>
-                <a:rect l="l" t="t" r="r" b="b"/>
-                <a:pathLst>
-                  <a:path w="508000" h="478080">
-                    <a:moveTo>
-                      <a:pt x="69646" y="394096"/>
-                    </a:moveTo>
-                    <a:lnTo>
-                      <a:pt x="438355" y="394096"/>
-                    </a:lnTo>
-                    <a:lnTo>
-                      <a:pt x="438355" y="422773"/>
-                    </a:lnTo>
-                    <a:lnTo>
-                      <a:pt x="473178" y="422773"/>
-                    </a:lnTo>
-                    <a:lnTo>
-                      <a:pt x="473178" y="447354"/>
-                    </a:lnTo>
-                    <a:lnTo>
-                      <a:pt x="497758" y="447354"/>
-                    </a:lnTo>
-                    <a:lnTo>
-                      <a:pt x="497758" y="478080"/>
-                    </a:lnTo>
-                    <a:lnTo>
-                      <a:pt x="14339" y="478080"/>
-                    </a:lnTo>
-                    <a:lnTo>
-                      <a:pt x="14339" y="447354"/>
-                    </a:lnTo>
-                    <a:lnTo>
-                      <a:pt x="38920" y="447354"/>
-                    </a:lnTo>
-                    <a:lnTo>
-                      <a:pt x="38920" y="422773"/>
-                    </a:lnTo>
-                    <a:lnTo>
-                      <a:pt x="69646" y="422773"/>
-                    </a:lnTo>
-                    <a:close/>
-                    <a:moveTo>
-                      <a:pt x="362031" y="193354"/>
-                    </a:moveTo>
-                    <a:cubicBezTo>
-                      <a:pt x="362031" y="193354"/>
-                      <a:pt x="362031" y="193354"/>
-                      <a:pt x="436842" y="193354"/>
-                    </a:cubicBezTo>
-                    <a:cubicBezTo>
-                      <a:pt x="446816" y="193354"/>
-                      <a:pt x="456791" y="203368"/>
-                      <a:pt x="456791" y="213383"/>
-                    </a:cubicBezTo>
-                    <a:cubicBezTo>
-                      <a:pt x="456791" y="213383"/>
-                      <a:pt x="456791" y="213383"/>
-                      <a:pt x="456791" y="233411"/>
-                    </a:cubicBezTo>
-                    <a:cubicBezTo>
-                      <a:pt x="456791" y="233411"/>
-                      <a:pt x="456791" y="233411"/>
-                      <a:pt x="436842" y="233411"/>
-                    </a:cubicBezTo>
-                    <a:cubicBezTo>
-                      <a:pt x="436842" y="233411"/>
-                      <a:pt x="436842" y="233411"/>
-                      <a:pt x="436842" y="373612"/>
-                    </a:cubicBezTo>
-                    <a:lnTo>
-                      <a:pt x="362031" y="373612"/>
-                    </a:lnTo>
-                    <a:cubicBezTo>
-                      <a:pt x="362031" y="373612"/>
-                      <a:pt x="362031" y="373612"/>
-                      <a:pt x="362031" y="233411"/>
-                    </a:cubicBezTo>
-                    <a:cubicBezTo>
-                      <a:pt x="362031" y="233411"/>
-                      <a:pt x="362031" y="233411"/>
-                      <a:pt x="342081" y="233411"/>
-                    </a:cubicBezTo>
-                    <a:cubicBezTo>
-                      <a:pt x="342081" y="233411"/>
-                      <a:pt x="342081" y="233411"/>
-                      <a:pt x="342081" y="213383"/>
-                    </a:cubicBezTo>
-                    <a:cubicBezTo>
-                      <a:pt x="342081" y="203368"/>
-                      <a:pt x="352056" y="193354"/>
-                      <a:pt x="362031" y="193354"/>
-                    </a:cubicBezTo>
-                    <a:close/>
-                    <a:moveTo>
-                      <a:pt x="218644" y="193354"/>
-                    </a:moveTo>
-                    <a:cubicBezTo>
-                      <a:pt x="218644" y="193354"/>
-                      <a:pt x="218644" y="193354"/>
-                      <a:pt x="293455" y="193354"/>
-                    </a:cubicBezTo>
-                    <a:cubicBezTo>
-                      <a:pt x="303429" y="193354"/>
-                      <a:pt x="313404" y="203368"/>
-                      <a:pt x="313404" y="213383"/>
-                    </a:cubicBezTo>
-                    <a:cubicBezTo>
-                      <a:pt x="313404" y="213383"/>
-                      <a:pt x="313404" y="213383"/>
-                      <a:pt x="313404" y="233411"/>
-                    </a:cubicBezTo>
-                    <a:cubicBezTo>
-                      <a:pt x="313404" y="233411"/>
-                      <a:pt x="313404" y="233411"/>
-                      <a:pt x="293455" y="233411"/>
-                    </a:cubicBezTo>
-                    <a:cubicBezTo>
-                      <a:pt x="293455" y="233411"/>
-                      <a:pt x="293455" y="233411"/>
-                      <a:pt x="293455" y="373612"/>
-                    </a:cubicBezTo>
-                    <a:lnTo>
-                      <a:pt x="213656" y="373612"/>
-                    </a:lnTo>
-                    <a:cubicBezTo>
-                      <a:pt x="213656" y="373612"/>
-                      <a:pt x="213656" y="373612"/>
-                      <a:pt x="213656" y="233411"/>
-                    </a:cubicBezTo>
-                    <a:cubicBezTo>
-                      <a:pt x="213656" y="233411"/>
-                      <a:pt x="213656" y="233411"/>
-                      <a:pt x="198694" y="233411"/>
-                    </a:cubicBezTo>
-                    <a:cubicBezTo>
-                      <a:pt x="198694" y="233411"/>
-                      <a:pt x="198694" y="233411"/>
-                      <a:pt x="198694" y="213383"/>
-                    </a:cubicBezTo>
-                    <a:cubicBezTo>
-                      <a:pt x="198694" y="203368"/>
-                      <a:pt x="208669" y="193354"/>
-                      <a:pt x="218644" y="193354"/>
-                    </a:cubicBezTo>
-                    <a:close/>
-                    <a:moveTo>
-                      <a:pt x="73208" y="193354"/>
-                    </a:moveTo>
-                    <a:cubicBezTo>
-                      <a:pt x="73208" y="193354"/>
-                      <a:pt x="73208" y="193354"/>
-                      <a:pt x="148019" y="193354"/>
-                    </a:cubicBezTo>
-                    <a:cubicBezTo>
-                      <a:pt x="157993" y="193354"/>
-                      <a:pt x="167968" y="203368"/>
-                      <a:pt x="167968" y="213383"/>
-                    </a:cubicBezTo>
-                    <a:cubicBezTo>
-                      <a:pt x="167968" y="213383"/>
-                      <a:pt x="167968" y="213383"/>
-                      <a:pt x="167968" y="233411"/>
-                    </a:cubicBezTo>
-                    <a:cubicBezTo>
-                      <a:pt x="167968" y="233411"/>
-                      <a:pt x="167968" y="233411"/>
-                      <a:pt x="148019" y="233411"/>
-                    </a:cubicBezTo>
-                    <a:cubicBezTo>
-                      <a:pt x="148019" y="233411"/>
-                      <a:pt x="148019" y="233411"/>
-                      <a:pt x="148019" y="373612"/>
-                    </a:cubicBezTo>
-                    <a:lnTo>
-                      <a:pt x="73208" y="373612"/>
-                    </a:lnTo>
-                    <a:cubicBezTo>
-                      <a:pt x="73208" y="373612"/>
-                      <a:pt x="73208" y="373612"/>
-                      <a:pt x="73208" y="233411"/>
-                    </a:cubicBezTo>
-                    <a:cubicBezTo>
-                      <a:pt x="73208" y="233411"/>
-                      <a:pt x="73208" y="233411"/>
-                      <a:pt x="53258" y="233411"/>
-                    </a:cubicBezTo>
-                    <a:cubicBezTo>
-                      <a:pt x="53258" y="233411"/>
-                      <a:pt x="53258" y="233411"/>
-                      <a:pt x="53258" y="213383"/>
-                    </a:cubicBezTo>
-                    <a:cubicBezTo>
-                      <a:pt x="53258" y="203368"/>
-                      <a:pt x="63233" y="193354"/>
-                      <a:pt x="73208" y="193354"/>
-                    </a:cubicBezTo>
-                    <a:close/>
-                    <a:moveTo>
-                      <a:pt x="234079" y="68402"/>
-                    </a:moveTo>
-                    <a:cubicBezTo>
-                      <a:pt x="234079" y="68402"/>
-                      <a:pt x="234079" y="68402"/>
-                      <a:pt x="169334" y="108199"/>
-                    </a:cubicBezTo>
-                    <a:cubicBezTo>
-                      <a:pt x="169334" y="108199"/>
-                      <a:pt x="169334" y="108199"/>
-                      <a:pt x="169334" y="113174"/>
-                    </a:cubicBezTo>
-                    <a:cubicBezTo>
-                      <a:pt x="169334" y="113174"/>
-                      <a:pt x="169334" y="113174"/>
-                      <a:pt x="174314" y="113174"/>
-                    </a:cubicBezTo>
-                    <a:lnTo>
-                      <a:pt x="333687" y="113174"/>
-                    </a:lnTo>
-                    <a:cubicBezTo>
-                      <a:pt x="338667" y="113174"/>
-                      <a:pt x="338667" y="113174"/>
-                      <a:pt x="338667" y="113174"/>
-                    </a:cubicBezTo>
-                    <a:cubicBezTo>
-                      <a:pt x="338667" y="108199"/>
-                      <a:pt x="338667" y="108199"/>
-                      <a:pt x="338667" y="108199"/>
-                    </a:cubicBezTo>
-                    <a:cubicBezTo>
-                      <a:pt x="338667" y="108199"/>
-                      <a:pt x="338667" y="108199"/>
-                      <a:pt x="273922" y="68402"/>
-                    </a:cubicBezTo>
-                    <a:cubicBezTo>
-                      <a:pt x="258981" y="63428"/>
-                      <a:pt x="249020" y="63428"/>
-                      <a:pt x="234079" y="68402"/>
-                    </a:cubicBezTo>
-                    <a:close/>
-                    <a:moveTo>
-                      <a:pt x="234079" y="3732"/>
-                    </a:moveTo>
-                    <a:cubicBezTo>
-                      <a:pt x="249020" y="-1243"/>
-                      <a:pt x="258981" y="-1243"/>
-                      <a:pt x="273922" y="3732"/>
-                    </a:cubicBezTo>
-                    <a:lnTo>
-                      <a:pt x="488079" y="123123"/>
-                    </a:lnTo>
-                    <a:cubicBezTo>
-                      <a:pt x="498039" y="128098"/>
-                      <a:pt x="508000" y="143022"/>
-                      <a:pt x="508000" y="157946"/>
-                    </a:cubicBezTo>
-                    <a:cubicBezTo>
-                      <a:pt x="508000" y="157946"/>
-                      <a:pt x="508000" y="157946"/>
-                      <a:pt x="508000" y="172870"/>
-                    </a:cubicBezTo>
-                    <a:cubicBezTo>
-                      <a:pt x="508000" y="172870"/>
-                      <a:pt x="508000" y="172870"/>
-                      <a:pt x="0" y="172870"/>
-                    </a:cubicBezTo>
-                    <a:cubicBezTo>
-                      <a:pt x="0" y="172870"/>
-                      <a:pt x="0" y="172870"/>
-                      <a:pt x="0" y="157946"/>
-                    </a:cubicBezTo>
-                    <a:cubicBezTo>
-                      <a:pt x="0" y="143022"/>
-                      <a:pt x="9961" y="128098"/>
-                      <a:pt x="19922" y="123123"/>
-                    </a:cubicBezTo>
-                    <a:cubicBezTo>
-                      <a:pt x="19922" y="123123"/>
-                      <a:pt x="19922" y="123123"/>
-                      <a:pt x="234079" y="3732"/>
-                    </a:cubicBezTo>
-                    <a:close/>
-                  </a:path>
-                </a:pathLst>
-              </a:custGeom>
-              <a:solidFill>
-                <a:schemeClr val="accent3">
-                  <a:lumMod val="100000"/>
-                </a:schemeClr>
-              </a:solidFill>
-              <a:ln>
-                <a:noFill/>
-              </a:ln>
-              <a:extLst/>
-            </p:spPr>
-            <p:txBody>
-              <a:bodyPr anchor="ctr"/>
-              <a:lstStyle/>
-              <a:p>
-                <a:pPr algn="ctr"/>
-                <a:endParaRPr/>
-              </a:p>
-            </p:txBody>
-          </p:sp>
-        </p:grpSp>
-        <p:grpSp>
-          <p:nvGrpSpPr>
-            <p:cNvPr id="6" name="Group 31"/>
-            <p:cNvGrpSpPr/>
-            <p:nvPr/>
-          </p:nvGrpSpPr>
-          <p:grpSpPr>
-            <a:xfrm>
-              <a:off x="9463886" y="2834333"/>
-              <a:ext cx="1458180" cy="1663040"/>
-              <a:chOff x="8877300" y="2834333"/>
-              <a:chExt cx="1458180" cy="1663040"/>
-            </a:xfrm>
-          </p:grpSpPr>
-          <p:sp>
-            <p:nvSpPr>
-              <p:cNvPr id="19" name="Freeform: Shape 4"/>
-              <p:cNvSpPr>
-                <a:spLocks/>
-              </p:cNvSpPr>
-              <p:nvPr/>
-            </p:nvSpPr>
-            <p:spPr bwMode="auto">
-              <a:xfrm>
-                <a:off x="8877300" y="2834333"/>
-                <a:ext cx="1458180" cy="1663040"/>
-              </a:xfrm>
-              <a:custGeom>
-                <a:avLst/>
-                <a:gdLst>
-                  <a:gd name="T0" fmla="*/ 573 w 1146"/>
-                  <a:gd name="T1" fmla="*/ 0 h 1307"/>
-                  <a:gd name="T2" fmla="*/ 1146 w 1146"/>
-                  <a:gd name="T3" fmla="*/ 287 h 1307"/>
-                  <a:gd name="T4" fmla="*/ 1146 w 1146"/>
-                  <a:gd name="T5" fmla="*/ 1021 h 1307"/>
-                  <a:gd name="T6" fmla="*/ 573 w 1146"/>
-                  <a:gd name="T7" fmla="*/ 1307 h 1307"/>
-                  <a:gd name="T8" fmla="*/ 0 w 1146"/>
-                  <a:gd name="T9" fmla="*/ 1021 h 1307"/>
-                  <a:gd name="T10" fmla="*/ 0 w 1146"/>
-                  <a:gd name="T11" fmla="*/ 287 h 1307"/>
-                  <a:gd name="T12" fmla="*/ 573 w 1146"/>
-                  <a:gd name="T13" fmla="*/ 0 h 1307"/>
-                </a:gdLst>
-                <a:ahLst/>
-                <a:cxnLst>
-                  <a:cxn ang="0">
-                    <a:pos x="T0" y="T1"/>
-                  </a:cxn>
-                  <a:cxn ang="0">
-                    <a:pos x="T2" y="T3"/>
-                  </a:cxn>
-                  <a:cxn ang="0">
-                    <a:pos x="T4" y="T5"/>
-                  </a:cxn>
-                  <a:cxn ang="0">
-                    <a:pos x="T6" y="T7"/>
-                  </a:cxn>
-                  <a:cxn ang="0">
-                    <a:pos x="T8" y="T9"/>
-                  </a:cxn>
-                  <a:cxn ang="0">
-                    <a:pos x="T10" y="T11"/>
-                  </a:cxn>
-                  <a:cxn ang="0">
-                    <a:pos x="T12" y="T13"/>
-                  </a:cxn>
-                </a:cxnLst>
-                <a:rect l="0" t="0" r="r" b="b"/>
-                <a:pathLst>
-                  <a:path w="1146" h="1307">
-                    <a:moveTo>
-                      <a:pt x="573" y="0"/>
-                    </a:moveTo>
-                    <a:lnTo>
-                      <a:pt x="1146" y="287"/>
-                    </a:lnTo>
-                    <a:lnTo>
-                      <a:pt x="1146" y="1021"/>
-                    </a:lnTo>
-                    <a:lnTo>
-                      <a:pt x="573" y="1307"/>
-                    </a:lnTo>
-                    <a:lnTo>
-                      <a:pt x="0" y="1021"/>
-                    </a:lnTo>
-                    <a:lnTo>
-                      <a:pt x="0" y="287"/>
-                    </a:lnTo>
-                    <a:lnTo>
-                      <a:pt x="573" y="0"/>
-                    </a:lnTo>
-                    <a:close/>
-                  </a:path>
-                </a:pathLst>
-              </a:custGeom>
-              <a:noFill/>
-              <a:ln w="28575">
-                <a:solidFill>
-                  <a:schemeClr val="accent4"/>
-                </a:solidFill>
-              </a:ln>
-              <a:extLst/>
-            </p:spPr>
-            <p:txBody>
-              <a:bodyPr anchor="ctr"/>
-              <a:lstStyle/>
-              <a:p>
-                <a:pPr algn="ctr"/>
-                <a:endParaRPr/>
-              </a:p>
-            </p:txBody>
-          </p:sp>
-          <p:sp>
-            <p:nvSpPr>
-              <p:cNvPr id="20" name="Freeform: Shape 13"/>
-              <p:cNvSpPr/>
-              <p:nvPr/>
-            </p:nvSpPr>
-            <p:spPr>
-              <a:xfrm>
-                <a:off x="9340962" y="3400425"/>
-                <a:ext cx="530856" cy="530856"/>
-              </a:xfrm>
-              <a:custGeom>
-                <a:avLst/>
-                <a:gdLst/>
-                <a:ahLst/>
-                <a:cxnLst>
-                  <a:cxn ang="0">
-                    <a:pos x="wd2" y="hd2"/>
-                  </a:cxn>
-                  <a:cxn ang="5400000">
-                    <a:pos x="wd2" y="hd2"/>
-                  </a:cxn>
-                  <a:cxn ang="10800000">
-                    <a:pos x="wd2" y="hd2"/>
-                  </a:cxn>
-                  <a:cxn ang="16200000">
-                    <a:pos x="wd2" y="hd2"/>
-                  </a:cxn>
-                </a:cxnLst>
-                <a:rect l="0" t="0" r="r" b="b"/>
-                <a:pathLst>
-                  <a:path w="21600" h="21600" extrusionOk="0">
-                    <a:moveTo>
-                      <a:pt x="14896" y="15577"/>
-                    </a:moveTo>
-                    <a:cubicBezTo>
-                      <a:pt x="12144" y="16865"/>
-                      <a:pt x="9844" y="18851"/>
-                      <a:pt x="8177" y="21278"/>
-                    </a:cubicBezTo>
-                    <a:cubicBezTo>
-                      <a:pt x="9017" y="21487"/>
-                      <a:pt x="9895" y="21600"/>
-                      <a:pt x="10801" y="21600"/>
-                    </a:cubicBezTo>
-                    <a:cubicBezTo>
-                      <a:pt x="12429" y="21600"/>
-                      <a:pt x="13973" y="21237"/>
-                      <a:pt x="15358" y="20591"/>
-                    </a:cubicBezTo>
-                    <a:cubicBezTo>
-                      <a:pt x="15580" y="19502"/>
-                      <a:pt x="15699" y="18376"/>
-                      <a:pt x="15699" y="17222"/>
-                    </a:cubicBezTo>
-                    <a:cubicBezTo>
-                      <a:pt x="15699" y="16807"/>
-                      <a:pt x="15679" y="16394"/>
-                      <a:pt x="15648" y="15985"/>
-                    </a:cubicBezTo>
-                    <a:cubicBezTo>
-                      <a:pt x="15371" y="15896"/>
-                      <a:pt x="15116" y="15757"/>
-                      <a:pt x="14896" y="15577"/>
-                    </a:cubicBezTo>
-                    <a:close/>
-                    <a:moveTo>
-                      <a:pt x="18049" y="2796"/>
-                    </a:moveTo>
-                    <a:cubicBezTo>
-                      <a:pt x="16319" y="2963"/>
-                      <a:pt x="14667" y="3397"/>
-                      <a:pt x="13127" y="4050"/>
-                    </a:cubicBezTo>
-                    <a:cubicBezTo>
-                      <a:pt x="13136" y="4125"/>
-                      <a:pt x="13139" y="4202"/>
-                      <a:pt x="13139" y="4280"/>
-                    </a:cubicBezTo>
-                    <a:cubicBezTo>
-                      <a:pt x="13139" y="4642"/>
-                      <a:pt x="13052" y="4984"/>
-                      <a:pt x="12904" y="5289"/>
-                    </a:cubicBezTo>
-                    <a:cubicBezTo>
-                      <a:pt x="14441" y="7094"/>
-                      <a:pt x="15635" y="9198"/>
-                      <a:pt x="16388" y="11500"/>
-                    </a:cubicBezTo>
-                    <a:cubicBezTo>
-                      <a:pt x="17323" y="11517"/>
-                      <a:pt x="18121" y="12090"/>
-                      <a:pt x="18465" y="12903"/>
-                    </a:cubicBezTo>
-                    <a:cubicBezTo>
-                      <a:pt x="19505" y="12797"/>
-                      <a:pt x="20517" y="12599"/>
-                      <a:pt x="21493" y="12312"/>
-                    </a:cubicBezTo>
-                    <a:cubicBezTo>
-                      <a:pt x="21562" y="11817"/>
-                      <a:pt x="21600" y="11314"/>
-                      <a:pt x="21600" y="10799"/>
-                    </a:cubicBezTo>
-                    <a:cubicBezTo>
-                      <a:pt x="21600" y="7626"/>
-                      <a:pt x="20230" y="4772"/>
-                      <a:pt x="18049" y="2796"/>
-                    </a:cubicBezTo>
-                    <a:close/>
-                    <a:moveTo>
-                      <a:pt x="13739" y="14349"/>
-                    </a:moveTo>
-                    <a:cubicBezTo>
-                      <a:pt x="11074" y="13908"/>
-                      <a:pt x="8601" y="12890"/>
-                      <a:pt x="6450" y="11433"/>
-                    </a:cubicBezTo>
-                    <a:cubicBezTo>
-                      <a:pt x="6101" y="11646"/>
-                      <a:pt x="5691" y="11773"/>
-                      <a:pt x="5251" y="11773"/>
-                    </a:cubicBezTo>
-                    <a:cubicBezTo>
-                      <a:pt x="5090" y="11773"/>
-                      <a:pt x="4933" y="11755"/>
-                      <a:pt x="4781" y="11724"/>
-                    </a:cubicBezTo>
-                    <a:cubicBezTo>
-                      <a:pt x="3750" y="13677"/>
-                      <a:pt x="3093" y="15854"/>
-                      <a:pt x="2903" y="18164"/>
-                    </a:cubicBezTo>
-                    <a:cubicBezTo>
-                      <a:pt x="3931" y="19266"/>
-                      <a:pt x="5186" y="20154"/>
-                      <a:pt x="6595" y="20750"/>
-                    </a:cubicBezTo>
-                    <a:cubicBezTo>
-                      <a:pt x="8345" y="18059"/>
-                      <a:pt x="10792" y="15833"/>
-                      <a:pt x="13739" y="14349"/>
-                    </a:cubicBezTo>
-                    <a:close/>
-                    <a:moveTo>
-                      <a:pt x="17258" y="15906"/>
-                    </a:moveTo>
-                    <a:cubicBezTo>
-                      <a:pt x="17290" y="16340"/>
-                      <a:pt x="17306" y="16780"/>
-                      <a:pt x="17306" y="17222"/>
-                    </a:cubicBezTo>
-                    <a:cubicBezTo>
-                      <a:pt x="17306" y="18003"/>
-                      <a:pt x="17256" y="18770"/>
-                      <a:pt x="17163" y="19525"/>
-                    </a:cubicBezTo>
-                    <a:cubicBezTo>
-                      <a:pt x="18993" y="18186"/>
-                      <a:pt x="20389" y="16288"/>
-                      <a:pt x="21091" y="14080"/>
-                    </a:cubicBezTo>
-                    <a:cubicBezTo>
-                      <a:pt x="20259" y="14281"/>
-                      <a:pt x="19403" y="14425"/>
-                      <a:pt x="18531" y="14508"/>
-                    </a:cubicBezTo>
-                    <a:cubicBezTo>
-                      <a:pt x="18326" y="15137"/>
-                      <a:pt x="17860" y="15646"/>
-                      <a:pt x="17258" y="15906"/>
-                    </a:cubicBezTo>
-                    <a:close/>
-                    <a:moveTo>
-                      <a:pt x="14278" y="12804"/>
-                    </a:moveTo>
-                    <a:cubicBezTo>
-                      <a:pt x="14421" y="12507"/>
-                      <a:pt x="14624" y="12244"/>
-                      <a:pt x="14874" y="12035"/>
-                    </a:cubicBezTo>
-                    <a:cubicBezTo>
-                      <a:pt x="14196" y="9947"/>
-                      <a:pt x="13122" y="8037"/>
-                      <a:pt x="11738" y="6396"/>
-                    </a:cubicBezTo>
-                    <a:cubicBezTo>
-                      <a:pt x="11462" y="6512"/>
-                      <a:pt x="11160" y="6577"/>
-                      <a:pt x="10842" y="6577"/>
-                    </a:cubicBezTo>
-                    <a:cubicBezTo>
-                      <a:pt x="10343" y="6577"/>
-                      <a:pt x="9883" y="6417"/>
-                      <a:pt x="9507" y="6147"/>
-                    </a:cubicBezTo>
-                    <a:cubicBezTo>
-                      <a:pt x="8673" y="6781"/>
-                      <a:pt x="7903" y="7490"/>
-                      <a:pt x="7202" y="8265"/>
-                    </a:cubicBezTo>
-                    <a:cubicBezTo>
-                      <a:pt x="7421" y="8615"/>
-                      <a:pt x="7550" y="9030"/>
-                      <a:pt x="7550" y="9475"/>
-                    </a:cubicBezTo>
-                    <a:cubicBezTo>
-                      <a:pt x="7550" y="9715"/>
-                      <a:pt x="7513" y="9946"/>
-                      <a:pt x="7444" y="10163"/>
-                    </a:cubicBezTo>
-                    <a:cubicBezTo>
-                      <a:pt x="9459" y="11510"/>
-                      <a:pt x="11779" y="12433"/>
-                      <a:pt x="14278" y="12804"/>
-                    </a:cubicBezTo>
-                    <a:close/>
-                    <a:moveTo>
-                      <a:pt x="10842" y="1982"/>
-                    </a:moveTo>
-                    <a:cubicBezTo>
-                      <a:pt x="11448" y="1982"/>
-                      <a:pt x="11999" y="2219"/>
-                      <a:pt x="12409" y="2604"/>
-                    </a:cubicBezTo>
-                    <a:cubicBezTo>
-                      <a:pt x="13608" y="2088"/>
-                      <a:pt x="14870" y="1692"/>
-                      <a:pt x="16183" y="1439"/>
-                    </a:cubicBezTo>
-                    <a:cubicBezTo>
-                      <a:pt x="14599" y="526"/>
-                      <a:pt x="12761" y="0"/>
-                      <a:pt x="10801" y="0"/>
-                    </a:cubicBezTo>
-                    <a:cubicBezTo>
-                      <a:pt x="9464" y="0"/>
-                      <a:pt x="8183" y="245"/>
-                      <a:pt x="7001" y="690"/>
-                    </a:cubicBezTo>
-                    <a:cubicBezTo>
-                      <a:pt x="7940" y="1152"/>
-                      <a:pt x="8833" y="1693"/>
-                      <a:pt x="9674" y="2303"/>
-                    </a:cubicBezTo>
-                    <a:cubicBezTo>
-                      <a:pt x="10018" y="2100"/>
-                      <a:pt x="10415" y="1982"/>
-                      <a:pt x="10842" y="1982"/>
-                    </a:cubicBezTo>
-                    <a:close/>
-                    <a:moveTo>
-                      <a:pt x="2954" y="9475"/>
-                    </a:moveTo>
-                    <a:cubicBezTo>
-                      <a:pt x="2954" y="9153"/>
-                      <a:pt x="3021" y="8844"/>
-                      <a:pt x="3141" y="8566"/>
-                    </a:cubicBezTo>
-                    <a:cubicBezTo>
-                      <a:pt x="2404" y="7757"/>
-                      <a:pt x="1736" y="6884"/>
-                      <a:pt x="1151" y="5952"/>
-                    </a:cubicBezTo>
-                    <a:cubicBezTo>
-                      <a:pt x="417" y="7410"/>
-                      <a:pt x="0" y="9056"/>
-                      <a:pt x="0" y="10799"/>
-                    </a:cubicBezTo>
-                    <a:cubicBezTo>
-                      <a:pt x="0" y="12819"/>
-                      <a:pt x="556" y="14708"/>
-                      <a:pt x="1521" y="16325"/>
-                    </a:cubicBezTo>
-                    <a:cubicBezTo>
-                      <a:pt x="1866" y="14381"/>
-                      <a:pt x="2520" y="12545"/>
-                      <a:pt x="3424" y="10861"/>
-                    </a:cubicBezTo>
-                    <a:cubicBezTo>
-                      <a:pt x="3130" y="10477"/>
-                      <a:pt x="2954" y="9996"/>
-                      <a:pt x="2954" y="9475"/>
-                    </a:cubicBezTo>
-                    <a:close/>
-                    <a:moveTo>
-                      <a:pt x="5251" y="7176"/>
-                    </a:moveTo>
-                    <a:cubicBezTo>
-                      <a:pt x="5487" y="7176"/>
-                      <a:pt x="5715" y="7213"/>
-                      <a:pt x="5930" y="7278"/>
-                    </a:cubicBezTo>
-                    <a:cubicBezTo>
-                      <a:pt x="6738" y="6372"/>
-                      <a:pt x="7636" y="5547"/>
-                      <a:pt x="8608" y="4813"/>
-                    </a:cubicBezTo>
-                    <a:cubicBezTo>
-                      <a:pt x="8567" y="4642"/>
-                      <a:pt x="8543" y="4464"/>
-                      <a:pt x="8543" y="4280"/>
-                    </a:cubicBezTo>
-                    <a:cubicBezTo>
-                      <a:pt x="8543" y="4026"/>
-                      <a:pt x="8587" y="3781"/>
-                      <a:pt x="8663" y="3552"/>
-                    </a:cubicBezTo>
-                    <a:cubicBezTo>
-                      <a:pt x="7575" y="2771"/>
-                      <a:pt x="6391" y="2115"/>
-                      <a:pt x="5131" y="1609"/>
-                    </a:cubicBezTo>
-                    <a:cubicBezTo>
-                      <a:pt x="3949" y="2338"/>
-                      <a:pt x="2920" y="3289"/>
-                      <a:pt x="2099" y="4405"/>
-                    </a:cubicBezTo>
-                    <a:cubicBezTo>
-                      <a:pt x="2708" y="5484"/>
-                      <a:pt x="3433" y="6491"/>
-                      <a:pt x="4256" y="7407"/>
-                    </a:cubicBezTo>
-                    <a:cubicBezTo>
-                      <a:pt x="4557" y="7261"/>
-                      <a:pt x="4895" y="7176"/>
-                      <a:pt x="5251" y="7176"/>
-                    </a:cubicBezTo>
-                    <a:close/>
-                  </a:path>
-                </a:pathLst>
-              </a:custGeom>
-              <a:solidFill>
-                <a:schemeClr val="accent4">
-                  <a:lumMod val="100000"/>
-                </a:schemeClr>
-              </a:solidFill>
-              <a:ln w="12700">
-                <a:miter lim="400000"/>
-              </a:ln>
-            </p:spPr>
-            <p:txBody>
-              <a:bodyPr anchor="ctr"/>
-              <a:lstStyle/>
-              <a:p>
-                <a:pPr algn="ctr"/>
-                <a:endParaRPr/>
-              </a:p>
-            </p:txBody>
-          </p:sp>
-        </p:grpSp>
-        <p:sp>
-          <p:nvSpPr>
-            <p:cNvPr id="17" name="TextBox 17"/>
-            <p:cNvSpPr txBox="1">
-              <a:spLocks/>
-            </p:cNvSpPr>
-            <p:nvPr/>
-          </p:nvSpPr>
-          <p:spPr bwMode="auto">
-            <a:xfrm>
-              <a:off x="1390565" y="4761148"/>
-              <a:ext cx="2213143" cy="283030"/>
-            </a:xfrm>
-            <a:prstGeom prst="rect">
-              <a:avLst/>
-            </a:prstGeom>
-            <a:noFill/>
-            <a:ln w="9525">
-              <a:noFill/>
-              <a:miter lim="800000"/>
-              <a:headEnd/>
-              <a:tailEnd/>
-            </a:ln>
-          </p:spPr>
-          <p:txBody>
-            <a:bodyPr wrap="none" lIns="0" tIns="0" rIns="0" bIns="0" anchor="ctr" anchorCtr="1">
-              <a:normAutofit/>
-              <a:scene3d>
-                <a:camera prst="orthographicFront"/>
-                <a:lightRig rig="threePt" dir="t"/>
-              </a:scene3d>
-              <a:sp3d>
-                <a:bevelT w="0" h="0"/>
-              </a:sp3d>
-            </a:bodyPr>
-            <a:lstStyle/>
-            <a:p>
-              <a:pPr marL="0" lvl="1" algn="ctr"/>
-              <a:r>
-                <a:rPr lang="en-US" altLang="zh-CN" dirty="0">
-                  <a:latin typeface="Georgia" panose="02040502050405020303" pitchFamily="18" charset="0"/>
-                </a:rPr>
-                <a:t>Data</a:t>
-              </a:r>
-              <a:endParaRPr lang="zh-CN" altLang="en-US" sz="1400" b="1" dirty="0">
-                <a:solidFill>
-                  <a:schemeClr val="accent1"/>
-                </a:solidFill>
-                <a:latin typeface="Georgia" panose="02040502050405020303" pitchFamily="18" charset="0"/>
-              </a:endParaRPr>
-            </a:p>
-          </p:txBody>
-        </p:sp>
-        <p:sp>
-          <p:nvSpPr>
-            <p:cNvPr id="15" name="TextBox 20"/>
-            <p:cNvSpPr txBox="1">
-              <a:spLocks/>
-            </p:cNvSpPr>
-            <p:nvPr/>
-          </p:nvSpPr>
-          <p:spPr bwMode="auto">
-            <a:xfrm>
-              <a:off x="3956180" y="4761148"/>
-              <a:ext cx="2213143" cy="283030"/>
-            </a:xfrm>
-            <a:prstGeom prst="rect">
-              <a:avLst/>
-            </a:prstGeom>
-            <a:noFill/>
-            <a:ln w="9525">
-              <a:noFill/>
-              <a:miter lim="800000"/>
-              <a:headEnd/>
-              <a:tailEnd/>
-            </a:ln>
-          </p:spPr>
-          <p:txBody>
-            <a:bodyPr wrap="none" lIns="0" tIns="0" rIns="0" bIns="0" anchor="ctr" anchorCtr="1">
-              <a:normAutofit/>
-              <a:scene3d>
-                <a:camera prst="orthographicFront"/>
-                <a:lightRig rig="threePt" dir="t"/>
-              </a:scene3d>
-              <a:sp3d>
-                <a:bevelT w="0" h="0"/>
-              </a:sp3d>
-            </a:bodyPr>
-            <a:lstStyle/>
-            <a:p>
-              <a:pPr lvl="0"/>
-              <a:r>
-                <a:rPr lang="en-US" altLang="zh-CN" dirty="0">
-                  <a:latin typeface="Georgia" panose="02040502050405020303" pitchFamily="18" charset="0"/>
-                </a:rPr>
-                <a:t>Eco-system</a:t>
-              </a:r>
-              <a:endParaRPr lang="zh-CN" altLang="zh-CN" dirty="0">
-                <a:latin typeface="Georgia" panose="02040502050405020303" pitchFamily="18" charset="0"/>
-              </a:endParaRPr>
-            </a:p>
-          </p:txBody>
-        </p:sp>
-        <p:sp>
-          <p:nvSpPr>
-            <p:cNvPr id="13" name="TextBox 23"/>
-            <p:cNvSpPr txBox="1">
-              <a:spLocks/>
-            </p:cNvSpPr>
-            <p:nvPr/>
-          </p:nvSpPr>
-          <p:spPr bwMode="auto">
-            <a:xfrm>
-              <a:off x="6521795" y="4761148"/>
-              <a:ext cx="2213143" cy="283030"/>
-            </a:xfrm>
-            <a:prstGeom prst="rect">
-              <a:avLst/>
-            </a:prstGeom>
-            <a:noFill/>
-            <a:ln w="9525">
-              <a:noFill/>
-              <a:miter lim="800000"/>
-              <a:headEnd/>
-              <a:tailEnd/>
-            </a:ln>
-          </p:spPr>
-          <p:txBody>
-            <a:bodyPr wrap="none" lIns="0" tIns="0" rIns="0" bIns="0" anchor="ctr" anchorCtr="1">
-              <a:normAutofit/>
-              <a:scene3d>
-                <a:camera prst="orthographicFront"/>
-                <a:lightRig rig="threePt" dir="t"/>
-              </a:scene3d>
-              <a:sp3d>
-                <a:bevelT w="0" h="0"/>
-              </a:sp3d>
-            </a:bodyPr>
-            <a:lstStyle/>
-            <a:p>
-              <a:pPr lvl="0"/>
-              <a:r>
-                <a:rPr lang="en-US" altLang="zh-CN" dirty="0">
-                  <a:latin typeface="Georgia" panose="02040502050405020303" pitchFamily="18" charset="0"/>
-                </a:rPr>
-                <a:t>Alternating Least Squares</a:t>
-              </a:r>
-              <a:endParaRPr lang="zh-CN" altLang="zh-CN" dirty="0">
-                <a:latin typeface="Georgia" panose="02040502050405020303" pitchFamily="18" charset="0"/>
-              </a:endParaRPr>
-            </a:p>
-          </p:txBody>
-        </p:sp>
-        <p:sp>
-          <p:nvSpPr>
-            <p:cNvPr id="11" name="TextBox 26"/>
-            <p:cNvSpPr txBox="1">
-              <a:spLocks/>
-            </p:cNvSpPr>
-            <p:nvPr/>
-          </p:nvSpPr>
-          <p:spPr bwMode="auto">
-            <a:xfrm>
-              <a:off x="9087411" y="4761148"/>
-              <a:ext cx="2213143" cy="283030"/>
-            </a:xfrm>
-            <a:prstGeom prst="rect">
-              <a:avLst/>
-            </a:prstGeom>
-            <a:noFill/>
-            <a:ln w="9525">
-              <a:noFill/>
-              <a:miter lim="800000"/>
-              <a:headEnd/>
-              <a:tailEnd/>
-            </a:ln>
-          </p:spPr>
-          <p:txBody>
-            <a:bodyPr wrap="none" lIns="0" tIns="0" rIns="0" bIns="0" anchor="ctr" anchorCtr="1">
-              <a:normAutofit/>
-              <a:scene3d>
-                <a:camera prst="orthographicFront"/>
-                <a:lightRig rig="threePt" dir="t"/>
-              </a:scene3d>
-              <a:sp3d>
-                <a:bevelT w="0" h="0"/>
-              </a:sp3d>
-            </a:bodyPr>
-            <a:lstStyle/>
-            <a:p>
-              <a:pPr marL="0" lvl="1" algn="ctr"/>
-              <a:r>
-                <a:rPr lang="en-US" altLang="zh-CN" dirty="0">
-                  <a:latin typeface="Georgia" panose="02040502050405020303" pitchFamily="18" charset="0"/>
-                </a:rPr>
-                <a:t>Performance </a:t>
-              </a:r>
-              <a:endParaRPr lang="zh-CN" altLang="en-US" sz="1400" b="1" dirty="0">
-                <a:solidFill>
-                  <a:schemeClr val="accent4"/>
-                </a:solidFill>
-                <a:latin typeface="Georgia" panose="02040502050405020303" pitchFamily="18" charset="0"/>
-              </a:endParaRPr>
-            </a:p>
-          </p:txBody>
-        </p:sp>
-      </p:grpSp>
-      <p:sp>
-        <p:nvSpPr>
-          <p:cNvPr id="27" name="标题 1"/>
-          <p:cNvSpPr txBox="1">
-            <a:spLocks/>
-          </p:cNvSpPr>
-          <p:nvPr/>
-        </p:nvSpPr>
-        <p:spPr>
-          <a:xfrm>
-            <a:off x="5058227" y="1017053"/>
-            <a:ext cx="2694481" cy="960701"/>
-          </a:xfrm>
-          <a:prstGeom prst="rect">
-            <a:avLst/>
-          </a:prstGeom>
-        </p:spPr>
-        <p:txBody>
-          <a:bodyPr>
-            <a:normAutofit fontScale="70000" lnSpcReduction="20000"/>
-          </a:bodyPr>
-          <a:lstStyle>
-            <a:lvl1pPr algn="l" defTabSz="914400" rtl="0" eaLnBrk="1" latinLnBrk="0" hangingPunct="1">
-              <a:lnSpc>
-                <a:spcPct val="90000"/>
-              </a:lnSpc>
-              <a:spcBef>
-                <a:spcPct val="0"/>
-              </a:spcBef>
-              <a:buNone/>
-              <a:defRPr sz="4400" kern="1200">
-                <a:solidFill>
-                  <a:schemeClr val="tx1"/>
-                </a:solidFill>
-                <a:latin typeface="+mj-lt"/>
-                <a:ea typeface="+mj-ea"/>
-                <a:cs typeface="+mj-cs"/>
-              </a:defRPr>
-            </a:lvl1pPr>
-          </a:lstStyle>
-          <a:p>
-            <a:pPr algn="ctr"/>
-            <a:r>
-              <a:rPr lang="en-US" altLang="zh-CN" sz="5400" b="1" spc="600" dirty="0">
-                <a:latin typeface="Georgia" panose="02040502050405020303" pitchFamily="18" charset="0"/>
-                <a:ea typeface="+mn-ea"/>
-                <a:cs typeface="Times New Roman" panose="02020603050405020304" pitchFamily="18" charset="0"/>
-                <a:sym typeface="+mn-lt"/>
-              </a:rPr>
-              <a:t>Outline</a:t>
-            </a:r>
-            <a:endParaRPr lang="zh-CN" altLang="en-US" sz="5400" b="1" spc="600" dirty="0">
-              <a:latin typeface="Georgia" panose="02040502050405020303" pitchFamily="18" charset="0"/>
-              <a:ea typeface="+mn-ea"/>
-              <a:cs typeface="Times New Roman" panose="02020603050405020304" pitchFamily="18" charset="0"/>
-              <a:sym typeface="+mn-lt"/>
-            </a:endParaRPr>
-          </a:p>
-        </p:txBody>
-      </p:sp>
-    </p:spTree>
-    <p:extLst>
-      <p:ext uri="{BB962C8B-B14F-4D97-AF65-F5344CB8AC3E}">
-        <p14:creationId xmlns:p14="http://schemas.microsoft.com/office/powerpoint/2010/main" val="3865193883"/>
-      </p:ext>
-    </p:extLst>
-  </p:cSld>
-  <p:clrMapOvr>
-    <a:masterClrMapping/>
-  </p:clrMapOvr>
-  <mc:AlternateContent xmlns:mc="http://schemas.openxmlformats.org/markup-compatibility/2006" xmlns:p14="http://schemas.microsoft.com/office/powerpoint/2010/main">
-    <mc:Choice Requires="p14">
-      <p:transition spd="slow" p14:dur="3000">
-        <p14:shred/>
-      </p:transition>
-    </mc:Choice>
-    <mc:Fallback xmlns="">
-      <p:transition spd="slow">
-        <p:fade/>
-      </p:transition>
-    </mc:Fallback>
-  </mc:AlternateContent>
-  <p:timing>
-    <p:tnLst>
-      <p:par>
-        <p:cTn id="1" dur="indefinite" restart="never" nodeType="tmRoot">
-          <p:childTnLst>
-            <p:seq concurrent="1" nextAc="seek">
-              <p:cTn id="2" dur="indefinite" nodeType="mainSeq">
-                <p:childTnLst>
-                  <p:par>
-                    <p:cTn id="3" fill="hold">
-                      <p:stCondLst>
-                        <p:cond delay="indefinite"/>
-                      </p:stCondLst>
-                      <p:childTnLst>
-                        <p:par>
-                          <p:cTn id="4" fill="hold">
-                            <p:stCondLst>
-                              <p:cond delay="0"/>
-                            </p:stCondLst>
-                            <p:childTnLst>
-                              <p:par>
-                                <p:cTn id="5" presetID="10" presetClass="entr" presetSubtype="0" fill="hold" grpId="1" nodeType="clickEffect">
-                                  <p:stCondLst>
-                                    <p:cond delay="0"/>
-                                  </p:stCondLst>
-                                  <p:iterate type="lt">
-                                    <p:tmPct val="0"/>
-                                  </p:iterate>
-                                  <p:childTnLst>
-                                    <p:set>
-                                      <p:cBhvr>
-                                        <p:cTn id="6" dur="1" fill="hold">
-                                          <p:stCondLst>
-                                            <p:cond delay="0"/>
-                                          </p:stCondLst>
-                                        </p:cTn>
-                                        <p:tgtEl>
-                                          <p:spTgt spid="27"/>
-                                        </p:tgtEl>
-                                        <p:attrNameLst>
-                                          <p:attrName>style.visibility</p:attrName>
-                                        </p:attrNameLst>
-                                      </p:cBhvr>
-                                      <p:to>
-                                        <p:strVal val="visible"/>
-                                      </p:to>
-                                    </p:set>
-                                    <p:animEffect transition="in" filter="fade">
-                                      <p:cBhvr>
-                                        <p:cTn id="7" dur="500"/>
-                                        <p:tgtEl>
-                                          <p:spTgt spid="27"/>
-                                        </p:tgtEl>
-                                      </p:cBhvr>
-                                    </p:animEffect>
-                                  </p:childTnLst>
-                                </p:cTn>
-                              </p:par>
-                              <p:par>
-                                <p:cTn id="8" presetID="34" presetClass="emph" presetSubtype="0" fill="hold" grpId="0" nodeType="withEffect">
-                                  <p:stCondLst>
-                                    <p:cond delay="500"/>
-                                  </p:stCondLst>
-                                  <p:iterate type="lt">
-                                    <p:tmPct val="10000"/>
-                                  </p:iterate>
-                                  <p:childTnLst>
-                                    <p:animMotion origin="layout" path="M 0.0 0.0 L 0.0 -0.07213" pathEditMode="relative" ptsTypes="">
-                                      <p:cBhvr>
-                                        <p:cTn id="9" dur="300" accel="50000" decel="50000" autoRev="1" fill="hold">
-                                          <p:stCondLst>
-                                            <p:cond delay="0"/>
-                                          </p:stCondLst>
-                                        </p:cTn>
-                                        <p:tgtEl>
-                                          <p:spTgt spid="27"/>
-                                        </p:tgtEl>
-                                        <p:attrNameLst>
-                                          <p:attrName>ppt_x</p:attrName>
-                                          <p:attrName>ppt_y</p:attrName>
-                                        </p:attrNameLst>
-                                      </p:cBhvr>
-                                    </p:animMotion>
-                                    <p:animRot by="1500000">
-                                      <p:cBhvr>
-                                        <p:cTn id="10" dur="150" fill="hold">
-                                          <p:stCondLst>
-                                            <p:cond delay="0"/>
-                                          </p:stCondLst>
-                                        </p:cTn>
-                                        <p:tgtEl>
-                                          <p:spTgt spid="27"/>
-                                        </p:tgtEl>
-                                        <p:attrNameLst>
-                                          <p:attrName>r</p:attrName>
-                                        </p:attrNameLst>
-                                      </p:cBhvr>
-                                    </p:animRot>
-                                    <p:animRot by="-1500000">
-                                      <p:cBhvr>
-                                        <p:cTn id="11" dur="150" fill="hold">
-                                          <p:stCondLst>
-                                            <p:cond delay="150"/>
-                                          </p:stCondLst>
-                                        </p:cTn>
-                                        <p:tgtEl>
-                                          <p:spTgt spid="27"/>
-                                        </p:tgtEl>
-                                        <p:attrNameLst>
-                                          <p:attrName>r</p:attrName>
-                                        </p:attrNameLst>
-                                      </p:cBhvr>
-                                    </p:animRot>
-                                    <p:animRot by="-1500000">
-                                      <p:cBhvr>
-                                        <p:cTn id="12" dur="150" fill="hold">
-                                          <p:stCondLst>
-                                            <p:cond delay="300"/>
-                                          </p:stCondLst>
-                                        </p:cTn>
-                                        <p:tgtEl>
-                                          <p:spTgt spid="27"/>
-                                        </p:tgtEl>
-                                        <p:attrNameLst>
-                                          <p:attrName>r</p:attrName>
-                                        </p:attrNameLst>
-                                      </p:cBhvr>
-                                    </p:animRot>
-                                    <p:animRot by="1500000">
-                                      <p:cBhvr>
-                                        <p:cTn id="13" dur="150" fill="hold">
-                                          <p:stCondLst>
-                                            <p:cond delay="450"/>
-                                          </p:stCondLst>
-                                        </p:cTn>
-                                        <p:tgtEl>
-                                          <p:spTgt spid="27"/>
-                                        </p:tgtEl>
-                                        <p:attrNameLst>
-                                          <p:attrName>r</p:attrName>
-                                        </p:attrNameLst>
-                                      </p:cBhvr>
-                                    </p:animRot>
-                                  </p:childTnLst>
-                                </p:cTn>
-                              </p:par>
-                            </p:childTnLst>
-                          </p:cTn>
-                        </p:par>
-                      </p:childTnLst>
-                    </p:cTn>
-                  </p:par>
-                  <p:par>
-                    <p:cTn id="14" fill="hold">
-                      <p:stCondLst>
-                        <p:cond delay="indefinite"/>
-                      </p:stCondLst>
-                      <p:childTnLst>
-                        <p:par>
-                          <p:cTn id="15" fill="hold">
-                            <p:stCondLst>
-                              <p:cond delay="0"/>
-                            </p:stCondLst>
-                            <p:childTnLst>
-                              <p:par>
-                                <p:cTn id="16" presetID="16" presetClass="entr" presetSubtype="21" fill="hold" nodeType="clickEffect">
-                                  <p:stCondLst>
-                                    <p:cond delay="0"/>
-                                  </p:stCondLst>
-                                  <p:childTnLst>
-                                    <p:set>
-                                      <p:cBhvr>
-                                        <p:cTn id="17" dur="1" fill="hold">
-                                          <p:stCondLst>
-                                            <p:cond delay="0"/>
-                                          </p:stCondLst>
-                                        </p:cTn>
-                                        <p:tgtEl>
-                                          <p:spTgt spid="2"/>
-                                        </p:tgtEl>
-                                        <p:attrNameLst>
-                                          <p:attrName>style.visibility</p:attrName>
-                                        </p:attrNameLst>
-                                      </p:cBhvr>
-                                      <p:to>
-                                        <p:strVal val="visible"/>
-                                      </p:to>
-                                    </p:set>
-                                    <p:animEffect transition="in" filter="barn(inVertical)">
-                                      <p:cBhvr>
-                                        <p:cTn id="18" dur="500"/>
-                                        <p:tgtEl>
-                                          <p:spTgt spid="2"/>
-                                        </p:tgtEl>
-                                      </p:cBhvr>
-                                    </p:animEffect>
-                                  </p:childTnLst>
-                                </p:cTn>
-                              </p:par>
-                            </p:childTnLst>
-                          </p:cTn>
-                        </p:par>
-                      </p:childTnLst>
-                    </p:cTn>
-                  </p:par>
-                </p:childTnLst>
-              </p:cTn>
-              <p:prevCondLst>
-                <p:cond evt="onPrev" delay="0">
-                  <p:tgtEl>
-                    <p:sldTgt/>
-                  </p:tgtEl>
-                </p:cond>
-              </p:prevCondLst>
-              <p:nextCondLst>
-                <p:cond evt="onNext" delay="0">
-                  <p:tgtEl>
-                    <p:sldTgt/>
-                  </p:tgtEl>
-                </p:cond>
-              </p:nextCondLst>
-            </p:seq>
-          </p:childTnLst>
-        </p:cTn>
-      </p:par>
-    </p:tnLst>
-    <p:bldLst>
-      <p:bldP spid="27" grpId="0"/>
-      <p:bldP spid="27" grpId="1"/>
-    </p:bldLst>
-  </p:timing>
-</p:sld>
-</file>
-
-<file path=ppt/slides/slide20.xml><?xml version="1.0" encoding="utf-8"?>
+<file path=ppt/slides/slide19.xml><?xml version="1.0" encoding="utf-8"?>
 <p:sld xmlns:a="http://schemas.openxmlformats.org/drawingml/2006/main" xmlns:r="http://schemas.openxmlformats.org/officeDocument/2006/relationships" xmlns:p="http://schemas.openxmlformats.org/presentationml/2006/main">
   <p:cSld>
     <p:spTree>
@@ -13867,6 +9939,3297 @@
     <p:bldLst>
       <p:bldP spid="4" grpId="0"/>
       <p:bldP spid="4" grpId="1"/>
+    </p:bldLst>
+  </p:timing>
+</p:sld>
+</file>
+
+<file path=ppt/slides/slide2.xml><?xml version="1.0" encoding="utf-8"?>
+<p:sld xmlns:a="http://schemas.openxmlformats.org/drawingml/2006/main" xmlns:r="http://schemas.openxmlformats.org/officeDocument/2006/relationships" xmlns:p="http://schemas.openxmlformats.org/presentationml/2006/main">
+  <p:cSld>
+    <p:spTree>
+      <p:nvGrpSpPr>
+        <p:cNvPr id="1" name=""/>
+        <p:cNvGrpSpPr/>
+        <p:nvPr/>
+      </p:nvGrpSpPr>
+      <p:grpSpPr>
+        <a:xfrm>
+          <a:off x="0" y="0"/>
+          <a:ext cx="0" cy="0"/>
+          <a:chOff x="0" y="0"/>
+          <a:chExt cx="0" cy="0"/>
+        </a:xfrm>
+      </p:grpSpPr>
+      <p:grpSp>
+        <p:nvGrpSpPr>
+          <p:cNvPr id="2" name="c5accd2d-f733-4824-ad64-beb893ea6727"/>
+          <p:cNvGrpSpPr>
+            <a:grpSpLocks noChangeAspect="1"/>
+          </p:cNvGrpSpPr>
+          <p:nvPr/>
+        </p:nvGrpSpPr>
+        <p:grpSpPr>
+          <a:xfrm>
+            <a:off x="942421" y="2377132"/>
+            <a:ext cx="10358133" cy="2309777"/>
+            <a:chOff x="1390565" y="2834333"/>
+            <a:chExt cx="9909989" cy="2209845"/>
+          </a:xfrm>
+        </p:grpSpPr>
+        <p:grpSp>
+          <p:nvGrpSpPr>
+            <p:cNvPr id="3" name="Group 28"/>
+            <p:cNvGrpSpPr/>
+            <p:nvPr/>
+          </p:nvGrpSpPr>
+          <p:grpSpPr>
+            <a:xfrm>
+              <a:off x="1768046" y="2834333"/>
+              <a:ext cx="1458180" cy="1663040"/>
+              <a:chOff x="1856520" y="2834333"/>
+              <a:chExt cx="1458180" cy="1663040"/>
+            </a:xfrm>
+          </p:grpSpPr>
+          <p:sp>
+            <p:nvSpPr>
+              <p:cNvPr id="25" name="Freeform: Shape 1"/>
+              <p:cNvSpPr>
+                <a:spLocks/>
+              </p:cNvSpPr>
+              <p:nvPr/>
+            </p:nvSpPr>
+            <p:spPr bwMode="auto">
+              <a:xfrm>
+                <a:off x="1856520" y="2834333"/>
+                <a:ext cx="1458180" cy="1663040"/>
+              </a:xfrm>
+              <a:custGeom>
+                <a:avLst/>
+                <a:gdLst>
+                  <a:gd name="T0" fmla="*/ 573 w 1146"/>
+                  <a:gd name="T1" fmla="*/ 0 h 1307"/>
+                  <a:gd name="T2" fmla="*/ 1146 w 1146"/>
+                  <a:gd name="T3" fmla="*/ 287 h 1307"/>
+                  <a:gd name="T4" fmla="*/ 1146 w 1146"/>
+                  <a:gd name="T5" fmla="*/ 1021 h 1307"/>
+                  <a:gd name="T6" fmla="*/ 573 w 1146"/>
+                  <a:gd name="T7" fmla="*/ 1307 h 1307"/>
+                  <a:gd name="T8" fmla="*/ 0 w 1146"/>
+                  <a:gd name="T9" fmla="*/ 1021 h 1307"/>
+                  <a:gd name="T10" fmla="*/ 0 w 1146"/>
+                  <a:gd name="T11" fmla="*/ 287 h 1307"/>
+                  <a:gd name="T12" fmla="*/ 573 w 1146"/>
+                  <a:gd name="T13" fmla="*/ 0 h 1307"/>
+                </a:gdLst>
+                <a:ahLst/>
+                <a:cxnLst>
+                  <a:cxn ang="0">
+                    <a:pos x="T0" y="T1"/>
+                  </a:cxn>
+                  <a:cxn ang="0">
+                    <a:pos x="T2" y="T3"/>
+                  </a:cxn>
+                  <a:cxn ang="0">
+                    <a:pos x="T4" y="T5"/>
+                  </a:cxn>
+                  <a:cxn ang="0">
+                    <a:pos x="T6" y="T7"/>
+                  </a:cxn>
+                  <a:cxn ang="0">
+                    <a:pos x="T8" y="T9"/>
+                  </a:cxn>
+                  <a:cxn ang="0">
+                    <a:pos x="T10" y="T11"/>
+                  </a:cxn>
+                  <a:cxn ang="0">
+                    <a:pos x="T12" y="T13"/>
+                  </a:cxn>
+                </a:cxnLst>
+                <a:rect l="0" t="0" r="r" b="b"/>
+                <a:pathLst>
+                  <a:path w="1146" h="1307">
+                    <a:moveTo>
+                      <a:pt x="573" y="0"/>
+                    </a:moveTo>
+                    <a:lnTo>
+                      <a:pt x="1146" y="287"/>
+                    </a:lnTo>
+                    <a:lnTo>
+                      <a:pt x="1146" y="1021"/>
+                    </a:lnTo>
+                    <a:lnTo>
+                      <a:pt x="573" y="1307"/>
+                    </a:lnTo>
+                    <a:lnTo>
+                      <a:pt x="0" y="1021"/>
+                    </a:lnTo>
+                    <a:lnTo>
+                      <a:pt x="0" y="287"/>
+                    </a:lnTo>
+                    <a:lnTo>
+                      <a:pt x="573" y="0"/>
+                    </a:lnTo>
+                    <a:close/>
+                  </a:path>
+                </a:pathLst>
+              </a:custGeom>
+              <a:noFill/>
+              <a:ln w="28575">
+                <a:solidFill>
+                  <a:schemeClr val="accent1"/>
+                </a:solidFill>
+              </a:ln>
+              <a:extLst/>
+            </p:spPr>
+            <p:txBody>
+              <a:bodyPr anchor="ctr"/>
+              <a:lstStyle/>
+              <a:p>
+                <a:pPr algn="ctr"/>
+                <a:endParaRPr/>
+              </a:p>
+            </p:txBody>
+          </p:sp>
+          <p:sp>
+            <p:nvSpPr>
+              <p:cNvPr id="26" name="Freeform: Shape 10"/>
+              <p:cNvSpPr>
+                <a:spLocks noChangeAspect="1"/>
+              </p:cNvSpPr>
+              <p:nvPr/>
+            </p:nvSpPr>
+            <p:spPr bwMode="auto">
+              <a:xfrm>
+                <a:off x="2330879" y="3400302"/>
+                <a:ext cx="497910" cy="531102"/>
+              </a:xfrm>
+              <a:custGeom>
+                <a:avLst/>
+                <a:gdLst>
+                  <a:gd name="T0" fmla="*/ 41 w 45"/>
+                  <a:gd name="T1" fmla="*/ 48 h 48"/>
+                  <a:gd name="T2" fmla="*/ 0 w 45"/>
+                  <a:gd name="T3" fmla="*/ 44 h 48"/>
+                  <a:gd name="T4" fmla="*/ 3 w 45"/>
+                  <a:gd name="T5" fmla="*/ 7 h 48"/>
+                  <a:gd name="T6" fmla="*/ 7 w 45"/>
+                  <a:gd name="T7" fmla="*/ 4 h 48"/>
+                  <a:gd name="T8" fmla="*/ 13 w 45"/>
+                  <a:gd name="T9" fmla="*/ 0 h 48"/>
+                  <a:gd name="T10" fmla="*/ 17 w 45"/>
+                  <a:gd name="T11" fmla="*/ 7 h 48"/>
+                  <a:gd name="T12" fmla="*/ 27 w 45"/>
+                  <a:gd name="T13" fmla="*/ 4 h 48"/>
+                  <a:gd name="T14" fmla="*/ 33 w 45"/>
+                  <a:gd name="T15" fmla="*/ 0 h 48"/>
+                  <a:gd name="T16" fmla="*/ 38 w 45"/>
+                  <a:gd name="T17" fmla="*/ 7 h 48"/>
+                  <a:gd name="T18" fmla="*/ 45 w 45"/>
+                  <a:gd name="T19" fmla="*/ 10 h 48"/>
+                  <a:gd name="T20" fmla="*/ 11 w 45"/>
+                  <a:gd name="T21" fmla="*/ 25 h 48"/>
+                  <a:gd name="T22" fmla="*/ 3 w 45"/>
+                  <a:gd name="T23" fmla="*/ 17 h 48"/>
+                  <a:gd name="T24" fmla="*/ 11 w 45"/>
+                  <a:gd name="T25" fmla="*/ 25 h 48"/>
+                  <a:gd name="T26" fmla="*/ 11 w 45"/>
+                  <a:gd name="T27" fmla="*/ 26 h 48"/>
+                  <a:gd name="T28" fmla="*/ 3 w 45"/>
+                  <a:gd name="T29" fmla="*/ 35 h 48"/>
+                  <a:gd name="T30" fmla="*/ 11 w 45"/>
+                  <a:gd name="T31" fmla="*/ 44 h 48"/>
+                  <a:gd name="T32" fmla="*/ 3 w 45"/>
+                  <a:gd name="T33" fmla="*/ 37 h 48"/>
+                  <a:gd name="T34" fmla="*/ 11 w 45"/>
+                  <a:gd name="T35" fmla="*/ 44 h 48"/>
+                  <a:gd name="T36" fmla="*/ 13 w 45"/>
+                  <a:gd name="T37" fmla="*/ 3 h 48"/>
+                  <a:gd name="T38" fmla="*/ 10 w 45"/>
+                  <a:gd name="T39" fmla="*/ 4 h 48"/>
+                  <a:gd name="T40" fmla="*/ 11 w 45"/>
+                  <a:gd name="T41" fmla="*/ 13 h 48"/>
+                  <a:gd name="T42" fmla="*/ 14 w 45"/>
+                  <a:gd name="T43" fmla="*/ 12 h 48"/>
+                  <a:gd name="T44" fmla="*/ 21 w 45"/>
+                  <a:gd name="T45" fmla="*/ 25 h 48"/>
+                  <a:gd name="T46" fmla="*/ 13 w 45"/>
+                  <a:gd name="T47" fmla="*/ 17 h 48"/>
+                  <a:gd name="T48" fmla="*/ 21 w 45"/>
+                  <a:gd name="T49" fmla="*/ 25 h 48"/>
+                  <a:gd name="T50" fmla="*/ 21 w 45"/>
+                  <a:gd name="T51" fmla="*/ 26 h 48"/>
+                  <a:gd name="T52" fmla="*/ 13 w 45"/>
+                  <a:gd name="T53" fmla="*/ 35 h 48"/>
+                  <a:gd name="T54" fmla="*/ 21 w 45"/>
+                  <a:gd name="T55" fmla="*/ 44 h 48"/>
+                  <a:gd name="T56" fmla="*/ 13 w 45"/>
+                  <a:gd name="T57" fmla="*/ 37 h 48"/>
+                  <a:gd name="T58" fmla="*/ 21 w 45"/>
+                  <a:gd name="T59" fmla="*/ 44 h 48"/>
+                  <a:gd name="T60" fmla="*/ 32 w 45"/>
+                  <a:gd name="T61" fmla="*/ 17 h 48"/>
+                  <a:gd name="T62" fmla="*/ 23 w 45"/>
+                  <a:gd name="T63" fmla="*/ 25 h 48"/>
+                  <a:gd name="T64" fmla="*/ 32 w 45"/>
+                  <a:gd name="T65" fmla="*/ 35 h 48"/>
+                  <a:gd name="T66" fmla="*/ 23 w 45"/>
+                  <a:gd name="T67" fmla="*/ 26 h 48"/>
+                  <a:gd name="T68" fmla="*/ 32 w 45"/>
+                  <a:gd name="T69" fmla="*/ 35 h 48"/>
+                  <a:gd name="T70" fmla="*/ 32 w 45"/>
+                  <a:gd name="T71" fmla="*/ 37 h 48"/>
+                  <a:gd name="T72" fmla="*/ 23 w 45"/>
+                  <a:gd name="T73" fmla="*/ 44 h 48"/>
+                  <a:gd name="T74" fmla="*/ 34 w 45"/>
+                  <a:gd name="T75" fmla="*/ 4 h 48"/>
+                  <a:gd name="T76" fmla="*/ 32 w 45"/>
+                  <a:gd name="T77" fmla="*/ 3 h 48"/>
+                  <a:gd name="T78" fmla="*/ 31 w 45"/>
+                  <a:gd name="T79" fmla="*/ 12 h 48"/>
+                  <a:gd name="T80" fmla="*/ 33 w 45"/>
+                  <a:gd name="T81" fmla="*/ 13 h 48"/>
+                  <a:gd name="T82" fmla="*/ 34 w 45"/>
+                  <a:gd name="T83" fmla="*/ 4 h 48"/>
+                  <a:gd name="T84" fmla="*/ 41 w 45"/>
+                  <a:gd name="T85" fmla="*/ 17 h 48"/>
+                  <a:gd name="T86" fmla="*/ 33 w 45"/>
+                  <a:gd name="T87" fmla="*/ 25 h 48"/>
+                  <a:gd name="T88" fmla="*/ 41 w 45"/>
+                  <a:gd name="T89" fmla="*/ 35 h 48"/>
+                  <a:gd name="T90" fmla="*/ 33 w 45"/>
+                  <a:gd name="T91" fmla="*/ 26 h 48"/>
+                  <a:gd name="T92" fmla="*/ 41 w 45"/>
+                  <a:gd name="T93" fmla="*/ 35 h 48"/>
+                  <a:gd name="T94" fmla="*/ 41 w 45"/>
+                  <a:gd name="T95" fmla="*/ 37 h 48"/>
+                  <a:gd name="T96" fmla="*/ 33 w 45"/>
+                  <a:gd name="T97" fmla="*/ 44 h 48"/>
+                </a:gdLst>
+                <a:ahLst/>
+                <a:cxnLst>
+                  <a:cxn ang="0">
+                    <a:pos x="T0" y="T1"/>
+                  </a:cxn>
+                  <a:cxn ang="0">
+                    <a:pos x="T2" y="T3"/>
+                  </a:cxn>
+                  <a:cxn ang="0">
+                    <a:pos x="T4" y="T5"/>
+                  </a:cxn>
+                  <a:cxn ang="0">
+                    <a:pos x="T6" y="T7"/>
+                  </a:cxn>
+                  <a:cxn ang="0">
+                    <a:pos x="T8" y="T9"/>
+                  </a:cxn>
+                  <a:cxn ang="0">
+                    <a:pos x="T10" y="T11"/>
+                  </a:cxn>
+                  <a:cxn ang="0">
+                    <a:pos x="T12" y="T13"/>
+                  </a:cxn>
+                  <a:cxn ang="0">
+                    <a:pos x="T14" y="T15"/>
+                  </a:cxn>
+                  <a:cxn ang="0">
+                    <a:pos x="T16" y="T17"/>
+                  </a:cxn>
+                  <a:cxn ang="0">
+                    <a:pos x="T18" y="T19"/>
+                  </a:cxn>
+                  <a:cxn ang="0">
+                    <a:pos x="T20" y="T21"/>
+                  </a:cxn>
+                  <a:cxn ang="0">
+                    <a:pos x="T22" y="T23"/>
+                  </a:cxn>
+                  <a:cxn ang="0">
+                    <a:pos x="T24" y="T25"/>
+                  </a:cxn>
+                  <a:cxn ang="0">
+                    <a:pos x="T26" y="T27"/>
+                  </a:cxn>
+                  <a:cxn ang="0">
+                    <a:pos x="T28" y="T29"/>
+                  </a:cxn>
+                  <a:cxn ang="0">
+                    <a:pos x="T30" y="T31"/>
+                  </a:cxn>
+                  <a:cxn ang="0">
+                    <a:pos x="T32" y="T33"/>
+                  </a:cxn>
+                  <a:cxn ang="0">
+                    <a:pos x="T34" y="T35"/>
+                  </a:cxn>
+                  <a:cxn ang="0">
+                    <a:pos x="T36" y="T37"/>
+                  </a:cxn>
+                  <a:cxn ang="0">
+                    <a:pos x="T38" y="T39"/>
+                  </a:cxn>
+                  <a:cxn ang="0">
+                    <a:pos x="T40" y="T41"/>
+                  </a:cxn>
+                  <a:cxn ang="0">
+                    <a:pos x="T42" y="T43"/>
+                  </a:cxn>
+                  <a:cxn ang="0">
+                    <a:pos x="T44" y="T45"/>
+                  </a:cxn>
+                  <a:cxn ang="0">
+                    <a:pos x="T46" y="T47"/>
+                  </a:cxn>
+                  <a:cxn ang="0">
+                    <a:pos x="T48" y="T49"/>
+                  </a:cxn>
+                  <a:cxn ang="0">
+                    <a:pos x="T50" y="T51"/>
+                  </a:cxn>
+                  <a:cxn ang="0">
+                    <a:pos x="T52" y="T53"/>
+                  </a:cxn>
+                  <a:cxn ang="0">
+                    <a:pos x="T54" y="T55"/>
+                  </a:cxn>
+                  <a:cxn ang="0">
+                    <a:pos x="T56" y="T57"/>
+                  </a:cxn>
+                  <a:cxn ang="0">
+                    <a:pos x="T58" y="T59"/>
+                  </a:cxn>
+                  <a:cxn ang="0">
+                    <a:pos x="T60" y="T61"/>
+                  </a:cxn>
+                  <a:cxn ang="0">
+                    <a:pos x="T62" y="T63"/>
+                  </a:cxn>
+                  <a:cxn ang="0">
+                    <a:pos x="T64" y="T65"/>
+                  </a:cxn>
+                  <a:cxn ang="0">
+                    <a:pos x="T66" y="T67"/>
+                  </a:cxn>
+                  <a:cxn ang="0">
+                    <a:pos x="T68" y="T69"/>
+                  </a:cxn>
+                  <a:cxn ang="0">
+                    <a:pos x="T70" y="T71"/>
+                  </a:cxn>
+                  <a:cxn ang="0">
+                    <a:pos x="T72" y="T73"/>
+                  </a:cxn>
+                  <a:cxn ang="0">
+                    <a:pos x="T74" y="T75"/>
+                  </a:cxn>
+                  <a:cxn ang="0">
+                    <a:pos x="T76" y="T77"/>
+                  </a:cxn>
+                  <a:cxn ang="0">
+                    <a:pos x="T78" y="T79"/>
+                  </a:cxn>
+                  <a:cxn ang="0">
+                    <a:pos x="T80" y="T81"/>
+                  </a:cxn>
+                  <a:cxn ang="0">
+                    <a:pos x="T82" y="T83"/>
+                  </a:cxn>
+                  <a:cxn ang="0">
+                    <a:pos x="T84" y="T85"/>
+                  </a:cxn>
+                  <a:cxn ang="0">
+                    <a:pos x="T86" y="T87"/>
+                  </a:cxn>
+                  <a:cxn ang="0">
+                    <a:pos x="T88" y="T89"/>
+                  </a:cxn>
+                  <a:cxn ang="0">
+                    <a:pos x="T90" y="T91"/>
+                  </a:cxn>
+                  <a:cxn ang="0">
+                    <a:pos x="T92" y="T93"/>
+                  </a:cxn>
+                  <a:cxn ang="0">
+                    <a:pos x="T94" y="T95"/>
+                  </a:cxn>
+                  <a:cxn ang="0">
+                    <a:pos x="T96" y="T97"/>
+                  </a:cxn>
+                </a:cxnLst>
+                <a:rect l="0" t="0" r="r" b="b"/>
+                <a:pathLst>
+                  <a:path w="45" h="48">
+                    <a:moveTo>
+                      <a:pt x="45" y="44"/>
+                    </a:moveTo>
+                    <a:cubicBezTo>
+                      <a:pt x="45" y="46"/>
+                      <a:pt x="43" y="48"/>
+                      <a:pt x="41" y="48"/>
+                    </a:cubicBezTo>
+                    <a:cubicBezTo>
+                      <a:pt x="3" y="48"/>
+                      <a:pt x="3" y="48"/>
+                      <a:pt x="3" y="48"/>
+                    </a:cubicBezTo>
+                    <a:cubicBezTo>
+                      <a:pt x="1" y="48"/>
+                      <a:pt x="0" y="46"/>
+                      <a:pt x="0" y="44"/>
+                    </a:cubicBezTo>
+                    <a:cubicBezTo>
+                      <a:pt x="0" y="10"/>
+                      <a:pt x="0" y="10"/>
+                      <a:pt x="0" y="10"/>
+                    </a:cubicBezTo>
+                    <a:cubicBezTo>
+                      <a:pt x="0" y="8"/>
+                      <a:pt x="1" y="7"/>
+                      <a:pt x="3" y="7"/>
+                    </a:cubicBezTo>
+                    <a:cubicBezTo>
+                      <a:pt x="7" y="7"/>
+                      <a:pt x="7" y="7"/>
+                      <a:pt x="7" y="7"/>
+                    </a:cubicBezTo>
+                    <a:cubicBezTo>
+                      <a:pt x="7" y="4"/>
+                      <a:pt x="7" y="4"/>
+                      <a:pt x="7" y="4"/>
+                    </a:cubicBezTo>
+                    <a:cubicBezTo>
+                      <a:pt x="7" y="2"/>
+                      <a:pt x="9" y="0"/>
+                      <a:pt x="11" y="0"/>
+                    </a:cubicBezTo>
+                    <a:cubicBezTo>
+                      <a:pt x="13" y="0"/>
+                      <a:pt x="13" y="0"/>
+                      <a:pt x="13" y="0"/>
+                    </a:cubicBezTo>
+                    <a:cubicBezTo>
+                      <a:pt x="15" y="0"/>
+                      <a:pt x="17" y="2"/>
+                      <a:pt x="17" y="4"/>
+                    </a:cubicBezTo>
+                    <a:cubicBezTo>
+                      <a:pt x="17" y="7"/>
+                      <a:pt x="17" y="7"/>
+                      <a:pt x="17" y="7"/>
+                    </a:cubicBezTo>
+                    <a:cubicBezTo>
+                      <a:pt x="27" y="7"/>
+                      <a:pt x="27" y="7"/>
+                      <a:pt x="27" y="7"/>
+                    </a:cubicBezTo>
+                    <a:cubicBezTo>
+                      <a:pt x="27" y="4"/>
+                      <a:pt x="27" y="4"/>
+                      <a:pt x="27" y="4"/>
+                    </a:cubicBezTo>
+                    <a:cubicBezTo>
+                      <a:pt x="27" y="2"/>
+                      <a:pt x="29" y="0"/>
+                      <a:pt x="32" y="0"/>
+                    </a:cubicBezTo>
+                    <a:cubicBezTo>
+                      <a:pt x="33" y="0"/>
+                      <a:pt x="33" y="0"/>
+                      <a:pt x="33" y="0"/>
+                    </a:cubicBezTo>
+                    <a:cubicBezTo>
+                      <a:pt x="36" y="0"/>
+                      <a:pt x="38" y="2"/>
+                      <a:pt x="38" y="4"/>
+                    </a:cubicBezTo>
+                    <a:cubicBezTo>
+                      <a:pt x="38" y="7"/>
+                      <a:pt x="38" y="7"/>
+                      <a:pt x="38" y="7"/>
+                    </a:cubicBezTo>
+                    <a:cubicBezTo>
+                      <a:pt x="41" y="7"/>
+                      <a:pt x="41" y="7"/>
+                      <a:pt x="41" y="7"/>
+                    </a:cubicBezTo>
+                    <a:cubicBezTo>
+                      <a:pt x="43" y="7"/>
+                      <a:pt x="45" y="8"/>
+                      <a:pt x="45" y="10"/>
+                    </a:cubicBezTo>
+                    <a:lnTo>
+                      <a:pt x="45" y="44"/>
+                    </a:lnTo>
+                    <a:close/>
+                    <a:moveTo>
+                      <a:pt x="11" y="25"/>
+                    </a:moveTo>
+                    <a:cubicBezTo>
+                      <a:pt x="11" y="17"/>
+                      <a:pt x="11" y="17"/>
+                      <a:pt x="11" y="17"/>
+                    </a:cubicBezTo>
+                    <a:cubicBezTo>
+                      <a:pt x="3" y="17"/>
+                      <a:pt x="3" y="17"/>
+                      <a:pt x="3" y="17"/>
+                    </a:cubicBezTo>
+                    <a:cubicBezTo>
+                      <a:pt x="3" y="25"/>
+                      <a:pt x="3" y="25"/>
+                      <a:pt x="3" y="25"/>
+                    </a:cubicBezTo>
+                    <a:lnTo>
+                      <a:pt x="11" y="25"/>
+                    </a:lnTo>
+                    <a:close/>
+                    <a:moveTo>
+                      <a:pt x="11" y="35"/>
+                    </a:moveTo>
+                    <a:cubicBezTo>
+                      <a:pt x="11" y="26"/>
+                      <a:pt x="11" y="26"/>
+                      <a:pt x="11" y="26"/>
+                    </a:cubicBezTo>
+                    <a:cubicBezTo>
+                      <a:pt x="3" y="26"/>
+                      <a:pt x="3" y="26"/>
+                      <a:pt x="3" y="26"/>
+                    </a:cubicBezTo>
+                    <a:cubicBezTo>
+                      <a:pt x="3" y="35"/>
+                      <a:pt x="3" y="35"/>
+                      <a:pt x="3" y="35"/>
+                    </a:cubicBezTo>
+                    <a:lnTo>
+                      <a:pt x="11" y="35"/>
+                    </a:lnTo>
+                    <a:close/>
+                    <a:moveTo>
+                      <a:pt x="11" y="44"/>
+                    </a:moveTo>
+                    <a:cubicBezTo>
+                      <a:pt x="11" y="37"/>
+                      <a:pt x="11" y="37"/>
+                      <a:pt x="11" y="37"/>
+                    </a:cubicBezTo>
+                    <a:cubicBezTo>
+                      <a:pt x="3" y="37"/>
+                      <a:pt x="3" y="37"/>
+                      <a:pt x="3" y="37"/>
+                    </a:cubicBezTo>
+                    <a:cubicBezTo>
+                      <a:pt x="3" y="44"/>
+                      <a:pt x="3" y="44"/>
+                      <a:pt x="3" y="44"/>
+                    </a:cubicBezTo>
+                    <a:lnTo>
+                      <a:pt x="11" y="44"/>
+                    </a:lnTo>
+                    <a:close/>
+                    <a:moveTo>
+                      <a:pt x="14" y="4"/>
+                    </a:moveTo>
+                    <a:cubicBezTo>
+                      <a:pt x="14" y="4"/>
+                      <a:pt x="13" y="3"/>
+                      <a:pt x="13" y="3"/>
+                    </a:cubicBezTo>
+                    <a:cubicBezTo>
+                      <a:pt x="11" y="3"/>
+                      <a:pt x="11" y="3"/>
+                      <a:pt x="11" y="3"/>
+                    </a:cubicBezTo>
+                    <a:cubicBezTo>
+                      <a:pt x="11" y="3"/>
+                      <a:pt x="10" y="4"/>
+                      <a:pt x="10" y="4"/>
+                    </a:cubicBezTo>
+                    <a:cubicBezTo>
+                      <a:pt x="10" y="12"/>
+                      <a:pt x="10" y="12"/>
+                      <a:pt x="10" y="12"/>
+                    </a:cubicBezTo>
+                    <a:cubicBezTo>
+                      <a:pt x="10" y="12"/>
+                      <a:pt x="11" y="13"/>
+                      <a:pt x="11" y="13"/>
+                    </a:cubicBezTo>
+                    <a:cubicBezTo>
+                      <a:pt x="13" y="13"/>
+                      <a:pt x="13" y="13"/>
+                      <a:pt x="13" y="13"/>
+                    </a:cubicBezTo>
+                    <a:cubicBezTo>
+                      <a:pt x="13" y="13"/>
+                      <a:pt x="14" y="12"/>
+                      <a:pt x="14" y="12"/>
+                    </a:cubicBezTo>
+                    <a:lnTo>
+                      <a:pt x="14" y="4"/>
+                    </a:lnTo>
+                    <a:close/>
+                    <a:moveTo>
+                      <a:pt x="21" y="25"/>
+                    </a:moveTo>
+                    <a:cubicBezTo>
+                      <a:pt x="21" y="17"/>
+                      <a:pt x="21" y="17"/>
+                      <a:pt x="21" y="17"/>
+                    </a:cubicBezTo>
+                    <a:cubicBezTo>
+                      <a:pt x="13" y="17"/>
+                      <a:pt x="13" y="17"/>
+                      <a:pt x="13" y="17"/>
+                    </a:cubicBezTo>
+                    <a:cubicBezTo>
+                      <a:pt x="13" y="25"/>
+                      <a:pt x="13" y="25"/>
+                      <a:pt x="13" y="25"/>
+                    </a:cubicBezTo>
+                    <a:lnTo>
+                      <a:pt x="21" y="25"/>
+                    </a:lnTo>
+                    <a:close/>
+                    <a:moveTo>
+                      <a:pt x="21" y="35"/>
+                    </a:moveTo>
+                    <a:cubicBezTo>
+                      <a:pt x="21" y="26"/>
+                      <a:pt x="21" y="26"/>
+                      <a:pt x="21" y="26"/>
+                    </a:cubicBezTo>
+                    <a:cubicBezTo>
+                      <a:pt x="13" y="26"/>
+                      <a:pt x="13" y="26"/>
+                      <a:pt x="13" y="26"/>
+                    </a:cubicBezTo>
+                    <a:cubicBezTo>
+                      <a:pt x="13" y="35"/>
+                      <a:pt x="13" y="35"/>
+                      <a:pt x="13" y="35"/>
+                    </a:cubicBezTo>
+                    <a:lnTo>
+                      <a:pt x="21" y="35"/>
+                    </a:lnTo>
+                    <a:close/>
+                    <a:moveTo>
+                      <a:pt x="21" y="44"/>
+                    </a:moveTo>
+                    <a:cubicBezTo>
+                      <a:pt x="21" y="37"/>
+                      <a:pt x="21" y="37"/>
+                      <a:pt x="21" y="37"/>
+                    </a:cubicBezTo>
+                    <a:cubicBezTo>
+                      <a:pt x="13" y="37"/>
+                      <a:pt x="13" y="37"/>
+                      <a:pt x="13" y="37"/>
+                    </a:cubicBezTo>
+                    <a:cubicBezTo>
+                      <a:pt x="13" y="44"/>
+                      <a:pt x="13" y="44"/>
+                      <a:pt x="13" y="44"/>
+                    </a:cubicBezTo>
+                    <a:lnTo>
+                      <a:pt x="21" y="44"/>
+                    </a:lnTo>
+                    <a:close/>
+                    <a:moveTo>
+                      <a:pt x="32" y="25"/>
+                    </a:moveTo>
+                    <a:cubicBezTo>
+                      <a:pt x="32" y="17"/>
+                      <a:pt x="32" y="17"/>
+                      <a:pt x="32" y="17"/>
+                    </a:cubicBezTo>
+                    <a:cubicBezTo>
+                      <a:pt x="23" y="17"/>
+                      <a:pt x="23" y="17"/>
+                      <a:pt x="23" y="17"/>
+                    </a:cubicBezTo>
+                    <a:cubicBezTo>
+                      <a:pt x="23" y="25"/>
+                      <a:pt x="23" y="25"/>
+                      <a:pt x="23" y="25"/>
+                    </a:cubicBezTo>
+                    <a:lnTo>
+                      <a:pt x="32" y="25"/>
+                    </a:lnTo>
+                    <a:close/>
+                    <a:moveTo>
+                      <a:pt x="32" y="35"/>
+                    </a:moveTo>
+                    <a:cubicBezTo>
+                      <a:pt x="32" y="26"/>
+                      <a:pt x="32" y="26"/>
+                      <a:pt x="32" y="26"/>
+                    </a:cubicBezTo>
+                    <a:cubicBezTo>
+                      <a:pt x="23" y="26"/>
+                      <a:pt x="23" y="26"/>
+                      <a:pt x="23" y="26"/>
+                    </a:cubicBezTo>
+                    <a:cubicBezTo>
+                      <a:pt x="23" y="35"/>
+                      <a:pt x="23" y="35"/>
+                      <a:pt x="23" y="35"/>
+                    </a:cubicBezTo>
+                    <a:lnTo>
+                      <a:pt x="32" y="35"/>
+                    </a:lnTo>
+                    <a:close/>
+                    <a:moveTo>
+                      <a:pt x="32" y="44"/>
+                    </a:moveTo>
+                    <a:cubicBezTo>
+                      <a:pt x="32" y="37"/>
+                      <a:pt x="32" y="37"/>
+                      <a:pt x="32" y="37"/>
+                    </a:cubicBezTo>
+                    <a:cubicBezTo>
+                      <a:pt x="23" y="37"/>
+                      <a:pt x="23" y="37"/>
+                      <a:pt x="23" y="37"/>
+                    </a:cubicBezTo>
+                    <a:cubicBezTo>
+                      <a:pt x="23" y="44"/>
+                      <a:pt x="23" y="44"/>
+                      <a:pt x="23" y="44"/>
+                    </a:cubicBezTo>
+                    <a:lnTo>
+                      <a:pt x="32" y="44"/>
+                    </a:lnTo>
+                    <a:close/>
+                    <a:moveTo>
+                      <a:pt x="34" y="4"/>
+                    </a:moveTo>
+                    <a:cubicBezTo>
+                      <a:pt x="34" y="4"/>
+                      <a:pt x="34" y="3"/>
+                      <a:pt x="33" y="3"/>
+                    </a:cubicBezTo>
+                    <a:cubicBezTo>
+                      <a:pt x="32" y="3"/>
+                      <a:pt x="32" y="3"/>
+                      <a:pt x="32" y="3"/>
+                    </a:cubicBezTo>
+                    <a:cubicBezTo>
+                      <a:pt x="31" y="3"/>
+                      <a:pt x="31" y="4"/>
+                      <a:pt x="31" y="4"/>
+                    </a:cubicBezTo>
+                    <a:cubicBezTo>
+                      <a:pt x="31" y="12"/>
+                      <a:pt x="31" y="12"/>
+                      <a:pt x="31" y="12"/>
+                    </a:cubicBezTo>
+                    <a:cubicBezTo>
+                      <a:pt x="31" y="12"/>
+                      <a:pt x="31" y="13"/>
+                      <a:pt x="32" y="13"/>
+                    </a:cubicBezTo>
+                    <a:cubicBezTo>
+                      <a:pt x="33" y="13"/>
+                      <a:pt x="33" y="13"/>
+                      <a:pt x="33" y="13"/>
+                    </a:cubicBezTo>
+                    <a:cubicBezTo>
+                      <a:pt x="34" y="13"/>
+                      <a:pt x="34" y="12"/>
+                      <a:pt x="34" y="12"/>
+                    </a:cubicBezTo>
+                    <a:lnTo>
+                      <a:pt x="34" y="4"/>
+                    </a:lnTo>
+                    <a:close/>
+                    <a:moveTo>
+                      <a:pt x="41" y="25"/>
+                    </a:moveTo>
+                    <a:cubicBezTo>
+                      <a:pt x="41" y="17"/>
+                      <a:pt x="41" y="17"/>
+                      <a:pt x="41" y="17"/>
+                    </a:cubicBezTo>
+                    <a:cubicBezTo>
+                      <a:pt x="33" y="17"/>
+                      <a:pt x="33" y="17"/>
+                      <a:pt x="33" y="17"/>
+                    </a:cubicBezTo>
+                    <a:cubicBezTo>
+                      <a:pt x="33" y="25"/>
+                      <a:pt x="33" y="25"/>
+                      <a:pt x="33" y="25"/>
+                    </a:cubicBezTo>
+                    <a:lnTo>
+                      <a:pt x="41" y="25"/>
+                    </a:lnTo>
+                    <a:close/>
+                    <a:moveTo>
+                      <a:pt x="41" y="35"/>
+                    </a:moveTo>
+                    <a:cubicBezTo>
+                      <a:pt x="41" y="26"/>
+                      <a:pt x="41" y="26"/>
+                      <a:pt x="41" y="26"/>
+                    </a:cubicBezTo>
+                    <a:cubicBezTo>
+                      <a:pt x="33" y="26"/>
+                      <a:pt x="33" y="26"/>
+                      <a:pt x="33" y="26"/>
+                    </a:cubicBezTo>
+                    <a:cubicBezTo>
+                      <a:pt x="33" y="35"/>
+                      <a:pt x="33" y="35"/>
+                      <a:pt x="33" y="35"/>
+                    </a:cubicBezTo>
+                    <a:lnTo>
+                      <a:pt x="41" y="35"/>
+                    </a:lnTo>
+                    <a:close/>
+                    <a:moveTo>
+                      <a:pt x="41" y="44"/>
+                    </a:moveTo>
+                    <a:cubicBezTo>
+                      <a:pt x="41" y="37"/>
+                      <a:pt x="41" y="37"/>
+                      <a:pt x="41" y="37"/>
+                    </a:cubicBezTo>
+                    <a:cubicBezTo>
+                      <a:pt x="33" y="37"/>
+                      <a:pt x="33" y="37"/>
+                      <a:pt x="33" y="37"/>
+                    </a:cubicBezTo>
+                    <a:cubicBezTo>
+                      <a:pt x="33" y="44"/>
+                      <a:pt x="33" y="44"/>
+                      <a:pt x="33" y="44"/>
+                    </a:cubicBezTo>
+                    <a:lnTo>
+                      <a:pt x="41" y="44"/>
+                    </a:lnTo>
+                    <a:close/>
+                  </a:path>
+                </a:pathLst>
+              </a:custGeom>
+              <a:solidFill>
+                <a:schemeClr val="accent1"/>
+              </a:solidFill>
+              <a:ln>
+                <a:noFill/>
+              </a:ln>
+            </p:spPr>
+            <p:txBody>
+              <a:bodyPr anchor="ctr"/>
+              <a:lstStyle/>
+              <a:p>
+                <a:pPr algn="ctr"/>
+                <a:endParaRPr/>
+              </a:p>
+            </p:txBody>
+          </p:sp>
+        </p:grpSp>
+        <p:grpSp>
+          <p:nvGrpSpPr>
+            <p:cNvPr id="4" name="Group 29"/>
+            <p:cNvGrpSpPr/>
+            <p:nvPr/>
+          </p:nvGrpSpPr>
+          <p:grpSpPr>
+            <a:xfrm>
+              <a:off x="4333661" y="2834333"/>
+              <a:ext cx="1458180" cy="1663040"/>
+              <a:chOff x="4196780" y="2834333"/>
+              <a:chExt cx="1458180" cy="1663040"/>
+            </a:xfrm>
+          </p:grpSpPr>
+          <p:sp>
+            <p:nvSpPr>
+              <p:cNvPr id="23" name="Freeform: Shape 2"/>
+              <p:cNvSpPr>
+                <a:spLocks/>
+              </p:cNvSpPr>
+              <p:nvPr/>
+            </p:nvSpPr>
+            <p:spPr bwMode="auto">
+              <a:xfrm>
+                <a:off x="4196780" y="2834333"/>
+                <a:ext cx="1458180" cy="1663040"/>
+              </a:xfrm>
+              <a:custGeom>
+                <a:avLst/>
+                <a:gdLst>
+                  <a:gd name="T0" fmla="*/ 573 w 1146"/>
+                  <a:gd name="T1" fmla="*/ 0 h 1307"/>
+                  <a:gd name="T2" fmla="*/ 1146 w 1146"/>
+                  <a:gd name="T3" fmla="*/ 287 h 1307"/>
+                  <a:gd name="T4" fmla="*/ 1146 w 1146"/>
+                  <a:gd name="T5" fmla="*/ 1021 h 1307"/>
+                  <a:gd name="T6" fmla="*/ 573 w 1146"/>
+                  <a:gd name="T7" fmla="*/ 1307 h 1307"/>
+                  <a:gd name="T8" fmla="*/ 0 w 1146"/>
+                  <a:gd name="T9" fmla="*/ 1021 h 1307"/>
+                  <a:gd name="T10" fmla="*/ 0 w 1146"/>
+                  <a:gd name="T11" fmla="*/ 287 h 1307"/>
+                  <a:gd name="T12" fmla="*/ 573 w 1146"/>
+                  <a:gd name="T13" fmla="*/ 0 h 1307"/>
+                </a:gdLst>
+                <a:ahLst/>
+                <a:cxnLst>
+                  <a:cxn ang="0">
+                    <a:pos x="T0" y="T1"/>
+                  </a:cxn>
+                  <a:cxn ang="0">
+                    <a:pos x="T2" y="T3"/>
+                  </a:cxn>
+                  <a:cxn ang="0">
+                    <a:pos x="T4" y="T5"/>
+                  </a:cxn>
+                  <a:cxn ang="0">
+                    <a:pos x="T6" y="T7"/>
+                  </a:cxn>
+                  <a:cxn ang="0">
+                    <a:pos x="T8" y="T9"/>
+                  </a:cxn>
+                  <a:cxn ang="0">
+                    <a:pos x="T10" y="T11"/>
+                  </a:cxn>
+                  <a:cxn ang="0">
+                    <a:pos x="T12" y="T13"/>
+                  </a:cxn>
+                </a:cxnLst>
+                <a:rect l="0" t="0" r="r" b="b"/>
+                <a:pathLst>
+                  <a:path w="1146" h="1307">
+                    <a:moveTo>
+                      <a:pt x="573" y="0"/>
+                    </a:moveTo>
+                    <a:lnTo>
+                      <a:pt x="1146" y="287"/>
+                    </a:lnTo>
+                    <a:lnTo>
+                      <a:pt x="1146" y="1021"/>
+                    </a:lnTo>
+                    <a:lnTo>
+                      <a:pt x="573" y="1307"/>
+                    </a:lnTo>
+                    <a:lnTo>
+                      <a:pt x="0" y="1021"/>
+                    </a:lnTo>
+                    <a:lnTo>
+                      <a:pt x="0" y="287"/>
+                    </a:lnTo>
+                    <a:lnTo>
+                      <a:pt x="573" y="0"/>
+                    </a:lnTo>
+                    <a:close/>
+                  </a:path>
+                </a:pathLst>
+              </a:custGeom>
+              <a:noFill/>
+              <a:ln w="28575">
+                <a:solidFill>
+                  <a:schemeClr val="accent2"/>
+                </a:solidFill>
+              </a:ln>
+              <a:extLst/>
+            </p:spPr>
+            <p:txBody>
+              <a:bodyPr anchor="ctr"/>
+              <a:lstStyle/>
+              <a:p>
+                <a:pPr algn="ctr"/>
+                <a:endParaRPr/>
+              </a:p>
+            </p:txBody>
+          </p:sp>
+          <p:sp>
+            <p:nvSpPr>
+              <p:cNvPr id="24" name="Freeform: Shape 11"/>
+              <p:cNvSpPr>
+                <a:spLocks noChangeAspect="1"/>
+              </p:cNvSpPr>
+              <p:nvPr/>
+            </p:nvSpPr>
+            <p:spPr bwMode="auto">
+              <a:xfrm>
+                <a:off x="4660320" y="3439028"/>
+                <a:ext cx="531100" cy="453650"/>
+              </a:xfrm>
+              <a:custGeom>
+                <a:avLst/>
+                <a:gdLst>
+                  <a:gd name="T0" fmla="*/ 48 w 48"/>
+                  <a:gd name="T1" fmla="*/ 38 h 41"/>
+                  <a:gd name="T2" fmla="*/ 45 w 48"/>
+                  <a:gd name="T3" fmla="*/ 41 h 41"/>
+                  <a:gd name="T4" fmla="*/ 37 w 48"/>
+                  <a:gd name="T5" fmla="*/ 41 h 41"/>
+                  <a:gd name="T6" fmla="*/ 34 w 48"/>
+                  <a:gd name="T7" fmla="*/ 38 h 41"/>
+                  <a:gd name="T8" fmla="*/ 34 w 48"/>
+                  <a:gd name="T9" fmla="*/ 30 h 41"/>
+                  <a:gd name="T10" fmla="*/ 37 w 48"/>
+                  <a:gd name="T11" fmla="*/ 27 h 41"/>
+                  <a:gd name="T12" fmla="*/ 39 w 48"/>
+                  <a:gd name="T13" fmla="*/ 27 h 41"/>
+                  <a:gd name="T14" fmla="*/ 39 w 48"/>
+                  <a:gd name="T15" fmla="*/ 22 h 41"/>
+                  <a:gd name="T16" fmla="*/ 25 w 48"/>
+                  <a:gd name="T17" fmla="*/ 22 h 41"/>
+                  <a:gd name="T18" fmla="*/ 25 w 48"/>
+                  <a:gd name="T19" fmla="*/ 27 h 41"/>
+                  <a:gd name="T20" fmla="*/ 28 w 48"/>
+                  <a:gd name="T21" fmla="*/ 27 h 41"/>
+                  <a:gd name="T22" fmla="*/ 31 w 48"/>
+                  <a:gd name="T23" fmla="*/ 30 h 41"/>
+                  <a:gd name="T24" fmla="*/ 31 w 48"/>
+                  <a:gd name="T25" fmla="*/ 38 h 41"/>
+                  <a:gd name="T26" fmla="*/ 28 w 48"/>
+                  <a:gd name="T27" fmla="*/ 41 h 41"/>
+                  <a:gd name="T28" fmla="*/ 19 w 48"/>
+                  <a:gd name="T29" fmla="*/ 41 h 41"/>
+                  <a:gd name="T30" fmla="*/ 17 w 48"/>
+                  <a:gd name="T31" fmla="*/ 38 h 41"/>
+                  <a:gd name="T32" fmla="*/ 17 w 48"/>
+                  <a:gd name="T33" fmla="*/ 30 h 41"/>
+                  <a:gd name="T34" fmla="*/ 19 w 48"/>
+                  <a:gd name="T35" fmla="*/ 27 h 41"/>
+                  <a:gd name="T36" fmla="*/ 22 w 48"/>
+                  <a:gd name="T37" fmla="*/ 27 h 41"/>
+                  <a:gd name="T38" fmla="*/ 22 w 48"/>
+                  <a:gd name="T39" fmla="*/ 22 h 41"/>
+                  <a:gd name="T40" fmla="*/ 8 w 48"/>
+                  <a:gd name="T41" fmla="*/ 22 h 41"/>
+                  <a:gd name="T42" fmla="*/ 8 w 48"/>
+                  <a:gd name="T43" fmla="*/ 27 h 41"/>
+                  <a:gd name="T44" fmla="*/ 11 w 48"/>
+                  <a:gd name="T45" fmla="*/ 27 h 41"/>
+                  <a:gd name="T46" fmla="*/ 13 w 48"/>
+                  <a:gd name="T47" fmla="*/ 30 h 41"/>
+                  <a:gd name="T48" fmla="*/ 13 w 48"/>
+                  <a:gd name="T49" fmla="*/ 38 h 41"/>
+                  <a:gd name="T50" fmla="*/ 11 w 48"/>
+                  <a:gd name="T51" fmla="*/ 41 h 41"/>
+                  <a:gd name="T52" fmla="*/ 2 w 48"/>
+                  <a:gd name="T53" fmla="*/ 41 h 41"/>
+                  <a:gd name="T54" fmla="*/ 0 w 48"/>
+                  <a:gd name="T55" fmla="*/ 38 h 41"/>
+                  <a:gd name="T56" fmla="*/ 0 w 48"/>
+                  <a:gd name="T57" fmla="*/ 30 h 41"/>
+                  <a:gd name="T58" fmla="*/ 2 w 48"/>
+                  <a:gd name="T59" fmla="*/ 27 h 41"/>
+                  <a:gd name="T60" fmla="*/ 5 w 48"/>
+                  <a:gd name="T61" fmla="*/ 27 h 41"/>
+                  <a:gd name="T62" fmla="*/ 5 w 48"/>
+                  <a:gd name="T63" fmla="*/ 22 h 41"/>
+                  <a:gd name="T64" fmla="*/ 8 w 48"/>
+                  <a:gd name="T65" fmla="*/ 19 h 41"/>
+                  <a:gd name="T66" fmla="*/ 22 w 48"/>
+                  <a:gd name="T67" fmla="*/ 19 h 41"/>
+                  <a:gd name="T68" fmla="*/ 22 w 48"/>
+                  <a:gd name="T69" fmla="*/ 13 h 41"/>
+                  <a:gd name="T70" fmla="*/ 19 w 48"/>
+                  <a:gd name="T71" fmla="*/ 13 h 41"/>
+                  <a:gd name="T72" fmla="*/ 17 w 48"/>
+                  <a:gd name="T73" fmla="*/ 11 h 41"/>
+                  <a:gd name="T74" fmla="*/ 17 w 48"/>
+                  <a:gd name="T75" fmla="*/ 2 h 41"/>
+                  <a:gd name="T76" fmla="*/ 19 w 48"/>
+                  <a:gd name="T77" fmla="*/ 0 h 41"/>
+                  <a:gd name="T78" fmla="*/ 28 w 48"/>
+                  <a:gd name="T79" fmla="*/ 0 h 41"/>
+                  <a:gd name="T80" fmla="*/ 31 w 48"/>
+                  <a:gd name="T81" fmla="*/ 2 h 41"/>
+                  <a:gd name="T82" fmla="*/ 31 w 48"/>
+                  <a:gd name="T83" fmla="*/ 11 h 41"/>
+                  <a:gd name="T84" fmla="*/ 28 w 48"/>
+                  <a:gd name="T85" fmla="*/ 13 h 41"/>
+                  <a:gd name="T86" fmla="*/ 25 w 48"/>
+                  <a:gd name="T87" fmla="*/ 13 h 41"/>
+                  <a:gd name="T88" fmla="*/ 25 w 48"/>
+                  <a:gd name="T89" fmla="*/ 19 h 41"/>
+                  <a:gd name="T90" fmla="*/ 39 w 48"/>
+                  <a:gd name="T91" fmla="*/ 19 h 41"/>
+                  <a:gd name="T92" fmla="*/ 43 w 48"/>
+                  <a:gd name="T93" fmla="*/ 22 h 41"/>
+                  <a:gd name="T94" fmla="*/ 43 w 48"/>
+                  <a:gd name="T95" fmla="*/ 27 h 41"/>
+                  <a:gd name="T96" fmla="*/ 45 w 48"/>
+                  <a:gd name="T97" fmla="*/ 27 h 41"/>
+                  <a:gd name="T98" fmla="*/ 48 w 48"/>
+                  <a:gd name="T99" fmla="*/ 30 h 41"/>
+                  <a:gd name="T100" fmla="*/ 48 w 48"/>
+                  <a:gd name="T101" fmla="*/ 38 h 41"/>
+                </a:gdLst>
+                <a:ahLst/>
+                <a:cxnLst>
+                  <a:cxn ang="0">
+                    <a:pos x="T0" y="T1"/>
+                  </a:cxn>
+                  <a:cxn ang="0">
+                    <a:pos x="T2" y="T3"/>
+                  </a:cxn>
+                  <a:cxn ang="0">
+                    <a:pos x="T4" y="T5"/>
+                  </a:cxn>
+                  <a:cxn ang="0">
+                    <a:pos x="T6" y="T7"/>
+                  </a:cxn>
+                  <a:cxn ang="0">
+                    <a:pos x="T8" y="T9"/>
+                  </a:cxn>
+                  <a:cxn ang="0">
+                    <a:pos x="T10" y="T11"/>
+                  </a:cxn>
+                  <a:cxn ang="0">
+                    <a:pos x="T12" y="T13"/>
+                  </a:cxn>
+                  <a:cxn ang="0">
+                    <a:pos x="T14" y="T15"/>
+                  </a:cxn>
+                  <a:cxn ang="0">
+                    <a:pos x="T16" y="T17"/>
+                  </a:cxn>
+                  <a:cxn ang="0">
+                    <a:pos x="T18" y="T19"/>
+                  </a:cxn>
+                  <a:cxn ang="0">
+                    <a:pos x="T20" y="T21"/>
+                  </a:cxn>
+                  <a:cxn ang="0">
+                    <a:pos x="T22" y="T23"/>
+                  </a:cxn>
+                  <a:cxn ang="0">
+                    <a:pos x="T24" y="T25"/>
+                  </a:cxn>
+                  <a:cxn ang="0">
+                    <a:pos x="T26" y="T27"/>
+                  </a:cxn>
+                  <a:cxn ang="0">
+                    <a:pos x="T28" y="T29"/>
+                  </a:cxn>
+                  <a:cxn ang="0">
+                    <a:pos x="T30" y="T31"/>
+                  </a:cxn>
+                  <a:cxn ang="0">
+                    <a:pos x="T32" y="T33"/>
+                  </a:cxn>
+                  <a:cxn ang="0">
+                    <a:pos x="T34" y="T35"/>
+                  </a:cxn>
+                  <a:cxn ang="0">
+                    <a:pos x="T36" y="T37"/>
+                  </a:cxn>
+                  <a:cxn ang="0">
+                    <a:pos x="T38" y="T39"/>
+                  </a:cxn>
+                  <a:cxn ang="0">
+                    <a:pos x="T40" y="T41"/>
+                  </a:cxn>
+                  <a:cxn ang="0">
+                    <a:pos x="T42" y="T43"/>
+                  </a:cxn>
+                  <a:cxn ang="0">
+                    <a:pos x="T44" y="T45"/>
+                  </a:cxn>
+                  <a:cxn ang="0">
+                    <a:pos x="T46" y="T47"/>
+                  </a:cxn>
+                  <a:cxn ang="0">
+                    <a:pos x="T48" y="T49"/>
+                  </a:cxn>
+                  <a:cxn ang="0">
+                    <a:pos x="T50" y="T51"/>
+                  </a:cxn>
+                  <a:cxn ang="0">
+                    <a:pos x="T52" y="T53"/>
+                  </a:cxn>
+                  <a:cxn ang="0">
+                    <a:pos x="T54" y="T55"/>
+                  </a:cxn>
+                  <a:cxn ang="0">
+                    <a:pos x="T56" y="T57"/>
+                  </a:cxn>
+                  <a:cxn ang="0">
+                    <a:pos x="T58" y="T59"/>
+                  </a:cxn>
+                  <a:cxn ang="0">
+                    <a:pos x="T60" y="T61"/>
+                  </a:cxn>
+                  <a:cxn ang="0">
+                    <a:pos x="T62" y="T63"/>
+                  </a:cxn>
+                  <a:cxn ang="0">
+                    <a:pos x="T64" y="T65"/>
+                  </a:cxn>
+                  <a:cxn ang="0">
+                    <a:pos x="T66" y="T67"/>
+                  </a:cxn>
+                  <a:cxn ang="0">
+                    <a:pos x="T68" y="T69"/>
+                  </a:cxn>
+                  <a:cxn ang="0">
+                    <a:pos x="T70" y="T71"/>
+                  </a:cxn>
+                  <a:cxn ang="0">
+                    <a:pos x="T72" y="T73"/>
+                  </a:cxn>
+                  <a:cxn ang="0">
+                    <a:pos x="T74" y="T75"/>
+                  </a:cxn>
+                  <a:cxn ang="0">
+                    <a:pos x="T76" y="T77"/>
+                  </a:cxn>
+                  <a:cxn ang="0">
+                    <a:pos x="T78" y="T79"/>
+                  </a:cxn>
+                  <a:cxn ang="0">
+                    <a:pos x="T80" y="T81"/>
+                  </a:cxn>
+                  <a:cxn ang="0">
+                    <a:pos x="T82" y="T83"/>
+                  </a:cxn>
+                  <a:cxn ang="0">
+                    <a:pos x="T84" y="T85"/>
+                  </a:cxn>
+                  <a:cxn ang="0">
+                    <a:pos x="T86" y="T87"/>
+                  </a:cxn>
+                  <a:cxn ang="0">
+                    <a:pos x="T88" y="T89"/>
+                  </a:cxn>
+                  <a:cxn ang="0">
+                    <a:pos x="T90" y="T91"/>
+                  </a:cxn>
+                  <a:cxn ang="0">
+                    <a:pos x="T92" y="T93"/>
+                  </a:cxn>
+                  <a:cxn ang="0">
+                    <a:pos x="T94" y="T95"/>
+                  </a:cxn>
+                  <a:cxn ang="0">
+                    <a:pos x="T96" y="T97"/>
+                  </a:cxn>
+                  <a:cxn ang="0">
+                    <a:pos x="T98" y="T99"/>
+                  </a:cxn>
+                  <a:cxn ang="0">
+                    <a:pos x="T100" y="T101"/>
+                  </a:cxn>
+                </a:cxnLst>
+                <a:rect l="0" t="0" r="r" b="b"/>
+                <a:pathLst>
+                  <a:path w="48" h="41">
+                    <a:moveTo>
+                      <a:pt x="48" y="38"/>
+                    </a:moveTo>
+                    <a:cubicBezTo>
+                      <a:pt x="48" y="40"/>
+                      <a:pt x="47" y="41"/>
+                      <a:pt x="45" y="41"/>
+                    </a:cubicBezTo>
+                    <a:cubicBezTo>
+                      <a:pt x="37" y="41"/>
+                      <a:pt x="37" y="41"/>
+                      <a:pt x="37" y="41"/>
+                    </a:cubicBezTo>
+                    <a:cubicBezTo>
+                      <a:pt x="35" y="41"/>
+                      <a:pt x="34" y="40"/>
+                      <a:pt x="34" y="38"/>
+                    </a:cubicBezTo>
+                    <a:cubicBezTo>
+                      <a:pt x="34" y="30"/>
+                      <a:pt x="34" y="30"/>
+                      <a:pt x="34" y="30"/>
+                    </a:cubicBezTo>
+                    <a:cubicBezTo>
+                      <a:pt x="34" y="28"/>
+                      <a:pt x="35" y="27"/>
+                      <a:pt x="37" y="27"/>
+                    </a:cubicBezTo>
+                    <a:cubicBezTo>
+                      <a:pt x="39" y="27"/>
+                      <a:pt x="39" y="27"/>
+                      <a:pt x="39" y="27"/>
+                    </a:cubicBezTo>
+                    <a:cubicBezTo>
+                      <a:pt x="39" y="22"/>
+                      <a:pt x="39" y="22"/>
+                      <a:pt x="39" y="22"/>
+                    </a:cubicBezTo>
+                    <a:cubicBezTo>
+                      <a:pt x="25" y="22"/>
+                      <a:pt x="25" y="22"/>
+                      <a:pt x="25" y="22"/>
+                    </a:cubicBezTo>
+                    <a:cubicBezTo>
+                      <a:pt x="25" y="27"/>
+                      <a:pt x="25" y="27"/>
+                      <a:pt x="25" y="27"/>
+                    </a:cubicBezTo>
+                    <a:cubicBezTo>
+                      <a:pt x="28" y="27"/>
+                      <a:pt x="28" y="27"/>
+                      <a:pt x="28" y="27"/>
+                    </a:cubicBezTo>
+                    <a:cubicBezTo>
+                      <a:pt x="29" y="27"/>
+                      <a:pt x="31" y="28"/>
+                      <a:pt x="31" y="30"/>
+                    </a:cubicBezTo>
+                    <a:cubicBezTo>
+                      <a:pt x="31" y="38"/>
+                      <a:pt x="31" y="38"/>
+                      <a:pt x="31" y="38"/>
+                    </a:cubicBezTo>
+                    <a:cubicBezTo>
+                      <a:pt x="31" y="40"/>
+                      <a:pt x="29" y="41"/>
+                      <a:pt x="28" y="41"/>
+                    </a:cubicBezTo>
+                    <a:cubicBezTo>
+                      <a:pt x="19" y="41"/>
+                      <a:pt x="19" y="41"/>
+                      <a:pt x="19" y="41"/>
+                    </a:cubicBezTo>
+                    <a:cubicBezTo>
+                      <a:pt x="18" y="41"/>
+                      <a:pt x="17" y="40"/>
+                      <a:pt x="17" y="38"/>
+                    </a:cubicBezTo>
+                    <a:cubicBezTo>
+                      <a:pt x="17" y="30"/>
+                      <a:pt x="17" y="30"/>
+                      <a:pt x="17" y="30"/>
+                    </a:cubicBezTo>
+                    <a:cubicBezTo>
+                      <a:pt x="17" y="28"/>
+                      <a:pt x="18" y="27"/>
+                      <a:pt x="19" y="27"/>
+                    </a:cubicBezTo>
+                    <a:cubicBezTo>
+                      <a:pt x="22" y="27"/>
+                      <a:pt x="22" y="27"/>
+                      <a:pt x="22" y="27"/>
+                    </a:cubicBezTo>
+                    <a:cubicBezTo>
+                      <a:pt x="22" y="22"/>
+                      <a:pt x="22" y="22"/>
+                      <a:pt x="22" y="22"/>
+                    </a:cubicBezTo>
+                    <a:cubicBezTo>
+                      <a:pt x="8" y="22"/>
+                      <a:pt x="8" y="22"/>
+                      <a:pt x="8" y="22"/>
+                    </a:cubicBezTo>
+                    <a:cubicBezTo>
+                      <a:pt x="8" y="27"/>
+                      <a:pt x="8" y="27"/>
+                      <a:pt x="8" y="27"/>
+                    </a:cubicBezTo>
+                    <a:cubicBezTo>
+                      <a:pt x="11" y="27"/>
+                      <a:pt x="11" y="27"/>
+                      <a:pt x="11" y="27"/>
+                    </a:cubicBezTo>
+                    <a:cubicBezTo>
+                      <a:pt x="12" y="27"/>
+                      <a:pt x="13" y="28"/>
+                      <a:pt x="13" y="30"/>
+                    </a:cubicBezTo>
+                    <a:cubicBezTo>
+                      <a:pt x="13" y="38"/>
+                      <a:pt x="13" y="38"/>
+                      <a:pt x="13" y="38"/>
+                    </a:cubicBezTo>
+                    <a:cubicBezTo>
+                      <a:pt x="13" y="40"/>
+                      <a:pt x="12" y="41"/>
+                      <a:pt x="11" y="41"/>
+                    </a:cubicBezTo>
+                    <a:cubicBezTo>
+                      <a:pt x="2" y="41"/>
+                      <a:pt x="2" y="41"/>
+                      <a:pt x="2" y="41"/>
+                    </a:cubicBezTo>
+                    <a:cubicBezTo>
+                      <a:pt x="1" y="41"/>
+                      <a:pt x="0" y="40"/>
+                      <a:pt x="0" y="38"/>
+                    </a:cubicBezTo>
+                    <a:cubicBezTo>
+                      <a:pt x="0" y="30"/>
+                      <a:pt x="0" y="30"/>
+                      <a:pt x="0" y="30"/>
+                    </a:cubicBezTo>
+                    <a:cubicBezTo>
+                      <a:pt x="0" y="28"/>
+                      <a:pt x="1" y="27"/>
+                      <a:pt x="2" y="27"/>
+                    </a:cubicBezTo>
+                    <a:cubicBezTo>
+                      <a:pt x="5" y="27"/>
+                      <a:pt x="5" y="27"/>
+                      <a:pt x="5" y="27"/>
+                    </a:cubicBezTo>
+                    <a:cubicBezTo>
+                      <a:pt x="5" y="22"/>
+                      <a:pt x="5" y="22"/>
+                      <a:pt x="5" y="22"/>
+                    </a:cubicBezTo>
+                    <a:cubicBezTo>
+                      <a:pt x="5" y="20"/>
+                      <a:pt x="6" y="19"/>
+                      <a:pt x="8" y="19"/>
+                    </a:cubicBezTo>
+                    <a:cubicBezTo>
+                      <a:pt x="22" y="19"/>
+                      <a:pt x="22" y="19"/>
+                      <a:pt x="22" y="19"/>
+                    </a:cubicBezTo>
+                    <a:cubicBezTo>
+                      <a:pt x="22" y="13"/>
+                      <a:pt x="22" y="13"/>
+                      <a:pt x="22" y="13"/>
+                    </a:cubicBezTo>
+                    <a:cubicBezTo>
+                      <a:pt x="19" y="13"/>
+                      <a:pt x="19" y="13"/>
+                      <a:pt x="19" y="13"/>
+                    </a:cubicBezTo>
+                    <a:cubicBezTo>
+                      <a:pt x="18" y="13"/>
+                      <a:pt x="17" y="12"/>
+                      <a:pt x="17" y="11"/>
+                    </a:cubicBezTo>
+                    <a:cubicBezTo>
+                      <a:pt x="17" y="2"/>
+                      <a:pt x="17" y="2"/>
+                      <a:pt x="17" y="2"/>
+                    </a:cubicBezTo>
+                    <a:cubicBezTo>
+                      <a:pt x="17" y="1"/>
+                      <a:pt x="18" y="0"/>
+                      <a:pt x="19" y="0"/>
+                    </a:cubicBezTo>
+                    <a:cubicBezTo>
+                      <a:pt x="28" y="0"/>
+                      <a:pt x="28" y="0"/>
+                      <a:pt x="28" y="0"/>
+                    </a:cubicBezTo>
+                    <a:cubicBezTo>
+                      <a:pt x="29" y="0"/>
+                      <a:pt x="31" y="1"/>
+                      <a:pt x="31" y="2"/>
+                    </a:cubicBezTo>
+                    <a:cubicBezTo>
+                      <a:pt x="31" y="11"/>
+                      <a:pt x="31" y="11"/>
+                      <a:pt x="31" y="11"/>
+                    </a:cubicBezTo>
+                    <a:cubicBezTo>
+                      <a:pt x="31" y="12"/>
+                      <a:pt x="29" y="13"/>
+                      <a:pt x="28" y="13"/>
+                    </a:cubicBezTo>
+                    <a:cubicBezTo>
+                      <a:pt x="25" y="13"/>
+                      <a:pt x="25" y="13"/>
+                      <a:pt x="25" y="13"/>
+                    </a:cubicBezTo>
+                    <a:cubicBezTo>
+                      <a:pt x="25" y="19"/>
+                      <a:pt x="25" y="19"/>
+                      <a:pt x="25" y="19"/>
+                    </a:cubicBezTo>
+                    <a:cubicBezTo>
+                      <a:pt x="39" y="19"/>
+                      <a:pt x="39" y="19"/>
+                      <a:pt x="39" y="19"/>
+                    </a:cubicBezTo>
+                    <a:cubicBezTo>
+                      <a:pt x="41" y="19"/>
+                      <a:pt x="43" y="20"/>
+                      <a:pt x="43" y="22"/>
+                    </a:cubicBezTo>
+                    <a:cubicBezTo>
+                      <a:pt x="43" y="27"/>
+                      <a:pt x="43" y="27"/>
+                      <a:pt x="43" y="27"/>
+                    </a:cubicBezTo>
+                    <a:cubicBezTo>
+                      <a:pt x="45" y="27"/>
+                      <a:pt x="45" y="27"/>
+                      <a:pt x="45" y="27"/>
+                    </a:cubicBezTo>
+                    <a:cubicBezTo>
+                      <a:pt x="47" y="27"/>
+                      <a:pt x="48" y="28"/>
+                      <a:pt x="48" y="30"/>
+                    </a:cubicBezTo>
+                    <a:lnTo>
+                      <a:pt x="48" y="38"/>
+                    </a:lnTo>
+                    <a:close/>
+                  </a:path>
+                </a:pathLst>
+              </a:custGeom>
+              <a:solidFill>
+                <a:schemeClr val="accent2">
+                  <a:lumMod val="100000"/>
+                </a:schemeClr>
+              </a:solidFill>
+              <a:ln>
+                <a:noFill/>
+              </a:ln>
+            </p:spPr>
+            <p:txBody>
+              <a:bodyPr anchor="ctr"/>
+              <a:lstStyle/>
+              <a:p>
+                <a:pPr algn="ctr"/>
+                <a:endParaRPr/>
+              </a:p>
+            </p:txBody>
+          </p:sp>
+        </p:grpSp>
+        <p:grpSp>
+          <p:nvGrpSpPr>
+            <p:cNvPr id="5" name="Group 30"/>
+            <p:cNvGrpSpPr/>
+            <p:nvPr/>
+          </p:nvGrpSpPr>
+          <p:grpSpPr>
+            <a:xfrm>
+              <a:off x="6899276" y="2834333"/>
+              <a:ext cx="1458180" cy="1663040"/>
+              <a:chOff x="6537040" y="2834333"/>
+              <a:chExt cx="1458180" cy="1663040"/>
+            </a:xfrm>
+          </p:grpSpPr>
+          <p:sp>
+            <p:nvSpPr>
+              <p:cNvPr id="21" name="Freeform: Shape 3"/>
+              <p:cNvSpPr>
+                <a:spLocks/>
+              </p:cNvSpPr>
+              <p:nvPr/>
+            </p:nvSpPr>
+            <p:spPr bwMode="auto">
+              <a:xfrm>
+                <a:off x="6537040" y="2834333"/>
+                <a:ext cx="1458180" cy="1663040"/>
+              </a:xfrm>
+              <a:custGeom>
+                <a:avLst/>
+                <a:gdLst>
+                  <a:gd name="T0" fmla="*/ 573 w 1146"/>
+                  <a:gd name="T1" fmla="*/ 0 h 1307"/>
+                  <a:gd name="T2" fmla="*/ 1146 w 1146"/>
+                  <a:gd name="T3" fmla="*/ 287 h 1307"/>
+                  <a:gd name="T4" fmla="*/ 1146 w 1146"/>
+                  <a:gd name="T5" fmla="*/ 1021 h 1307"/>
+                  <a:gd name="T6" fmla="*/ 573 w 1146"/>
+                  <a:gd name="T7" fmla="*/ 1307 h 1307"/>
+                  <a:gd name="T8" fmla="*/ 0 w 1146"/>
+                  <a:gd name="T9" fmla="*/ 1021 h 1307"/>
+                  <a:gd name="T10" fmla="*/ 0 w 1146"/>
+                  <a:gd name="T11" fmla="*/ 287 h 1307"/>
+                  <a:gd name="T12" fmla="*/ 573 w 1146"/>
+                  <a:gd name="T13" fmla="*/ 0 h 1307"/>
+                </a:gdLst>
+                <a:ahLst/>
+                <a:cxnLst>
+                  <a:cxn ang="0">
+                    <a:pos x="T0" y="T1"/>
+                  </a:cxn>
+                  <a:cxn ang="0">
+                    <a:pos x="T2" y="T3"/>
+                  </a:cxn>
+                  <a:cxn ang="0">
+                    <a:pos x="T4" y="T5"/>
+                  </a:cxn>
+                  <a:cxn ang="0">
+                    <a:pos x="T6" y="T7"/>
+                  </a:cxn>
+                  <a:cxn ang="0">
+                    <a:pos x="T8" y="T9"/>
+                  </a:cxn>
+                  <a:cxn ang="0">
+                    <a:pos x="T10" y="T11"/>
+                  </a:cxn>
+                  <a:cxn ang="0">
+                    <a:pos x="T12" y="T13"/>
+                  </a:cxn>
+                </a:cxnLst>
+                <a:rect l="0" t="0" r="r" b="b"/>
+                <a:pathLst>
+                  <a:path w="1146" h="1307">
+                    <a:moveTo>
+                      <a:pt x="573" y="0"/>
+                    </a:moveTo>
+                    <a:lnTo>
+                      <a:pt x="1146" y="287"/>
+                    </a:lnTo>
+                    <a:lnTo>
+                      <a:pt x="1146" y="1021"/>
+                    </a:lnTo>
+                    <a:lnTo>
+                      <a:pt x="573" y="1307"/>
+                    </a:lnTo>
+                    <a:lnTo>
+                      <a:pt x="0" y="1021"/>
+                    </a:lnTo>
+                    <a:lnTo>
+                      <a:pt x="0" y="287"/>
+                    </a:lnTo>
+                    <a:lnTo>
+                      <a:pt x="573" y="0"/>
+                    </a:lnTo>
+                    <a:close/>
+                  </a:path>
+                </a:pathLst>
+              </a:custGeom>
+              <a:noFill/>
+              <a:ln w="28575">
+                <a:solidFill>
+                  <a:schemeClr val="accent3"/>
+                </a:solidFill>
+              </a:ln>
+              <a:extLst/>
+            </p:spPr>
+            <p:txBody>
+              <a:bodyPr anchor="ctr"/>
+              <a:lstStyle/>
+              <a:p>
+                <a:pPr algn="ctr"/>
+                <a:endParaRPr/>
+              </a:p>
+            </p:txBody>
+          </p:sp>
+          <p:sp>
+            <p:nvSpPr>
+              <p:cNvPr id="22" name="Freeform: Shape 12"/>
+              <p:cNvSpPr>
+                <a:spLocks noChangeAspect="1"/>
+              </p:cNvSpPr>
+              <p:nvPr/>
+            </p:nvSpPr>
+            <p:spPr bwMode="auto">
+              <a:xfrm>
+                <a:off x="6988290" y="3404376"/>
+                <a:ext cx="555680" cy="522954"/>
+              </a:xfrm>
+              <a:custGeom>
+                <a:avLst/>
+                <a:gdLst>
+                  <a:gd name="connsiteX0" fmla="*/ 69646 w 508000"/>
+                  <a:gd name="connsiteY0" fmla="*/ 394096 h 478080"/>
+                  <a:gd name="connsiteX1" fmla="*/ 438355 w 508000"/>
+                  <a:gd name="connsiteY1" fmla="*/ 394096 h 478080"/>
+                  <a:gd name="connsiteX2" fmla="*/ 438355 w 508000"/>
+                  <a:gd name="connsiteY2" fmla="*/ 422773 h 478080"/>
+                  <a:gd name="connsiteX3" fmla="*/ 473178 w 508000"/>
+                  <a:gd name="connsiteY3" fmla="*/ 422773 h 478080"/>
+                  <a:gd name="connsiteX4" fmla="*/ 473178 w 508000"/>
+                  <a:gd name="connsiteY4" fmla="*/ 447354 h 478080"/>
+                  <a:gd name="connsiteX5" fmla="*/ 497758 w 508000"/>
+                  <a:gd name="connsiteY5" fmla="*/ 447354 h 478080"/>
+                  <a:gd name="connsiteX6" fmla="*/ 497758 w 508000"/>
+                  <a:gd name="connsiteY6" fmla="*/ 478080 h 478080"/>
+                  <a:gd name="connsiteX7" fmla="*/ 14339 w 508000"/>
+                  <a:gd name="connsiteY7" fmla="*/ 478080 h 478080"/>
+                  <a:gd name="connsiteX8" fmla="*/ 14339 w 508000"/>
+                  <a:gd name="connsiteY8" fmla="*/ 447354 h 478080"/>
+                  <a:gd name="connsiteX9" fmla="*/ 38920 w 508000"/>
+                  <a:gd name="connsiteY9" fmla="*/ 447354 h 478080"/>
+                  <a:gd name="connsiteX10" fmla="*/ 38920 w 508000"/>
+                  <a:gd name="connsiteY10" fmla="*/ 422773 h 478080"/>
+                  <a:gd name="connsiteX11" fmla="*/ 69646 w 508000"/>
+                  <a:gd name="connsiteY11" fmla="*/ 422773 h 478080"/>
+                  <a:gd name="connsiteX12" fmla="*/ 362031 w 508000"/>
+                  <a:gd name="connsiteY12" fmla="*/ 193354 h 478080"/>
+                  <a:gd name="connsiteX13" fmla="*/ 436842 w 508000"/>
+                  <a:gd name="connsiteY13" fmla="*/ 193354 h 478080"/>
+                  <a:gd name="connsiteX14" fmla="*/ 456791 w 508000"/>
+                  <a:gd name="connsiteY14" fmla="*/ 213383 h 478080"/>
+                  <a:gd name="connsiteX15" fmla="*/ 456791 w 508000"/>
+                  <a:gd name="connsiteY15" fmla="*/ 233411 h 478080"/>
+                  <a:gd name="connsiteX16" fmla="*/ 436842 w 508000"/>
+                  <a:gd name="connsiteY16" fmla="*/ 233411 h 478080"/>
+                  <a:gd name="connsiteX17" fmla="*/ 436842 w 508000"/>
+                  <a:gd name="connsiteY17" fmla="*/ 373612 h 478080"/>
+                  <a:gd name="connsiteX18" fmla="*/ 362031 w 508000"/>
+                  <a:gd name="connsiteY18" fmla="*/ 373612 h 478080"/>
+                  <a:gd name="connsiteX19" fmla="*/ 362031 w 508000"/>
+                  <a:gd name="connsiteY19" fmla="*/ 233411 h 478080"/>
+                  <a:gd name="connsiteX20" fmla="*/ 342081 w 508000"/>
+                  <a:gd name="connsiteY20" fmla="*/ 233411 h 478080"/>
+                  <a:gd name="connsiteX21" fmla="*/ 342081 w 508000"/>
+                  <a:gd name="connsiteY21" fmla="*/ 213383 h 478080"/>
+                  <a:gd name="connsiteX22" fmla="*/ 362031 w 508000"/>
+                  <a:gd name="connsiteY22" fmla="*/ 193354 h 478080"/>
+                  <a:gd name="connsiteX23" fmla="*/ 218644 w 508000"/>
+                  <a:gd name="connsiteY23" fmla="*/ 193354 h 478080"/>
+                  <a:gd name="connsiteX24" fmla="*/ 293455 w 508000"/>
+                  <a:gd name="connsiteY24" fmla="*/ 193354 h 478080"/>
+                  <a:gd name="connsiteX25" fmla="*/ 313404 w 508000"/>
+                  <a:gd name="connsiteY25" fmla="*/ 213383 h 478080"/>
+                  <a:gd name="connsiteX26" fmla="*/ 313404 w 508000"/>
+                  <a:gd name="connsiteY26" fmla="*/ 233411 h 478080"/>
+                  <a:gd name="connsiteX27" fmla="*/ 293455 w 508000"/>
+                  <a:gd name="connsiteY27" fmla="*/ 233411 h 478080"/>
+                  <a:gd name="connsiteX28" fmla="*/ 293455 w 508000"/>
+                  <a:gd name="connsiteY28" fmla="*/ 373612 h 478080"/>
+                  <a:gd name="connsiteX29" fmla="*/ 213656 w 508000"/>
+                  <a:gd name="connsiteY29" fmla="*/ 373612 h 478080"/>
+                  <a:gd name="connsiteX30" fmla="*/ 213656 w 508000"/>
+                  <a:gd name="connsiteY30" fmla="*/ 233411 h 478080"/>
+                  <a:gd name="connsiteX31" fmla="*/ 198694 w 508000"/>
+                  <a:gd name="connsiteY31" fmla="*/ 233411 h 478080"/>
+                  <a:gd name="connsiteX32" fmla="*/ 198694 w 508000"/>
+                  <a:gd name="connsiteY32" fmla="*/ 213383 h 478080"/>
+                  <a:gd name="connsiteX33" fmla="*/ 218644 w 508000"/>
+                  <a:gd name="connsiteY33" fmla="*/ 193354 h 478080"/>
+                  <a:gd name="connsiteX34" fmla="*/ 73208 w 508000"/>
+                  <a:gd name="connsiteY34" fmla="*/ 193354 h 478080"/>
+                  <a:gd name="connsiteX35" fmla="*/ 148019 w 508000"/>
+                  <a:gd name="connsiteY35" fmla="*/ 193354 h 478080"/>
+                  <a:gd name="connsiteX36" fmla="*/ 167968 w 508000"/>
+                  <a:gd name="connsiteY36" fmla="*/ 213383 h 478080"/>
+                  <a:gd name="connsiteX37" fmla="*/ 167968 w 508000"/>
+                  <a:gd name="connsiteY37" fmla="*/ 233411 h 478080"/>
+                  <a:gd name="connsiteX38" fmla="*/ 148019 w 508000"/>
+                  <a:gd name="connsiteY38" fmla="*/ 233411 h 478080"/>
+                  <a:gd name="connsiteX39" fmla="*/ 148019 w 508000"/>
+                  <a:gd name="connsiteY39" fmla="*/ 373612 h 478080"/>
+                  <a:gd name="connsiteX40" fmla="*/ 73208 w 508000"/>
+                  <a:gd name="connsiteY40" fmla="*/ 373612 h 478080"/>
+                  <a:gd name="connsiteX41" fmla="*/ 73208 w 508000"/>
+                  <a:gd name="connsiteY41" fmla="*/ 233411 h 478080"/>
+                  <a:gd name="connsiteX42" fmla="*/ 53258 w 508000"/>
+                  <a:gd name="connsiteY42" fmla="*/ 233411 h 478080"/>
+                  <a:gd name="connsiteX43" fmla="*/ 53258 w 508000"/>
+                  <a:gd name="connsiteY43" fmla="*/ 213383 h 478080"/>
+                  <a:gd name="connsiteX44" fmla="*/ 73208 w 508000"/>
+                  <a:gd name="connsiteY44" fmla="*/ 193354 h 478080"/>
+                  <a:gd name="connsiteX45" fmla="*/ 234079 w 508000"/>
+                  <a:gd name="connsiteY45" fmla="*/ 68402 h 478080"/>
+                  <a:gd name="connsiteX46" fmla="*/ 169334 w 508000"/>
+                  <a:gd name="connsiteY46" fmla="*/ 108199 h 478080"/>
+                  <a:gd name="connsiteX47" fmla="*/ 169334 w 508000"/>
+                  <a:gd name="connsiteY47" fmla="*/ 113174 h 478080"/>
+                  <a:gd name="connsiteX48" fmla="*/ 174314 w 508000"/>
+                  <a:gd name="connsiteY48" fmla="*/ 113174 h 478080"/>
+                  <a:gd name="connsiteX49" fmla="*/ 333687 w 508000"/>
+                  <a:gd name="connsiteY49" fmla="*/ 113174 h 478080"/>
+                  <a:gd name="connsiteX50" fmla="*/ 338667 w 508000"/>
+                  <a:gd name="connsiteY50" fmla="*/ 113174 h 478080"/>
+                  <a:gd name="connsiteX51" fmla="*/ 338667 w 508000"/>
+                  <a:gd name="connsiteY51" fmla="*/ 108199 h 478080"/>
+                  <a:gd name="connsiteX52" fmla="*/ 273922 w 508000"/>
+                  <a:gd name="connsiteY52" fmla="*/ 68402 h 478080"/>
+                  <a:gd name="connsiteX53" fmla="*/ 234079 w 508000"/>
+                  <a:gd name="connsiteY53" fmla="*/ 68402 h 478080"/>
+                  <a:gd name="connsiteX54" fmla="*/ 234079 w 508000"/>
+                  <a:gd name="connsiteY54" fmla="*/ 3732 h 478080"/>
+                  <a:gd name="connsiteX55" fmla="*/ 273922 w 508000"/>
+                  <a:gd name="connsiteY55" fmla="*/ 3732 h 478080"/>
+                  <a:gd name="connsiteX56" fmla="*/ 488079 w 508000"/>
+                  <a:gd name="connsiteY56" fmla="*/ 123123 h 478080"/>
+                  <a:gd name="connsiteX57" fmla="*/ 508000 w 508000"/>
+                  <a:gd name="connsiteY57" fmla="*/ 157946 h 478080"/>
+                  <a:gd name="connsiteX58" fmla="*/ 508000 w 508000"/>
+                  <a:gd name="connsiteY58" fmla="*/ 172870 h 478080"/>
+                  <a:gd name="connsiteX59" fmla="*/ 0 w 508000"/>
+                  <a:gd name="connsiteY59" fmla="*/ 172870 h 478080"/>
+                  <a:gd name="connsiteX60" fmla="*/ 0 w 508000"/>
+                  <a:gd name="connsiteY60" fmla="*/ 157946 h 478080"/>
+                  <a:gd name="connsiteX61" fmla="*/ 19922 w 508000"/>
+                  <a:gd name="connsiteY61" fmla="*/ 123123 h 478080"/>
+                  <a:gd name="connsiteX62" fmla="*/ 234079 w 508000"/>
+                  <a:gd name="connsiteY62" fmla="*/ 3732 h 478080"/>
+                </a:gdLst>
+                <a:ahLst/>
+                <a:cxnLst>
+                  <a:cxn ang="0">
+                    <a:pos x="connsiteX0" y="connsiteY0"/>
+                  </a:cxn>
+                  <a:cxn ang="0">
+                    <a:pos x="connsiteX1" y="connsiteY1"/>
+                  </a:cxn>
+                  <a:cxn ang="0">
+                    <a:pos x="connsiteX2" y="connsiteY2"/>
+                  </a:cxn>
+                  <a:cxn ang="0">
+                    <a:pos x="connsiteX3" y="connsiteY3"/>
+                  </a:cxn>
+                  <a:cxn ang="0">
+                    <a:pos x="connsiteX4" y="connsiteY4"/>
+                  </a:cxn>
+                  <a:cxn ang="0">
+                    <a:pos x="connsiteX5" y="connsiteY5"/>
+                  </a:cxn>
+                  <a:cxn ang="0">
+                    <a:pos x="connsiteX6" y="connsiteY6"/>
+                  </a:cxn>
+                  <a:cxn ang="0">
+                    <a:pos x="connsiteX7" y="connsiteY7"/>
+                  </a:cxn>
+                  <a:cxn ang="0">
+                    <a:pos x="connsiteX8" y="connsiteY8"/>
+                  </a:cxn>
+                  <a:cxn ang="0">
+                    <a:pos x="connsiteX9" y="connsiteY9"/>
+                  </a:cxn>
+                  <a:cxn ang="0">
+                    <a:pos x="connsiteX10" y="connsiteY10"/>
+                  </a:cxn>
+                  <a:cxn ang="0">
+                    <a:pos x="connsiteX11" y="connsiteY11"/>
+                  </a:cxn>
+                  <a:cxn ang="0">
+                    <a:pos x="connsiteX12" y="connsiteY12"/>
+                  </a:cxn>
+                  <a:cxn ang="0">
+                    <a:pos x="connsiteX13" y="connsiteY13"/>
+                  </a:cxn>
+                  <a:cxn ang="0">
+                    <a:pos x="connsiteX14" y="connsiteY14"/>
+                  </a:cxn>
+                  <a:cxn ang="0">
+                    <a:pos x="connsiteX15" y="connsiteY15"/>
+                  </a:cxn>
+                  <a:cxn ang="0">
+                    <a:pos x="connsiteX16" y="connsiteY16"/>
+                  </a:cxn>
+                  <a:cxn ang="0">
+                    <a:pos x="connsiteX17" y="connsiteY17"/>
+                  </a:cxn>
+                  <a:cxn ang="0">
+                    <a:pos x="connsiteX18" y="connsiteY18"/>
+                  </a:cxn>
+                  <a:cxn ang="0">
+                    <a:pos x="connsiteX19" y="connsiteY19"/>
+                  </a:cxn>
+                  <a:cxn ang="0">
+                    <a:pos x="connsiteX20" y="connsiteY20"/>
+                  </a:cxn>
+                  <a:cxn ang="0">
+                    <a:pos x="connsiteX21" y="connsiteY21"/>
+                  </a:cxn>
+                  <a:cxn ang="0">
+                    <a:pos x="connsiteX22" y="connsiteY22"/>
+                  </a:cxn>
+                  <a:cxn ang="0">
+                    <a:pos x="connsiteX23" y="connsiteY23"/>
+                  </a:cxn>
+                  <a:cxn ang="0">
+                    <a:pos x="connsiteX24" y="connsiteY24"/>
+                  </a:cxn>
+                  <a:cxn ang="0">
+                    <a:pos x="connsiteX25" y="connsiteY25"/>
+                  </a:cxn>
+                  <a:cxn ang="0">
+                    <a:pos x="connsiteX26" y="connsiteY26"/>
+                  </a:cxn>
+                  <a:cxn ang="0">
+                    <a:pos x="connsiteX27" y="connsiteY27"/>
+                  </a:cxn>
+                  <a:cxn ang="0">
+                    <a:pos x="connsiteX28" y="connsiteY28"/>
+                  </a:cxn>
+                  <a:cxn ang="0">
+                    <a:pos x="connsiteX29" y="connsiteY29"/>
+                  </a:cxn>
+                  <a:cxn ang="0">
+                    <a:pos x="connsiteX30" y="connsiteY30"/>
+                  </a:cxn>
+                  <a:cxn ang="0">
+                    <a:pos x="connsiteX31" y="connsiteY31"/>
+                  </a:cxn>
+                  <a:cxn ang="0">
+                    <a:pos x="connsiteX32" y="connsiteY32"/>
+                  </a:cxn>
+                  <a:cxn ang="0">
+                    <a:pos x="connsiteX33" y="connsiteY33"/>
+                  </a:cxn>
+                  <a:cxn ang="0">
+                    <a:pos x="connsiteX34" y="connsiteY34"/>
+                  </a:cxn>
+                  <a:cxn ang="0">
+                    <a:pos x="connsiteX35" y="connsiteY35"/>
+                  </a:cxn>
+                  <a:cxn ang="0">
+                    <a:pos x="connsiteX36" y="connsiteY36"/>
+                  </a:cxn>
+                  <a:cxn ang="0">
+                    <a:pos x="connsiteX37" y="connsiteY37"/>
+                  </a:cxn>
+                  <a:cxn ang="0">
+                    <a:pos x="connsiteX38" y="connsiteY38"/>
+                  </a:cxn>
+                  <a:cxn ang="0">
+                    <a:pos x="connsiteX39" y="connsiteY39"/>
+                  </a:cxn>
+                  <a:cxn ang="0">
+                    <a:pos x="connsiteX40" y="connsiteY40"/>
+                  </a:cxn>
+                  <a:cxn ang="0">
+                    <a:pos x="connsiteX41" y="connsiteY41"/>
+                  </a:cxn>
+                  <a:cxn ang="0">
+                    <a:pos x="connsiteX42" y="connsiteY42"/>
+                  </a:cxn>
+                  <a:cxn ang="0">
+                    <a:pos x="connsiteX43" y="connsiteY43"/>
+                  </a:cxn>
+                  <a:cxn ang="0">
+                    <a:pos x="connsiteX44" y="connsiteY44"/>
+                  </a:cxn>
+                  <a:cxn ang="0">
+                    <a:pos x="connsiteX45" y="connsiteY45"/>
+                  </a:cxn>
+                  <a:cxn ang="0">
+                    <a:pos x="connsiteX46" y="connsiteY46"/>
+                  </a:cxn>
+                  <a:cxn ang="0">
+                    <a:pos x="connsiteX47" y="connsiteY47"/>
+                  </a:cxn>
+                  <a:cxn ang="0">
+                    <a:pos x="connsiteX48" y="connsiteY48"/>
+                  </a:cxn>
+                  <a:cxn ang="0">
+                    <a:pos x="connsiteX49" y="connsiteY49"/>
+                  </a:cxn>
+                  <a:cxn ang="0">
+                    <a:pos x="connsiteX50" y="connsiteY50"/>
+                  </a:cxn>
+                  <a:cxn ang="0">
+                    <a:pos x="connsiteX51" y="connsiteY51"/>
+                  </a:cxn>
+                  <a:cxn ang="0">
+                    <a:pos x="connsiteX52" y="connsiteY52"/>
+                  </a:cxn>
+                  <a:cxn ang="0">
+                    <a:pos x="connsiteX53" y="connsiteY53"/>
+                  </a:cxn>
+                  <a:cxn ang="0">
+                    <a:pos x="connsiteX54" y="connsiteY54"/>
+                  </a:cxn>
+                  <a:cxn ang="0">
+                    <a:pos x="connsiteX55" y="connsiteY55"/>
+                  </a:cxn>
+                  <a:cxn ang="0">
+                    <a:pos x="connsiteX56" y="connsiteY56"/>
+                  </a:cxn>
+                  <a:cxn ang="0">
+                    <a:pos x="connsiteX57" y="connsiteY57"/>
+                  </a:cxn>
+                  <a:cxn ang="0">
+                    <a:pos x="connsiteX58" y="connsiteY58"/>
+                  </a:cxn>
+                  <a:cxn ang="0">
+                    <a:pos x="connsiteX59" y="connsiteY59"/>
+                  </a:cxn>
+                  <a:cxn ang="0">
+                    <a:pos x="connsiteX60" y="connsiteY60"/>
+                  </a:cxn>
+                  <a:cxn ang="0">
+                    <a:pos x="connsiteX61" y="connsiteY61"/>
+                  </a:cxn>
+                  <a:cxn ang="0">
+                    <a:pos x="connsiteX62" y="connsiteY62"/>
+                  </a:cxn>
+                </a:cxnLst>
+                <a:rect l="l" t="t" r="r" b="b"/>
+                <a:pathLst>
+                  <a:path w="508000" h="478080">
+                    <a:moveTo>
+                      <a:pt x="69646" y="394096"/>
+                    </a:moveTo>
+                    <a:lnTo>
+                      <a:pt x="438355" y="394096"/>
+                    </a:lnTo>
+                    <a:lnTo>
+                      <a:pt x="438355" y="422773"/>
+                    </a:lnTo>
+                    <a:lnTo>
+                      <a:pt x="473178" y="422773"/>
+                    </a:lnTo>
+                    <a:lnTo>
+                      <a:pt x="473178" y="447354"/>
+                    </a:lnTo>
+                    <a:lnTo>
+                      <a:pt x="497758" y="447354"/>
+                    </a:lnTo>
+                    <a:lnTo>
+                      <a:pt x="497758" y="478080"/>
+                    </a:lnTo>
+                    <a:lnTo>
+                      <a:pt x="14339" y="478080"/>
+                    </a:lnTo>
+                    <a:lnTo>
+                      <a:pt x="14339" y="447354"/>
+                    </a:lnTo>
+                    <a:lnTo>
+                      <a:pt x="38920" y="447354"/>
+                    </a:lnTo>
+                    <a:lnTo>
+                      <a:pt x="38920" y="422773"/>
+                    </a:lnTo>
+                    <a:lnTo>
+                      <a:pt x="69646" y="422773"/>
+                    </a:lnTo>
+                    <a:close/>
+                    <a:moveTo>
+                      <a:pt x="362031" y="193354"/>
+                    </a:moveTo>
+                    <a:cubicBezTo>
+                      <a:pt x="362031" y="193354"/>
+                      <a:pt x="362031" y="193354"/>
+                      <a:pt x="436842" y="193354"/>
+                    </a:cubicBezTo>
+                    <a:cubicBezTo>
+                      <a:pt x="446816" y="193354"/>
+                      <a:pt x="456791" y="203368"/>
+                      <a:pt x="456791" y="213383"/>
+                    </a:cubicBezTo>
+                    <a:cubicBezTo>
+                      <a:pt x="456791" y="213383"/>
+                      <a:pt x="456791" y="213383"/>
+                      <a:pt x="456791" y="233411"/>
+                    </a:cubicBezTo>
+                    <a:cubicBezTo>
+                      <a:pt x="456791" y="233411"/>
+                      <a:pt x="456791" y="233411"/>
+                      <a:pt x="436842" y="233411"/>
+                    </a:cubicBezTo>
+                    <a:cubicBezTo>
+                      <a:pt x="436842" y="233411"/>
+                      <a:pt x="436842" y="233411"/>
+                      <a:pt x="436842" y="373612"/>
+                    </a:cubicBezTo>
+                    <a:lnTo>
+                      <a:pt x="362031" y="373612"/>
+                    </a:lnTo>
+                    <a:cubicBezTo>
+                      <a:pt x="362031" y="373612"/>
+                      <a:pt x="362031" y="373612"/>
+                      <a:pt x="362031" y="233411"/>
+                    </a:cubicBezTo>
+                    <a:cubicBezTo>
+                      <a:pt x="362031" y="233411"/>
+                      <a:pt x="362031" y="233411"/>
+                      <a:pt x="342081" y="233411"/>
+                    </a:cubicBezTo>
+                    <a:cubicBezTo>
+                      <a:pt x="342081" y="233411"/>
+                      <a:pt x="342081" y="233411"/>
+                      <a:pt x="342081" y="213383"/>
+                    </a:cubicBezTo>
+                    <a:cubicBezTo>
+                      <a:pt x="342081" y="203368"/>
+                      <a:pt x="352056" y="193354"/>
+                      <a:pt x="362031" y="193354"/>
+                    </a:cubicBezTo>
+                    <a:close/>
+                    <a:moveTo>
+                      <a:pt x="218644" y="193354"/>
+                    </a:moveTo>
+                    <a:cubicBezTo>
+                      <a:pt x="218644" y="193354"/>
+                      <a:pt x="218644" y="193354"/>
+                      <a:pt x="293455" y="193354"/>
+                    </a:cubicBezTo>
+                    <a:cubicBezTo>
+                      <a:pt x="303429" y="193354"/>
+                      <a:pt x="313404" y="203368"/>
+                      <a:pt x="313404" y="213383"/>
+                    </a:cubicBezTo>
+                    <a:cubicBezTo>
+                      <a:pt x="313404" y="213383"/>
+                      <a:pt x="313404" y="213383"/>
+                      <a:pt x="313404" y="233411"/>
+                    </a:cubicBezTo>
+                    <a:cubicBezTo>
+                      <a:pt x="313404" y="233411"/>
+                      <a:pt x="313404" y="233411"/>
+                      <a:pt x="293455" y="233411"/>
+                    </a:cubicBezTo>
+                    <a:cubicBezTo>
+                      <a:pt x="293455" y="233411"/>
+                      <a:pt x="293455" y="233411"/>
+                      <a:pt x="293455" y="373612"/>
+                    </a:cubicBezTo>
+                    <a:lnTo>
+                      <a:pt x="213656" y="373612"/>
+                    </a:lnTo>
+                    <a:cubicBezTo>
+                      <a:pt x="213656" y="373612"/>
+                      <a:pt x="213656" y="373612"/>
+                      <a:pt x="213656" y="233411"/>
+                    </a:cubicBezTo>
+                    <a:cubicBezTo>
+                      <a:pt x="213656" y="233411"/>
+                      <a:pt x="213656" y="233411"/>
+                      <a:pt x="198694" y="233411"/>
+                    </a:cubicBezTo>
+                    <a:cubicBezTo>
+                      <a:pt x="198694" y="233411"/>
+                      <a:pt x="198694" y="233411"/>
+                      <a:pt x="198694" y="213383"/>
+                    </a:cubicBezTo>
+                    <a:cubicBezTo>
+                      <a:pt x="198694" y="203368"/>
+                      <a:pt x="208669" y="193354"/>
+                      <a:pt x="218644" y="193354"/>
+                    </a:cubicBezTo>
+                    <a:close/>
+                    <a:moveTo>
+                      <a:pt x="73208" y="193354"/>
+                    </a:moveTo>
+                    <a:cubicBezTo>
+                      <a:pt x="73208" y="193354"/>
+                      <a:pt x="73208" y="193354"/>
+                      <a:pt x="148019" y="193354"/>
+                    </a:cubicBezTo>
+                    <a:cubicBezTo>
+                      <a:pt x="157993" y="193354"/>
+                      <a:pt x="167968" y="203368"/>
+                      <a:pt x="167968" y="213383"/>
+                    </a:cubicBezTo>
+                    <a:cubicBezTo>
+                      <a:pt x="167968" y="213383"/>
+                      <a:pt x="167968" y="213383"/>
+                      <a:pt x="167968" y="233411"/>
+                    </a:cubicBezTo>
+                    <a:cubicBezTo>
+                      <a:pt x="167968" y="233411"/>
+                      <a:pt x="167968" y="233411"/>
+                      <a:pt x="148019" y="233411"/>
+                    </a:cubicBezTo>
+                    <a:cubicBezTo>
+                      <a:pt x="148019" y="233411"/>
+                      <a:pt x="148019" y="233411"/>
+                      <a:pt x="148019" y="373612"/>
+                    </a:cubicBezTo>
+                    <a:lnTo>
+                      <a:pt x="73208" y="373612"/>
+                    </a:lnTo>
+                    <a:cubicBezTo>
+                      <a:pt x="73208" y="373612"/>
+                      <a:pt x="73208" y="373612"/>
+                      <a:pt x="73208" y="233411"/>
+                    </a:cubicBezTo>
+                    <a:cubicBezTo>
+                      <a:pt x="73208" y="233411"/>
+                      <a:pt x="73208" y="233411"/>
+                      <a:pt x="53258" y="233411"/>
+                    </a:cubicBezTo>
+                    <a:cubicBezTo>
+                      <a:pt x="53258" y="233411"/>
+                      <a:pt x="53258" y="233411"/>
+                      <a:pt x="53258" y="213383"/>
+                    </a:cubicBezTo>
+                    <a:cubicBezTo>
+                      <a:pt x="53258" y="203368"/>
+                      <a:pt x="63233" y="193354"/>
+                      <a:pt x="73208" y="193354"/>
+                    </a:cubicBezTo>
+                    <a:close/>
+                    <a:moveTo>
+                      <a:pt x="234079" y="68402"/>
+                    </a:moveTo>
+                    <a:cubicBezTo>
+                      <a:pt x="234079" y="68402"/>
+                      <a:pt x="234079" y="68402"/>
+                      <a:pt x="169334" y="108199"/>
+                    </a:cubicBezTo>
+                    <a:cubicBezTo>
+                      <a:pt x="169334" y="108199"/>
+                      <a:pt x="169334" y="108199"/>
+                      <a:pt x="169334" y="113174"/>
+                    </a:cubicBezTo>
+                    <a:cubicBezTo>
+                      <a:pt x="169334" y="113174"/>
+                      <a:pt x="169334" y="113174"/>
+                      <a:pt x="174314" y="113174"/>
+                    </a:cubicBezTo>
+                    <a:lnTo>
+                      <a:pt x="333687" y="113174"/>
+                    </a:lnTo>
+                    <a:cubicBezTo>
+                      <a:pt x="338667" y="113174"/>
+                      <a:pt x="338667" y="113174"/>
+                      <a:pt x="338667" y="113174"/>
+                    </a:cubicBezTo>
+                    <a:cubicBezTo>
+                      <a:pt x="338667" y="108199"/>
+                      <a:pt x="338667" y="108199"/>
+                      <a:pt x="338667" y="108199"/>
+                    </a:cubicBezTo>
+                    <a:cubicBezTo>
+                      <a:pt x="338667" y="108199"/>
+                      <a:pt x="338667" y="108199"/>
+                      <a:pt x="273922" y="68402"/>
+                    </a:cubicBezTo>
+                    <a:cubicBezTo>
+                      <a:pt x="258981" y="63428"/>
+                      <a:pt x="249020" y="63428"/>
+                      <a:pt x="234079" y="68402"/>
+                    </a:cubicBezTo>
+                    <a:close/>
+                    <a:moveTo>
+                      <a:pt x="234079" y="3732"/>
+                    </a:moveTo>
+                    <a:cubicBezTo>
+                      <a:pt x="249020" y="-1243"/>
+                      <a:pt x="258981" y="-1243"/>
+                      <a:pt x="273922" y="3732"/>
+                    </a:cubicBezTo>
+                    <a:lnTo>
+                      <a:pt x="488079" y="123123"/>
+                    </a:lnTo>
+                    <a:cubicBezTo>
+                      <a:pt x="498039" y="128098"/>
+                      <a:pt x="508000" y="143022"/>
+                      <a:pt x="508000" y="157946"/>
+                    </a:cubicBezTo>
+                    <a:cubicBezTo>
+                      <a:pt x="508000" y="157946"/>
+                      <a:pt x="508000" y="157946"/>
+                      <a:pt x="508000" y="172870"/>
+                    </a:cubicBezTo>
+                    <a:cubicBezTo>
+                      <a:pt x="508000" y="172870"/>
+                      <a:pt x="508000" y="172870"/>
+                      <a:pt x="0" y="172870"/>
+                    </a:cubicBezTo>
+                    <a:cubicBezTo>
+                      <a:pt x="0" y="172870"/>
+                      <a:pt x="0" y="172870"/>
+                      <a:pt x="0" y="157946"/>
+                    </a:cubicBezTo>
+                    <a:cubicBezTo>
+                      <a:pt x="0" y="143022"/>
+                      <a:pt x="9961" y="128098"/>
+                      <a:pt x="19922" y="123123"/>
+                    </a:cubicBezTo>
+                    <a:cubicBezTo>
+                      <a:pt x="19922" y="123123"/>
+                      <a:pt x="19922" y="123123"/>
+                      <a:pt x="234079" y="3732"/>
+                    </a:cubicBezTo>
+                    <a:close/>
+                  </a:path>
+                </a:pathLst>
+              </a:custGeom>
+              <a:solidFill>
+                <a:schemeClr val="accent3">
+                  <a:lumMod val="100000"/>
+                </a:schemeClr>
+              </a:solidFill>
+              <a:ln>
+                <a:noFill/>
+              </a:ln>
+              <a:extLst/>
+            </p:spPr>
+            <p:txBody>
+              <a:bodyPr anchor="ctr"/>
+              <a:lstStyle/>
+              <a:p>
+                <a:pPr algn="ctr"/>
+                <a:endParaRPr/>
+              </a:p>
+            </p:txBody>
+          </p:sp>
+        </p:grpSp>
+        <p:grpSp>
+          <p:nvGrpSpPr>
+            <p:cNvPr id="6" name="Group 31"/>
+            <p:cNvGrpSpPr/>
+            <p:nvPr/>
+          </p:nvGrpSpPr>
+          <p:grpSpPr>
+            <a:xfrm>
+              <a:off x="9463886" y="2834333"/>
+              <a:ext cx="1458180" cy="1663040"/>
+              <a:chOff x="8877300" y="2834333"/>
+              <a:chExt cx="1458180" cy="1663040"/>
+            </a:xfrm>
+          </p:grpSpPr>
+          <p:sp>
+            <p:nvSpPr>
+              <p:cNvPr id="19" name="Freeform: Shape 4"/>
+              <p:cNvSpPr>
+                <a:spLocks/>
+              </p:cNvSpPr>
+              <p:nvPr/>
+            </p:nvSpPr>
+            <p:spPr bwMode="auto">
+              <a:xfrm>
+                <a:off x="8877300" y="2834333"/>
+                <a:ext cx="1458180" cy="1663040"/>
+              </a:xfrm>
+              <a:custGeom>
+                <a:avLst/>
+                <a:gdLst>
+                  <a:gd name="T0" fmla="*/ 573 w 1146"/>
+                  <a:gd name="T1" fmla="*/ 0 h 1307"/>
+                  <a:gd name="T2" fmla="*/ 1146 w 1146"/>
+                  <a:gd name="T3" fmla="*/ 287 h 1307"/>
+                  <a:gd name="T4" fmla="*/ 1146 w 1146"/>
+                  <a:gd name="T5" fmla="*/ 1021 h 1307"/>
+                  <a:gd name="T6" fmla="*/ 573 w 1146"/>
+                  <a:gd name="T7" fmla="*/ 1307 h 1307"/>
+                  <a:gd name="T8" fmla="*/ 0 w 1146"/>
+                  <a:gd name="T9" fmla="*/ 1021 h 1307"/>
+                  <a:gd name="T10" fmla="*/ 0 w 1146"/>
+                  <a:gd name="T11" fmla="*/ 287 h 1307"/>
+                  <a:gd name="T12" fmla="*/ 573 w 1146"/>
+                  <a:gd name="T13" fmla="*/ 0 h 1307"/>
+                </a:gdLst>
+                <a:ahLst/>
+                <a:cxnLst>
+                  <a:cxn ang="0">
+                    <a:pos x="T0" y="T1"/>
+                  </a:cxn>
+                  <a:cxn ang="0">
+                    <a:pos x="T2" y="T3"/>
+                  </a:cxn>
+                  <a:cxn ang="0">
+                    <a:pos x="T4" y="T5"/>
+                  </a:cxn>
+                  <a:cxn ang="0">
+                    <a:pos x="T6" y="T7"/>
+                  </a:cxn>
+                  <a:cxn ang="0">
+                    <a:pos x="T8" y="T9"/>
+                  </a:cxn>
+                  <a:cxn ang="0">
+                    <a:pos x="T10" y="T11"/>
+                  </a:cxn>
+                  <a:cxn ang="0">
+                    <a:pos x="T12" y="T13"/>
+                  </a:cxn>
+                </a:cxnLst>
+                <a:rect l="0" t="0" r="r" b="b"/>
+                <a:pathLst>
+                  <a:path w="1146" h="1307">
+                    <a:moveTo>
+                      <a:pt x="573" y="0"/>
+                    </a:moveTo>
+                    <a:lnTo>
+                      <a:pt x="1146" y="287"/>
+                    </a:lnTo>
+                    <a:lnTo>
+                      <a:pt x="1146" y="1021"/>
+                    </a:lnTo>
+                    <a:lnTo>
+                      <a:pt x="573" y="1307"/>
+                    </a:lnTo>
+                    <a:lnTo>
+                      <a:pt x="0" y="1021"/>
+                    </a:lnTo>
+                    <a:lnTo>
+                      <a:pt x="0" y="287"/>
+                    </a:lnTo>
+                    <a:lnTo>
+                      <a:pt x="573" y="0"/>
+                    </a:lnTo>
+                    <a:close/>
+                  </a:path>
+                </a:pathLst>
+              </a:custGeom>
+              <a:noFill/>
+              <a:ln w="28575">
+                <a:solidFill>
+                  <a:schemeClr val="accent4"/>
+                </a:solidFill>
+              </a:ln>
+              <a:extLst/>
+            </p:spPr>
+            <p:txBody>
+              <a:bodyPr anchor="ctr"/>
+              <a:lstStyle/>
+              <a:p>
+                <a:pPr algn="ctr"/>
+                <a:endParaRPr/>
+              </a:p>
+            </p:txBody>
+          </p:sp>
+          <p:sp>
+            <p:nvSpPr>
+              <p:cNvPr id="20" name="Freeform: Shape 13"/>
+              <p:cNvSpPr/>
+              <p:nvPr/>
+            </p:nvSpPr>
+            <p:spPr>
+              <a:xfrm>
+                <a:off x="9340962" y="3400425"/>
+                <a:ext cx="530856" cy="530856"/>
+              </a:xfrm>
+              <a:custGeom>
+                <a:avLst/>
+                <a:gdLst/>
+                <a:ahLst/>
+                <a:cxnLst>
+                  <a:cxn ang="0">
+                    <a:pos x="wd2" y="hd2"/>
+                  </a:cxn>
+                  <a:cxn ang="5400000">
+                    <a:pos x="wd2" y="hd2"/>
+                  </a:cxn>
+                  <a:cxn ang="10800000">
+                    <a:pos x="wd2" y="hd2"/>
+                  </a:cxn>
+                  <a:cxn ang="16200000">
+                    <a:pos x="wd2" y="hd2"/>
+                  </a:cxn>
+                </a:cxnLst>
+                <a:rect l="0" t="0" r="r" b="b"/>
+                <a:pathLst>
+                  <a:path w="21600" h="21600" extrusionOk="0">
+                    <a:moveTo>
+                      <a:pt x="14896" y="15577"/>
+                    </a:moveTo>
+                    <a:cubicBezTo>
+                      <a:pt x="12144" y="16865"/>
+                      <a:pt x="9844" y="18851"/>
+                      <a:pt x="8177" y="21278"/>
+                    </a:cubicBezTo>
+                    <a:cubicBezTo>
+                      <a:pt x="9017" y="21487"/>
+                      <a:pt x="9895" y="21600"/>
+                      <a:pt x="10801" y="21600"/>
+                    </a:cubicBezTo>
+                    <a:cubicBezTo>
+                      <a:pt x="12429" y="21600"/>
+                      <a:pt x="13973" y="21237"/>
+                      <a:pt x="15358" y="20591"/>
+                    </a:cubicBezTo>
+                    <a:cubicBezTo>
+                      <a:pt x="15580" y="19502"/>
+                      <a:pt x="15699" y="18376"/>
+                      <a:pt x="15699" y="17222"/>
+                    </a:cubicBezTo>
+                    <a:cubicBezTo>
+                      <a:pt x="15699" y="16807"/>
+                      <a:pt x="15679" y="16394"/>
+                      <a:pt x="15648" y="15985"/>
+                    </a:cubicBezTo>
+                    <a:cubicBezTo>
+                      <a:pt x="15371" y="15896"/>
+                      <a:pt x="15116" y="15757"/>
+                      <a:pt x="14896" y="15577"/>
+                    </a:cubicBezTo>
+                    <a:close/>
+                    <a:moveTo>
+                      <a:pt x="18049" y="2796"/>
+                    </a:moveTo>
+                    <a:cubicBezTo>
+                      <a:pt x="16319" y="2963"/>
+                      <a:pt x="14667" y="3397"/>
+                      <a:pt x="13127" y="4050"/>
+                    </a:cubicBezTo>
+                    <a:cubicBezTo>
+                      <a:pt x="13136" y="4125"/>
+                      <a:pt x="13139" y="4202"/>
+                      <a:pt x="13139" y="4280"/>
+                    </a:cubicBezTo>
+                    <a:cubicBezTo>
+                      <a:pt x="13139" y="4642"/>
+                      <a:pt x="13052" y="4984"/>
+                      <a:pt x="12904" y="5289"/>
+                    </a:cubicBezTo>
+                    <a:cubicBezTo>
+                      <a:pt x="14441" y="7094"/>
+                      <a:pt x="15635" y="9198"/>
+                      <a:pt x="16388" y="11500"/>
+                    </a:cubicBezTo>
+                    <a:cubicBezTo>
+                      <a:pt x="17323" y="11517"/>
+                      <a:pt x="18121" y="12090"/>
+                      <a:pt x="18465" y="12903"/>
+                    </a:cubicBezTo>
+                    <a:cubicBezTo>
+                      <a:pt x="19505" y="12797"/>
+                      <a:pt x="20517" y="12599"/>
+                      <a:pt x="21493" y="12312"/>
+                    </a:cubicBezTo>
+                    <a:cubicBezTo>
+                      <a:pt x="21562" y="11817"/>
+                      <a:pt x="21600" y="11314"/>
+                      <a:pt x="21600" y="10799"/>
+                    </a:cubicBezTo>
+                    <a:cubicBezTo>
+                      <a:pt x="21600" y="7626"/>
+                      <a:pt x="20230" y="4772"/>
+                      <a:pt x="18049" y="2796"/>
+                    </a:cubicBezTo>
+                    <a:close/>
+                    <a:moveTo>
+                      <a:pt x="13739" y="14349"/>
+                    </a:moveTo>
+                    <a:cubicBezTo>
+                      <a:pt x="11074" y="13908"/>
+                      <a:pt x="8601" y="12890"/>
+                      <a:pt x="6450" y="11433"/>
+                    </a:cubicBezTo>
+                    <a:cubicBezTo>
+                      <a:pt x="6101" y="11646"/>
+                      <a:pt x="5691" y="11773"/>
+                      <a:pt x="5251" y="11773"/>
+                    </a:cubicBezTo>
+                    <a:cubicBezTo>
+                      <a:pt x="5090" y="11773"/>
+                      <a:pt x="4933" y="11755"/>
+                      <a:pt x="4781" y="11724"/>
+                    </a:cubicBezTo>
+                    <a:cubicBezTo>
+                      <a:pt x="3750" y="13677"/>
+                      <a:pt x="3093" y="15854"/>
+                      <a:pt x="2903" y="18164"/>
+                    </a:cubicBezTo>
+                    <a:cubicBezTo>
+                      <a:pt x="3931" y="19266"/>
+                      <a:pt x="5186" y="20154"/>
+                      <a:pt x="6595" y="20750"/>
+                    </a:cubicBezTo>
+                    <a:cubicBezTo>
+                      <a:pt x="8345" y="18059"/>
+                      <a:pt x="10792" y="15833"/>
+                      <a:pt x="13739" y="14349"/>
+                    </a:cubicBezTo>
+                    <a:close/>
+                    <a:moveTo>
+                      <a:pt x="17258" y="15906"/>
+                    </a:moveTo>
+                    <a:cubicBezTo>
+                      <a:pt x="17290" y="16340"/>
+                      <a:pt x="17306" y="16780"/>
+                      <a:pt x="17306" y="17222"/>
+                    </a:cubicBezTo>
+                    <a:cubicBezTo>
+                      <a:pt x="17306" y="18003"/>
+                      <a:pt x="17256" y="18770"/>
+                      <a:pt x="17163" y="19525"/>
+                    </a:cubicBezTo>
+                    <a:cubicBezTo>
+                      <a:pt x="18993" y="18186"/>
+                      <a:pt x="20389" y="16288"/>
+                      <a:pt x="21091" y="14080"/>
+                    </a:cubicBezTo>
+                    <a:cubicBezTo>
+                      <a:pt x="20259" y="14281"/>
+                      <a:pt x="19403" y="14425"/>
+                      <a:pt x="18531" y="14508"/>
+                    </a:cubicBezTo>
+                    <a:cubicBezTo>
+                      <a:pt x="18326" y="15137"/>
+                      <a:pt x="17860" y="15646"/>
+                      <a:pt x="17258" y="15906"/>
+                    </a:cubicBezTo>
+                    <a:close/>
+                    <a:moveTo>
+                      <a:pt x="14278" y="12804"/>
+                    </a:moveTo>
+                    <a:cubicBezTo>
+                      <a:pt x="14421" y="12507"/>
+                      <a:pt x="14624" y="12244"/>
+                      <a:pt x="14874" y="12035"/>
+                    </a:cubicBezTo>
+                    <a:cubicBezTo>
+                      <a:pt x="14196" y="9947"/>
+                      <a:pt x="13122" y="8037"/>
+                      <a:pt x="11738" y="6396"/>
+                    </a:cubicBezTo>
+                    <a:cubicBezTo>
+                      <a:pt x="11462" y="6512"/>
+                      <a:pt x="11160" y="6577"/>
+                      <a:pt x="10842" y="6577"/>
+                    </a:cubicBezTo>
+                    <a:cubicBezTo>
+                      <a:pt x="10343" y="6577"/>
+                      <a:pt x="9883" y="6417"/>
+                      <a:pt x="9507" y="6147"/>
+                    </a:cubicBezTo>
+                    <a:cubicBezTo>
+                      <a:pt x="8673" y="6781"/>
+                      <a:pt x="7903" y="7490"/>
+                      <a:pt x="7202" y="8265"/>
+                    </a:cubicBezTo>
+                    <a:cubicBezTo>
+                      <a:pt x="7421" y="8615"/>
+                      <a:pt x="7550" y="9030"/>
+                      <a:pt x="7550" y="9475"/>
+                    </a:cubicBezTo>
+                    <a:cubicBezTo>
+                      <a:pt x="7550" y="9715"/>
+                      <a:pt x="7513" y="9946"/>
+                      <a:pt x="7444" y="10163"/>
+                    </a:cubicBezTo>
+                    <a:cubicBezTo>
+                      <a:pt x="9459" y="11510"/>
+                      <a:pt x="11779" y="12433"/>
+                      <a:pt x="14278" y="12804"/>
+                    </a:cubicBezTo>
+                    <a:close/>
+                    <a:moveTo>
+                      <a:pt x="10842" y="1982"/>
+                    </a:moveTo>
+                    <a:cubicBezTo>
+                      <a:pt x="11448" y="1982"/>
+                      <a:pt x="11999" y="2219"/>
+                      <a:pt x="12409" y="2604"/>
+                    </a:cubicBezTo>
+                    <a:cubicBezTo>
+                      <a:pt x="13608" y="2088"/>
+                      <a:pt x="14870" y="1692"/>
+                      <a:pt x="16183" y="1439"/>
+                    </a:cubicBezTo>
+                    <a:cubicBezTo>
+                      <a:pt x="14599" y="526"/>
+                      <a:pt x="12761" y="0"/>
+                      <a:pt x="10801" y="0"/>
+                    </a:cubicBezTo>
+                    <a:cubicBezTo>
+                      <a:pt x="9464" y="0"/>
+                      <a:pt x="8183" y="245"/>
+                      <a:pt x="7001" y="690"/>
+                    </a:cubicBezTo>
+                    <a:cubicBezTo>
+                      <a:pt x="7940" y="1152"/>
+                      <a:pt x="8833" y="1693"/>
+                      <a:pt x="9674" y="2303"/>
+                    </a:cubicBezTo>
+                    <a:cubicBezTo>
+                      <a:pt x="10018" y="2100"/>
+                      <a:pt x="10415" y="1982"/>
+                      <a:pt x="10842" y="1982"/>
+                    </a:cubicBezTo>
+                    <a:close/>
+                    <a:moveTo>
+                      <a:pt x="2954" y="9475"/>
+                    </a:moveTo>
+                    <a:cubicBezTo>
+                      <a:pt x="2954" y="9153"/>
+                      <a:pt x="3021" y="8844"/>
+                      <a:pt x="3141" y="8566"/>
+                    </a:cubicBezTo>
+                    <a:cubicBezTo>
+                      <a:pt x="2404" y="7757"/>
+                      <a:pt x="1736" y="6884"/>
+                      <a:pt x="1151" y="5952"/>
+                    </a:cubicBezTo>
+                    <a:cubicBezTo>
+                      <a:pt x="417" y="7410"/>
+                      <a:pt x="0" y="9056"/>
+                      <a:pt x="0" y="10799"/>
+                    </a:cubicBezTo>
+                    <a:cubicBezTo>
+                      <a:pt x="0" y="12819"/>
+                      <a:pt x="556" y="14708"/>
+                      <a:pt x="1521" y="16325"/>
+                    </a:cubicBezTo>
+                    <a:cubicBezTo>
+                      <a:pt x="1866" y="14381"/>
+                      <a:pt x="2520" y="12545"/>
+                      <a:pt x="3424" y="10861"/>
+                    </a:cubicBezTo>
+                    <a:cubicBezTo>
+                      <a:pt x="3130" y="10477"/>
+                      <a:pt x="2954" y="9996"/>
+                      <a:pt x="2954" y="9475"/>
+                    </a:cubicBezTo>
+                    <a:close/>
+                    <a:moveTo>
+                      <a:pt x="5251" y="7176"/>
+                    </a:moveTo>
+                    <a:cubicBezTo>
+                      <a:pt x="5487" y="7176"/>
+                      <a:pt x="5715" y="7213"/>
+                      <a:pt x="5930" y="7278"/>
+                    </a:cubicBezTo>
+                    <a:cubicBezTo>
+                      <a:pt x="6738" y="6372"/>
+                      <a:pt x="7636" y="5547"/>
+                      <a:pt x="8608" y="4813"/>
+                    </a:cubicBezTo>
+                    <a:cubicBezTo>
+                      <a:pt x="8567" y="4642"/>
+                      <a:pt x="8543" y="4464"/>
+                      <a:pt x="8543" y="4280"/>
+                    </a:cubicBezTo>
+                    <a:cubicBezTo>
+                      <a:pt x="8543" y="4026"/>
+                      <a:pt x="8587" y="3781"/>
+                      <a:pt x="8663" y="3552"/>
+                    </a:cubicBezTo>
+                    <a:cubicBezTo>
+                      <a:pt x="7575" y="2771"/>
+                      <a:pt x="6391" y="2115"/>
+                      <a:pt x="5131" y="1609"/>
+                    </a:cubicBezTo>
+                    <a:cubicBezTo>
+                      <a:pt x="3949" y="2338"/>
+                      <a:pt x="2920" y="3289"/>
+                      <a:pt x="2099" y="4405"/>
+                    </a:cubicBezTo>
+                    <a:cubicBezTo>
+                      <a:pt x="2708" y="5484"/>
+                      <a:pt x="3433" y="6491"/>
+                      <a:pt x="4256" y="7407"/>
+                    </a:cubicBezTo>
+                    <a:cubicBezTo>
+                      <a:pt x="4557" y="7261"/>
+                      <a:pt x="4895" y="7176"/>
+                      <a:pt x="5251" y="7176"/>
+                    </a:cubicBezTo>
+                    <a:close/>
+                  </a:path>
+                </a:pathLst>
+              </a:custGeom>
+              <a:solidFill>
+                <a:schemeClr val="accent4">
+                  <a:lumMod val="100000"/>
+                </a:schemeClr>
+              </a:solidFill>
+              <a:ln w="12700">
+                <a:miter lim="400000"/>
+              </a:ln>
+            </p:spPr>
+            <p:txBody>
+              <a:bodyPr anchor="ctr"/>
+              <a:lstStyle/>
+              <a:p>
+                <a:pPr algn="ctr"/>
+                <a:endParaRPr/>
+              </a:p>
+            </p:txBody>
+          </p:sp>
+        </p:grpSp>
+        <p:sp>
+          <p:nvSpPr>
+            <p:cNvPr id="17" name="TextBox 17"/>
+            <p:cNvSpPr txBox="1">
+              <a:spLocks/>
+            </p:cNvSpPr>
+            <p:nvPr/>
+          </p:nvSpPr>
+          <p:spPr bwMode="auto">
+            <a:xfrm>
+              <a:off x="1390565" y="4761148"/>
+              <a:ext cx="2213143" cy="283030"/>
+            </a:xfrm>
+            <a:prstGeom prst="rect">
+              <a:avLst/>
+            </a:prstGeom>
+            <a:noFill/>
+            <a:ln w="9525">
+              <a:noFill/>
+              <a:miter lim="800000"/>
+              <a:headEnd/>
+              <a:tailEnd/>
+            </a:ln>
+          </p:spPr>
+          <p:txBody>
+            <a:bodyPr wrap="none" lIns="0" tIns="0" rIns="0" bIns="0" anchor="ctr" anchorCtr="1">
+              <a:normAutofit/>
+              <a:scene3d>
+                <a:camera prst="orthographicFront"/>
+                <a:lightRig rig="threePt" dir="t"/>
+              </a:scene3d>
+              <a:sp3d>
+                <a:bevelT w="0" h="0"/>
+              </a:sp3d>
+            </a:bodyPr>
+            <a:lstStyle/>
+            <a:p>
+              <a:pPr marL="0" lvl="1" algn="ctr"/>
+              <a:r>
+                <a:rPr lang="en-US" altLang="zh-CN" dirty="0">
+                  <a:latin typeface="Georgia" panose="02040502050405020303" pitchFamily="18" charset="0"/>
+                </a:rPr>
+                <a:t>Data</a:t>
+              </a:r>
+              <a:endParaRPr lang="zh-CN" altLang="en-US" sz="1400" b="1" dirty="0">
+                <a:solidFill>
+                  <a:schemeClr val="accent1"/>
+                </a:solidFill>
+                <a:latin typeface="Georgia" panose="02040502050405020303" pitchFamily="18" charset="0"/>
+              </a:endParaRPr>
+            </a:p>
+          </p:txBody>
+        </p:sp>
+        <p:sp>
+          <p:nvSpPr>
+            <p:cNvPr id="15" name="TextBox 20"/>
+            <p:cNvSpPr txBox="1">
+              <a:spLocks/>
+            </p:cNvSpPr>
+            <p:nvPr/>
+          </p:nvSpPr>
+          <p:spPr bwMode="auto">
+            <a:xfrm>
+              <a:off x="3956180" y="4761148"/>
+              <a:ext cx="2213143" cy="283030"/>
+            </a:xfrm>
+            <a:prstGeom prst="rect">
+              <a:avLst/>
+            </a:prstGeom>
+            <a:noFill/>
+            <a:ln w="9525">
+              <a:noFill/>
+              <a:miter lim="800000"/>
+              <a:headEnd/>
+              <a:tailEnd/>
+            </a:ln>
+          </p:spPr>
+          <p:txBody>
+            <a:bodyPr wrap="none" lIns="0" tIns="0" rIns="0" bIns="0" anchor="ctr" anchorCtr="1">
+              <a:normAutofit/>
+              <a:scene3d>
+                <a:camera prst="orthographicFront"/>
+                <a:lightRig rig="threePt" dir="t"/>
+              </a:scene3d>
+              <a:sp3d>
+                <a:bevelT w="0" h="0"/>
+              </a:sp3d>
+            </a:bodyPr>
+            <a:lstStyle/>
+            <a:p>
+              <a:pPr lvl="0"/>
+              <a:r>
+                <a:rPr lang="en-US" altLang="zh-CN" dirty="0">
+                  <a:latin typeface="Georgia" panose="02040502050405020303" pitchFamily="18" charset="0"/>
+                </a:rPr>
+                <a:t>Eco-system</a:t>
+              </a:r>
+              <a:endParaRPr lang="zh-CN" altLang="zh-CN" dirty="0">
+                <a:latin typeface="Georgia" panose="02040502050405020303" pitchFamily="18" charset="0"/>
+              </a:endParaRPr>
+            </a:p>
+          </p:txBody>
+        </p:sp>
+        <p:sp>
+          <p:nvSpPr>
+            <p:cNvPr id="13" name="TextBox 23"/>
+            <p:cNvSpPr txBox="1">
+              <a:spLocks/>
+            </p:cNvSpPr>
+            <p:nvPr/>
+          </p:nvSpPr>
+          <p:spPr bwMode="auto">
+            <a:xfrm>
+              <a:off x="6521795" y="4761148"/>
+              <a:ext cx="2213143" cy="283030"/>
+            </a:xfrm>
+            <a:prstGeom prst="rect">
+              <a:avLst/>
+            </a:prstGeom>
+            <a:noFill/>
+            <a:ln w="9525">
+              <a:noFill/>
+              <a:miter lim="800000"/>
+              <a:headEnd/>
+              <a:tailEnd/>
+            </a:ln>
+          </p:spPr>
+          <p:txBody>
+            <a:bodyPr wrap="none" lIns="0" tIns="0" rIns="0" bIns="0" anchor="ctr" anchorCtr="1">
+              <a:normAutofit/>
+              <a:scene3d>
+                <a:camera prst="orthographicFront"/>
+                <a:lightRig rig="threePt" dir="t"/>
+              </a:scene3d>
+              <a:sp3d>
+                <a:bevelT w="0" h="0"/>
+              </a:sp3d>
+            </a:bodyPr>
+            <a:lstStyle/>
+            <a:p>
+              <a:pPr lvl="0"/>
+              <a:r>
+                <a:rPr lang="en-US" altLang="zh-CN" dirty="0">
+                  <a:latin typeface="Georgia" panose="02040502050405020303" pitchFamily="18" charset="0"/>
+                </a:rPr>
+                <a:t>Alternating Least Squares</a:t>
+              </a:r>
+              <a:endParaRPr lang="zh-CN" altLang="zh-CN" dirty="0">
+                <a:latin typeface="Georgia" panose="02040502050405020303" pitchFamily="18" charset="0"/>
+              </a:endParaRPr>
+            </a:p>
+          </p:txBody>
+        </p:sp>
+        <p:sp>
+          <p:nvSpPr>
+            <p:cNvPr id="11" name="TextBox 26"/>
+            <p:cNvSpPr txBox="1">
+              <a:spLocks/>
+            </p:cNvSpPr>
+            <p:nvPr/>
+          </p:nvSpPr>
+          <p:spPr bwMode="auto">
+            <a:xfrm>
+              <a:off x="9087411" y="4761148"/>
+              <a:ext cx="2213143" cy="283030"/>
+            </a:xfrm>
+            <a:prstGeom prst="rect">
+              <a:avLst/>
+            </a:prstGeom>
+            <a:noFill/>
+            <a:ln w="9525">
+              <a:noFill/>
+              <a:miter lim="800000"/>
+              <a:headEnd/>
+              <a:tailEnd/>
+            </a:ln>
+          </p:spPr>
+          <p:txBody>
+            <a:bodyPr wrap="none" lIns="0" tIns="0" rIns="0" bIns="0" anchor="ctr" anchorCtr="1">
+              <a:normAutofit/>
+              <a:scene3d>
+                <a:camera prst="orthographicFront"/>
+                <a:lightRig rig="threePt" dir="t"/>
+              </a:scene3d>
+              <a:sp3d>
+                <a:bevelT w="0" h="0"/>
+              </a:sp3d>
+            </a:bodyPr>
+            <a:lstStyle/>
+            <a:p>
+              <a:pPr marL="0" lvl="1" algn="ctr"/>
+              <a:r>
+                <a:rPr lang="en-US" altLang="zh-CN" dirty="0">
+                  <a:latin typeface="Georgia" panose="02040502050405020303" pitchFamily="18" charset="0"/>
+                </a:rPr>
+                <a:t>Performance </a:t>
+              </a:r>
+              <a:endParaRPr lang="zh-CN" altLang="en-US" sz="1400" b="1" dirty="0">
+                <a:solidFill>
+                  <a:schemeClr val="accent4"/>
+                </a:solidFill>
+                <a:latin typeface="Georgia" panose="02040502050405020303" pitchFamily="18" charset="0"/>
+              </a:endParaRPr>
+            </a:p>
+          </p:txBody>
+        </p:sp>
+      </p:grpSp>
+      <p:sp>
+        <p:nvSpPr>
+          <p:cNvPr id="27" name="标题 1"/>
+          <p:cNvSpPr txBox="1">
+            <a:spLocks/>
+          </p:cNvSpPr>
+          <p:nvPr/>
+        </p:nvSpPr>
+        <p:spPr>
+          <a:xfrm>
+            <a:off x="5058227" y="1017053"/>
+            <a:ext cx="2694481" cy="960701"/>
+          </a:xfrm>
+          <a:prstGeom prst="rect">
+            <a:avLst/>
+          </a:prstGeom>
+        </p:spPr>
+        <p:txBody>
+          <a:bodyPr>
+            <a:normAutofit fontScale="70000" lnSpcReduction="20000"/>
+          </a:bodyPr>
+          <a:lstStyle>
+            <a:lvl1pPr algn="l" defTabSz="914400" rtl="0" eaLnBrk="1" latinLnBrk="0" hangingPunct="1">
+              <a:lnSpc>
+                <a:spcPct val="90000"/>
+              </a:lnSpc>
+              <a:spcBef>
+                <a:spcPct val="0"/>
+              </a:spcBef>
+              <a:buNone/>
+              <a:defRPr sz="4400" kern="1200">
+                <a:solidFill>
+                  <a:schemeClr val="tx1"/>
+                </a:solidFill>
+                <a:latin typeface="+mj-lt"/>
+                <a:ea typeface="+mj-ea"/>
+                <a:cs typeface="+mj-cs"/>
+              </a:defRPr>
+            </a:lvl1pPr>
+          </a:lstStyle>
+          <a:p>
+            <a:pPr algn="ctr"/>
+            <a:r>
+              <a:rPr lang="en-US" altLang="zh-CN" sz="5400" b="1" spc="600" dirty="0">
+                <a:latin typeface="Georgia" panose="02040502050405020303" pitchFamily="18" charset="0"/>
+                <a:ea typeface="+mn-ea"/>
+                <a:cs typeface="Times New Roman" panose="02020603050405020304" pitchFamily="18" charset="0"/>
+                <a:sym typeface="+mn-lt"/>
+              </a:rPr>
+              <a:t>Outline</a:t>
+            </a:r>
+            <a:endParaRPr lang="zh-CN" altLang="en-US" sz="5400" b="1" spc="600" dirty="0">
+              <a:latin typeface="Georgia" panose="02040502050405020303" pitchFamily="18" charset="0"/>
+              <a:ea typeface="+mn-ea"/>
+              <a:cs typeface="Times New Roman" panose="02020603050405020304" pitchFamily="18" charset="0"/>
+              <a:sym typeface="+mn-lt"/>
+            </a:endParaRPr>
+          </a:p>
+        </p:txBody>
+      </p:sp>
+    </p:spTree>
+    <p:extLst>
+      <p:ext uri="{BB962C8B-B14F-4D97-AF65-F5344CB8AC3E}">
+        <p14:creationId xmlns:p14="http://schemas.microsoft.com/office/powerpoint/2010/main" val="3865193883"/>
+      </p:ext>
+    </p:extLst>
+  </p:cSld>
+  <p:clrMapOvr>
+    <a:masterClrMapping/>
+  </p:clrMapOvr>
+  <mc:AlternateContent xmlns:mc="http://schemas.openxmlformats.org/markup-compatibility/2006" xmlns:p14="http://schemas.microsoft.com/office/powerpoint/2010/main">
+    <mc:Choice Requires="p14">
+      <p:transition spd="slow" p14:dur="3000">
+        <p14:shred/>
+      </p:transition>
+    </mc:Choice>
+    <mc:Fallback xmlns="">
+      <p:transition spd="slow">
+        <p:fade/>
+      </p:transition>
+    </mc:Fallback>
+  </mc:AlternateContent>
+  <p:timing>
+    <p:tnLst>
+      <p:par>
+        <p:cTn id="1" dur="indefinite" restart="never" nodeType="tmRoot">
+          <p:childTnLst>
+            <p:seq concurrent="1" nextAc="seek">
+              <p:cTn id="2" dur="indefinite" nodeType="mainSeq">
+                <p:childTnLst>
+                  <p:par>
+                    <p:cTn id="3" fill="hold">
+                      <p:stCondLst>
+                        <p:cond delay="indefinite"/>
+                      </p:stCondLst>
+                      <p:childTnLst>
+                        <p:par>
+                          <p:cTn id="4" fill="hold">
+                            <p:stCondLst>
+                              <p:cond delay="0"/>
+                            </p:stCondLst>
+                            <p:childTnLst>
+                              <p:par>
+                                <p:cTn id="5" presetID="10" presetClass="entr" presetSubtype="0" fill="hold" grpId="1" nodeType="clickEffect">
+                                  <p:stCondLst>
+                                    <p:cond delay="0"/>
+                                  </p:stCondLst>
+                                  <p:iterate type="lt">
+                                    <p:tmPct val="0"/>
+                                  </p:iterate>
+                                  <p:childTnLst>
+                                    <p:set>
+                                      <p:cBhvr>
+                                        <p:cTn id="6" dur="1" fill="hold">
+                                          <p:stCondLst>
+                                            <p:cond delay="0"/>
+                                          </p:stCondLst>
+                                        </p:cTn>
+                                        <p:tgtEl>
+                                          <p:spTgt spid="27"/>
+                                        </p:tgtEl>
+                                        <p:attrNameLst>
+                                          <p:attrName>style.visibility</p:attrName>
+                                        </p:attrNameLst>
+                                      </p:cBhvr>
+                                      <p:to>
+                                        <p:strVal val="visible"/>
+                                      </p:to>
+                                    </p:set>
+                                    <p:animEffect transition="in" filter="fade">
+                                      <p:cBhvr>
+                                        <p:cTn id="7" dur="500"/>
+                                        <p:tgtEl>
+                                          <p:spTgt spid="27"/>
+                                        </p:tgtEl>
+                                      </p:cBhvr>
+                                    </p:animEffect>
+                                  </p:childTnLst>
+                                </p:cTn>
+                              </p:par>
+                              <p:par>
+                                <p:cTn id="8" presetID="34" presetClass="emph" presetSubtype="0" fill="hold" grpId="0" nodeType="withEffect">
+                                  <p:stCondLst>
+                                    <p:cond delay="500"/>
+                                  </p:stCondLst>
+                                  <p:iterate type="lt">
+                                    <p:tmPct val="10000"/>
+                                  </p:iterate>
+                                  <p:childTnLst>
+                                    <p:animMotion origin="layout" path="M 0.0 0.0 L 0.0 -0.07213" pathEditMode="relative" ptsTypes="">
+                                      <p:cBhvr>
+                                        <p:cTn id="9" dur="300" accel="50000" decel="50000" autoRev="1" fill="hold">
+                                          <p:stCondLst>
+                                            <p:cond delay="0"/>
+                                          </p:stCondLst>
+                                        </p:cTn>
+                                        <p:tgtEl>
+                                          <p:spTgt spid="27"/>
+                                        </p:tgtEl>
+                                        <p:attrNameLst>
+                                          <p:attrName>ppt_x</p:attrName>
+                                          <p:attrName>ppt_y</p:attrName>
+                                        </p:attrNameLst>
+                                      </p:cBhvr>
+                                    </p:animMotion>
+                                    <p:animRot by="1500000">
+                                      <p:cBhvr>
+                                        <p:cTn id="10" dur="150" fill="hold">
+                                          <p:stCondLst>
+                                            <p:cond delay="0"/>
+                                          </p:stCondLst>
+                                        </p:cTn>
+                                        <p:tgtEl>
+                                          <p:spTgt spid="27"/>
+                                        </p:tgtEl>
+                                        <p:attrNameLst>
+                                          <p:attrName>r</p:attrName>
+                                        </p:attrNameLst>
+                                      </p:cBhvr>
+                                    </p:animRot>
+                                    <p:animRot by="-1500000">
+                                      <p:cBhvr>
+                                        <p:cTn id="11" dur="150" fill="hold">
+                                          <p:stCondLst>
+                                            <p:cond delay="150"/>
+                                          </p:stCondLst>
+                                        </p:cTn>
+                                        <p:tgtEl>
+                                          <p:spTgt spid="27"/>
+                                        </p:tgtEl>
+                                        <p:attrNameLst>
+                                          <p:attrName>r</p:attrName>
+                                        </p:attrNameLst>
+                                      </p:cBhvr>
+                                    </p:animRot>
+                                    <p:animRot by="-1500000">
+                                      <p:cBhvr>
+                                        <p:cTn id="12" dur="150" fill="hold">
+                                          <p:stCondLst>
+                                            <p:cond delay="300"/>
+                                          </p:stCondLst>
+                                        </p:cTn>
+                                        <p:tgtEl>
+                                          <p:spTgt spid="27"/>
+                                        </p:tgtEl>
+                                        <p:attrNameLst>
+                                          <p:attrName>r</p:attrName>
+                                        </p:attrNameLst>
+                                      </p:cBhvr>
+                                    </p:animRot>
+                                    <p:animRot by="1500000">
+                                      <p:cBhvr>
+                                        <p:cTn id="13" dur="150" fill="hold">
+                                          <p:stCondLst>
+                                            <p:cond delay="450"/>
+                                          </p:stCondLst>
+                                        </p:cTn>
+                                        <p:tgtEl>
+                                          <p:spTgt spid="27"/>
+                                        </p:tgtEl>
+                                        <p:attrNameLst>
+                                          <p:attrName>r</p:attrName>
+                                        </p:attrNameLst>
+                                      </p:cBhvr>
+                                    </p:animRot>
+                                  </p:childTnLst>
+                                </p:cTn>
+                              </p:par>
+                            </p:childTnLst>
+                          </p:cTn>
+                        </p:par>
+                      </p:childTnLst>
+                    </p:cTn>
+                  </p:par>
+                  <p:par>
+                    <p:cTn id="14" fill="hold">
+                      <p:stCondLst>
+                        <p:cond delay="indefinite"/>
+                      </p:stCondLst>
+                      <p:childTnLst>
+                        <p:par>
+                          <p:cTn id="15" fill="hold">
+                            <p:stCondLst>
+                              <p:cond delay="0"/>
+                            </p:stCondLst>
+                            <p:childTnLst>
+                              <p:par>
+                                <p:cTn id="16" presetID="16" presetClass="entr" presetSubtype="21" fill="hold" nodeType="clickEffect">
+                                  <p:stCondLst>
+                                    <p:cond delay="0"/>
+                                  </p:stCondLst>
+                                  <p:childTnLst>
+                                    <p:set>
+                                      <p:cBhvr>
+                                        <p:cTn id="17" dur="1" fill="hold">
+                                          <p:stCondLst>
+                                            <p:cond delay="0"/>
+                                          </p:stCondLst>
+                                        </p:cTn>
+                                        <p:tgtEl>
+                                          <p:spTgt spid="2"/>
+                                        </p:tgtEl>
+                                        <p:attrNameLst>
+                                          <p:attrName>style.visibility</p:attrName>
+                                        </p:attrNameLst>
+                                      </p:cBhvr>
+                                      <p:to>
+                                        <p:strVal val="visible"/>
+                                      </p:to>
+                                    </p:set>
+                                    <p:animEffect transition="in" filter="barn(inVertical)">
+                                      <p:cBhvr>
+                                        <p:cTn id="18" dur="500"/>
+                                        <p:tgtEl>
+                                          <p:spTgt spid="2"/>
+                                        </p:tgtEl>
+                                      </p:cBhvr>
+                                    </p:animEffect>
+                                  </p:childTnLst>
+                                </p:cTn>
+                              </p:par>
+                            </p:childTnLst>
+                          </p:cTn>
+                        </p:par>
+                      </p:childTnLst>
+                    </p:cTn>
+                  </p:par>
+                </p:childTnLst>
+              </p:cTn>
+              <p:prevCondLst>
+                <p:cond evt="onPrev" delay="0">
+                  <p:tgtEl>
+                    <p:sldTgt/>
+                  </p:tgtEl>
+                </p:cond>
+              </p:prevCondLst>
+              <p:nextCondLst>
+                <p:cond evt="onNext" delay="0">
+                  <p:tgtEl>
+                    <p:sldTgt/>
+                  </p:tgtEl>
+                </p:cond>
+              </p:nextCondLst>
+            </p:seq>
+          </p:childTnLst>
+        </p:cTn>
+      </p:par>
+    </p:tnLst>
+    <p:bldLst>
+      <p:bldP spid="27" grpId="0"/>
+      <p:bldP spid="27" grpId="1"/>
     </p:bldLst>
   </p:timing>
 </p:sld>
@@ -14635,7 +13998,7 @@
         </p:nvSpPr>
         <p:spPr>
           <a:xfrm>
-            <a:off x="1142597" y="1258694"/>
+            <a:off x="784251" y="619345"/>
             <a:ext cx="3733926" cy="511179"/>
           </a:xfrm>
           <a:prstGeom prst="rect">
@@ -14707,8 +14070,8 @@
         </p:blipFill>
         <p:spPr>
           <a:xfrm>
-            <a:off x="2359742" y="2306147"/>
-            <a:ext cx="7091271" cy="1988737"/>
+            <a:off x="5189838" y="202687"/>
+            <a:ext cx="5076721" cy="1423759"/>
           </a:xfrm>
           <a:prstGeom prst="rect">
             <a:avLst/>
@@ -14729,7 +14092,7 @@
         </p:nvSpPr>
         <p:spPr>
           <a:xfrm>
-            <a:off x="6552464" y="4658579"/>
+            <a:off x="1619628" y="1119239"/>
             <a:ext cx="2898549" cy="395045"/>
           </a:xfrm>
           <a:prstGeom prst="rect">
@@ -14759,6 +14122,36 @@
           </a:p>
         </p:txBody>
       </p:sp>
+      <p:pic>
+        <p:nvPicPr>
+          <p:cNvPr id="8" name="Picture 7">
+            <a:extLst>
+              <a:ext uri="{FF2B5EF4-FFF2-40B4-BE49-F238E27FC236}">
+                <a16:creationId xmlns:a16="http://schemas.microsoft.com/office/drawing/2014/main" id="{EE2E8636-9CE9-FA47-A7C9-57369E352090}"/>
+              </a:ext>
+            </a:extLst>
+          </p:cNvPr>
+          <p:cNvPicPr>
+            <a:picLocks noChangeAspect="1"/>
+          </p:cNvPicPr>
+          <p:nvPr/>
+        </p:nvPicPr>
+        <p:blipFill>
+          <a:blip r:embed="rId4"/>
+          <a:stretch>
+            <a:fillRect/>
+          </a:stretch>
+        </p:blipFill>
+        <p:spPr>
+          <a:xfrm>
+            <a:off x="509237" y="2408904"/>
+            <a:ext cx="10825316" cy="2846158"/>
+          </a:xfrm>
+          <a:prstGeom prst="rect">
+            <a:avLst/>
+          </a:prstGeom>
+        </p:spPr>
+      </p:pic>
     </p:spTree>
     <p:extLst>
       <p:ext uri="{BB962C8B-B14F-4D97-AF65-F5344CB8AC3E}">
@@ -14848,7 +14241,7 @@
                                     <p:tmPct val="10000"/>
                                   </p:iterate>
                                   <p:childTnLst>
-                                    <p:animMotion origin="layout" path="M 0.0 0.0 L 0.0 -0.07213" pathEditMode="relative" ptsTypes="">
+                                    <p:animMotion origin="layout" path="M 2.08333E-6 3.7037E-6 L 2.08333E-6 -0.07223 " pathEditMode="relative" rAng="0" ptsTypes="AA">
                                       <p:cBhvr>
                                         <p:cTn id="9" dur="300" accel="50000" decel="50000" autoRev="1" fill="hold">
                                           <p:stCondLst>
@@ -14863,6 +14256,7 @@
                                           <p:attrName>ppt_y</p:attrName>
                                         </p:attrNameLst>
                                       </p:cBhvr>
+                                      <p:rCtr x="0" y="-3611"/>
                                     </p:animMotion>
                                     <p:animRot by="1500000">
                                       <p:cBhvr>
@@ -15054,118 +14448,6 @@
 </file>
 
 <file path=ppt/slides/slide5.xml><?xml version="1.0" encoding="utf-8"?>
-<p:sld xmlns:a="http://schemas.openxmlformats.org/drawingml/2006/main" xmlns:r="http://schemas.openxmlformats.org/officeDocument/2006/relationships" xmlns:p="http://schemas.openxmlformats.org/presentationml/2006/main">
-  <p:cSld>
-    <p:spTree>
-      <p:nvGrpSpPr>
-        <p:cNvPr id="1" name=""/>
-        <p:cNvGrpSpPr/>
-        <p:nvPr/>
-      </p:nvGrpSpPr>
-      <p:grpSpPr>
-        <a:xfrm>
-          <a:off x="0" y="0"/>
-          <a:ext cx="0" cy="0"/>
-          <a:chOff x="0" y="0"/>
-          <a:chExt cx="0" cy="0"/>
-        </a:xfrm>
-      </p:grpSpPr>
-      <p:pic>
-        <p:nvPicPr>
-          <p:cNvPr id="12" name="Picture 11">
-            <a:extLst>
-              <a:ext uri="{FF2B5EF4-FFF2-40B4-BE49-F238E27FC236}">
-                <a16:creationId xmlns:a16="http://schemas.microsoft.com/office/drawing/2014/main" id="{03CC1810-EC23-44D5-8E2B-D6E6A16A24FC}"/>
-              </a:ext>
-            </a:extLst>
-          </p:cNvPr>
-          <p:cNvPicPr>
-            <a:picLocks noChangeAspect="1"/>
-          </p:cNvPicPr>
-          <p:nvPr/>
-        </p:nvPicPr>
-        <p:blipFill>
-          <a:blip r:embed="rId3"/>
-          <a:stretch>
-            <a:fillRect/>
-          </a:stretch>
-        </p:blipFill>
-        <p:spPr>
-          <a:xfrm>
-            <a:off x="683342" y="2175751"/>
-            <a:ext cx="10825316" cy="2846158"/>
-          </a:xfrm>
-          <a:prstGeom prst="rect">
-            <a:avLst/>
-          </a:prstGeom>
-        </p:spPr>
-      </p:pic>
-      <p:sp>
-        <p:nvSpPr>
-          <p:cNvPr id="13" name="TextBox 12">
-            <a:extLst>
-              <a:ext uri="{FF2B5EF4-FFF2-40B4-BE49-F238E27FC236}">
-                <a16:creationId xmlns:a16="http://schemas.microsoft.com/office/drawing/2014/main" id="{FAD89052-4E8C-4C54-84CD-0904C63DD8DD}"/>
-              </a:ext>
-            </a:extLst>
-          </p:cNvPr>
-          <p:cNvSpPr txBox="1"/>
-          <p:nvPr/>
-        </p:nvSpPr>
-        <p:spPr>
-          <a:xfrm>
-            <a:off x="501445" y="737419"/>
-            <a:ext cx="6174658" cy="523220"/>
-          </a:xfrm>
-          <a:prstGeom prst="rect">
-            <a:avLst/>
-          </a:prstGeom>
-          <a:noFill/>
-        </p:spPr>
-        <p:txBody>
-          <a:bodyPr wrap="square" rtlCol="0">
-            <a:spAutoFit/>
-          </a:bodyPr>
-          <a:lstStyle/>
-          <a:p>
-            <a:r>
-              <a:rPr lang="en-US" altLang="zh-CN" sz="2800" b="1" dirty="0">
-                <a:latin typeface="Georgia" panose="02040502050405020303" pitchFamily="18" charset="0"/>
-              </a:rPr>
-              <a:t>Data Description: </a:t>
-            </a:r>
-            <a:endParaRPr lang="zh-CN" altLang="en-US" sz="2800" b="1" dirty="0">
-              <a:latin typeface="Georgia" panose="02040502050405020303" pitchFamily="18" charset="0"/>
-            </a:endParaRPr>
-          </a:p>
-        </p:txBody>
-      </p:sp>
-    </p:spTree>
-    <p:extLst>
-      <p:ext uri="{BB962C8B-B14F-4D97-AF65-F5344CB8AC3E}">
-        <p14:creationId xmlns:p14="http://schemas.microsoft.com/office/powerpoint/2010/main" val="3991756566"/>
-      </p:ext>
-    </p:extLst>
-  </p:cSld>
-  <p:clrMapOvr>
-    <a:masterClrMapping/>
-  </p:clrMapOvr>
-  <mc:AlternateContent xmlns:mc="http://schemas.openxmlformats.org/markup-compatibility/2006" xmlns:p14="http://schemas.microsoft.com/office/powerpoint/2010/main">
-    <mc:Choice Requires="p14">
-      <p:transition spd="slow" p14:dur="1600">
-        <p14:gallery dir="l"/>
-      </p:transition>
-    </mc:Choice>
-    <mc:Fallback xmlns="">
-      <p:transition spd="slow">
-        <p:fade/>
-      </p:transition>
-    </mc:Fallback>
-  </mc:AlternateContent>
-</p:sld>
-</file>
-
-<file path=ppt/slides/slide6.xml><?xml version="1.0" encoding="utf-8"?>
 <p:sld xmlns:a="http://schemas.openxmlformats.org/drawingml/2006/main" xmlns:r="http://schemas.openxmlformats.org/officeDocument/2006/relationships" xmlns:p="http://schemas.openxmlformats.org/presentationml/2006/main">
   <p:cSld>
     <p:spTree>
@@ -15807,7 +15089,7 @@
 </p:sld>
 </file>
 
-<file path=ppt/slides/slide7.xml><?xml version="1.0" encoding="utf-8"?>
+<file path=ppt/slides/slide6.xml><?xml version="1.0" encoding="utf-8"?>
 <p:sld xmlns:a="http://schemas.openxmlformats.org/drawingml/2006/main" xmlns:r="http://schemas.openxmlformats.org/officeDocument/2006/relationships" xmlns:p="http://schemas.openxmlformats.org/presentationml/2006/main">
   <p:cSld>
     <p:spTree>
@@ -16363,7 +15645,7 @@
 </p:sld>
 </file>
 
-<file path=ppt/slides/slide8.xml><?xml version="1.0" encoding="utf-8"?>
+<file path=ppt/slides/slide7.xml><?xml version="1.0" encoding="utf-8"?>
 <p:sld xmlns:a="http://schemas.openxmlformats.org/drawingml/2006/main" xmlns:r="http://schemas.openxmlformats.org/officeDocument/2006/relationships" xmlns:p="http://schemas.openxmlformats.org/presentationml/2006/main">
   <p:cSld>
     <p:spTree>
@@ -16584,7 +15866,7 @@
 </p:sld>
 </file>
 
-<file path=ppt/slides/slide9.xml><?xml version="1.0" encoding="utf-8"?>
+<file path=ppt/slides/slide8.xml><?xml version="1.0" encoding="utf-8"?>
 <p:sld xmlns:a="http://schemas.openxmlformats.org/drawingml/2006/main" xmlns:r="http://schemas.openxmlformats.org/officeDocument/2006/relationships" xmlns:p="http://schemas.openxmlformats.org/presentationml/2006/main">
   <p:cSld>
     <p:spTree>
@@ -16710,6 +15992,558 @@
       </p:transition>
     </mc:Fallback>
   </mc:AlternateContent>
+</p:sld>
+</file>
+
+<file path=ppt/slides/slide9.xml><?xml version="1.0" encoding="utf-8"?>
+<p:sld xmlns:a="http://schemas.openxmlformats.org/drawingml/2006/main" xmlns:r="http://schemas.openxmlformats.org/officeDocument/2006/relationships" xmlns:p="http://schemas.openxmlformats.org/presentationml/2006/main">
+  <p:cSld>
+    <p:spTree>
+      <p:nvGrpSpPr>
+        <p:cNvPr id="1" name=""/>
+        <p:cNvGrpSpPr/>
+        <p:nvPr/>
+      </p:nvGrpSpPr>
+      <p:grpSpPr>
+        <a:xfrm>
+          <a:off x="0" y="0"/>
+          <a:ext cx="0" cy="0"/>
+          <a:chOff x="0" y="0"/>
+          <a:chExt cx="0" cy="0"/>
+        </a:xfrm>
+      </p:grpSpPr>
+      <p:grpSp>
+        <p:nvGrpSpPr>
+          <p:cNvPr id="5" name="组合 4"/>
+          <p:cNvGrpSpPr/>
+          <p:nvPr/>
+        </p:nvGrpSpPr>
+        <p:grpSpPr>
+          <a:xfrm>
+            <a:off x="2533919" y="529097"/>
+            <a:ext cx="6858976" cy="5841228"/>
+            <a:chOff x="3205724" y="537743"/>
+            <a:chExt cx="6198825" cy="5279032"/>
+          </a:xfrm>
+        </p:grpSpPr>
+        <p:pic>
+          <p:nvPicPr>
+            <p:cNvPr id="4" name="图片 3"/>
+            <p:cNvPicPr>
+              <a:picLocks noChangeAspect="1"/>
+            </p:cNvPicPr>
+            <p:nvPr/>
+          </p:nvPicPr>
+          <p:blipFill>
+            <a:blip r:embed="rId3">
+              <a:extLst>
+                <a:ext uri="{28A0092B-C50C-407E-A947-70E740481C1C}">
+                  <a14:useLocalDpi xmlns:a14="http://schemas.microsoft.com/office/drawing/2010/main" val="0"/>
+                </a:ext>
+              </a:extLst>
+            </a:blip>
+            <a:stretch>
+              <a:fillRect/>
+            </a:stretch>
+          </p:blipFill>
+          <p:spPr>
+            <a:xfrm rot="7200000">
+              <a:off x="4281210" y="577305"/>
+              <a:ext cx="5162902" cy="5083777"/>
+            </a:xfrm>
+            <a:prstGeom prst="rect">
+              <a:avLst/>
+            </a:prstGeom>
+          </p:spPr>
+        </p:pic>
+        <p:pic>
+          <p:nvPicPr>
+            <p:cNvPr id="3" name="图片 2"/>
+            <p:cNvPicPr>
+              <a:picLocks noChangeAspect="1"/>
+            </p:cNvPicPr>
+            <p:nvPr/>
+          </p:nvPicPr>
+          <p:blipFill>
+            <a:blip r:embed="rId3">
+              <a:extLst>
+                <a:ext uri="{28A0092B-C50C-407E-A947-70E740481C1C}">
+                  <a14:useLocalDpi xmlns:a14="http://schemas.microsoft.com/office/drawing/2010/main" val="0"/>
+                </a:ext>
+              </a:extLst>
+            </a:blip>
+            <a:stretch>
+              <a:fillRect/>
+            </a:stretch>
+          </p:blipFill>
+          <p:spPr>
+            <a:xfrm rot="18839218">
+              <a:off x="3166162" y="693435"/>
+              <a:ext cx="5162902" cy="5083777"/>
+            </a:xfrm>
+            <a:prstGeom prst="rect">
+              <a:avLst/>
+            </a:prstGeom>
+          </p:spPr>
+        </p:pic>
+      </p:grpSp>
+      <p:sp>
+        <p:nvSpPr>
+          <p:cNvPr id="2" name="矩形 1"/>
+          <p:cNvSpPr/>
+          <p:nvPr/>
+        </p:nvSpPr>
+        <p:spPr>
+          <a:xfrm>
+            <a:off x="0" y="2444261"/>
+            <a:ext cx="12192000" cy="1969477"/>
+          </a:xfrm>
+          <a:prstGeom prst="rect">
+            <a:avLst/>
+          </a:prstGeom>
+          <a:solidFill>
+            <a:schemeClr val="accent1">
+              <a:lumMod val="25000"/>
+              <a:alpha val="80000"/>
+            </a:schemeClr>
+          </a:solidFill>
+          <a:ln>
+            <a:noFill/>
+          </a:ln>
+        </p:spPr>
+        <p:style>
+          <a:lnRef idx="2">
+            <a:schemeClr val="accent1">
+              <a:shade val="50000"/>
+            </a:schemeClr>
+          </a:lnRef>
+          <a:fillRef idx="1">
+            <a:schemeClr val="accent1"/>
+          </a:fillRef>
+          <a:effectRef idx="0">
+            <a:schemeClr val="accent1"/>
+          </a:effectRef>
+          <a:fontRef idx="minor">
+            <a:schemeClr val="lt1"/>
+          </a:fontRef>
+        </p:style>
+        <p:txBody>
+          <a:bodyPr rtlCol="0" anchor="ctr"/>
+          <a:lstStyle/>
+          <a:p>
+            <a:pPr algn="ctr"/>
+            <a:endParaRPr lang="zh-CN" altLang="en-US"/>
+          </a:p>
+        </p:txBody>
+      </p:sp>
+      <p:sp>
+        <p:nvSpPr>
+          <p:cNvPr id="6" name="标题 1"/>
+          <p:cNvSpPr txBox="1">
+            <a:spLocks/>
+          </p:cNvSpPr>
+          <p:nvPr/>
+        </p:nvSpPr>
+        <p:spPr>
+          <a:xfrm>
+            <a:off x="-210334" y="3165704"/>
+            <a:ext cx="12014790" cy="999896"/>
+          </a:xfrm>
+          <a:prstGeom prst="rect">
+            <a:avLst/>
+          </a:prstGeom>
+        </p:spPr>
+        <p:txBody>
+          <a:bodyPr>
+            <a:noAutofit/>
+          </a:bodyPr>
+          <a:lstStyle>
+            <a:lvl1pPr algn="l" defTabSz="914400" rtl="0" eaLnBrk="1" latinLnBrk="0" hangingPunct="1">
+              <a:lnSpc>
+                <a:spcPct val="90000"/>
+              </a:lnSpc>
+              <a:spcBef>
+                <a:spcPct val="0"/>
+              </a:spcBef>
+              <a:buNone/>
+              <a:defRPr sz="4400" kern="1200">
+                <a:solidFill>
+                  <a:schemeClr val="tx1"/>
+                </a:solidFill>
+                <a:latin typeface="+mj-lt"/>
+                <a:ea typeface="+mj-ea"/>
+                <a:cs typeface="+mj-cs"/>
+              </a:defRPr>
+            </a:lvl1pPr>
+          </a:lstStyle>
+          <a:p>
+            <a:pPr algn="ctr"/>
+            <a:r>
+              <a:rPr lang="en-US" altLang="zh-CN" sz="4000" b="1" dirty="0">
+                <a:latin typeface="Georgia" panose="02040502050405020303" pitchFamily="18" charset="0"/>
+              </a:rPr>
+              <a:t>Alternating Least Squares </a:t>
+            </a:r>
+            <a:r>
+              <a:rPr lang="en-US" altLang="zh-CN" sz="4000" b="1" spc="600" dirty="0">
+                <a:solidFill>
+                  <a:schemeClr val="bg1"/>
+                </a:solidFill>
+                <a:latin typeface="Georgia" panose="02040502050405020303" pitchFamily="18" charset="0"/>
+                <a:ea typeface="+mn-ea"/>
+                <a:cs typeface="+mn-ea"/>
+                <a:sym typeface="+mn-lt"/>
+              </a:rPr>
+              <a:t>| PART3</a:t>
+            </a:r>
+            <a:endParaRPr lang="zh-CN" altLang="en-US" sz="4000" b="1" spc="600" dirty="0">
+              <a:solidFill>
+                <a:schemeClr val="bg1"/>
+              </a:solidFill>
+              <a:latin typeface="Georgia" panose="02040502050405020303" pitchFamily="18" charset="0"/>
+              <a:ea typeface="+mn-ea"/>
+              <a:cs typeface="+mn-ea"/>
+              <a:sym typeface="+mn-lt"/>
+            </a:endParaRPr>
+          </a:p>
+        </p:txBody>
+      </p:sp>
+    </p:spTree>
+    <p:extLst>
+      <p:ext uri="{BB962C8B-B14F-4D97-AF65-F5344CB8AC3E}">
+        <p14:creationId xmlns:p14="http://schemas.microsoft.com/office/powerpoint/2010/main" val="3207532404"/>
+      </p:ext>
+    </p:extLst>
+  </p:cSld>
+  <p:clrMapOvr>
+    <a:masterClrMapping/>
+  </p:clrMapOvr>
+  <mc:AlternateContent xmlns:mc="http://schemas.openxmlformats.org/markup-compatibility/2006" xmlns:p14="http://schemas.microsoft.com/office/powerpoint/2010/main">
+    <mc:Choice Requires="p14">
+      <p:transition spd="slow" p14:dur="3900">
+        <p14:glitter pattern="hexagon"/>
+      </p:transition>
+    </mc:Choice>
+    <mc:Fallback xmlns="">
+      <p:transition spd="slow">
+        <p:fade/>
+      </p:transition>
+    </mc:Fallback>
+  </mc:AlternateContent>
+  <p:timing>
+    <p:tnLst>
+      <p:par>
+        <p:cTn id="1" dur="indefinite" restart="never" nodeType="tmRoot">
+          <p:childTnLst>
+            <p:seq concurrent="1" nextAc="seek">
+              <p:cTn id="2" dur="indefinite" nodeType="mainSeq">
+                <p:childTnLst>
+                  <p:par>
+                    <p:cTn id="3" fill="hold">
+                      <p:stCondLst>
+                        <p:cond delay="indefinite"/>
+                      </p:stCondLst>
+                      <p:childTnLst>
+                        <p:par>
+                          <p:cTn id="4" fill="hold">
+                            <p:stCondLst>
+                              <p:cond delay="0"/>
+                            </p:stCondLst>
+                            <p:childTnLst>
+                              <p:par>
+                                <p:cTn id="5" presetID="2" presetClass="entr" presetSubtype="4" fill="hold" nodeType="clickEffect">
+                                  <p:stCondLst>
+                                    <p:cond delay="0"/>
+                                  </p:stCondLst>
+                                  <p:childTnLst>
+                                    <p:set>
+                                      <p:cBhvr>
+                                        <p:cTn id="6" dur="1" fill="hold">
+                                          <p:stCondLst>
+                                            <p:cond delay="0"/>
+                                          </p:stCondLst>
+                                        </p:cTn>
+                                        <p:tgtEl>
+                                          <p:spTgt spid="5"/>
+                                        </p:tgtEl>
+                                        <p:attrNameLst>
+                                          <p:attrName>style.visibility</p:attrName>
+                                        </p:attrNameLst>
+                                      </p:cBhvr>
+                                      <p:to>
+                                        <p:strVal val="visible"/>
+                                      </p:to>
+                                    </p:set>
+                                    <p:anim calcmode="lin" valueType="num">
+                                      <p:cBhvr additive="base">
+                                        <p:cTn id="7" dur="500" fill="hold"/>
+                                        <p:tgtEl>
+                                          <p:spTgt spid="5"/>
+                                        </p:tgtEl>
+                                        <p:attrNameLst>
+                                          <p:attrName>ppt_x</p:attrName>
+                                        </p:attrNameLst>
+                                      </p:cBhvr>
+                                      <p:tavLst>
+                                        <p:tav tm="0">
+                                          <p:val>
+                                            <p:strVal val="#ppt_x"/>
+                                          </p:val>
+                                        </p:tav>
+                                        <p:tav tm="100000">
+                                          <p:val>
+                                            <p:strVal val="#ppt_x"/>
+                                          </p:val>
+                                        </p:tav>
+                                      </p:tavLst>
+                                    </p:anim>
+                                    <p:anim calcmode="lin" valueType="num">
+                                      <p:cBhvr additive="base">
+                                        <p:cTn id="8" dur="500" fill="hold"/>
+                                        <p:tgtEl>
+                                          <p:spTgt spid="5"/>
+                                        </p:tgtEl>
+                                        <p:attrNameLst>
+                                          <p:attrName>ppt_y</p:attrName>
+                                        </p:attrNameLst>
+                                      </p:cBhvr>
+                                      <p:tavLst>
+                                        <p:tav tm="0">
+                                          <p:val>
+                                            <p:strVal val="1+#ppt_h/2"/>
+                                          </p:val>
+                                        </p:tav>
+                                        <p:tav tm="100000">
+                                          <p:val>
+                                            <p:strVal val="#ppt_y"/>
+                                          </p:val>
+                                        </p:tav>
+                                      </p:tavLst>
+                                    </p:anim>
+                                  </p:childTnLst>
+                                </p:cTn>
+                              </p:par>
+                            </p:childTnLst>
+                          </p:cTn>
+                        </p:par>
+                      </p:childTnLst>
+                    </p:cTn>
+                  </p:par>
+                  <p:par>
+                    <p:cTn id="9" fill="hold">
+                      <p:stCondLst>
+                        <p:cond delay="indefinite"/>
+                      </p:stCondLst>
+                      <p:childTnLst>
+                        <p:par>
+                          <p:cTn id="10" fill="hold">
+                            <p:stCondLst>
+                              <p:cond delay="0"/>
+                            </p:stCondLst>
+                            <p:childTnLst>
+                              <p:par>
+                                <p:cTn id="11" presetID="10" presetClass="entr" presetSubtype="0" fill="hold" grpId="1" nodeType="clickEffect">
+                                  <p:stCondLst>
+                                    <p:cond delay="0"/>
+                                  </p:stCondLst>
+                                  <p:iterate type="lt">
+                                    <p:tmPct val="0"/>
+                                  </p:iterate>
+                                  <p:childTnLst>
+                                    <p:set>
+                                      <p:cBhvr>
+                                        <p:cTn id="12" dur="1" fill="hold">
+                                          <p:stCondLst>
+                                            <p:cond delay="0"/>
+                                          </p:stCondLst>
+                                        </p:cTn>
+                                        <p:tgtEl>
+                                          <p:spTgt spid="6"/>
+                                        </p:tgtEl>
+                                        <p:attrNameLst>
+                                          <p:attrName>style.visibility</p:attrName>
+                                        </p:attrNameLst>
+                                      </p:cBhvr>
+                                      <p:to>
+                                        <p:strVal val="visible"/>
+                                      </p:to>
+                                    </p:set>
+                                    <p:animEffect transition="in" filter="fade">
+                                      <p:cBhvr>
+                                        <p:cTn id="13" dur="500"/>
+                                        <p:tgtEl>
+                                          <p:spTgt spid="6"/>
+                                        </p:tgtEl>
+                                      </p:cBhvr>
+                                    </p:animEffect>
+                                  </p:childTnLst>
+                                </p:cTn>
+                              </p:par>
+                              <p:par>
+                                <p:cTn id="14" presetID="34" presetClass="emph" presetSubtype="0" fill="hold" grpId="0" nodeType="withEffect">
+                                  <p:stCondLst>
+                                    <p:cond delay="500"/>
+                                  </p:stCondLst>
+                                  <p:iterate type="lt">
+                                    <p:tmPct val="10000"/>
+                                  </p:iterate>
+                                  <p:childTnLst>
+                                    <p:animMotion origin="layout" path="M -8.33333E-7 -7.40741E-7 L -8.33333E-7 -0.07222 " pathEditMode="relative" rAng="0" ptsTypes="AA">
+                                      <p:cBhvr>
+                                        <p:cTn id="15" dur="300" accel="50000" decel="50000" autoRev="1" fill="hold">
+                                          <p:stCondLst>
+                                            <p:cond delay="0"/>
+                                          </p:stCondLst>
+                                        </p:cTn>
+                                        <p:tgtEl>
+                                          <p:spTgt spid="6"/>
+                                        </p:tgtEl>
+                                        <p:attrNameLst>
+                                          <p:attrName>ppt_x</p:attrName>
+                                          <p:attrName>ppt_y</p:attrName>
+                                        </p:attrNameLst>
+                                      </p:cBhvr>
+                                      <p:rCtr x="0" y="-3611"/>
+                                    </p:animMotion>
+                                    <p:animRot by="1500000">
+                                      <p:cBhvr>
+                                        <p:cTn id="16" dur="150" fill="hold">
+                                          <p:stCondLst>
+                                            <p:cond delay="0"/>
+                                          </p:stCondLst>
+                                        </p:cTn>
+                                        <p:tgtEl>
+                                          <p:spTgt spid="6"/>
+                                        </p:tgtEl>
+                                        <p:attrNameLst>
+                                          <p:attrName>r</p:attrName>
+                                        </p:attrNameLst>
+                                      </p:cBhvr>
+                                    </p:animRot>
+                                    <p:animRot by="-1500000">
+                                      <p:cBhvr>
+                                        <p:cTn id="17" dur="150" fill="hold">
+                                          <p:stCondLst>
+                                            <p:cond delay="150"/>
+                                          </p:stCondLst>
+                                        </p:cTn>
+                                        <p:tgtEl>
+                                          <p:spTgt spid="6"/>
+                                        </p:tgtEl>
+                                        <p:attrNameLst>
+                                          <p:attrName>r</p:attrName>
+                                        </p:attrNameLst>
+                                      </p:cBhvr>
+                                    </p:animRot>
+                                    <p:animRot by="-1500000">
+                                      <p:cBhvr>
+                                        <p:cTn id="18" dur="150" fill="hold">
+                                          <p:stCondLst>
+                                            <p:cond delay="300"/>
+                                          </p:stCondLst>
+                                        </p:cTn>
+                                        <p:tgtEl>
+                                          <p:spTgt spid="6"/>
+                                        </p:tgtEl>
+                                        <p:attrNameLst>
+                                          <p:attrName>r</p:attrName>
+                                        </p:attrNameLst>
+                                      </p:cBhvr>
+                                    </p:animRot>
+                                    <p:animRot by="1500000">
+                                      <p:cBhvr>
+                                        <p:cTn id="19" dur="150" fill="hold">
+                                          <p:stCondLst>
+                                            <p:cond delay="450"/>
+                                          </p:stCondLst>
+                                        </p:cTn>
+                                        <p:tgtEl>
+                                          <p:spTgt spid="6"/>
+                                        </p:tgtEl>
+                                        <p:attrNameLst>
+                                          <p:attrName>r</p:attrName>
+                                        </p:attrNameLst>
+                                      </p:cBhvr>
+                                    </p:animRot>
+                                  </p:childTnLst>
+                                </p:cTn>
+                              </p:par>
+                            </p:childTnLst>
+                          </p:cTn>
+                        </p:par>
+                      </p:childTnLst>
+                    </p:cTn>
+                  </p:par>
+                  <p:par>
+                    <p:cTn id="20" fill="hold">
+                      <p:stCondLst>
+                        <p:cond delay="indefinite"/>
+                      </p:stCondLst>
+                      <p:childTnLst>
+                        <p:par>
+                          <p:cTn id="21" fill="hold">
+                            <p:stCondLst>
+                              <p:cond delay="0"/>
+                            </p:stCondLst>
+                            <p:childTnLst>
+                              <p:par>
+                                <p:cTn id="22" presetID="26" presetClass="emph" presetSubtype="0" fill="hold" nodeType="clickEffect">
+                                  <p:stCondLst>
+                                    <p:cond delay="0"/>
+                                  </p:stCondLst>
+                                  <p:childTnLst>
+                                    <p:animEffect transition="out" filter="fade">
+                                      <p:cBhvr>
+                                        <p:cTn id="23" dur="500" tmFilter="0, 0; .2, .5; .8, .5; 1, 0"/>
+                                        <p:tgtEl>
+                                          <p:spTgt spid="5"/>
+                                        </p:tgtEl>
+                                      </p:cBhvr>
+                                    </p:animEffect>
+                                    <p:animScale>
+                                      <p:cBhvr>
+                                        <p:cTn id="24" dur="250" autoRev="1" fill="hold"/>
+                                        <p:tgtEl>
+                                          <p:spTgt spid="5"/>
+                                        </p:tgtEl>
+                                      </p:cBhvr>
+                                      <p:by x="105000" y="105000"/>
+                                    </p:animScale>
+                                  </p:childTnLst>
+                                </p:cTn>
+                              </p:par>
+                            </p:childTnLst>
+                          </p:cTn>
+                        </p:par>
+                      </p:childTnLst>
+                    </p:cTn>
+                  </p:par>
+                </p:childTnLst>
+              </p:cTn>
+              <p:prevCondLst>
+                <p:cond evt="onPrev" delay="0">
+                  <p:tgtEl>
+                    <p:sldTgt/>
+                  </p:tgtEl>
+                </p:cond>
+              </p:prevCondLst>
+              <p:nextCondLst>
+                <p:cond evt="onNext" delay="0">
+                  <p:tgtEl>
+                    <p:sldTgt/>
+                  </p:tgtEl>
+                </p:cond>
+              </p:nextCondLst>
+            </p:seq>
+          </p:childTnLst>
+        </p:cTn>
+      </p:par>
+    </p:tnLst>
+    <p:bldLst>
+      <p:bldP spid="6" grpId="0"/>
+      <p:bldP spid="6" grpId="1"/>
+    </p:bldLst>
+  </p:timing>
 </p:sld>
 </file>
 

--- a/doc/Project 5.pptx
+++ b/doc/Project 5.pptx
@@ -5,7 +5,7 @@
     <p:sldMasterId id="2147483648" r:id="rId1"/>
   </p:sldMasterIdLst>
   <p:notesMasterIdLst>
-    <p:notesMasterId r:id="rId21"/>
+    <p:notesMasterId r:id="rId22"/>
   </p:notesMasterIdLst>
   <p:sldIdLst>
     <p:sldId id="257" r:id="rId2"/>
@@ -26,12 +26,13 @@
     <p:sldId id="300" r:id="rId17"/>
     <p:sldId id="288" r:id="rId18"/>
     <p:sldId id="260" r:id="rId19"/>
-    <p:sldId id="301" r:id="rId20"/>
+    <p:sldId id="305" r:id="rId20"/>
+    <p:sldId id="301" r:id="rId21"/>
   </p:sldIdLst>
   <p:sldSz cx="12192000" cy="6858000"/>
   <p:notesSz cx="6858000" cy="9144000"/>
   <p:custDataLst>
-    <p:tags r:id="rId22"/>
+    <p:tags r:id="rId23"/>
   </p:custDataLst>
   <p:defaultTextStyle>
     <a:defPPr>
@@ -1306,7 +1307,7 @@
           <a:p>
             <a:fld id="{67C0C9F3-A9BA-4A7C-8595-3C4ED8312ADC}" type="slidenum">
               <a:rPr lang="zh-CN" altLang="en-US" smtClean="0"/>
-              <a:t>19</a:t>
+              <a:t>20</a:t>
             </a:fld>
             <a:endParaRPr lang="zh-CN" altLang="en-US"/>
           </a:p>
@@ -9378,6 +9379,3454 @@
           <a:chExt cx="0" cy="0"/>
         </a:xfrm>
       </p:grpSpPr>
+      <p:sp>
+        <p:nvSpPr>
+          <p:cNvPr id="2" name="TextBox 1">
+            <a:extLst>
+              <a:ext uri="{FF2B5EF4-FFF2-40B4-BE49-F238E27FC236}">
+                <a16:creationId xmlns:a16="http://schemas.microsoft.com/office/drawing/2014/main" id="{285E361A-BFA4-2A49-B8E3-09B0E260FE45}"/>
+              </a:ext>
+            </a:extLst>
+          </p:cNvPr>
+          <p:cNvSpPr txBox="1"/>
+          <p:nvPr/>
+        </p:nvSpPr>
+        <p:spPr>
+          <a:xfrm>
+            <a:off x="1915900" y="504518"/>
+            <a:ext cx="5386039" cy="707886"/>
+          </a:xfrm>
+          <a:prstGeom prst="rect">
+            <a:avLst/>
+          </a:prstGeom>
+          <a:noFill/>
+        </p:spPr>
+        <p:txBody>
+          <a:bodyPr wrap="square" rtlCol="0">
+            <a:spAutoFit/>
+          </a:bodyPr>
+          <a:lstStyle/>
+          <a:p>
+            <a:r>
+              <a:rPr lang="en-US" altLang="zh-CN" sz="4000" b="1" dirty="0">
+                <a:latin typeface="Georgia" panose="02040502050405020303" pitchFamily="18" charset="0"/>
+              </a:rPr>
+              <a:t>Reference</a:t>
+            </a:r>
+            <a:endParaRPr lang="zh-CN" altLang="en-US" sz="4000" b="1" dirty="0">
+              <a:latin typeface="Georgia" panose="02040502050405020303" pitchFamily="18" charset="0"/>
+            </a:endParaRPr>
+          </a:p>
+        </p:txBody>
+      </p:sp>
+      <p:sp>
+        <p:nvSpPr>
+          <p:cNvPr id="3" name="TextBox 2">
+            <a:extLst>
+              <a:ext uri="{FF2B5EF4-FFF2-40B4-BE49-F238E27FC236}">
+                <a16:creationId xmlns:a16="http://schemas.microsoft.com/office/drawing/2014/main" id="{E3E41D16-C65C-1243-8242-8AC6FB369583}"/>
+              </a:ext>
+            </a:extLst>
+          </p:cNvPr>
+          <p:cNvSpPr txBox="1"/>
+          <p:nvPr/>
+        </p:nvSpPr>
+        <p:spPr>
+          <a:xfrm>
+            <a:off x="1594022" y="1618735"/>
+            <a:ext cx="8699156" cy="1477328"/>
+          </a:xfrm>
+          <a:prstGeom prst="rect">
+            <a:avLst/>
+          </a:prstGeom>
+          <a:noFill/>
+        </p:spPr>
+        <p:txBody>
+          <a:bodyPr wrap="square" rtlCol="0">
+            <a:spAutoFit/>
+          </a:bodyPr>
+          <a:lstStyle/>
+          <a:p>
+            <a:pPr marL="285750" indent="-285750">
+              <a:buFont typeface="Arial" panose="020B0604020202020204" pitchFamily="34" charset="0"/>
+              <a:buChar char="•"/>
+            </a:pPr>
+            <a:r>
+              <a:rPr lang="en-US" dirty="0">
+                <a:hlinkClick r:id="rId2"/>
+              </a:rPr>
+              <a:t>http://stanford.edu/~rezab/classes/cme323/S15/notes/lec14.pdf</a:t>
+            </a:r>
+            <a:endParaRPr lang="en-US" dirty="0"/>
+          </a:p>
+          <a:p>
+            <a:pPr marL="285750" indent="-285750">
+              <a:buFont typeface="Arial" panose="020B0604020202020204" pitchFamily="34" charset="0"/>
+              <a:buChar char="•"/>
+            </a:pPr>
+            <a:r>
+              <a:rPr lang="en-US" dirty="0">
+                <a:hlinkClick r:id="rId3"/>
+              </a:rPr>
+              <a:t>https://datasciencemadesimpler.wordpress.com/tag/alternating-least-squares/</a:t>
+            </a:r>
+            <a:endParaRPr lang="en-US" dirty="0"/>
+          </a:p>
+          <a:p>
+            <a:pPr marL="285750" indent="-285750">
+              <a:buFont typeface="Arial" panose="020B0604020202020204" pitchFamily="34" charset="0"/>
+              <a:buChar char="•"/>
+            </a:pPr>
+            <a:r>
+              <a:rPr lang="en-US" dirty="0">
+                <a:hlinkClick r:id="rId4"/>
+              </a:rPr>
+              <a:t>https://www.edureka.co/blog/hadoop-ecosystem</a:t>
+            </a:r>
+            <a:endParaRPr lang="en-US" dirty="0"/>
+          </a:p>
+          <a:p>
+            <a:pPr marL="285750" indent="-285750">
+              <a:buFont typeface="Arial" panose="020B0604020202020204" pitchFamily="34" charset="0"/>
+              <a:buChar char="•"/>
+            </a:pPr>
+            <a:endParaRPr lang="en-US" dirty="0"/>
+          </a:p>
+        </p:txBody>
+      </p:sp>
+    </p:spTree>
+    <p:extLst>
+      <p:ext uri="{BB962C8B-B14F-4D97-AF65-F5344CB8AC3E}">
+        <p14:creationId xmlns:p14="http://schemas.microsoft.com/office/powerpoint/2010/main" val="3695241903"/>
+      </p:ext>
+    </p:extLst>
+  </p:cSld>
+  <p:clrMapOvr>
+    <a:masterClrMapping/>
+  </p:clrMapOvr>
+  <mc:AlternateContent xmlns:mc="http://schemas.openxmlformats.org/markup-compatibility/2006" xmlns:p14="http://schemas.microsoft.com/office/powerpoint/2010/main">
+    <mc:Choice Requires="p14">
+      <p:transition spd="slow" p14:dur="4000" advClick="0" advTm="3000">
+        <p14:vortex dir="r"/>
+      </p:transition>
+    </mc:Choice>
+    <mc:Fallback xmlns="">
+      <p:transition spd="slow" advClick="0" advTm="3000">
+        <p:fade/>
+      </p:transition>
+    </mc:Fallback>
+  </mc:AlternateContent>
+</p:sld>
+</file>
+
+<file path=ppt/slides/slide2.xml><?xml version="1.0" encoding="utf-8"?>
+<p:sld xmlns:a="http://schemas.openxmlformats.org/drawingml/2006/main" xmlns:r="http://schemas.openxmlformats.org/officeDocument/2006/relationships" xmlns:p="http://schemas.openxmlformats.org/presentationml/2006/main">
+  <p:cSld>
+    <p:spTree>
+      <p:nvGrpSpPr>
+        <p:cNvPr id="1" name=""/>
+        <p:cNvGrpSpPr/>
+        <p:nvPr/>
+      </p:nvGrpSpPr>
+      <p:grpSpPr>
+        <a:xfrm>
+          <a:off x="0" y="0"/>
+          <a:ext cx="0" cy="0"/>
+          <a:chOff x="0" y="0"/>
+          <a:chExt cx="0" cy="0"/>
+        </a:xfrm>
+      </p:grpSpPr>
+      <p:grpSp>
+        <p:nvGrpSpPr>
+          <p:cNvPr id="2" name="c5accd2d-f733-4824-ad64-beb893ea6727"/>
+          <p:cNvGrpSpPr>
+            <a:grpSpLocks noChangeAspect="1"/>
+          </p:cNvGrpSpPr>
+          <p:nvPr/>
+        </p:nvGrpSpPr>
+        <p:grpSpPr>
+          <a:xfrm>
+            <a:off x="942421" y="2377132"/>
+            <a:ext cx="10358133" cy="2309777"/>
+            <a:chOff x="1390565" y="2834333"/>
+            <a:chExt cx="9909989" cy="2209845"/>
+          </a:xfrm>
+        </p:grpSpPr>
+        <p:grpSp>
+          <p:nvGrpSpPr>
+            <p:cNvPr id="3" name="Group 28"/>
+            <p:cNvGrpSpPr/>
+            <p:nvPr/>
+          </p:nvGrpSpPr>
+          <p:grpSpPr>
+            <a:xfrm>
+              <a:off x="1768046" y="2834333"/>
+              <a:ext cx="1458180" cy="1663040"/>
+              <a:chOff x="1856520" y="2834333"/>
+              <a:chExt cx="1458180" cy="1663040"/>
+            </a:xfrm>
+          </p:grpSpPr>
+          <p:sp>
+            <p:nvSpPr>
+              <p:cNvPr id="25" name="Freeform: Shape 1"/>
+              <p:cNvSpPr>
+                <a:spLocks/>
+              </p:cNvSpPr>
+              <p:nvPr/>
+            </p:nvSpPr>
+            <p:spPr bwMode="auto">
+              <a:xfrm>
+                <a:off x="1856520" y="2834333"/>
+                <a:ext cx="1458180" cy="1663040"/>
+              </a:xfrm>
+              <a:custGeom>
+                <a:avLst/>
+                <a:gdLst>
+                  <a:gd name="T0" fmla="*/ 573 w 1146"/>
+                  <a:gd name="T1" fmla="*/ 0 h 1307"/>
+                  <a:gd name="T2" fmla="*/ 1146 w 1146"/>
+                  <a:gd name="T3" fmla="*/ 287 h 1307"/>
+                  <a:gd name="T4" fmla="*/ 1146 w 1146"/>
+                  <a:gd name="T5" fmla="*/ 1021 h 1307"/>
+                  <a:gd name="T6" fmla="*/ 573 w 1146"/>
+                  <a:gd name="T7" fmla="*/ 1307 h 1307"/>
+                  <a:gd name="T8" fmla="*/ 0 w 1146"/>
+                  <a:gd name="T9" fmla="*/ 1021 h 1307"/>
+                  <a:gd name="T10" fmla="*/ 0 w 1146"/>
+                  <a:gd name="T11" fmla="*/ 287 h 1307"/>
+                  <a:gd name="T12" fmla="*/ 573 w 1146"/>
+                  <a:gd name="T13" fmla="*/ 0 h 1307"/>
+                </a:gdLst>
+                <a:ahLst/>
+                <a:cxnLst>
+                  <a:cxn ang="0">
+                    <a:pos x="T0" y="T1"/>
+                  </a:cxn>
+                  <a:cxn ang="0">
+                    <a:pos x="T2" y="T3"/>
+                  </a:cxn>
+                  <a:cxn ang="0">
+                    <a:pos x="T4" y="T5"/>
+                  </a:cxn>
+                  <a:cxn ang="0">
+                    <a:pos x="T6" y="T7"/>
+                  </a:cxn>
+                  <a:cxn ang="0">
+                    <a:pos x="T8" y="T9"/>
+                  </a:cxn>
+                  <a:cxn ang="0">
+                    <a:pos x="T10" y="T11"/>
+                  </a:cxn>
+                  <a:cxn ang="0">
+                    <a:pos x="T12" y="T13"/>
+                  </a:cxn>
+                </a:cxnLst>
+                <a:rect l="0" t="0" r="r" b="b"/>
+                <a:pathLst>
+                  <a:path w="1146" h="1307">
+                    <a:moveTo>
+                      <a:pt x="573" y="0"/>
+                    </a:moveTo>
+                    <a:lnTo>
+                      <a:pt x="1146" y="287"/>
+                    </a:lnTo>
+                    <a:lnTo>
+                      <a:pt x="1146" y="1021"/>
+                    </a:lnTo>
+                    <a:lnTo>
+                      <a:pt x="573" y="1307"/>
+                    </a:lnTo>
+                    <a:lnTo>
+                      <a:pt x="0" y="1021"/>
+                    </a:lnTo>
+                    <a:lnTo>
+                      <a:pt x="0" y="287"/>
+                    </a:lnTo>
+                    <a:lnTo>
+                      <a:pt x="573" y="0"/>
+                    </a:lnTo>
+                    <a:close/>
+                  </a:path>
+                </a:pathLst>
+              </a:custGeom>
+              <a:noFill/>
+              <a:ln w="28575">
+                <a:solidFill>
+                  <a:schemeClr val="accent1"/>
+                </a:solidFill>
+              </a:ln>
+              <a:extLst/>
+            </p:spPr>
+            <p:txBody>
+              <a:bodyPr anchor="ctr"/>
+              <a:lstStyle/>
+              <a:p>
+                <a:pPr algn="ctr"/>
+                <a:endParaRPr/>
+              </a:p>
+            </p:txBody>
+          </p:sp>
+          <p:sp>
+            <p:nvSpPr>
+              <p:cNvPr id="26" name="Freeform: Shape 10"/>
+              <p:cNvSpPr>
+                <a:spLocks noChangeAspect="1"/>
+              </p:cNvSpPr>
+              <p:nvPr/>
+            </p:nvSpPr>
+            <p:spPr bwMode="auto">
+              <a:xfrm>
+                <a:off x="2330879" y="3400302"/>
+                <a:ext cx="497910" cy="531102"/>
+              </a:xfrm>
+              <a:custGeom>
+                <a:avLst/>
+                <a:gdLst>
+                  <a:gd name="T0" fmla="*/ 41 w 45"/>
+                  <a:gd name="T1" fmla="*/ 48 h 48"/>
+                  <a:gd name="T2" fmla="*/ 0 w 45"/>
+                  <a:gd name="T3" fmla="*/ 44 h 48"/>
+                  <a:gd name="T4" fmla="*/ 3 w 45"/>
+                  <a:gd name="T5" fmla="*/ 7 h 48"/>
+                  <a:gd name="T6" fmla="*/ 7 w 45"/>
+                  <a:gd name="T7" fmla="*/ 4 h 48"/>
+                  <a:gd name="T8" fmla="*/ 13 w 45"/>
+                  <a:gd name="T9" fmla="*/ 0 h 48"/>
+                  <a:gd name="T10" fmla="*/ 17 w 45"/>
+                  <a:gd name="T11" fmla="*/ 7 h 48"/>
+                  <a:gd name="T12" fmla="*/ 27 w 45"/>
+                  <a:gd name="T13" fmla="*/ 4 h 48"/>
+                  <a:gd name="T14" fmla="*/ 33 w 45"/>
+                  <a:gd name="T15" fmla="*/ 0 h 48"/>
+                  <a:gd name="T16" fmla="*/ 38 w 45"/>
+                  <a:gd name="T17" fmla="*/ 7 h 48"/>
+                  <a:gd name="T18" fmla="*/ 45 w 45"/>
+                  <a:gd name="T19" fmla="*/ 10 h 48"/>
+                  <a:gd name="T20" fmla="*/ 11 w 45"/>
+                  <a:gd name="T21" fmla="*/ 25 h 48"/>
+                  <a:gd name="T22" fmla="*/ 3 w 45"/>
+                  <a:gd name="T23" fmla="*/ 17 h 48"/>
+                  <a:gd name="T24" fmla="*/ 11 w 45"/>
+                  <a:gd name="T25" fmla="*/ 25 h 48"/>
+                  <a:gd name="T26" fmla="*/ 11 w 45"/>
+                  <a:gd name="T27" fmla="*/ 26 h 48"/>
+                  <a:gd name="T28" fmla="*/ 3 w 45"/>
+                  <a:gd name="T29" fmla="*/ 35 h 48"/>
+                  <a:gd name="T30" fmla="*/ 11 w 45"/>
+                  <a:gd name="T31" fmla="*/ 44 h 48"/>
+                  <a:gd name="T32" fmla="*/ 3 w 45"/>
+                  <a:gd name="T33" fmla="*/ 37 h 48"/>
+                  <a:gd name="T34" fmla="*/ 11 w 45"/>
+                  <a:gd name="T35" fmla="*/ 44 h 48"/>
+                  <a:gd name="T36" fmla="*/ 13 w 45"/>
+                  <a:gd name="T37" fmla="*/ 3 h 48"/>
+                  <a:gd name="T38" fmla="*/ 10 w 45"/>
+                  <a:gd name="T39" fmla="*/ 4 h 48"/>
+                  <a:gd name="T40" fmla="*/ 11 w 45"/>
+                  <a:gd name="T41" fmla="*/ 13 h 48"/>
+                  <a:gd name="T42" fmla="*/ 14 w 45"/>
+                  <a:gd name="T43" fmla="*/ 12 h 48"/>
+                  <a:gd name="T44" fmla="*/ 21 w 45"/>
+                  <a:gd name="T45" fmla="*/ 25 h 48"/>
+                  <a:gd name="T46" fmla="*/ 13 w 45"/>
+                  <a:gd name="T47" fmla="*/ 17 h 48"/>
+                  <a:gd name="T48" fmla="*/ 21 w 45"/>
+                  <a:gd name="T49" fmla="*/ 25 h 48"/>
+                  <a:gd name="T50" fmla="*/ 21 w 45"/>
+                  <a:gd name="T51" fmla="*/ 26 h 48"/>
+                  <a:gd name="T52" fmla="*/ 13 w 45"/>
+                  <a:gd name="T53" fmla="*/ 35 h 48"/>
+                  <a:gd name="T54" fmla="*/ 21 w 45"/>
+                  <a:gd name="T55" fmla="*/ 44 h 48"/>
+                  <a:gd name="T56" fmla="*/ 13 w 45"/>
+                  <a:gd name="T57" fmla="*/ 37 h 48"/>
+                  <a:gd name="T58" fmla="*/ 21 w 45"/>
+                  <a:gd name="T59" fmla="*/ 44 h 48"/>
+                  <a:gd name="T60" fmla="*/ 32 w 45"/>
+                  <a:gd name="T61" fmla="*/ 17 h 48"/>
+                  <a:gd name="T62" fmla="*/ 23 w 45"/>
+                  <a:gd name="T63" fmla="*/ 25 h 48"/>
+                  <a:gd name="T64" fmla="*/ 32 w 45"/>
+                  <a:gd name="T65" fmla="*/ 35 h 48"/>
+                  <a:gd name="T66" fmla="*/ 23 w 45"/>
+                  <a:gd name="T67" fmla="*/ 26 h 48"/>
+                  <a:gd name="T68" fmla="*/ 32 w 45"/>
+                  <a:gd name="T69" fmla="*/ 35 h 48"/>
+                  <a:gd name="T70" fmla="*/ 32 w 45"/>
+                  <a:gd name="T71" fmla="*/ 37 h 48"/>
+                  <a:gd name="T72" fmla="*/ 23 w 45"/>
+                  <a:gd name="T73" fmla="*/ 44 h 48"/>
+                  <a:gd name="T74" fmla="*/ 34 w 45"/>
+                  <a:gd name="T75" fmla="*/ 4 h 48"/>
+                  <a:gd name="T76" fmla="*/ 32 w 45"/>
+                  <a:gd name="T77" fmla="*/ 3 h 48"/>
+                  <a:gd name="T78" fmla="*/ 31 w 45"/>
+                  <a:gd name="T79" fmla="*/ 12 h 48"/>
+                  <a:gd name="T80" fmla="*/ 33 w 45"/>
+                  <a:gd name="T81" fmla="*/ 13 h 48"/>
+                  <a:gd name="T82" fmla="*/ 34 w 45"/>
+                  <a:gd name="T83" fmla="*/ 4 h 48"/>
+                  <a:gd name="T84" fmla="*/ 41 w 45"/>
+                  <a:gd name="T85" fmla="*/ 17 h 48"/>
+                  <a:gd name="T86" fmla="*/ 33 w 45"/>
+                  <a:gd name="T87" fmla="*/ 25 h 48"/>
+                  <a:gd name="T88" fmla="*/ 41 w 45"/>
+                  <a:gd name="T89" fmla="*/ 35 h 48"/>
+                  <a:gd name="T90" fmla="*/ 33 w 45"/>
+                  <a:gd name="T91" fmla="*/ 26 h 48"/>
+                  <a:gd name="T92" fmla="*/ 41 w 45"/>
+                  <a:gd name="T93" fmla="*/ 35 h 48"/>
+                  <a:gd name="T94" fmla="*/ 41 w 45"/>
+                  <a:gd name="T95" fmla="*/ 37 h 48"/>
+                  <a:gd name="T96" fmla="*/ 33 w 45"/>
+                  <a:gd name="T97" fmla="*/ 44 h 48"/>
+                </a:gdLst>
+                <a:ahLst/>
+                <a:cxnLst>
+                  <a:cxn ang="0">
+                    <a:pos x="T0" y="T1"/>
+                  </a:cxn>
+                  <a:cxn ang="0">
+                    <a:pos x="T2" y="T3"/>
+                  </a:cxn>
+                  <a:cxn ang="0">
+                    <a:pos x="T4" y="T5"/>
+                  </a:cxn>
+                  <a:cxn ang="0">
+                    <a:pos x="T6" y="T7"/>
+                  </a:cxn>
+                  <a:cxn ang="0">
+                    <a:pos x="T8" y="T9"/>
+                  </a:cxn>
+                  <a:cxn ang="0">
+                    <a:pos x="T10" y="T11"/>
+                  </a:cxn>
+                  <a:cxn ang="0">
+                    <a:pos x="T12" y="T13"/>
+                  </a:cxn>
+                  <a:cxn ang="0">
+                    <a:pos x="T14" y="T15"/>
+                  </a:cxn>
+                  <a:cxn ang="0">
+                    <a:pos x="T16" y="T17"/>
+                  </a:cxn>
+                  <a:cxn ang="0">
+                    <a:pos x="T18" y="T19"/>
+                  </a:cxn>
+                  <a:cxn ang="0">
+                    <a:pos x="T20" y="T21"/>
+                  </a:cxn>
+                  <a:cxn ang="0">
+                    <a:pos x="T22" y="T23"/>
+                  </a:cxn>
+                  <a:cxn ang="0">
+                    <a:pos x="T24" y="T25"/>
+                  </a:cxn>
+                  <a:cxn ang="0">
+                    <a:pos x="T26" y="T27"/>
+                  </a:cxn>
+                  <a:cxn ang="0">
+                    <a:pos x="T28" y="T29"/>
+                  </a:cxn>
+                  <a:cxn ang="0">
+                    <a:pos x="T30" y="T31"/>
+                  </a:cxn>
+                  <a:cxn ang="0">
+                    <a:pos x="T32" y="T33"/>
+                  </a:cxn>
+                  <a:cxn ang="0">
+                    <a:pos x="T34" y="T35"/>
+                  </a:cxn>
+                  <a:cxn ang="0">
+                    <a:pos x="T36" y="T37"/>
+                  </a:cxn>
+                  <a:cxn ang="0">
+                    <a:pos x="T38" y="T39"/>
+                  </a:cxn>
+                  <a:cxn ang="0">
+                    <a:pos x="T40" y="T41"/>
+                  </a:cxn>
+                  <a:cxn ang="0">
+                    <a:pos x="T42" y="T43"/>
+                  </a:cxn>
+                  <a:cxn ang="0">
+                    <a:pos x="T44" y="T45"/>
+                  </a:cxn>
+                  <a:cxn ang="0">
+                    <a:pos x="T46" y="T47"/>
+                  </a:cxn>
+                  <a:cxn ang="0">
+                    <a:pos x="T48" y="T49"/>
+                  </a:cxn>
+                  <a:cxn ang="0">
+                    <a:pos x="T50" y="T51"/>
+                  </a:cxn>
+                  <a:cxn ang="0">
+                    <a:pos x="T52" y="T53"/>
+                  </a:cxn>
+                  <a:cxn ang="0">
+                    <a:pos x="T54" y="T55"/>
+                  </a:cxn>
+                  <a:cxn ang="0">
+                    <a:pos x="T56" y="T57"/>
+                  </a:cxn>
+                  <a:cxn ang="0">
+                    <a:pos x="T58" y="T59"/>
+                  </a:cxn>
+                  <a:cxn ang="0">
+                    <a:pos x="T60" y="T61"/>
+                  </a:cxn>
+                  <a:cxn ang="0">
+                    <a:pos x="T62" y="T63"/>
+                  </a:cxn>
+                  <a:cxn ang="0">
+                    <a:pos x="T64" y="T65"/>
+                  </a:cxn>
+                  <a:cxn ang="0">
+                    <a:pos x="T66" y="T67"/>
+                  </a:cxn>
+                  <a:cxn ang="0">
+                    <a:pos x="T68" y="T69"/>
+                  </a:cxn>
+                  <a:cxn ang="0">
+                    <a:pos x="T70" y="T71"/>
+                  </a:cxn>
+                  <a:cxn ang="0">
+                    <a:pos x="T72" y="T73"/>
+                  </a:cxn>
+                  <a:cxn ang="0">
+                    <a:pos x="T74" y="T75"/>
+                  </a:cxn>
+                  <a:cxn ang="0">
+                    <a:pos x="T76" y="T77"/>
+                  </a:cxn>
+                  <a:cxn ang="0">
+                    <a:pos x="T78" y="T79"/>
+                  </a:cxn>
+                  <a:cxn ang="0">
+                    <a:pos x="T80" y="T81"/>
+                  </a:cxn>
+                  <a:cxn ang="0">
+                    <a:pos x="T82" y="T83"/>
+                  </a:cxn>
+                  <a:cxn ang="0">
+                    <a:pos x="T84" y="T85"/>
+                  </a:cxn>
+                  <a:cxn ang="0">
+                    <a:pos x="T86" y="T87"/>
+                  </a:cxn>
+                  <a:cxn ang="0">
+                    <a:pos x="T88" y="T89"/>
+                  </a:cxn>
+                  <a:cxn ang="0">
+                    <a:pos x="T90" y="T91"/>
+                  </a:cxn>
+                  <a:cxn ang="0">
+                    <a:pos x="T92" y="T93"/>
+                  </a:cxn>
+                  <a:cxn ang="0">
+                    <a:pos x="T94" y="T95"/>
+                  </a:cxn>
+                  <a:cxn ang="0">
+                    <a:pos x="T96" y="T97"/>
+                  </a:cxn>
+                </a:cxnLst>
+                <a:rect l="0" t="0" r="r" b="b"/>
+                <a:pathLst>
+                  <a:path w="45" h="48">
+                    <a:moveTo>
+                      <a:pt x="45" y="44"/>
+                    </a:moveTo>
+                    <a:cubicBezTo>
+                      <a:pt x="45" y="46"/>
+                      <a:pt x="43" y="48"/>
+                      <a:pt x="41" y="48"/>
+                    </a:cubicBezTo>
+                    <a:cubicBezTo>
+                      <a:pt x="3" y="48"/>
+                      <a:pt x="3" y="48"/>
+                      <a:pt x="3" y="48"/>
+                    </a:cubicBezTo>
+                    <a:cubicBezTo>
+                      <a:pt x="1" y="48"/>
+                      <a:pt x="0" y="46"/>
+                      <a:pt x="0" y="44"/>
+                    </a:cubicBezTo>
+                    <a:cubicBezTo>
+                      <a:pt x="0" y="10"/>
+                      <a:pt x="0" y="10"/>
+                      <a:pt x="0" y="10"/>
+                    </a:cubicBezTo>
+                    <a:cubicBezTo>
+                      <a:pt x="0" y="8"/>
+                      <a:pt x="1" y="7"/>
+                      <a:pt x="3" y="7"/>
+                    </a:cubicBezTo>
+                    <a:cubicBezTo>
+                      <a:pt x="7" y="7"/>
+                      <a:pt x="7" y="7"/>
+                      <a:pt x="7" y="7"/>
+                    </a:cubicBezTo>
+                    <a:cubicBezTo>
+                      <a:pt x="7" y="4"/>
+                      <a:pt x="7" y="4"/>
+                      <a:pt x="7" y="4"/>
+                    </a:cubicBezTo>
+                    <a:cubicBezTo>
+                      <a:pt x="7" y="2"/>
+                      <a:pt x="9" y="0"/>
+                      <a:pt x="11" y="0"/>
+                    </a:cubicBezTo>
+                    <a:cubicBezTo>
+                      <a:pt x="13" y="0"/>
+                      <a:pt x="13" y="0"/>
+                      <a:pt x="13" y="0"/>
+                    </a:cubicBezTo>
+                    <a:cubicBezTo>
+                      <a:pt x="15" y="0"/>
+                      <a:pt x="17" y="2"/>
+                      <a:pt x="17" y="4"/>
+                    </a:cubicBezTo>
+                    <a:cubicBezTo>
+                      <a:pt x="17" y="7"/>
+                      <a:pt x="17" y="7"/>
+                      <a:pt x="17" y="7"/>
+                    </a:cubicBezTo>
+                    <a:cubicBezTo>
+                      <a:pt x="27" y="7"/>
+                      <a:pt x="27" y="7"/>
+                      <a:pt x="27" y="7"/>
+                    </a:cubicBezTo>
+                    <a:cubicBezTo>
+                      <a:pt x="27" y="4"/>
+                      <a:pt x="27" y="4"/>
+                      <a:pt x="27" y="4"/>
+                    </a:cubicBezTo>
+                    <a:cubicBezTo>
+                      <a:pt x="27" y="2"/>
+                      <a:pt x="29" y="0"/>
+                      <a:pt x="32" y="0"/>
+                    </a:cubicBezTo>
+                    <a:cubicBezTo>
+                      <a:pt x="33" y="0"/>
+                      <a:pt x="33" y="0"/>
+                      <a:pt x="33" y="0"/>
+                    </a:cubicBezTo>
+                    <a:cubicBezTo>
+                      <a:pt x="36" y="0"/>
+                      <a:pt x="38" y="2"/>
+                      <a:pt x="38" y="4"/>
+                    </a:cubicBezTo>
+                    <a:cubicBezTo>
+                      <a:pt x="38" y="7"/>
+                      <a:pt x="38" y="7"/>
+                      <a:pt x="38" y="7"/>
+                    </a:cubicBezTo>
+                    <a:cubicBezTo>
+                      <a:pt x="41" y="7"/>
+                      <a:pt x="41" y="7"/>
+                      <a:pt x="41" y="7"/>
+                    </a:cubicBezTo>
+                    <a:cubicBezTo>
+                      <a:pt x="43" y="7"/>
+                      <a:pt x="45" y="8"/>
+                      <a:pt x="45" y="10"/>
+                    </a:cubicBezTo>
+                    <a:lnTo>
+                      <a:pt x="45" y="44"/>
+                    </a:lnTo>
+                    <a:close/>
+                    <a:moveTo>
+                      <a:pt x="11" y="25"/>
+                    </a:moveTo>
+                    <a:cubicBezTo>
+                      <a:pt x="11" y="17"/>
+                      <a:pt x="11" y="17"/>
+                      <a:pt x="11" y="17"/>
+                    </a:cubicBezTo>
+                    <a:cubicBezTo>
+                      <a:pt x="3" y="17"/>
+                      <a:pt x="3" y="17"/>
+                      <a:pt x="3" y="17"/>
+                    </a:cubicBezTo>
+                    <a:cubicBezTo>
+                      <a:pt x="3" y="25"/>
+                      <a:pt x="3" y="25"/>
+                      <a:pt x="3" y="25"/>
+                    </a:cubicBezTo>
+                    <a:lnTo>
+                      <a:pt x="11" y="25"/>
+                    </a:lnTo>
+                    <a:close/>
+                    <a:moveTo>
+                      <a:pt x="11" y="35"/>
+                    </a:moveTo>
+                    <a:cubicBezTo>
+                      <a:pt x="11" y="26"/>
+                      <a:pt x="11" y="26"/>
+                      <a:pt x="11" y="26"/>
+                    </a:cubicBezTo>
+                    <a:cubicBezTo>
+                      <a:pt x="3" y="26"/>
+                      <a:pt x="3" y="26"/>
+                      <a:pt x="3" y="26"/>
+                    </a:cubicBezTo>
+                    <a:cubicBezTo>
+                      <a:pt x="3" y="35"/>
+                      <a:pt x="3" y="35"/>
+                      <a:pt x="3" y="35"/>
+                    </a:cubicBezTo>
+                    <a:lnTo>
+                      <a:pt x="11" y="35"/>
+                    </a:lnTo>
+                    <a:close/>
+                    <a:moveTo>
+                      <a:pt x="11" y="44"/>
+                    </a:moveTo>
+                    <a:cubicBezTo>
+                      <a:pt x="11" y="37"/>
+                      <a:pt x="11" y="37"/>
+                      <a:pt x="11" y="37"/>
+                    </a:cubicBezTo>
+                    <a:cubicBezTo>
+                      <a:pt x="3" y="37"/>
+                      <a:pt x="3" y="37"/>
+                      <a:pt x="3" y="37"/>
+                    </a:cubicBezTo>
+                    <a:cubicBezTo>
+                      <a:pt x="3" y="44"/>
+                      <a:pt x="3" y="44"/>
+                      <a:pt x="3" y="44"/>
+                    </a:cubicBezTo>
+                    <a:lnTo>
+                      <a:pt x="11" y="44"/>
+                    </a:lnTo>
+                    <a:close/>
+                    <a:moveTo>
+                      <a:pt x="14" y="4"/>
+                    </a:moveTo>
+                    <a:cubicBezTo>
+                      <a:pt x="14" y="4"/>
+                      <a:pt x="13" y="3"/>
+                      <a:pt x="13" y="3"/>
+                    </a:cubicBezTo>
+                    <a:cubicBezTo>
+                      <a:pt x="11" y="3"/>
+                      <a:pt x="11" y="3"/>
+                      <a:pt x="11" y="3"/>
+                    </a:cubicBezTo>
+                    <a:cubicBezTo>
+                      <a:pt x="11" y="3"/>
+                      <a:pt x="10" y="4"/>
+                      <a:pt x="10" y="4"/>
+                    </a:cubicBezTo>
+                    <a:cubicBezTo>
+                      <a:pt x="10" y="12"/>
+                      <a:pt x="10" y="12"/>
+                      <a:pt x="10" y="12"/>
+                    </a:cubicBezTo>
+                    <a:cubicBezTo>
+                      <a:pt x="10" y="12"/>
+                      <a:pt x="11" y="13"/>
+                      <a:pt x="11" y="13"/>
+                    </a:cubicBezTo>
+                    <a:cubicBezTo>
+                      <a:pt x="13" y="13"/>
+                      <a:pt x="13" y="13"/>
+                      <a:pt x="13" y="13"/>
+                    </a:cubicBezTo>
+                    <a:cubicBezTo>
+                      <a:pt x="13" y="13"/>
+                      <a:pt x="14" y="12"/>
+                      <a:pt x="14" y="12"/>
+                    </a:cubicBezTo>
+                    <a:lnTo>
+                      <a:pt x="14" y="4"/>
+                    </a:lnTo>
+                    <a:close/>
+                    <a:moveTo>
+                      <a:pt x="21" y="25"/>
+                    </a:moveTo>
+                    <a:cubicBezTo>
+                      <a:pt x="21" y="17"/>
+                      <a:pt x="21" y="17"/>
+                      <a:pt x="21" y="17"/>
+                    </a:cubicBezTo>
+                    <a:cubicBezTo>
+                      <a:pt x="13" y="17"/>
+                      <a:pt x="13" y="17"/>
+                      <a:pt x="13" y="17"/>
+                    </a:cubicBezTo>
+                    <a:cubicBezTo>
+                      <a:pt x="13" y="25"/>
+                      <a:pt x="13" y="25"/>
+                      <a:pt x="13" y="25"/>
+                    </a:cubicBezTo>
+                    <a:lnTo>
+                      <a:pt x="21" y="25"/>
+                    </a:lnTo>
+                    <a:close/>
+                    <a:moveTo>
+                      <a:pt x="21" y="35"/>
+                    </a:moveTo>
+                    <a:cubicBezTo>
+                      <a:pt x="21" y="26"/>
+                      <a:pt x="21" y="26"/>
+                      <a:pt x="21" y="26"/>
+                    </a:cubicBezTo>
+                    <a:cubicBezTo>
+                      <a:pt x="13" y="26"/>
+                      <a:pt x="13" y="26"/>
+                      <a:pt x="13" y="26"/>
+                    </a:cubicBezTo>
+                    <a:cubicBezTo>
+                      <a:pt x="13" y="35"/>
+                      <a:pt x="13" y="35"/>
+                      <a:pt x="13" y="35"/>
+                    </a:cubicBezTo>
+                    <a:lnTo>
+                      <a:pt x="21" y="35"/>
+                    </a:lnTo>
+                    <a:close/>
+                    <a:moveTo>
+                      <a:pt x="21" y="44"/>
+                    </a:moveTo>
+                    <a:cubicBezTo>
+                      <a:pt x="21" y="37"/>
+                      <a:pt x="21" y="37"/>
+                      <a:pt x="21" y="37"/>
+                    </a:cubicBezTo>
+                    <a:cubicBezTo>
+                      <a:pt x="13" y="37"/>
+                      <a:pt x="13" y="37"/>
+                      <a:pt x="13" y="37"/>
+                    </a:cubicBezTo>
+                    <a:cubicBezTo>
+                      <a:pt x="13" y="44"/>
+                      <a:pt x="13" y="44"/>
+                      <a:pt x="13" y="44"/>
+                    </a:cubicBezTo>
+                    <a:lnTo>
+                      <a:pt x="21" y="44"/>
+                    </a:lnTo>
+                    <a:close/>
+                    <a:moveTo>
+                      <a:pt x="32" y="25"/>
+                    </a:moveTo>
+                    <a:cubicBezTo>
+                      <a:pt x="32" y="17"/>
+                      <a:pt x="32" y="17"/>
+                      <a:pt x="32" y="17"/>
+                    </a:cubicBezTo>
+                    <a:cubicBezTo>
+                      <a:pt x="23" y="17"/>
+                      <a:pt x="23" y="17"/>
+                      <a:pt x="23" y="17"/>
+                    </a:cubicBezTo>
+                    <a:cubicBezTo>
+                      <a:pt x="23" y="25"/>
+                      <a:pt x="23" y="25"/>
+                      <a:pt x="23" y="25"/>
+                    </a:cubicBezTo>
+                    <a:lnTo>
+                      <a:pt x="32" y="25"/>
+                    </a:lnTo>
+                    <a:close/>
+                    <a:moveTo>
+                      <a:pt x="32" y="35"/>
+                    </a:moveTo>
+                    <a:cubicBezTo>
+                      <a:pt x="32" y="26"/>
+                      <a:pt x="32" y="26"/>
+                      <a:pt x="32" y="26"/>
+                    </a:cubicBezTo>
+                    <a:cubicBezTo>
+                      <a:pt x="23" y="26"/>
+                      <a:pt x="23" y="26"/>
+                      <a:pt x="23" y="26"/>
+                    </a:cubicBezTo>
+                    <a:cubicBezTo>
+                      <a:pt x="23" y="35"/>
+                      <a:pt x="23" y="35"/>
+                      <a:pt x="23" y="35"/>
+                    </a:cubicBezTo>
+                    <a:lnTo>
+                      <a:pt x="32" y="35"/>
+                    </a:lnTo>
+                    <a:close/>
+                    <a:moveTo>
+                      <a:pt x="32" y="44"/>
+                    </a:moveTo>
+                    <a:cubicBezTo>
+                      <a:pt x="32" y="37"/>
+                      <a:pt x="32" y="37"/>
+                      <a:pt x="32" y="37"/>
+                    </a:cubicBezTo>
+                    <a:cubicBezTo>
+                      <a:pt x="23" y="37"/>
+                      <a:pt x="23" y="37"/>
+                      <a:pt x="23" y="37"/>
+                    </a:cubicBezTo>
+                    <a:cubicBezTo>
+                      <a:pt x="23" y="44"/>
+                      <a:pt x="23" y="44"/>
+                      <a:pt x="23" y="44"/>
+                    </a:cubicBezTo>
+                    <a:lnTo>
+                      <a:pt x="32" y="44"/>
+                    </a:lnTo>
+                    <a:close/>
+                    <a:moveTo>
+                      <a:pt x="34" y="4"/>
+                    </a:moveTo>
+                    <a:cubicBezTo>
+                      <a:pt x="34" y="4"/>
+                      <a:pt x="34" y="3"/>
+                      <a:pt x="33" y="3"/>
+                    </a:cubicBezTo>
+                    <a:cubicBezTo>
+                      <a:pt x="32" y="3"/>
+                      <a:pt x="32" y="3"/>
+                      <a:pt x="32" y="3"/>
+                    </a:cubicBezTo>
+                    <a:cubicBezTo>
+                      <a:pt x="31" y="3"/>
+                      <a:pt x="31" y="4"/>
+                      <a:pt x="31" y="4"/>
+                    </a:cubicBezTo>
+                    <a:cubicBezTo>
+                      <a:pt x="31" y="12"/>
+                      <a:pt x="31" y="12"/>
+                      <a:pt x="31" y="12"/>
+                    </a:cubicBezTo>
+                    <a:cubicBezTo>
+                      <a:pt x="31" y="12"/>
+                      <a:pt x="31" y="13"/>
+                      <a:pt x="32" y="13"/>
+                    </a:cubicBezTo>
+                    <a:cubicBezTo>
+                      <a:pt x="33" y="13"/>
+                      <a:pt x="33" y="13"/>
+                      <a:pt x="33" y="13"/>
+                    </a:cubicBezTo>
+                    <a:cubicBezTo>
+                      <a:pt x="34" y="13"/>
+                      <a:pt x="34" y="12"/>
+                      <a:pt x="34" y="12"/>
+                    </a:cubicBezTo>
+                    <a:lnTo>
+                      <a:pt x="34" y="4"/>
+                    </a:lnTo>
+                    <a:close/>
+                    <a:moveTo>
+                      <a:pt x="41" y="25"/>
+                    </a:moveTo>
+                    <a:cubicBezTo>
+                      <a:pt x="41" y="17"/>
+                      <a:pt x="41" y="17"/>
+                      <a:pt x="41" y="17"/>
+                    </a:cubicBezTo>
+                    <a:cubicBezTo>
+                      <a:pt x="33" y="17"/>
+                      <a:pt x="33" y="17"/>
+                      <a:pt x="33" y="17"/>
+                    </a:cubicBezTo>
+                    <a:cubicBezTo>
+                      <a:pt x="33" y="25"/>
+                      <a:pt x="33" y="25"/>
+                      <a:pt x="33" y="25"/>
+                    </a:cubicBezTo>
+                    <a:lnTo>
+                      <a:pt x="41" y="25"/>
+                    </a:lnTo>
+                    <a:close/>
+                    <a:moveTo>
+                      <a:pt x="41" y="35"/>
+                    </a:moveTo>
+                    <a:cubicBezTo>
+                      <a:pt x="41" y="26"/>
+                      <a:pt x="41" y="26"/>
+                      <a:pt x="41" y="26"/>
+                    </a:cubicBezTo>
+                    <a:cubicBezTo>
+                      <a:pt x="33" y="26"/>
+                      <a:pt x="33" y="26"/>
+                      <a:pt x="33" y="26"/>
+                    </a:cubicBezTo>
+                    <a:cubicBezTo>
+                      <a:pt x="33" y="35"/>
+                      <a:pt x="33" y="35"/>
+                      <a:pt x="33" y="35"/>
+                    </a:cubicBezTo>
+                    <a:lnTo>
+                      <a:pt x="41" y="35"/>
+                    </a:lnTo>
+                    <a:close/>
+                    <a:moveTo>
+                      <a:pt x="41" y="44"/>
+                    </a:moveTo>
+                    <a:cubicBezTo>
+                      <a:pt x="41" y="37"/>
+                      <a:pt x="41" y="37"/>
+                      <a:pt x="41" y="37"/>
+                    </a:cubicBezTo>
+                    <a:cubicBezTo>
+                      <a:pt x="33" y="37"/>
+                      <a:pt x="33" y="37"/>
+                      <a:pt x="33" y="37"/>
+                    </a:cubicBezTo>
+                    <a:cubicBezTo>
+                      <a:pt x="33" y="44"/>
+                      <a:pt x="33" y="44"/>
+                      <a:pt x="33" y="44"/>
+                    </a:cubicBezTo>
+                    <a:lnTo>
+                      <a:pt x="41" y="44"/>
+                    </a:lnTo>
+                    <a:close/>
+                  </a:path>
+                </a:pathLst>
+              </a:custGeom>
+              <a:solidFill>
+                <a:schemeClr val="accent1"/>
+              </a:solidFill>
+              <a:ln>
+                <a:noFill/>
+              </a:ln>
+            </p:spPr>
+            <p:txBody>
+              <a:bodyPr anchor="ctr"/>
+              <a:lstStyle/>
+              <a:p>
+                <a:pPr algn="ctr"/>
+                <a:endParaRPr/>
+              </a:p>
+            </p:txBody>
+          </p:sp>
+        </p:grpSp>
+        <p:grpSp>
+          <p:nvGrpSpPr>
+            <p:cNvPr id="4" name="Group 29"/>
+            <p:cNvGrpSpPr/>
+            <p:nvPr/>
+          </p:nvGrpSpPr>
+          <p:grpSpPr>
+            <a:xfrm>
+              <a:off x="4333661" y="2834333"/>
+              <a:ext cx="1458180" cy="1663040"/>
+              <a:chOff x="4196780" y="2834333"/>
+              <a:chExt cx="1458180" cy="1663040"/>
+            </a:xfrm>
+          </p:grpSpPr>
+          <p:sp>
+            <p:nvSpPr>
+              <p:cNvPr id="23" name="Freeform: Shape 2"/>
+              <p:cNvSpPr>
+                <a:spLocks/>
+              </p:cNvSpPr>
+              <p:nvPr/>
+            </p:nvSpPr>
+            <p:spPr bwMode="auto">
+              <a:xfrm>
+                <a:off x="4196780" y="2834333"/>
+                <a:ext cx="1458180" cy="1663040"/>
+              </a:xfrm>
+              <a:custGeom>
+                <a:avLst/>
+                <a:gdLst>
+                  <a:gd name="T0" fmla="*/ 573 w 1146"/>
+                  <a:gd name="T1" fmla="*/ 0 h 1307"/>
+                  <a:gd name="T2" fmla="*/ 1146 w 1146"/>
+                  <a:gd name="T3" fmla="*/ 287 h 1307"/>
+                  <a:gd name="T4" fmla="*/ 1146 w 1146"/>
+                  <a:gd name="T5" fmla="*/ 1021 h 1307"/>
+                  <a:gd name="T6" fmla="*/ 573 w 1146"/>
+                  <a:gd name="T7" fmla="*/ 1307 h 1307"/>
+                  <a:gd name="T8" fmla="*/ 0 w 1146"/>
+                  <a:gd name="T9" fmla="*/ 1021 h 1307"/>
+                  <a:gd name="T10" fmla="*/ 0 w 1146"/>
+                  <a:gd name="T11" fmla="*/ 287 h 1307"/>
+                  <a:gd name="T12" fmla="*/ 573 w 1146"/>
+                  <a:gd name="T13" fmla="*/ 0 h 1307"/>
+                </a:gdLst>
+                <a:ahLst/>
+                <a:cxnLst>
+                  <a:cxn ang="0">
+                    <a:pos x="T0" y="T1"/>
+                  </a:cxn>
+                  <a:cxn ang="0">
+                    <a:pos x="T2" y="T3"/>
+                  </a:cxn>
+                  <a:cxn ang="0">
+                    <a:pos x="T4" y="T5"/>
+                  </a:cxn>
+                  <a:cxn ang="0">
+                    <a:pos x="T6" y="T7"/>
+                  </a:cxn>
+                  <a:cxn ang="0">
+                    <a:pos x="T8" y="T9"/>
+                  </a:cxn>
+                  <a:cxn ang="0">
+                    <a:pos x="T10" y="T11"/>
+                  </a:cxn>
+                  <a:cxn ang="0">
+                    <a:pos x="T12" y="T13"/>
+                  </a:cxn>
+                </a:cxnLst>
+                <a:rect l="0" t="0" r="r" b="b"/>
+                <a:pathLst>
+                  <a:path w="1146" h="1307">
+                    <a:moveTo>
+                      <a:pt x="573" y="0"/>
+                    </a:moveTo>
+                    <a:lnTo>
+                      <a:pt x="1146" y="287"/>
+                    </a:lnTo>
+                    <a:lnTo>
+                      <a:pt x="1146" y="1021"/>
+                    </a:lnTo>
+                    <a:lnTo>
+                      <a:pt x="573" y="1307"/>
+                    </a:lnTo>
+                    <a:lnTo>
+                      <a:pt x="0" y="1021"/>
+                    </a:lnTo>
+                    <a:lnTo>
+                      <a:pt x="0" y="287"/>
+                    </a:lnTo>
+                    <a:lnTo>
+                      <a:pt x="573" y="0"/>
+                    </a:lnTo>
+                    <a:close/>
+                  </a:path>
+                </a:pathLst>
+              </a:custGeom>
+              <a:noFill/>
+              <a:ln w="28575">
+                <a:solidFill>
+                  <a:schemeClr val="accent2"/>
+                </a:solidFill>
+              </a:ln>
+              <a:extLst/>
+            </p:spPr>
+            <p:txBody>
+              <a:bodyPr anchor="ctr"/>
+              <a:lstStyle/>
+              <a:p>
+                <a:pPr algn="ctr"/>
+                <a:endParaRPr/>
+              </a:p>
+            </p:txBody>
+          </p:sp>
+          <p:sp>
+            <p:nvSpPr>
+              <p:cNvPr id="24" name="Freeform: Shape 11"/>
+              <p:cNvSpPr>
+                <a:spLocks noChangeAspect="1"/>
+              </p:cNvSpPr>
+              <p:nvPr/>
+            </p:nvSpPr>
+            <p:spPr bwMode="auto">
+              <a:xfrm>
+                <a:off x="4660320" y="3439028"/>
+                <a:ext cx="531100" cy="453650"/>
+              </a:xfrm>
+              <a:custGeom>
+                <a:avLst/>
+                <a:gdLst>
+                  <a:gd name="T0" fmla="*/ 48 w 48"/>
+                  <a:gd name="T1" fmla="*/ 38 h 41"/>
+                  <a:gd name="T2" fmla="*/ 45 w 48"/>
+                  <a:gd name="T3" fmla="*/ 41 h 41"/>
+                  <a:gd name="T4" fmla="*/ 37 w 48"/>
+                  <a:gd name="T5" fmla="*/ 41 h 41"/>
+                  <a:gd name="T6" fmla="*/ 34 w 48"/>
+                  <a:gd name="T7" fmla="*/ 38 h 41"/>
+                  <a:gd name="T8" fmla="*/ 34 w 48"/>
+                  <a:gd name="T9" fmla="*/ 30 h 41"/>
+                  <a:gd name="T10" fmla="*/ 37 w 48"/>
+                  <a:gd name="T11" fmla="*/ 27 h 41"/>
+                  <a:gd name="T12" fmla="*/ 39 w 48"/>
+                  <a:gd name="T13" fmla="*/ 27 h 41"/>
+                  <a:gd name="T14" fmla="*/ 39 w 48"/>
+                  <a:gd name="T15" fmla="*/ 22 h 41"/>
+                  <a:gd name="T16" fmla="*/ 25 w 48"/>
+                  <a:gd name="T17" fmla="*/ 22 h 41"/>
+                  <a:gd name="T18" fmla="*/ 25 w 48"/>
+                  <a:gd name="T19" fmla="*/ 27 h 41"/>
+                  <a:gd name="T20" fmla="*/ 28 w 48"/>
+                  <a:gd name="T21" fmla="*/ 27 h 41"/>
+                  <a:gd name="T22" fmla="*/ 31 w 48"/>
+                  <a:gd name="T23" fmla="*/ 30 h 41"/>
+                  <a:gd name="T24" fmla="*/ 31 w 48"/>
+                  <a:gd name="T25" fmla="*/ 38 h 41"/>
+                  <a:gd name="T26" fmla="*/ 28 w 48"/>
+                  <a:gd name="T27" fmla="*/ 41 h 41"/>
+                  <a:gd name="T28" fmla="*/ 19 w 48"/>
+                  <a:gd name="T29" fmla="*/ 41 h 41"/>
+                  <a:gd name="T30" fmla="*/ 17 w 48"/>
+                  <a:gd name="T31" fmla="*/ 38 h 41"/>
+                  <a:gd name="T32" fmla="*/ 17 w 48"/>
+                  <a:gd name="T33" fmla="*/ 30 h 41"/>
+                  <a:gd name="T34" fmla="*/ 19 w 48"/>
+                  <a:gd name="T35" fmla="*/ 27 h 41"/>
+                  <a:gd name="T36" fmla="*/ 22 w 48"/>
+                  <a:gd name="T37" fmla="*/ 27 h 41"/>
+                  <a:gd name="T38" fmla="*/ 22 w 48"/>
+                  <a:gd name="T39" fmla="*/ 22 h 41"/>
+                  <a:gd name="T40" fmla="*/ 8 w 48"/>
+                  <a:gd name="T41" fmla="*/ 22 h 41"/>
+                  <a:gd name="T42" fmla="*/ 8 w 48"/>
+                  <a:gd name="T43" fmla="*/ 27 h 41"/>
+                  <a:gd name="T44" fmla="*/ 11 w 48"/>
+                  <a:gd name="T45" fmla="*/ 27 h 41"/>
+                  <a:gd name="T46" fmla="*/ 13 w 48"/>
+                  <a:gd name="T47" fmla="*/ 30 h 41"/>
+                  <a:gd name="T48" fmla="*/ 13 w 48"/>
+                  <a:gd name="T49" fmla="*/ 38 h 41"/>
+                  <a:gd name="T50" fmla="*/ 11 w 48"/>
+                  <a:gd name="T51" fmla="*/ 41 h 41"/>
+                  <a:gd name="T52" fmla="*/ 2 w 48"/>
+                  <a:gd name="T53" fmla="*/ 41 h 41"/>
+                  <a:gd name="T54" fmla="*/ 0 w 48"/>
+                  <a:gd name="T55" fmla="*/ 38 h 41"/>
+                  <a:gd name="T56" fmla="*/ 0 w 48"/>
+                  <a:gd name="T57" fmla="*/ 30 h 41"/>
+                  <a:gd name="T58" fmla="*/ 2 w 48"/>
+                  <a:gd name="T59" fmla="*/ 27 h 41"/>
+                  <a:gd name="T60" fmla="*/ 5 w 48"/>
+                  <a:gd name="T61" fmla="*/ 27 h 41"/>
+                  <a:gd name="T62" fmla="*/ 5 w 48"/>
+                  <a:gd name="T63" fmla="*/ 22 h 41"/>
+                  <a:gd name="T64" fmla="*/ 8 w 48"/>
+                  <a:gd name="T65" fmla="*/ 19 h 41"/>
+                  <a:gd name="T66" fmla="*/ 22 w 48"/>
+                  <a:gd name="T67" fmla="*/ 19 h 41"/>
+                  <a:gd name="T68" fmla="*/ 22 w 48"/>
+                  <a:gd name="T69" fmla="*/ 13 h 41"/>
+                  <a:gd name="T70" fmla="*/ 19 w 48"/>
+                  <a:gd name="T71" fmla="*/ 13 h 41"/>
+                  <a:gd name="T72" fmla="*/ 17 w 48"/>
+                  <a:gd name="T73" fmla="*/ 11 h 41"/>
+                  <a:gd name="T74" fmla="*/ 17 w 48"/>
+                  <a:gd name="T75" fmla="*/ 2 h 41"/>
+                  <a:gd name="T76" fmla="*/ 19 w 48"/>
+                  <a:gd name="T77" fmla="*/ 0 h 41"/>
+                  <a:gd name="T78" fmla="*/ 28 w 48"/>
+                  <a:gd name="T79" fmla="*/ 0 h 41"/>
+                  <a:gd name="T80" fmla="*/ 31 w 48"/>
+                  <a:gd name="T81" fmla="*/ 2 h 41"/>
+                  <a:gd name="T82" fmla="*/ 31 w 48"/>
+                  <a:gd name="T83" fmla="*/ 11 h 41"/>
+                  <a:gd name="T84" fmla="*/ 28 w 48"/>
+                  <a:gd name="T85" fmla="*/ 13 h 41"/>
+                  <a:gd name="T86" fmla="*/ 25 w 48"/>
+                  <a:gd name="T87" fmla="*/ 13 h 41"/>
+                  <a:gd name="T88" fmla="*/ 25 w 48"/>
+                  <a:gd name="T89" fmla="*/ 19 h 41"/>
+                  <a:gd name="T90" fmla="*/ 39 w 48"/>
+                  <a:gd name="T91" fmla="*/ 19 h 41"/>
+                  <a:gd name="T92" fmla="*/ 43 w 48"/>
+                  <a:gd name="T93" fmla="*/ 22 h 41"/>
+                  <a:gd name="T94" fmla="*/ 43 w 48"/>
+                  <a:gd name="T95" fmla="*/ 27 h 41"/>
+                  <a:gd name="T96" fmla="*/ 45 w 48"/>
+                  <a:gd name="T97" fmla="*/ 27 h 41"/>
+                  <a:gd name="T98" fmla="*/ 48 w 48"/>
+                  <a:gd name="T99" fmla="*/ 30 h 41"/>
+                  <a:gd name="T100" fmla="*/ 48 w 48"/>
+                  <a:gd name="T101" fmla="*/ 38 h 41"/>
+                </a:gdLst>
+                <a:ahLst/>
+                <a:cxnLst>
+                  <a:cxn ang="0">
+                    <a:pos x="T0" y="T1"/>
+                  </a:cxn>
+                  <a:cxn ang="0">
+                    <a:pos x="T2" y="T3"/>
+                  </a:cxn>
+                  <a:cxn ang="0">
+                    <a:pos x="T4" y="T5"/>
+                  </a:cxn>
+                  <a:cxn ang="0">
+                    <a:pos x="T6" y="T7"/>
+                  </a:cxn>
+                  <a:cxn ang="0">
+                    <a:pos x="T8" y="T9"/>
+                  </a:cxn>
+                  <a:cxn ang="0">
+                    <a:pos x="T10" y="T11"/>
+                  </a:cxn>
+                  <a:cxn ang="0">
+                    <a:pos x="T12" y="T13"/>
+                  </a:cxn>
+                  <a:cxn ang="0">
+                    <a:pos x="T14" y="T15"/>
+                  </a:cxn>
+                  <a:cxn ang="0">
+                    <a:pos x="T16" y="T17"/>
+                  </a:cxn>
+                  <a:cxn ang="0">
+                    <a:pos x="T18" y="T19"/>
+                  </a:cxn>
+                  <a:cxn ang="0">
+                    <a:pos x="T20" y="T21"/>
+                  </a:cxn>
+                  <a:cxn ang="0">
+                    <a:pos x="T22" y="T23"/>
+                  </a:cxn>
+                  <a:cxn ang="0">
+                    <a:pos x="T24" y="T25"/>
+                  </a:cxn>
+                  <a:cxn ang="0">
+                    <a:pos x="T26" y="T27"/>
+                  </a:cxn>
+                  <a:cxn ang="0">
+                    <a:pos x="T28" y="T29"/>
+                  </a:cxn>
+                  <a:cxn ang="0">
+                    <a:pos x="T30" y="T31"/>
+                  </a:cxn>
+                  <a:cxn ang="0">
+                    <a:pos x="T32" y="T33"/>
+                  </a:cxn>
+                  <a:cxn ang="0">
+                    <a:pos x="T34" y="T35"/>
+                  </a:cxn>
+                  <a:cxn ang="0">
+                    <a:pos x="T36" y="T37"/>
+                  </a:cxn>
+                  <a:cxn ang="0">
+                    <a:pos x="T38" y="T39"/>
+                  </a:cxn>
+                  <a:cxn ang="0">
+                    <a:pos x="T40" y="T41"/>
+                  </a:cxn>
+                  <a:cxn ang="0">
+                    <a:pos x="T42" y="T43"/>
+                  </a:cxn>
+                  <a:cxn ang="0">
+                    <a:pos x="T44" y="T45"/>
+                  </a:cxn>
+                  <a:cxn ang="0">
+                    <a:pos x="T46" y="T47"/>
+                  </a:cxn>
+                  <a:cxn ang="0">
+                    <a:pos x="T48" y="T49"/>
+                  </a:cxn>
+                  <a:cxn ang="0">
+                    <a:pos x="T50" y="T51"/>
+                  </a:cxn>
+                  <a:cxn ang="0">
+                    <a:pos x="T52" y="T53"/>
+                  </a:cxn>
+                  <a:cxn ang="0">
+                    <a:pos x="T54" y="T55"/>
+                  </a:cxn>
+                  <a:cxn ang="0">
+                    <a:pos x="T56" y="T57"/>
+                  </a:cxn>
+                  <a:cxn ang="0">
+                    <a:pos x="T58" y="T59"/>
+                  </a:cxn>
+                  <a:cxn ang="0">
+                    <a:pos x="T60" y="T61"/>
+                  </a:cxn>
+                  <a:cxn ang="0">
+                    <a:pos x="T62" y="T63"/>
+                  </a:cxn>
+                  <a:cxn ang="0">
+                    <a:pos x="T64" y="T65"/>
+                  </a:cxn>
+                  <a:cxn ang="0">
+                    <a:pos x="T66" y="T67"/>
+                  </a:cxn>
+                  <a:cxn ang="0">
+                    <a:pos x="T68" y="T69"/>
+                  </a:cxn>
+                  <a:cxn ang="0">
+                    <a:pos x="T70" y="T71"/>
+                  </a:cxn>
+                  <a:cxn ang="0">
+                    <a:pos x="T72" y="T73"/>
+                  </a:cxn>
+                  <a:cxn ang="0">
+                    <a:pos x="T74" y="T75"/>
+                  </a:cxn>
+                  <a:cxn ang="0">
+                    <a:pos x="T76" y="T77"/>
+                  </a:cxn>
+                  <a:cxn ang="0">
+                    <a:pos x="T78" y="T79"/>
+                  </a:cxn>
+                  <a:cxn ang="0">
+                    <a:pos x="T80" y="T81"/>
+                  </a:cxn>
+                  <a:cxn ang="0">
+                    <a:pos x="T82" y="T83"/>
+                  </a:cxn>
+                  <a:cxn ang="0">
+                    <a:pos x="T84" y="T85"/>
+                  </a:cxn>
+                  <a:cxn ang="0">
+                    <a:pos x="T86" y="T87"/>
+                  </a:cxn>
+                  <a:cxn ang="0">
+                    <a:pos x="T88" y="T89"/>
+                  </a:cxn>
+                  <a:cxn ang="0">
+                    <a:pos x="T90" y="T91"/>
+                  </a:cxn>
+                  <a:cxn ang="0">
+                    <a:pos x="T92" y="T93"/>
+                  </a:cxn>
+                  <a:cxn ang="0">
+                    <a:pos x="T94" y="T95"/>
+                  </a:cxn>
+                  <a:cxn ang="0">
+                    <a:pos x="T96" y="T97"/>
+                  </a:cxn>
+                  <a:cxn ang="0">
+                    <a:pos x="T98" y="T99"/>
+                  </a:cxn>
+                  <a:cxn ang="0">
+                    <a:pos x="T100" y="T101"/>
+                  </a:cxn>
+                </a:cxnLst>
+                <a:rect l="0" t="0" r="r" b="b"/>
+                <a:pathLst>
+                  <a:path w="48" h="41">
+                    <a:moveTo>
+                      <a:pt x="48" y="38"/>
+                    </a:moveTo>
+                    <a:cubicBezTo>
+                      <a:pt x="48" y="40"/>
+                      <a:pt x="47" y="41"/>
+                      <a:pt x="45" y="41"/>
+                    </a:cubicBezTo>
+                    <a:cubicBezTo>
+                      <a:pt x="37" y="41"/>
+                      <a:pt x="37" y="41"/>
+                      <a:pt x="37" y="41"/>
+                    </a:cubicBezTo>
+                    <a:cubicBezTo>
+                      <a:pt x="35" y="41"/>
+                      <a:pt x="34" y="40"/>
+                      <a:pt x="34" y="38"/>
+                    </a:cubicBezTo>
+                    <a:cubicBezTo>
+                      <a:pt x="34" y="30"/>
+                      <a:pt x="34" y="30"/>
+                      <a:pt x="34" y="30"/>
+                    </a:cubicBezTo>
+                    <a:cubicBezTo>
+                      <a:pt x="34" y="28"/>
+                      <a:pt x="35" y="27"/>
+                      <a:pt x="37" y="27"/>
+                    </a:cubicBezTo>
+                    <a:cubicBezTo>
+                      <a:pt x="39" y="27"/>
+                      <a:pt x="39" y="27"/>
+                      <a:pt x="39" y="27"/>
+                    </a:cubicBezTo>
+                    <a:cubicBezTo>
+                      <a:pt x="39" y="22"/>
+                      <a:pt x="39" y="22"/>
+                      <a:pt x="39" y="22"/>
+                    </a:cubicBezTo>
+                    <a:cubicBezTo>
+                      <a:pt x="25" y="22"/>
+                      <a:pt x="25" y="22"/>
+                      <a:pt x="25" y="22"/>
+                    </a:cubicBezTo>
+                    <a:cubicBezTo>
+                      <a:pt x="25" y="27"/>
+                      <a:pt x="25" y="27"/>
+                      <a:pt x="25" y="27"/>
+                    </a:cubicBezTo>
+                    <a:cubicBezTo>
+                      <a:pt x="28" y="27"/>
+                      <a:pt x="28" y="27"/>
+                      <a:pt x="28" y="27"/>
+                    </a:cubicBezTo>
+                    <a:cubicBezTo>
+                      <a:pt x="29" y="27"/>
+                      <a:pt x="31" y="28"/>
+                      <a:pt x="31" y="30"/>
+                    </a:cubicBezTo>
+                    <a:cubicBezTo>
+                      <a:pt x="31" y="38"/>
+                      <a:pt x="31" y="38"/>
+                      <a:pt x="31" y="38"/>
+                    </a:cubicBezTo>
+                    <a:cubicBezTo>
+                      <a:pt x="31" y="40"/>
+                      <a:pt x="29" y="41"/>
+                      <a:pt x="28" y="41"/>
+                    </a:cubicBezTo>
+                    <a:cubicBezTo>
+                      <a:pt x="19" y="41"/>
+                      <a:pt x="19" y="41"/>
+                      <a:pt x="19" y="41"/>
+                    </a:cubicBezTo>
+                    <a:cubicBezTo>
+                      <a:pt x="18" y="41"/>
+                      <a:pt x="17" y="40"/>
+                      <a:pt x="17" y="38"/>
+                    </a:cubicBezTo>
+                    <a:cubicBezTo>
+                      <a:pt x="17" y="30"/>
+                      <a:pt x="17" y="30"/>
+                      <a:pt x="17" y="30"/>
+                    </a:cubicBezTo>
+                    <a:cubicBezTo>
+                      <a:pt x="17" y="28"/>
+                      <a:pt x="18" y="27"/>
+                      <a:pt x="19" y="27"/>
+                    </a:cubicBezTo>
+                    <a:cubicBezTo>
+                      <a:pt x="22" y="27"/>
+                      <a:pt x="22" y="27"/>
+                      <a:pt x="22" y="27"/>
+                    </a:cubicBezTo>
+                    <a:cubicBezTo>
+                      <a:pt x="22" y="22"/>
+                      <a:pt x="22" y="22"/>
+                      <a:pt x="22" y="22"/>
+                    </a:cubicBezTo>
+                    <a:cubicBezTo>
+                      <a:pt x="8" y="22"/>
+                      <a:pt x="8" y="22"/>
+                      <a:pt x="8" y="22"/>
+                    </a:cubicBezTo>
+                    <a:cubicBezTo>
+                      <a:pt x="8" y="27"/>
+                      <a:pt x="8" y="27"/>
+                      <a:pt x="8" y="27"/>
+                    </a:cubicBezTo>
+                    <a:cubicBezTo>
+                      <a:pt x="11" y="27"/>
+                      <a:pt x="11" y="27"/>
+                      <a:pt x="11" y="27"/>
+                    </a:cubicBezTo>
+                    <a:cubicBezTo>
+                      <a:pt x="12" y="27"/>
+                      <a:pt x="13" y="28"/>
+                      <a:pt x="13" y="30"/>
+                    </a:cubicBezTo>
+                    <a:cubicBezTo>
+                      <a:pt x="13" y="38"/>
+                      <a:pt x="13" y="38"/>
+                      <a:pt x="13" y="38"/>
+                    </a:cubicBezTo>
+                    <a:cubicBezTo>
+                      <a:pt x="13" y="40"/>
+                      <a:pt x="12" y="41"/>
+                      <a:pt x="11" y="41"/>
+                    </a:cubicBezTo>
+                    <a:cubicBezTo>
+                      <a:pt x="2" y="41"/>
+                      <a:pt x="2" y="41"/>
+                      <a:pt x="2" y="41"/>
+                    </a:cubicBezTo>
+                    <a:cubicBezTo>
+                      <a:pt x="1" y="41"/>
+                      <a:pt x="0" y="40"/>
+                      <a:pt x="0" y="38"/>
+                    </a:cubicBezTo>
+                    <a:cubicBezTo>
+                      <a:pt x="0" y="30"/>
+                      <a:pt x="0" y="30"/>
+                      <a:pt x="0" y="30"/>
+                    </a:cubicBezTo>
+                    <a:cubicBezTo>
+                      <a:pt x="0" y="28"/>
+                      <a:pt x="1" y="27"/>
+                      <a:pt x="2" y="27"/>
+                    </a:cubicBezTo>
+                    <a:cubicBezTo>
+                      <a:pt x="5" y="27"/>
+                      <a:pt x="5" y="27"/>
+                      <a:pt x="5" y="27"/>
+                    </a:cubicBezTo>
+                    <a:cubicBezTo>
+                      <a:pt x="5" y="22"/>
+                      <a:pt x="5" y="22"/>
+                      <a:pt x="5" y="22"/>
+                    </a:cubicBezTo>
+                    <a:cubicBezTo>
+                      <a:pt x="5" y="20"/>
+                      <a:pt x="6" y="19"/>
+                      <a:pt x="8" y="19"/>
+                    </a:cubicBezTo>
+                    <a:cubicBezTo>
+                      <a:pt x="22" y="19"/>
+                      <a:pt x="22" y="19"/>
+                      <a:pt x="22" y="19"/>
+                    </a:cubicBezTo>
+                    <a:cubicBezTo>
+                      <a:pt x="22" y="13"/>
+                      <a:pt x="22" y="13"/>
+                      <a:pt x="22" y="13"/>
+                    </a:cubicBezTo>
+                    <a:cubicBezTo>
+                      <a:pt x="19" y="13"/>
+                      <a:pt x="19" y="13"/>
+                      <a:pt x="19" y="13"/>
+                    </a:cubicBezTo>
+                    <a:cubicBezTo>
+                      <a:pt x="18" y="13"/>
+                      <a:pt x="17" y="12"/>
+                      <a:pt x="17" y="11"/>
+                    </a:cubicBezTo>
+                    <a:cubicBezTo>
+                      <a:pt x="17" y="2"/>
+                      <a:pt x="17" y="2"/>
+                      <a:pt x="17" y="2"/>
+                    </a:cubicBezTo>
+                    <a:cubicBezTo>
+                      <a:pt x="17" y="1"/>
+                      <a:pt x="18" y="0"/>
+                      <a:pt x="19" y="0"/>
+                    </a:cubicBezTo>
+                    <a:cubicBezTo>
+                      <a:pt x="28" y="0"/>
+                      <a:pt x="28" y="0"/>
+                      <a:pt x="28" y="0"/>
+                    </a:cubicBezTo>
+                    <a:cubicBezTo>
+                      <a:pt x="29" y="0"/>
+                      <a:pt x="31" y="1"/>
+                      <a:pt x="31" y="2"/>
+                    </a:cubicBezTo>
+                    <a:cubicBezTo>
+                      <a:pt x="31" y="11"/>
+                      <a:pt x="31" y="11"/>
+                      <a:pt x="31" y="11"/>
+                    </a:cubicBezTo>
+                    <a:cubicBezTo>
+                      <a:pt x="31" y="12"/>
+                      <a:pt x="29" y="13"/>
+                      <a:pt x="28" y="13"/>
+                    </a:cubicBezTo>
+                    <a:cubicBezTo>
+                      <a:pt x="25" y="13"/>
+                      <a:pt x="25" y="13"/>
+                      <a:pt x="25" y="13"/>
+                    </a:cubicBezTo>
+                    <a:cubicBezTo>
+                      <a:pt x="25" y="19"/>
+                      <a:pt x="25" y="19"/>
+                      <a:pt x="25" y="19"/>
+                    </a:cubicBezTo>
+                    <a:cubicBezTo>
+                      <a:pt x="39" y="19"/>
+                      <a:pt x="39" y="19"/>
+                      <a:pt x="39" y="19"/>
+                    </a:cubicBezTo>
+                    <a:cubicBezTo>
+                      <a:pt x="41" y="19"/>
+                      <a:pt x="43" y="20"/>
+                      <a:pt x="43" y="22"/>
+                    </a:cubicBezTo>
+                    <a:cubicBezTo>
+                      <a:pt x="43" y="27"/>
+                      <a:pt x="43" y="27"/>
+                      <a:pt x="43" y="27"/>
+                    </a:cubicBezTo>
+                    <a:cubicBezTo>
+                      <a:pt x="45" y="27"/>
+                      <a:pt x="45" y="27"/>
+                      <a:pt x="45" y="27"/>
+                    </a:cubicBezTo>
+                    <a:cubicBezTo>
+                      <a:pt x="47" y="27"/>
+                      <a:pt x="48" y="28"/>
+                      <a:pt x="48" y="30"/>
+                    </a:cubicBezTo>
+                    <a:lnTo>
+                      <a:pt x="48" y="38"/>
+                    </a:lnTo>
+                    <a:close/>
+                  </a:path>
+                </a:pathLst>
+              </a:custGeom>
+              <a:solidFill>
+                <a:schemeClr val="accent2">
+                  <a:lumMod val="100000"/>
+                </a:schemeClr>
+              </a:solidFill>
+              <a:ln>
+                <a:noFill/>
+              </a:ln>
+            </p:spPr>
+            <p:txBody>
+              <a:bodyPr anchor="ctr"/>
+              <a:lstStyle/>
+              <a:p>
+                <a:pPr algn="ctr"/>
+                <a:endParaRPr/>
+              </a:p>
+            </p:txBody>
+          </p:sp>
+        </p:grpSp>
+        <p:grpSp>
+          <p:nvGrpSpPr>
+            <p:cNvPr id="5" name="Group 30"/>
+            <p:cNvGrpSpPr/>
+            <p:nvPr/>
+          </p:nvGrpSpPr>
+          <p:grpSpPr>
+            <a:xfrm>
+              <a:off x="6899276" y="2834333"/>
+              <a:ext cx="1458180" cy="1663040"/>
+              <a:chOff x="6537040" y="2834333"/>
+              <a:chExt cx="1458180" cy="1663040"/>
+            </a:xfrm>
+          </p:grpSpPr>
+          <p:sp>
+            <p:nvSpPr>
+              <p:cNvPr id="21" name="Freeform: Shape 3"/>
+              <p:cNvSpPr>
+                <a:spLocks/>
+              </p:cNvSpPr>
+              <p:nvPr/>
+            </p:nvSpPr>
+            <p:spPr bwMode="auto">
+              <a:xfrm>
+                <a:off x="6537040" y="2834333"/>
+                <a:ext cx="1458180" cy="1663040"/>
+              </a:xfrm>
+              <a:custGeom>
+                <a:avLst/>
+                <a:gdLst>
+                  <a:gd name="T0" fmla="*/ 573 w 1146"/>
+                  <a:gd name="T1" fmla="*/ 0 h 1307"/>
+                  <a:gd name="T2" fmla="*/ 1146 w 1146"/>
+                  <a:gd name="T3" fmla="*/ 287 h 1307"/>
+                  <a:gd name="T4" fmla="*/ 1146 w 1146"/>
+                  <a:gd name="T5" fmla="*/ 1021 h 1307"/>
+                  <a:gd name="T6" fmla="*/ 573 w 1146"/>
+                  <a:gd name="T7" fmla="*/ 1307 h 1307"/>
+                  <a:gd name="T8" fmla="*/ 0 w 1146"/>
+                  <a:gd name="T9" fmla="*/ 1021 h 1307"/>
+                  <a:gd name="T10" fmla="*/ 0 w 1146"/>
+                  <a:gd name="T11" fmla="*/ 287 h 1307"/>
+                  <a:gd name="T12" fmla="*/ 573 w 1146"/>
+                  <a:gd name="T13" fmla="*/ 0 h 1307"/>
+                </a:gdLst>
+                <a:ahLst/>
+                <a:cxnLst>
+                  <a:cxn ang="0">
+                    <a:pos x="T0" y="T1"/>
+                  </a:cxn>
+                  <a:cxn ang="0">
+                    <a:pos x="T2" y="T3"/>
+                  </a:cxn>
+                  <a:cxn ang="0">
+                    <a:pos x="T4" y="T5"/>
+                  </a:cxn>
+                  <a:cxn ang="0">
+                    <a:pos x="T6" y="T7"/>
+                  </a:cxn>
+                  <a:cxn ang="0">
+                    <a:pos x="T8" y="T9"/>
+                  </a:cxn>
+                  <a:cxn ang="0">
+                    <a:pos x="T10" y="T11"/>
+                  </a:cxn>
+                  <a:cxn ang="0">
+                    <a:pos x="T12" y="T13"/>
+                  </a:cxn>
+                </a:cxnLst>
+                <a:rect l="0" t="0" r="r" b="b"/>
+                <a:pathLst>
+                  <a:path w="1146" h="1307">
+                    <a:moveTo>
+                      <a:pt x="573" y="0"/>
+                    </a:moveTo>
+                    <a:lnTo>
+                      <a:pt x="1146" y="287"/>
+                    </a:lnTo>
+                    <a:lnTo>
+                      <a:pt x="1146" y="1021"/>
+                    </a:lnTo>
+                    <a:lnTo>
+                      <a:pt x="573" y="1307"/>
+                    </a:lnTo>
+                    <a:lnTo>
+                      <a:pt x="0" y="1021"/>
+                    </a:lnTo>
+                    <a:lnTo>
+                      <a:pt x="0" y="287"/>
+                    </a:lnTo>
+                    <a:lnTo>
+                      <a:pt x="573" y="0"/>
+                    </a:lnTo>
+                    <a:close/>
+                  </a:path>
+                </a:pathLst>
+              </a:custGeom>
+              <a:noFill/>
+              <a:ln w="28575">
+                <a:solidFill>
+                  <a:schemeClr val="accent3"/>
+                </a:solidFill>
+              </a:ln>
+              <a:extLst/>
+            </p:spPr>
+            <p:txBody>
+              <a:bodyPr anchor="ctr"/>
+              <a:lstStyle/>
+              <a:p>
+                <a:pPr algn="ctr"/>
+                <a:endParaRPr/>
+              </a:p>
+            </p:txBody>
+          </p:sp>
+          <p:sp>
+            <p:nvSpPr>
+              <p:cNvPr id="22" name="Freeform: Shape 12"/>
+              <p:cNvSpPr>
+                <a:spLocks noChangeAspect="1"/>
+              </p:cNvSpPr>
+              <p:nvPr/>
+            </p:nvSpPr>
+            <p:spPr bwMode="auto">
+              <a:xfrm>
+                <a:off x="6988290" y="3404376"/>
+                <a:ext cx="555680" cy="522954"/>
+              </a:xfrm>
+              <a:custGeom>
+                <a:avLst/>
+                <a:gdLst>
+                  <a:gd name="connsiteX0" fmla="*/ 69646 w 508000"/>
+                  <a:gd name="connsiteY0" fmla="*/ 394096 h 478080"/>
+                  <a:gd name="connsiteX1" fmla="*/ 438355 w 508000"/>
+                  <a:gd name="connsiteY1" fmla="*/ 394096 h 478080"/>
+                  <a:gd name="connsiteX2" fmla="*/ 438355 w 508000"/>
+                  <a:gd name="connsiteY2" fmla="*/ 422773 h 478080"/>
+                  <a:gd name="connsiteX3" fmla="*/ 473178 w 508000"/>
+                  <a:gd name="connsiteY3" fmla="*/ 422773 h 478080"/>
+                  <a:gd name="connsiteX4" fmla="*/ 473178 w 508000"/>
+                  <a:gd name="connsiteY4" fmla="*/ 447354 h 478080"/>
+                  <a:gd name="connsiteX5" fmla="*/ 497758 w 508000"/>
+                  <a:gd name="connsiteY5" fmla="*/ 447354 h 478080"/>
+                  <a:gd name="connsiteX6" fmla="*/ 497758 w 508000"/>
+                  <a:gd name="connsiteY6" fmla="*/ 478080 h 478080"/>
+                  <a:gd name="connsiteX7" fmla="*/ 14339 w 508000"/>
+                  <a:gd name="connsiteY7" fmla="*/ 478080 h 478080"/>
+                  <a:gd name="connsiteX8" fmla="*/ 14339 w 508000"/>
+                  <a:gd name="connsiteY8" fmla="*/ 447354 h 478080"/>
+                  <a:gd name="connsiteX9" fmla="*/ 38920 w 508000"/>
+                  <a:gd name="connsiteY9" fmla="*/ 447354 h 478080"/>
+                  <a:gd name="connsiteX10" fmla="*/ 38920 w 508000"/>
+                  <a:gd name="connsiteY10" fmla="*/ 422773 h 478080"/>
+                  <a:gd name="connsiteX11" fmla="*/ 69646 w 508000"/>
+                  <a:gd name="connsiteY11" fmla="*/ 422773 h 478080"/>
+                  <a:gd name="connsiteX12" fmla="*/ 362031 w 508000"/>
+                  <a:gd name="connsiteY12" fmla="*/ 193354 h 478080"/>
+                  <a:gd name="connsiteX13" fmla="*/ 436842 w 508000"/>
+                  <a:gd name="connsiteY13" fmla="*/ 193354 h 478080"/>
+                  <a:gd name="connsiteX14" fmla="*/ 456791 w 508000"/>
+                  <a:gd name="connsiteY14" fmla="*/ 213383 h 478080"/>
+                  <a:gd name="connsiteX15" fmla="*/ 456791 w 508000"/>
+                  <a:gd name="connsiteY15" fmla="*/ 233411 h 478080"/>
+                  <a:gd name="connsiteX16" fmla="*/ 436842 w 508000"/>
+                  <a:gd name="connsiteY16" fmla="*/ 233411 h 478080"/>
+                  <a:gd name="connsiteX17" fmla="*/ 436842 w 508000"/>
+                  <a:gd name="connsiteY17" fmla="*/ 373612 h 478080"/>
+                  <a:gd name="connsiteX18" fmla="*/ 362031 w 508000"/>
+                  <a:gd name="connsiteY18" fmla="*/ 373612 h 478080"/>
+                  <a:gd name="connsiteX19" fmla="*/ 362031 w 508000"/>
+                  <a:gd name="connsiteY19" fmla="*/ 233411 h 478080"/>
+                  <a:gd name="connsiteX20" fmla="*/ 342081 w 508000"/>
+                  <a:gd name="connsiteY20" fmla="*/ 233411 h 478080"/>
+                  <a:gd name="connsiteX21" fmla="*/ 342081 w 508000"/>
+                  <a:gd name="connsiteY21" fmla="*/ 213383 h 478080"/>
+                  <a:gd name="connsiteX22" fmla="*/ 362031 w 508000"/>
+                  <a:gd name="connsiteY22" fmla="*/ 193354 h 478080"/>
+                  <a:gd name="connsiteX23" fmla="*/ 218644 w 508000"/>
+                  <a:gd name="connsiteY23" fmla="*/ 193354 h 478080"/>
+                  <a:gd name="connsiteX24" fmla="*/ 293455 w 508000"/>
+                  <a:gd name="connsiteY24" fmla="*/ 193354 h 478080"/>
+                  <a:gd name="connsiteX25" fmla="*/ 313404 w 508000"/>
+                  <a:gd name="connsiteY25" fmla="*/ 213383 h 478080"/>
+                  <a:gd name="connsiteX26" fmla="*/ 313404 w 508000"/>
+                  <a:gd name="connsiteY26" fmla="*/ 233411 h 478080"/>
+                  <a:gd name="connsiteX27" fmla="*/ 293455 w 508000"/>
+                  <a:gd name="connsiteY27" fmla="*/ 233411 h 478080"/>
+                  <a:gd name="connsiteX28" fmla="*/ 293455 w 508000"/>
+                  <a:gd name="connsiteY28" fmla="*/ 373612 h 478080"/>
+                  <a:gd name="connsiteX29" fmla="*/ 213656 w 508000"/>
+                  <a:gd name="connsiteY29" fmla="*/ 373612 h 478080"/>
+                  <a:gd name="connsiteX30" fmla="*/ 213656 w 508000"/>
+                  <a:gd name="connsiteY30" fmla="*/ 233411 h 478080"/>
+                  <a:gd name="connsiteX31" fmla="*/ 198694 w 508000"/>
+                  <a:gd name="connsiteY31" fmla="*/ 233411 h 478080"/>
+                  <a:gd name="connsiteX32" fmla="*/ 198694 w 508000"/>
+                  <a:gd name="connsiteY32" fmla="*/ 213383 h 478080"/>
+                  <a:gd name="connsiteX33" fmla="*/ 218644 w 508000"/>
+                  <a:gd name="connsiteY33" fmla="*/ 193354 h 478080"/>
+                  <a:gd name="connsiteX34" fmla="*/ 73208 w 508000"/>
+                  <a:gd name="connsiteY34" fmla="*/ 193354 h 478080"/>
+                  <a:gd name="connsiteX35" fmla="*/ 148019 w 508000"/>
+                  <a:gd name="connsiteY35" fmla="*/ 193354 h 478080"/>
+                  <a:gd name="connsiteX36" fmla="*/ 167968 w 508000"/>
+                  <a:gd name="connsiteY36" fmla="*/ 213383 h 478080"/>
+                  <a:gd name="connsiteX37" fmla="*/ 167968 w 508000"/>
+                  <a:gd name="connsiteY37" fmla="*/ 233411 h 478080"/>
+                  <a:gd name="connsiteX38" fmla="*/ 148019 w 508000"/>
+                  <a:gd name="connsiteY38" fmla="*/ 233411 h 478080"/>
+                  <a:gd name="connsiteX39" fmla="*/ 148019 w 508000"/>
+                  <a:gd name="connsiteY39" fmla="*/ 373612 h 478080"/>
+                  <a:gd name="connsiteX40" fmla="*/ 73208 w 508000"/>
+                  <a:gd name="connsiteY40" fmla="*/ 373612 h 478080"/>
+                  <a:gd name="connsiteX41" fmla="*/ 73208 w 508000"/>
+                  <a:gd name="connsiteY41" fmla="*/ 233411 h 478080"/>
+                  <a:gd name="connsiteX42" fmla="*/ 53258 w 508000"/>
+                  <a:gd name="connsiteY42" fmla="*/ 233411 h 478080"/>
+                  <a:gd name="connsiteX43" fmla="*/ 53258 w 508000"/>
+                  <a:gd name="connsiteY43" fmla="*/ 213383 h 478080"/>
+                  <a:gd name="connsiteX44" fmla="*/ 73208 w 508000"/>
+                  <a:gd name="connsiteY44" fmla="*/ 193354 h 478080"/>
+                  <a:gd name="connsiteX45" fmla="*/ 234079 w 508000"/>
+                  <a:gd name="connsiteY45" fmla="*/ 68402 h 478080"/>
+                  <a:gd name="connsiteX46" fmla="*/ 169334 w 508000"/>
+                  <a:gd name="connsiteY46" fmla="*/ 108199 h 478080"/>
+                  <a:gd name="connsiteX47" fmla="*/ 169334 w 508000"/>
+                  <a:gd name="connsiteY47" fmla="*/ 113174 h 478080"/>
+                  <a:gd name="connsiteX48" fmla="*/ 174314 w 508000"/>
+                  <a:gd name="connsiteY48" fmla="*/ 113174 h 478080"/>
+                  <a:gd name="connsiteX49" fmla="*/ 333687 w 508000"/>
+                  <a:gd name="connsiteY49" fmla="*/ 113174 h 478080"/>
+                  <a:gd name="connsiteX50" fmla="*/ 338667 w 508000"/>
+                  <a:gd name="connsiteY50" fmla="*/ 113174 h 478080"/>
+                  <a:gd name="connsiteX51" fmla="*/ 338667 w 508000"/>
+                  <a:gd name="connsiteY51" fmla="*/ 108199 h 478080"/>
+                  <a:gd name="connsiteX52" fmla="*/ 273922 w 508000"/>
+                  <a:gd name="connsiteY52" fmla="*/ 68402 h 478080"/>
+                  <a:gd name="connsiteX53" fmla="*/ 234079 w 508000"/>
+                  <a:gd name="connsiteY53" fmla="*/ 68402 h 478080"/>
+                  <a:gd name="connsiteX54" fmla="*/ 234079 w 508000"/>
+                  <a:gd name="connsiteY54" fmla="*/ 3732 h 478080"/>
+                  <a:gd name="connsiteX55" fmla="*/ 273922 w 508000"/>
+                  <a:gd name="connsiteY55" fmla="*/ 3732 h 478080"/>
+                  <a:gd name="connsiteX56" fmla="*/ 488079 w 508000"/>
+                  <a:gd name="connsiteY56" fmla="*/ 123123 h 478080"/>
+                  <a:gd name="connsiteX57" fmla="*/ 508000 w 508000"/>
+                  <a:gd name="connsiteY57" fmla="*/ 157946 h 478080"/>
+                  <a:gd name="connsiteX58" fmla="*/ 508000 w 508000"/>
+                  <a:gd name="connsiteY58" fmla="*/ 172870 h 478080"/>
+                  <a:gd name="connsiteX59" fmla="*/ 0 w 508000"/>
+                  <a:gd name="connsiteY59" fmla="*/ 172870 h 478080"/>
+                  <a:gd name="connsiteX60" fmla="*/ 0 w 508000"/>
+                  <a:gd name="connsiteY60" fmla="*/ 157946 h 478080"/>
+                  <a:gd name="connsiteX61" fmla="*/ 19922 w 508000"/>
+                  <a:gd name="connsiteY61" fmla="*/ 123123 h 478080"/>
+                  <a:gd name="connsiteX62" fmla="*/ 234079 w 508000"/>
+                  <a:gd name="connsiteY62" fmla="*/ 3732 h 478080"/>
+                </a:gdLst>
+                <a:ahLst/>
+                <a:cxnLst>
+                  <a:cxn ang="0">
+                    <a:pos x="connsiteX0" y="connsiteY0"/>
+                  </a:cxn>
+                  <a:cxn ang="0">
+                    <a:pos x="connsiteX1" y="connsiteY1"/>
+                  </a:cxn>
+                  <a:cxn ang="0">
+                    <a:pos x="connsiteX2" y="connsiteY2"/>
+                  </a:cxn>
+                  <a:cxn ang="0">
+                    <a:pos x="connsiteX3" y="connsiteY3"/>
+                  </a:cxn>
+                  <a:cxn ang="0">
+                    <a:pos x="connsiteX4" y="connsiteY4"/>
+                  </a:cxn>
+                  <a:cxn ang="0">
+                    <a:pos x="connsiteX5" y="connsiteY5"/>
+                  </a:cxn>
+                  <a:cxn ang="0">
+                    <a:pos x="connsiteX6" y="connsiteY6"/>
+                  </a:cxn>
+                  <a:cxn ang="0">
+                    <a:pos x="connsiteX7" y="connsiteY7"/>
+                  </a:cxn>
+                  <a:cxn ang="0">
+                    <a:pos x="connsiteX8" y="connsiteY8"/>
+                  </a:cxn>
+                  <a:cxn ang="0">
+                    <a:pos x="connsiteX9" y="connsiteY9"/>
+                  </a:cxn>
+                  <a:cxn ang="0">
+                    <a:pos x="connsiteX10" y="connsiteY10"/>
+                  </a:cxn>
+                  <a:cxn ang="0">
+                    <a:pos x="connsiteX11" y="connsiteY11"/>
+                  </a:cxn>
+                  <a:cxn ang="0">
+                    <a:pos x="connsiteX12" y="connsiteY12"/>
+                  </a:cxn>
+                  <a:cxn ang="0">
+                    <a:pos x="connsiteX13" y="connsiteY13"/>
+                  </a:cxn>
+                  <a:cxn ang="0">
+                    <a:pos x="connsiteX14" y="connsiteY14"/>
+                  </a:cxn>
+                  <a:cxn ang="0">
+                    <a:pos x="connsiteX15" y="connsiteY15"/>
+                  </a:cxn>
+                  <a:cxn ang="0">
+                    <a:pos x="connsiteX16" y="connsiteY16"/>
+                  </a:cxn>
+                  <a:cxn ang="0">
+                    <a:pos x="connsiteX17" y="connsiteY17"/>
+                  </a:cxn>
+                  <a:cxn ang="0">
+                    <a:pos x="connsiteX18" y="connsiteY18"/>
+                  </a:cxn>
+                  <a:cxn ang="0">
+                    <a:pos x="connsiteX19" y="connsiteY19"/>
+                  </a:cxn>
+                  <a:cxn ang="0">
+                    <a:pos x="connsiteX20" y="connsiteY20"/>
+                  </a:cxn>
+                  <a:cxn ang="0">
+                    <a:pos x="connsiteX21" y="connsiteY21"/>
+                  </a:cxn>
+                  <a:cxn ang="0">
+                    <a:pos x="connsiteX22" y="connsiteY22"/>
+                  </a:cxn>
+                  <a:cxn ang="0">
+                    <a:pos x="connsiteX23" y="connsiteY23"/>
+                  </a:cxn>
+                  <a:cxn ang="0">
+                    <a:pos x="connsiteX24" y="connsiteY24"/>
+                  </a:cxn>
+                  <a:cxn ang="0">
+                    <a:pos x="connsiteX25" y="connsiteY25"/>
+                  </a:cxn>
+                  <a:cxn ang="0">
+                    <a:pos x="connsiteX26" y="connsiteY26"/>
+                  </a:cxn>
+                  <a:cxn ang="0">
+                    <a:pos x="connsiteX27" y="connsiteY27"/>
+                  </a:cxn>
+                  <a:cxn ang="0">
+                    <a:pos x="connsiteX28" y="connsiteY28"/>
+                  </a:cxn>
+                  <a:cxn ang="0">
+                    <a:pos x="connsiteX29" y="connsiteY29"/>
+                  </a:cxn>
+                  <a:cxn ang="0">
+                    <a:pos x="connsiteX30" y="connsiteY30"/>
+                  </a:cxn>
+                  <a:cxn ang="0">
+                    <a:pos x="connsiteX31" y="connsiteY31"/>
+                  </a:cxn>
+                  <a:cxn ang="0">
+                    <a:pos x="connsiteX32" y="connsiteY32"/>
+                  </a:cxn>
+                  <a:cxn ang="0">
+                    <a:pos x="connsiteX33" y="connsiteY33"/>
+                  </a:cxn>
+                  <a:cxn ang="0">
+                    <a:pos x="connsiteX34" y="connsiteY34"/>
+                  </a:cxn>
+                  <a:cxn ang="0">
+                    <a:pos x="connsiteX35" y="connsiteY35"/>
+                  </a:cxn>
+                  <a:cxn ang="0">
+                    <a:pos x="connsiteX36" y="connsiteY36"/>
+                  </a:cxn>
+                  <a:cxn ang="0">
+                    <a:pos x="connsiteX37" y="connsiteY37"/>
+                  </a:cxn>
+                  <a:cxn ang="0">
+                    <a:pos x="connsiteX38" y="connsiteY38"/>
+                  </a:cxn>
+                  <a:cxn ang="0">
+                    <a:pos x="connsiteX39" y="connsiteY39"/>
+                  </a:cxn>
+                  <a:cxn ang="0">
+                    <a:pos x="connsiteX40" y="connsiteY40"/>
+                  </a:cxn>
+                  <a:cxn ang="0">
+                    <a:pos x="connsiteX41" y="connsiteY41"/>
+                  </a:cxn>
+                  <a:cxn ang="0">
+                    <a:pos x="connsiteX42" y="connsiteY42"/>
+                  </a:cxn>
+                  <a:cxn ang="0">
+                    <a:pos x="connsiteX43" y="connsiteY43"/>
+                  </a:cxn>
+                  <a:cxn ang="0">
+                    <a:pos x="connsiteX44" y="connsiteY44"/>
+                  </a:cxn>
+                  <a:cxn ang="0">
+                    <a:pos x="connsiteX45" y="connsiteY45"/>
+                  </a:cxn>
+                  <a:cxn ang="0">
+                    <a:pos x="connsiteX46" y="connsiteY46"/>
+                  </a:cxn>
+                  <a:cxn ang="0">
+                    <a:pos x="connsiteX47" y="connsiteY47"/>
+                  </a:cxn>
+                  <a:cxn ang="0">
+                    <a:pos x="connsiteX48" y="connsiteY48"/>
+                  </a:cxn>
+                  <a:cxn ang="0">
+                    <a:pos x="connsiteX49" y="connsiteY49"/>
+                  </a:cxn>
+                  <a:cxn ang="0">
+                    <a:pos x="connsiteX50" y="connsiteY50"/>
+                  </a:cxn>
+                  <a:cxn ang="0">
+                    <a:pos x="connsiteX51" y="connsiteY51"/>
+                  </a:cxn>
+                  <a:cxn ang="0">
+                    <a:pos x="connsiteX52" y="connsiteY52"/>
+                  </a:cxn>
+                  <a:cxn ang="0">
+                    <a:pos x="connsiteX53" y="connsiteY53"/>
+                  </a:cxn>
+                  <a:cxn ang="0">
+                    <a:pos x="connsiteX54" y="connsiteY54"/>
+                  </a:cxn>
+                  <a:cxn ang="0">
+                    <a:pos x="connsiteX55" y="connsiteY55"/>
+                  </a:cxn>
+                  <a:cxn ang="0">
+                    <a:pos x="connsiteX56" y="connsiteY56"/>
+                  </a:cxn>
+                  <a:cxn ang="0">
+                    <a:pos x="connsiteX57" y="connsiteY57"/>
+                  </a:cxn>
+                  <a:cxn ang="0">
+                    <a:pos x="connsiteX58" y="connsiteY58"/>
+                  </a:cxn>
+                  <a:cxn ang="0">
+                    <a:pos x="connsiteX59" y="connsiteY59"/>
+                  </a:cxn>
+                  <a:cxn ang="0">
+                    <a:pos x="connsiteX60" y="connsiteY60"/>
+                  </a:cxn>
+                  <a:cxn ang="0">
+                    <a:pos x="connsiteX61" y="connsiteY61"/>
+                  </a:cxn>
+                  <a:cxn ang="0">
+                    <a:pos x="connsiteX62" y="connsiteY62"/>
+                  </a:cxn>
+                </a:cxnLst>
+                <a:rect l="l" t="t" r="r" b="b"/>
+                <a:pathLst>
+                  <a:path w="508000" h="478080">
+                    <a:moveTo>
+                      <a:pt x="69646" y="394096"/>
+                    </a:moveTo>
+                    <a:lnTo>
+                      <a:pt x="438355" y="394096"/>
+                    </a:lnTo>
+                    <a:lnTo>
+                      <a:pt x="438355" y="422773"/>
+                    </a:lnTo>
+                    <a:lnTo>
+                      <a:pt x="473178" y="422773"/>
+                    </a:lnTo>
+                    <a:lnTo>
+                      <a:pt x="473178" y="447354"/>
+                    </a:lnTo>
+                    <a:lnTo>
+                      <a:pt x="497758" y="447354"/>
+                    </a:lnTo>
+                    <a:lnTo>
+                      <a:pt x="497758" y="478080"/>
+                    </a:lnTo>
+                    <a:lnTo>
+                      <a:pt x="14339" y="478080"/>
+                    </a:lnTo>
+                    <a:lnTo>
+                      <a:pt x="14339" y="447354"/>
+                    </a:lnTo>
+                    <a:lnTo>
+                      <a:pt x="38920" y="447354"/>
+                    </a:lnTo>
+                    <a:lnTo>
+                      <a:pt x="38920" y="422773"/>
+                    </a:lnTo>
+                    <a:lnTo>
+                      <a:pt x="69646" y="422773"/>
+                    </a:lnTo>
+                    <a:close/>
+                    <a:moveTo>
+                      <a:pt x="362031" y="193354"/>
+                    </a:moveTo>
+                    <a:cubicBezTo>
+                      <a:pt x="362031" y="193354"/>
+                      <a:pt x="362031" y="193354"/>
+                      <a:pt x="436842" y="193354"/>
+                    </a:cubicBezTo>
+                    <a:cubicBezTo>
+                      <a:pt x="446816" y="193354"/>
+                      <a:pt x="456791" y="203368"/>
+                      <a:pt x="456791" y="213383"/>
+                    </a:cubicBezTo>
+                    <a:cubicBezTo>
+                      <a:pt x="456791" y="213383"/>
+                      <a:pt x="456791" y="213383"/>
+                      <a:pt x="456791" y="233411"/>
+                    </a:cubicBezTo>
+                    <a:cubicBezTo>
+                      <a:pt x="456791" y="233411"/>
+                      <a:pt x="456791" y="233411"/>
+                      <a:pt x="436842" y="233411"/>
+                    </a:cubicBezTo>
+                    <a:cubicBezTo>
+                      <a:pt x="436842" y="233411"/>
+                      <a:pt x="436842" y="233411"/>
+                      <a:pt x="436842" y="373612"/>
+                    </a:cubicBezTo>
+                    <a:lnTo>
+                      <a:pt x="362031" y="373612"/>
+                    </a:lnTo>
+                    <a:cubicBezTo>
+                      <a:pt x="362031" y="373612"/>
+                      <a:pt x="362031" y="373612"/>
+                      <a:pt x="362031" y="233411"/>
+                    </a:cubicBezTo>
+                    <a:cubicBezTo>
+                      <a:pt x="362031" y="233411"/>
+                      <a:pt x="362031" y="233411"/>
+                      <a:pt x="342081" y="233411"/>
+                    </a:cubicBezTo>
+                    <a:cubicBezTo>
+                      <a:pt x="342081" y="233411"/>
+                      <a:pt x="342081" y="233411"/>
+                      <a:pt x="342081" y="213383"/>
+                    </a:cubicBezTo>
+                    <a:cubicBezTo>
+                      <a:pt x="342081" y="203368"/>
+                      <a:pt x="352056" y="193354"/>
+                      <a:pt x="362031" y="193354"/>
+                    </a:cubicBezTo>
+                    <a:close/>
+                    <a:moveTo>
+                      <a:pt x="218644" y="193354"/>
+                    </a:moveTo>
+                    <a:cubicBezTo>
+                      <a:pt x="218644" y="193354"/>
+                      <a:pt x="218644" y="193354"/>
+                      <a:pt x="293455" y="193354"/>
+                    </a:cubicBezTo>
+                    <a:cubicBezTo>
+                      <a:pt x="303429" y="193354"/>
+                      <a:pt x="313404" y="203368"/>
+                      <a:pt x="313404" y="213383"/>
+                    </a:cubicBezTo>
+                    <a:cubicBezTo>
+                      <a:pt x="313404" y="213383"/>
+                      <a:pt x="313404" y="213383"/>
+                      <a:pt x="313404" y="233411"/>
+                    </a:cubicBezTo>
+                    <a:cubicBezTo>
+                      <a:pt x="313404" y="233411"/>
+                      <a:pt x="313404" y="233411"/>
+                      <a:pt x="293455" y="233411"/>
+                    </a:cubicBezTo>
+                    <a:cubicBezTo>
+                      <a:pt x="293455" y="233411"/>
+                      <a:pt x="293455" y="233411"/>
+                      <a:pt x="293455" y="373612"/>
+                    </a:cubicBezTo>
+                    <a:lnTo>
+                      <a:pt x="213656" y="373612"/>
+                    </a:lnTo>
+                    <a:cubicBezTo>
+                      <a:pt x="213656" y="373612"/>
+                      <a:pt x="213656" y="373612"/>
+                      <a:pt x="213656" y="233411"/>
+                    </a:cubicBezTo>
+                    <a:cubicBezTo>
+                      <a:pt x="213656" y="233411"/>
+                      <a:pt x="213656" y="233411"/>
+                      <a:pt x="198694" y="233411"/>
+                    </a:cubicBezTo>
+                    <a:cubicBezTo>
+                      <a:pt x="198694" y="233411"/>
+                      <a:pt x="198694" y="233411"/>
+                      <a:pt x="198694" y="213383"/>
+                    </a:cubicBezTo>
+                    <a:cubicBezTo>
+                      <a:pt x="198694" y="203368"/>
+                      <a:pt x="208669" y="193354"/>
+                      <a:pt x="218644" y="193354"/>
+                    </a:cubicBezTo>
+                    <a:close/>
+                    <a:moveTo>
+                      <a:pt x="73208" y="193354"/>
+                    </a:moveTo>
+                    <a:cubicBezTo>
+                      <a:pt x="73208" y="193354"/>
+                      <a:pt x="73208" y="193354"/>
+                      <a:pt x="148019" y="193354"/>
+                    </a:cubicBezTo>
+                    <a:cubicBezTo>
+                      <a:pt x="157993" y="193354"/>
+                      <a:pt x="167968" y="203368"/>
+                      <a:pt x="167968" y="213383"/>
+                    </a:cubicBezTo>
+                    <a:cubicBezTo>
+                      <a:pt x="167968" y="213383"/>
+                      <a:pt x="167968" y="213383"/>
+                      <a:pt x="167968" y="233411"/>
+                    </a:cubicBezTo>
+                    <a:cubicBezTo>
+                      <a:pt x="167968" y="233411"/>
+                      <a:pt x="167968" y="233411"/>
+                      <a:pt x="148019" y="233411"/>
+                    </a:cubicBezTo>
+                    <a:cubicBezTo>
+                      <a:pt x="148019" y="233411"/>
+                      <a:pt x="148019" y="233411"/>
+                      <a:pt x="148019" y="373612"/>
+                    </a:cubicBezTo>
+                    <a:lnTo>
+                      <a:pt x="73208" y="373612"/>
+                    </a:lnTo>
+                    <a:cubicBezTo>
+                      <a:pt x="73208" y="373612"/>
+                      <a:pt x="73208" y="373612"/>
+                      <a:pt x="73208" y="233411"/>
+                    </a:cubicBezTo>
+                    <a:cubicBezTo>
+                      <a:pt x="73208" y="233411"/>
+                      <a:pt x="73208" y="233411"/>
+                      <a:pt x="53258" y="233411"/>
+                    </a:cubicBezTo>
+                    <a:cubicBezTo>
+                      <a:pt x="53258" y="233411"/>
+                      <a:pt x="53258" y="233411"/>
+                      <a:pt x="53258" y="213383"/>
+                    </a:cubicBezTo>
+                    <a:cubicBezTo>
+                      <a:pt x="53258" y="203368"/>
+                      <a:pt x="63233" y="193354"/>
+                      <a:pt x="73208" y="193354"/>
+                    </a:cubicBezTo>
+                    <a:close/>
+                    <a:moveTo>
+                      <a:pt x="234079" y="68402"/>
+                    </a:moveTo>
+                    <a:cubicBezTo>
+                      <a:pt x="234079" y="68402"/>
+                      <a:pt x="234079" y="68402"/>
+                      <a:pt x="169334" y="108199"/>
+                    </a:cubicBezTo>
+                    <a:cubicBezTo>
+                      <a:pt x="169334" y="108199"/>
+                      <a:pt x="169334" y="108199"/>
+                      <a:pt x="169334" y="113174"/>
+                    </a:cubicBezTo>
+                    <a:cubicBezTo>
+                      <a:pt x="169334" y="113174"/>
+                      <a:pt x="169334" y="113174"/>
+                      <a:pt x="174314" y="113174"/>
+                    </a:cubicBezTo>
+                    <a:lnTo>
+                      <a:pt x="333687" y="113174"/>
+                    </a:lnTo>
+                    <a:cubicBezTo>
+                      <a:pt x="338667" y="113174"/>
+                      <a:pt x="338667" y="113174"/>
+                      <a:pt x="338667" y="113174"/>
+                    </a:cubicBezTo>
+                    <a:cubicBezTo>
+                      <a:pt x="338667" y="108199"/>
+                      <a:pt x="338667" y="108199"/>
+                      <a:pt x="338667" y="108199"/>
+                    </a:cubicBezTo>
+                    <a:cubicBezTo>
+                      <a:pt x="338667" y="108199"/>
+                      <a:pt x="338667" y="108199"/>
+                      <a:pt x="273922" y="68402"/>
+                    </a:cubicBezTo>
+                    <a:cubicBezTo>
+                      <a:pt x="258981" y="63428"/>
+                      <a:pt x="249020" y="63428"/>
+                      <a:pt x="234079" y="68402"/>
+                    </a:cubicBezTo>
+                    <a:close/>
+                    <a:moveTo>
+                      <a:pt x="234079" y="3732"/>
+                    </a:moveTo>
+                    <a:cubicBezTo>
+                      <a:pt x="249020" y="-1243"/>
+                      <a:pt x="258981" y="-1243"/>
+                      <a:pt x="273922" y="3732"/>
+                    </a:cubicBezTo>
+                    <a:lnTo>
+                      <a:pt x="488079" y="123123"/>
+                    </a:lnTo>
+                    <a:cubicBezTo>
+                      <a:pt x="498039" y="128098"/>
+                      <a:pt x="508000" y="143022"/>
+                      <a:pt x="508000" y="157946"/>
+                    </a:cubicBezTo>
+                    <a:cubicBezTo>
+                      <a:pt x="508000" y="157946"/>
+                      <a:pt x="508000" y="157946"/>
+                      <a:pt x="508000" y="172870"/>
+                    </a:cubicBezTo>
+                    <a:cubicBezTo>
+                      <a:pt x="508000" y="172870"/>
+                      <a:pt x="508000" y="172870"/>
+                      <a:pt x="0" y="172870"/>
+                    </a:cubicBezTo>
+                    <a:cubicBezTo>
+                      <a:pt x="0" y="172870"/>
+                      <a:pt x="0" y="172870"/>
+                      <a:pt x="0" y="157946"/>
+                    </a:cubicBezTo>
+                    <a:cubicBezTo>
+                      <a:pt x="0" y="143022"/>
+                      <a:pt x="9961" y="128098"/>
+                      <a:pt x="19922" y="123123"/>
+                    </a:cubicBezTo>
+                    <a:cubicBezTo>
+                      <a:pt x="19922" y="123123"/>
+                      <a:pt x="19922" y="123123"/>
+                      <a:pt x="234079" y="3732"/>
+                    </a:cubicBezTo>
+                    <a:close/>
+                  </a:path>
+                </a:pathLst>
+              </a:custGeom>
+              <a:solidFill>
+                <a:schemeClr val="accent3">
+                  <a:lumMod val="100000"/>
+                </a:schemeClr>
+              </a:solidFill>
+              <a:ln>
+                <a:noFill/>
+              </a:ln>
+              <a:extLst/>
+            </p:spPr>
+            <p:txBody>
+              <a:bodyPr anchor="ctr"/>
+              <a:lstStyle/>
+              <a:p>
+                <a:pPr algn="ctr"/>
+                <a:endParaRPr/>
+              </a:p>
+            </p:txBody>
+          </p:sp>
+        </p:grpSp>
+        <p:grpSp>
+          <p:nvGrpSpPr>
+            <p:cNvPr id="6" name="Group 31"/>
+            <p:cNvGrpSpPr/>
+            <p:nvPr/>
+          </p:nvGrpSpPr>
+          <p:grpSpPr>
+            <a:xfrm>
+              <a:off x="9463886" y="2834333"/>
+              <a:ext cx="1458180" cy="1663040"/>
+              <a:chOff x="8877300" y="2834333"/>
+              <a:chExt cx="1458180" cy="1663040"/>
+            </a:xfrm>
+          </p:grpSpPr>
+          <p:sp>
+            <p:nvSpPr>
+              <p:cNvPr id="19" name="Freeform: Shape 4"/>
+              <p:cNvSpPr>
+                <a:spLocks/>
+              </p:cNvSpPr>
+              <p:nvPr/>
+            </p:nvSpPr>
+            <p:spPr bwMode="auto">
+              <a:xfrm>
+                <a:off x="8877300" y="2834333"/>
+                <a:ext cx="1458180" cy="1663040"/>
+              </a:xfrm>
+              <a:custGeom>
+                <a:avLst/>
+                <a:gdLst>
+                  <a:gd name="T0" fmla="*/ 573 w 1146"/>
+                  <a:gd name="T1" fmla="*/ 0 h 1307"/>
+                  <a:gd name="T2" fmla="*/ 1146 w 1146"/>
+                  <a:gd name="T3" fmla="*/ 287 h 1307"/>
+                  <a:gd name="T4" fmla="*/ 1146 w 1146"/>
+                  <a:gd name="T5" fmla="*/ 1021 h 1307"/>
+                  <a:gd name="T6" fmla="*/ 573 w 1146"/>
+                  <a:gd name="T7" fmla="*/ 1307 h 1307"/>
+                  <a:gd name="T8" fmla="*/ 0 w 1146"/>
+                  <a:gd name="T9" fmla="*/ 1021 h 1307"/>
+                  <a:gd name="T10" fmla="*/ 0 w 1146"/>
+                  <a:gd name="T11" fmla="*/ 287 h 1307"/>
+                  <a:gd name="T12" fmla="*/ 573 w 1146"/>
+                  <a:gd name="T13" fmla="*/ 0 h 1307"/>
+                </a:gdLst>
+                <a:ahLst/>
+                <a:cxnLst>
+                  <a:cxn ang="0">
+                    <a:pos x="T0" y="T1"/>
+                  </a:cxn>
+                  <a:cxn ang="0">
+                    <a:pos x="T2" y="T3"/>
+                  </a:cxn>
+                  <a:cxn ang="0">
+                    <a:pos x="T4" y="T5"/>
+                  </a:cxn>
+                  <a:cxn ang="0">
+                    <a:pos x="T6" y="T7"/>
+                  </a:cxn>
+                  <a:cxn ang="0">
+                    <a:pos x="T8" y="T9"/>
+                  </a:cxn>
+                  <a:cxn ang="0">
+                    <a:pos x="T10" y="T11"/>
+                  </a:cxn>
+                  <a:cxn ang="0">
+                    <a:pos x="T12" y="T13"/>
+                  </a:cxn>
+                </a:cxnLst>
+                <a:rect l="0" t="0" r="r" b="b"/>
+                <a:pathLst>
+                  <a:path w="1146" h="1307">
+                    <a:moveTo>
+                      <a:pt x="573" y="0"/>
+                    </a:moveTo>
+                    <a:lnTo>
+                      <a:pt x="1146" y="287"/>
+                    </a:lnTo>
+                    <a:lnTo>
+                      <a:pt x="1146" y="1021"/>
+                    </a:lnTo>
+                    <a:lnTo>
+                      <a:pt x="573" y="1307"/>
+                    </a:lnTo>
+                    <a:lnTo>
+                      <a:pt x="0" y="1021"/>
+                    </a:lnTo>
+                    <a:lnTo>
+                      <a:pt x="0" y="287"/>
+                    </a:lnTo>
+                    <a:lnTo>
+                      <a:pt x="573" y="0"/>
+                    </a:lnTo>
+                    <a:close/>
+                  </a:path>
+                </a:pathLst>
+              </a:custGeom>
+              <a:noFill/>
+              <a:ln w="28575">
+                <a:solidFill>
+                  <a:schemeClr val="accent4"/>
+                </a:solidFill>
+              </a:ln>
+              <a:extLst/>
+            </p:spPr>
+            <p:txBody>
+              <a:bodyPr anchor="ctr"/>
+              <a:lstStyle/>
+              <a:p>
+                <a:pPr algn="ctr"/>
+                <a:endParaRPr/>
+              </a:p>
+            </p:txBody>
+          </p:sp>
+          <p:sp>
+            <p:nvSpPr>
+              <p:cNvPr id="20" name="Freeform: Shape 13"/>
+              <p:cNvSpPr/>
+              <p:nvPr/>
+            </p:nvSpPr>
+            <p:spPr>
+              <a:xfrm>
+                <a:off x="9340962" y="3400425"/>
+                <a:ext cx="530856" cy="530856"/>
+              </a:xfrm>
+              <a:custGeom>
+                <a:avLst/>
+                <a:gdLst/>
+                <a:ahLst/>
+                <a:cxnLst>
+                  <a:cxn ang="0">
+                    <a:pos x="wd2" y="hd2"/>
+                  </a:cxn>
+                  <a:cxn ang="5400000">
+                    <a:pos x="wd2" y="hd2"/>
+                  </a:cxn>
+                  <a:cxn ang="10800000">
+                    <a:pos x="wd2" y="hd2"/>
+                  </a:cxn>
+                  <a:cxn ang="16200000">
+                    <a:pos x="wd2" y="hd2"/>
+                  </a:cxn>
+                </a:cxnLst>
+                <a:rect l="0" t="0" r="r" b="b"/>
+                <a:pathLst>
+                  <a:path w="21600" h="21600" extrusionOk="0">
+                    <a:moveTo>
+                      <a:pt x="14896" y="15577"/>
+                    </a:moveTo>
+                    <a:cubicBezTo>
+                      <a:pt x="12144" y="16865"/>
+                      <a:pt x="9844" y="18851"/>
+                      <a:pt x="8177" y="21278"/>
+                    </a:cubicBezTo>
+                    <a:cubicBezTo>
+                      <a:pt x="9017" y="21487"/>
+                      <a:pt x="9895" y="21600"/>
+                      <a:pt x="10801" y="21600"/>
+                    </a:cubicBezTo>
+                    <a:cubicBezTo>
+                      <a:pt x="12429" y="21600"/>
+                      <a:pt x="13973" y="21237"/>
+                      <a:pt x="15358" y="20591"/>
+                    </a:cubicBezTo>
+                    <a:cubicBezTo>
+                      <a:pt x="15580" y="19502"/>
+                      <a:pt x="15699" y="18376"/>
+                      <a:pt x="15699" y="17222"/>
+                    </a:cubicBezTo>
+                    <a:cubicBezTo>
+                      <a:pt x="15699" y="16807"/>
+                      <a:pt x="15679" y="16394"/>
+                      <a:pt x="15648" y="15985"/>
+                    </a:cubicBezTo>
+                    <a:cubicBezTo>
+                      <a:pt x="15371" y="15896"/>
+                      <a:pt x="15116" y="15757"/>
+                      <a:pt x="14896" y="15577"/>
+                    </a:cubicBezTo>
+                    <a:close/>
+                    <a:moveTo>
+                      <a:pt x="18049" y="2796"/>
+                    </a:moveTo>
+                    <a:cubicBezTo>
+                      <a:pt x="16319" y="2963"/>
+                      <a:pt x="14667" y="3397"/>
+                      <a:pt x="13127" y="4050"/>
+                    </a:cubicBezTo>
+                    <a:cubicBezTo>
+                      <a:pt x="13136" y="4125"/>
+                      <a:pt x="13139" y="4202"/>
+                      <a:pt x="13139" y="4280"/>
+                    </a:cubicBezTo>
+                    <a:cubicBezTo>
+                      <a:pt x="13139" y="4642"/>
+                      <a:pt x="13052" y="4984"/>
+                      <a:pt x="12904" y="5289"/>
+                    </a:cubicBezTo>
+                    <a:cubicBezTo>
+                      <a:pt x="14441" y="7094"/>
+                      <a:pt x="15635" y="9198"/>
+                      <a:pt x="16388" y="11500"/>
+                    </a:cubicBezTo>
+                    <a:cubicBezTo>
+                      <a:pt x="17323" y="11517"/>
+                      <a:pt x="18121" y="12090"/>
+                      <a:pt x="18465" y="12903"/>
+                    </a:cubicBezTo>
+                    <a:cubicBezTo>
+                      <a:pt x="19505" y="12797"/>
+                      <a:pt x="20517" y="12599"/>
+                      <a:pt x="21493" y="12312"/>
+                    </a:cubicBezTo>
+                    <a:cubicBezTo>
+                      <a:pt x="21562" y="11817"/>
+                      <a:pt x="21600" y="11314"/>
+                      <a:pt x="21600" y="10799"/>
+                    </a:cubicBezTo>
+                    <a:cubicBezTo>
+                      <a:pt x="21600" y="7626"/>
+                      <a:pt x="20230" y="4772"/>
+                      <a:pt x="18049" y="2796"/>
+                    </a:cubicBezTo>
+                    <a:close/>
+                    <a:moveTo>
+                      <a:pt x="13739" y="14349"/>
+                    </a:moveTo>
+                    <a:cubicBezTo>
+                      <a:pt x="11074" y="13908"/>
+                      <a:pt x="8601" y="12890"/>
+                      <a:pt x="6450" y="11433"/>
+                    </a:cubicBezTo>
+                    <a:cubicBezTo>
+                      <a:pt x="6101" y="11646"/>
+                      <a:pt x="5691" y="11773"/>
+                      <a:pt x="5251" y="11773"/>
+                    </a:cubicBezTo>
+                    <a:cubicBezTo>
+                      <a:pt x="5090" y="11773"/>
+                      <a:pt x="4933" y="11755"/>
+                      <a:pt x="4781" y="11724"/>
+                    </a:cubicBezTo>
+                    <a:cubicBezTo>
+                      <a:pt x="3750" y="13677"/>
+                      <a:pt x="3093" y="15854"/>
+                      <a:pt x="2903" y="18164"/>
+                    </a:cubicBezTo>
+                    <a:cubicBezTo>
+                      <a:pt x="3931" y="19266"/>
+                      <a:pt x="5186" y="20154"/>
+                      <a:pt x="6595" y="20750"/>
+                    </a:cubicBezTo>
+                    <a:cubicBezTo>
+                      <a:pt x="8345" y="18059"/>
+                      <a:pt x="10792" y="15833"/>
+                      <a:pt x="13739" y="14349"/>
+                    </a:cubicBezTo>
+                    <a:close/>
+                    <a:moveTo>
+                      <a:pt x="17258" y="15906"/>
+                    </a:moveTo>
+                    <a:cubicBezTo>
+                      <a:pt x="17290" y="16340"/>
+                      <a:pt x="17306" y="16780"/>
+                      <a:pt x="17306" y="17222"/>
+                    </a:cubicBezTo>
+                    <a:cubicBezTo>
+                      <a:pt x="17306" y="18003"/>
+                      <a:pt x="17256" y="18770"/>
+                      <a:pt x="17163" y="19525"/>
+                    </a:cubicBezTo>
+                    <a:cubicBezTo>
+                      <a:pt x="18993" y="18186"/>
+                      <a:pt x="20389" y="16288"/>
+                      <a:pt x="21091" y="14080"/>
+                    </a:cubicBezTo>
+                    <a:cubicBezTo>
+                      <a:pt x="20259" y="14281"/>
+                      <a:pt x="19403" y="14425"/>
+                      <a:pt x="18531" y="14508"/>
+                    </a:cubicBezTo>
+                    <a:cubicBezTo>
+                      <a:pt x="18326" y="15137"/>
+                      <a:pt x="17860" y="15646"/>
+                      <a:pt x="17258" y="15906"/>
+                    </a:cubicBezTo>
+                    <a:close/>
+                    <a:moveTo>
+                      <a:pt x="14278" y="12804"/>
+                    </a:moveTo>
+                    <a:cubicBezTo>
+                      <a:pt x="14421" y="12507"/>
+                      <a:pt x="14624" y="12244"/>
+                      <a:pt x="14874" y="12035"/>
+                    </a:cubicBezTo>
+                    <a:cubicBezTo>
+                      <a:pt x="14196" y="9947"/>
+                      <a:pt x="13122" y="8037"/>
+                      <a:pt x="11738" y="6396"/>
+                    </a:cubicBezTo>
+                    <a:cubicBezTo>
+                      <a:pt x="11462" y="6512"/>
+                      <a:pt x="11160" y="6577"/>
+                      <a:pt x="10842" y="6577"/>
+                    </a:cubicBezTo>
+                    <a:cubicBezTo>
+                      <a:pt x="10343" y="6577"/>
+                      <a:pt x="9883" y="6417"/>
+                      <a:pt x="9507" y="6147"/>
+                    </a:cubicBezTo>
+                    <a:cubicBezTo>
+                      <a:pt x="8673" y="6781"/>
+                      <a:pt x="7903" y="7490"/>
+                      <a:pt x="7202" y="8265"/>
+                    </a:cubicBezTo>
+                    <a:cubicBezTo>
+                      <a:pt x="7421" y="8615"/>
+                      <a:pt x="7550" y="9030"/>
+                      <a:pt x="7550" y="9475"/>
+                    </a:cubicBezTo>
+                    <a:cubicBezTo>
+                      <a:pt x="7550" y="9715"/>
+                      <a:pt x="7513" y="9946"/>
+                      <a:pt x="7444" y="10163"/>
+                    </a:cubicBezTo>
+                    <a:cubicBezTo>
+                      <a:pt x="9459" y="11510"/>
+                      <a:pt x="11779" y="12433"/>
+                      <a:pt x="14278" y="12804"/>
+                    </a:cubicBezTo>
+                    <a:close/>
+                    <a:moveTo>
+                      <a:pt x="10842" y="1982"/>
+                    </a:moveTo>
+                    <a:cubicBezTo>
+                      <a:pt x="11448" y="1982"/>
+                      <a:pt x="11999" y="2219"/>
+                      <a:pt x="12409" y="2604"/>
+                    </a:cubicBezTo>
+                    <a:cubicBezTo>
+                      <a:pt x="13608" y="2088"/>
+                      <a:pt x="14870" y="1692"/>
+                      <a:pt x="16183" y="1439"/>
+                    </a:cubicBezTo>
+                    <a:cubicBezTo>
+                      <a:pt x="14599" y="526"/>
+                      <a:pt x="12761" y="0"/>
+                      <a:pt x="10801" y="0"/>
+                    </a:cubicBezTo>
+                    <a:cubicBezTo>
+                      <a:pt x="9464" y="0"/>
+                      <a:pt x="8183" y="245"/>
+                      <a:pt x="7001" y="690"/>
+                    </a:cubicBezTo>
+                    <a:cubicBezTo>
+                      <a:pt x="7940" y="1152"/>
+                      <a:pt x="8833" y="1693"/>
+                      <a:pt x="9674" y="2303"/>
+                    </a:cubicBezTo>
+                    <a:cubicBezTo>
+                      <a:pt x="10018" y="2100"/>
+                      <a:pt x="10415" y="1982"/>
+                      <a:pt x="10842" y="1982"/>
+                    </a:cubicBezTo>
+                    <a:close/>
+                    <a:moveTo>
+                      <a:pt x="2954" y="9475"/>
+                    </a:moveTo>
+                    <a:cubicBezTo>
+                      <a:pt x="2954" y="9153"/>
+                      <a:pt x="3021" y="8844"/>
+                      <a:pt x="3141" y="8566"/>
+                    </a:cubicBezTo>
+                    <a:cubicBezTo>
+                      <a:pt x="2404" y="7757"/>
+                      <a:pt x="1736" y="6884"/>
+                      <a:pt x="1151" y="5952"/>
+                    </a:cubicBezTo>
+                    <a:cubicBezTo>
+                      <a:pt x="417" y="7410"/>
+                      <a:pt x="0" y="9056"/>
+                      <a:pt x="0" y="10799"/>
+                    </a:cubicBezTo>
+                    <a:cubicBezTo>
+                      <a:pt x="0" y="12819"/>
+                      <a:pt x="556" y="14708"/>
+                      <a:pt x="1521" y="16325"/>
+                    </a:cubicBezTo>
+                    <a:cubicBezTo>
+                      <a:pt x="1866" y="14381"/>
+                      <a:pt x="2520" y="12545"/>
+                      <a:pt x="3424" y="10861"/>
+                    </a:cubicBezTo>
+                    <a:cubicBezTo>
+                      <a:pt x="3130" y="10477"/>
+                      <a:pt x="2954" y="9996"/>
+                      <a:pt x="2954" y="9475"/>
+                    </a:cubicBezTo>
+                    <a:close/>
+                    <a:moveTo>
+                      <a:pt x="5251" y="7176"/>
+                    </a:moveTo>
+                    <a:cubicBezTo>
+                      <a:pt x="5487" y="7176"/>
+                      <a:pt x="5715" y="7213"/>
+                      <a:pt x="5930" y="7278"/>
+                    </a:cubicBezTo>
+                    <a:cubicBezTo>
+                      <a:pt x="6738" y="6372"/>
+                      <a:pt x="7636" y="5547"/>
+                      <a:pt x="8608" y="4813"/>
+                    </a:cubicBezTo>
+                    <a:cubicBezTo>
+                      <a:pt x="8567" y="4642"/>
+                      <a:pt x="8543" y="4464"/>
+                      <a:pt x="8543" y="4280"/>
+                    </a:cubicBezTo>
+                    <a:cubicBezTo>
+                      <a:pt x="8543" y="4026"/>
+                      <a:pt x="8587" y="3781"/>
+                      <a:pt x="8663" y="3552"/>
+                    </a:cubicBezTo>
+                    <a:cubicBezTo>
+                      <a:pt x="7575" y="2771"/>
+                      <a:pt x="6391" y="2115"/>
+                      <a:pt x="5131" y="1609"/>
+                    </a:cubicBezTo>
+                    <a:cubicBezTo>
+                      <a:pt x="3949" y="2338"/>
+                      <a:pt x="2920" y="3289"/>
+                      <a:pt x="2099" y="4405"/>
+                    </a:cubicBezTo>
+                    <a:cubicBezTo>
+                      <a:pt x="2708" y="5484"/>
+                      <a:pt x="3433" y="6491"/>
+                      <a:pt x="4256" y="7407"/>
+                    </a:cubicBezTo>
+                    <a:cubicBezTo>
+                      <a:pt x="4557" y="7261"/>
+                      <a:pt x="4895" y="7176"/>
+                      <a:pt x="5251" y="7176"/>
+                    </a:cubicBezTo>
+                    <a:close/>
+                  </a:path>
+                </a:pathLst>
+              </a:custGeom>
+              <a:solidFill>
+                <a:schemeClr val="accent4">
+                  <a:lumMod val="100000"/>
+                </a:schemeClr>
+              </a:solidFill>
+              <a:ln w="12700">
+                <a:miter lim="400000"/>
+              </a:ln>
+            </p:spPr>
+            <p:txBody>
+              <a:bodyPr anchor="ctr"/>
+              <a:lstStyle/>
+              <a:p>
+                <a:pPr algn="ctr"/>
+                <a:endParaRPr/>
+              </a:p>
+            </p:txBody>
+          </p:sp>
+        </p:grpSp>
+        <p:sp>
+          <p:nvSpPr>
+            <p:cNvPr id="17" name="TextBox 17"/>
+            <p:cNvSpPr txBox="1">
+              <a:spLocks/>
+            </p:cNvSpPr>
+            <p:nvPr/>
+          </p:nvSpPr>
+          <p:spPr bwMode="auto">
+            <a:xfrm>
+              <a:off x="1390565" y="4761148"/>
+              <a:ext cx="2213143" cy="283030"/>
+            </a:xfrm>
+            <a:prstGeom prst="rect">
+              <a:avLst/>
+            </a:prstGeom>
+            <a:noFill/>
+            <a:ln w="9525">
+              <a:noFill/>
+              <a:miter lim="800000"/>
+              <a:headEnd/>
+              <a:tailEnd/>
+            </a:ln>
+          </p:spPr>
+          <p:txBody>
+            <a:bodyPr wrap="none" lIns="0" tIns="0" rIns="0" bIns="0" anchor="ctr" anchorCtr="1">
+              <a:normAutofit/>
+              <a:scene3d>
+                <a:camera prst="orthographicFront"/>
+                <a:lightRig rig="threePt" dir="t"/>
+              </a:scene3d>
+              <a:sp3d>
+                <a:bevelT w="0" h="0"/>
+              </a:sp3d>
+            </a:bodyPr>
+            <a:lstStyle/>
+            <a:p>
+              <a:pPr marL="0" lvl="1" algn="ctr"/>
+              <a:r>
+                <a:rPr lang="en-US" altLang="zh-CN" dirty="0">
+                  <a:latin typeface="Georgia" panose="02040502050405020303" pitchFamily="18" charset="0"/>
+                </a:rPr>
+                <a:t>Data</a:t>
+              </a:r>
+              <a:endParaRPr lang="zh-CN" altLang="en-US" sz="1400" b="1" dirty="0">
+                <a:solidFill>
+                  <a:schemeClr val="accent1"/>
+                </a:solidFill>
+                <a:latin typeface="Georgia" panose="02040502050405020303" pitchFamily="18" charset="0"/>
+              </a:endParaRPr>
+            </a:p>
+          </p:txBody>
+        </p:sp>
+        <p:sp>
+          <p:nvSpPr>
+            <p:cNvPr id="15" name="TextBox 20"/>
+            <p:cNvSpPr txBox="1">
+              <a:spLocks/>
+            </p:cNvSpPr>
+            <p:nvPr/>
+          </p:nvSpPr>
+          <p:spPr bwMode="auto">
+            <a:xfrm>
+              <a:off x="3956180" y="4761148"/>
+              <a:ext cx="2213143" cy="283030"/>
+            </a:xfrm>
+            <a:prstGeom prst="rect">
+              <a:avLst/>
+            </a:prstGeom>
+            <a:noFill/>
+            <a:ln w="9525">
+              <a:noFill/>
+              <a:miter lim="800000"/>
+              <a:headEnd/>
+              <a:tailEnd/>
+            </a:ln>
+          </p:spPr>
+          <p:txBody>
+            <a:bodyPr wrap="none" lIns="0" tIns="0" rIns="0" bIns="0" anchor="ctr" anchorCtr="1">
+              <a:normAutofit/>
+              <a:scene3d>
+                <a:camera prst="orthographicFront"/>
+                <a:lightRig rig="threePt" dir="t"/>
+              </a:scene3d>
+              <a:sp3d>
+                <a:bevelT w="0" h="0"/>
+              </a:sp3d>
+            </a:bodyPr>
+            <a:lstStyle/>
+            <a:p>
+              <a:pPr lvl="0"/>
+              <a:r>
+                <a:rPr lang="en-US" altLang="zh-CN" dirty="0">
+                  <a:latin typeface="Georgia" panose="02040502050405020303" pitchFamily="18" charset="0"/>
+                </a:rPr>
+                <a:t>Eco-system</a:t>
+              </a:r>
+              <a:endParaRPr lang="zh-CN" altLang="zh-CN" dirty="0">
+                <a:latin typeface="Georgia" panose="02040502050405020303" pitchFamily="18" charset="0"/>
+              </a:endParaRPr>
+            </a:p>
+          </p:txBody>
+        </p:sp>
+        <p:sp>
+          <p:nvSpPr>
+            <p:cNvPr id="13" name="TextBox 23"/>
+            <p:cNvSpPr txBox="1">
+              <a:spLocks/>
+            </p:cNvSpPr>
+            <p:nvPr/>
+          </p:nvSpPr>
+          <p:spPr bwMode="auto">
+            <a:xfrm>
+              <a:off x="6521795" y="4761148"/>
+              <a:ext cx="2213143" cy="283030"/>
+            </a:xfrm>
+            <a:prstGeom prst="rect">
+              <a:avLst/>
+            </a:prstGeom>
+            <a:noFill/>
+            <a:ln w="9525">
+              <a:noFill/>
+              <a:miter lim="800000"/>
+              <a:headEnd/>
+              <a:tailEnd/>
+            </a:ln>
+          </p:spPr>
+          <p:txBody>
+            <a:bodyPr wrap="none" lIns="0" tIns="0" rIns="0" bIns="0" anchor="ctr" anchorCtr="1">
+              <a:normAutofit/>
+              <a:scene3d>
+                <a:camera prst="orthographicFront"/>
+                <a:lightRig rig="threePt" dir="t"/>
+              </a:scene3d>
+              <a:sp3d>
+                <a:bevelT w="0" h="0"/>
+              </a:sp3d>
+            </a:bodyPr>
+            <a:lstStyle/>
+            <a:p>
+              <a:pPr lvl="0"/>
+              <a:r>
+                <a:rPr lang="en-US" altLang="zh-CN" dirty="0">
+                  <a:latin typeface="Georgia" panose="02040502050405020303" pitchFamily="18" charset="0"/>
+                </a:rPr>
+                <a:t>Alternating Least Squares</a:t>
+              </a:r>
+              <a:endParaRPr lang="zh-CN" altLang="zh-CN" dirty="0">
+                <a:latin typeface="Georgia" panose="02040502050405020303" pitchFamily="18" charset="0"/>
+              </a:endParaRPr>
+            </a:p>
+          </p:txBody>
+        </p:sp>
+        <p:sp>
+          <p:nvSpPr>
+            <p:cNvPr id="11" name="TextBox 26"/>
+            <p:cNvSpPr txBox="1">
+              <a:spLocks/>
+            </p:cNvSpPr>
+            <p:nvPr/>
+          </p:nvSpPr>
+          <p:spPr bwMode="auto">
+            <a:xfrm>
+              <a:off x="9087411" y="4761148"/>
+              <a:ext cx="2213143" cy="283030"/>
+            </a:xfrm>
+            <a:prstGeom prst="rect">
+              <a:avLst/>
+            </a:prstGeom>
+            <a:noFill/>
+            <a:ln w="9525">
+              <a:noFill/>
+              <a:miter lim="800000"/>
+              <a:headEnd/>
+              <a:tailEnd/>
+            </a:ln>
+          </p:spPr>
+          <p:txBody>
+            <a:bodyPr wrap="none" lIns="0" tIns="0" rIns="0" bIns="0" anchor="ctr" anchorCtr="1">
+              <a:normAutofit/>
+              <a:scene3d>
+                <a:camera prst="orthographicFront"/>
+                <a:lightRig rig="threePt" dir="t"/>
+              </a:scene3d>
+              <a:sp3d>
+                <a:bevelT w="0" h="0"/>
+              </a:sp3d>
+            </a:bodyPr>
+            <a:lstStyle/>
+            <a:p>
+              <a:pPr marL="0" lvl="1" algn="ctr"/>
+              <a:r>
+                <a:rPr lang="en-US" altLang="zh-CN" dirty="0">
+                  <a:latin typeface="Georgia" panose="02040502050405020303" pitchFamily="18" charset="0"/>
+                </a:rPr>
+                <a:t>Performance </a:t>
+              </a:r>
+              <a:endParaRPr lang="zh-CN" altLang="en-US" sz="1400" b="1" dirty="0">
+                <a:solidFill>
+                  <a:schemeClr val="accent4"/>
+                </a:solidFill>
+                <a:latin typeface="Georgia" panose="02040502050405020303" pitchFamily="18" charset="0"/>
+              </a:endParaRPr>
+            </a:p>
+          </p:txBody>
+        </p:sp>
+      </p:grpSp>
+      <p:sp>
+        <p:nvSpPr>
+          <p:cNvPr id="27" name="标题 1"/>
+          <p:cNvSpPr txBox="1">
+            <a:spLocks/>
+          </p:cNvSpPr>
+          <p:nvPr/>
+        </p:nvSpPr>
+        <p:spPr>
+          <a:xfrm>
+            <a:off x="5058227" y="1017053"/>
+            <a:ext cx="2694481" cy="960701"/>
+          </a:xfrm>
+          <a:prstGeom prst="rect">
+            <a:avLst/>
+          </a:prstGeom>
+        </p:spPr>
+        <p:txBody>
+          <a:bodyPr>
+            <a:normAutofit fontScale="70000" lnSpcReduction="20000"/>
+          </a:bodyPr>
+          <a:lstStyle>
+            <a:lvl1pPr algn="l" defTabSz="914400" rtl="0" eaLnBrk="1" latinLnBrk="0" hangingPunct="1">
+              <a:lnSpc>
+                <a:spcPct val="90000"/>
+              </a:lnSpc>
+              <a:spcBef>
+                <a:spcPct val="0"/>
+              </a:spcBef>
+              <a:buNone/>
+              <a:defRPr sz="4400" kern="1200">
+                <a:solidFill>
+                  <a:schemeClr val="tx1"/>
+                </a:solidFill>
+                <a:latin typeface="+mj-lt"/>
+                <a:ea typeface="+mj-ea"/>
+                <a:cs typeface="+mj-cs"/>
+              </a:defRPr>
+            </a:lvl1pPr>
+          </a:lstStyle>
+          <a:p>
+            <a:pPr algn="ctr"/>
+            <a:r>
+              <a:rPr lang="en-US" altLang="zh-CN" sz="5400" b="1" spc="600" dirty="0">
+                <a:latin typeface="Georgia" panose="02040502050405020303" pitchFamily="18" charset="0"/>
+                <a:ea typeface="+mn-ea"/>
+                <a:cs typeface="Times New Roman" panose="02020603050405020304" pitchFamily="18" charset="0"/>
+                <a:sym typeface="+mn-lt"/>
+              </a:rPr>
+              <a:t>Outline</a:t>
+            </a:r>
+            <a:endParaRPr lang="zh-CN" altLang="en-US" sz="5400" b="1" spc="600" dirty="0">
+              <a:latin typeface="Georgia" panose="02040502050405020303" pitchFamily="18" charset="0"/>
+              <a:ea typeface="+mn-ea"/>
+              <a:cs typeface="Times New Roman" panose="02020603050405020304" pitchFamily="18" charset="0"/>
+              <a:sym typeface="+mn-lt"/>
+            </a:endParaRPr>
+          </a:p>
+        </p:txBody>
+      </p:sp>
+    </p:spTree>
+    <p:extLst>
+      <p:ext uri="{BB962C8B-B14F-4D97-AF65-F5344CB8AC3E}">
+        <p14:creationId xmlns:p14="http://schemas.microsoft.com/office/powerpoint/2010/main" val="3865193883"/>
+      </p:ext>
+    </p:extLst>
+  </p:cSld>
+  <p:clrMapOvr>
+    <a:masterClrMapping/>
+  </p:clrMapOvr>
+  <mc:AlternateContent xmlns:mc="http://schemas.openxmlformats.org/markup-compatibility/2006" xmlns:p14="http://schemas.microsoft.com/office/powerpoint/2010/main">
+    <mc:Choice Requires="p14">
+      <p:transition spd="slow" p14:dur="3000">
+        <p14:shred/>
+      </p:transition>
+    </mc:Choice>
+    <mc:Fallback xmlns="">
+      <p:transition spd="slow">
+        <p:fade/>
+      </p:transition>
+    </mc:Fallback>
+  </mc:AlternateContent>
+  <p:timing>
+    <p:tnLst>
+      <p:par>
+        <p:cTn id="1" dur="indefinite" restart="never" nodeType="tmRoot">
+          <p:childTnLst>
+            <p:seq concurrent="1" nextAc="seek">
+              <p:cTn id="2" dur="indefinite" nodeType="mainSeq">
+                <p:childTnLst>
+                  <p:par>
+                    <p:cTn id="3" fill="hold">
+                      <p:stCondLst>
+                        <p:cond delay="indefinite"/>
+                      </p:stCondLst>
+                      <p:childTnLst>
+                        <p:par>
+                          <p:cTn id="4" fill="hold">
+                            <p:stCondLst>
+                              <p:cond delay="0"/>
+                            </p:stCondLst>
+                            <p:childTnLst>
+                              <p:par>
+                                <p:cTn id="5" presetID="10" presetClass="entr" presetSubtype="0" fill="hold" grpId="1" nodeType="clickEffect">
+                                  <p:stCondLst>
+                                    <p:cond delay="0"/>
+                                  </p:stCondLst>
+                                  <p:iterate type="lt">
+                                    <p:tmPct val="0"/>
+                                  </p:iterate>
+                                  <p:childTnLst>
+                                    <p:set>
+                                      <p:cBhvr>
+                                        <p:cTn id="6" dur="1" fill="hold">
+                                          <p:stCondLst>
+                                            <p:cond delay="0"/>
+                                          </p:stCondLst>
+                                        </p:cTn>
+                                        <p:tgtEl>
+                                          <p:spTgt spid="27"/>
+                                        </p:tgtEl>
+                                        <p:attrNameLst>
+                                          <p:attrName>style.visibility</p:attrName>
+                                        </p:attrNameLst>
+                                      </p:cBhvr>
+                                      <p:to>
+                                        <p:strVal val="visible"/>
+                                      </p:to>
+                                    </p:set>
+                                    <p:animEffect transition="in" filter="fade">
+                                      <p:cBhvr>
+                                        <p:cTn id="7" dur="500"/>
+                                        <p:tgtEl>
+                                          <p:spTgt spid="27"/>
+                                        </p:tgtEl>
+                                      </p:cBhvr>
+                                    </p:animEffect>
+                                  </p:childTnLst>
+                                </p:cTn>
+                              </p:par>
+                              <p:par>
+                                <p:cTn id="8" presetID="34" presetClass="emph" presetSubtype="0" fill="hold" grpId="0" nodeType="withEffect">
+                                  <p:stCondLst>
+                                    <p:cond delay="500"/>
+                                  </p:stCondLst>
+                                  <p:iterate type="lt">
+                                    <p:tmPct val="10000"/>
+                                  </p:iterate>
+                                  <p:childTnLst>
+                                    <p:animMotion origin="layout" path="M 0.0 0.0 L 0.0 -0.07213" pathEditMode="relative" ptsTypes="">
+                                      <p:cBhvr>
+                                        <p:cTn id="9" dur="300" accel="50000" decel="50000" autoRev="1" fill="hold">
+                                          <p:stCondLst>
+                                            <p:cond delay="0"/>
+                                          </p:stCondLst>
+                                        </p:cTn>
+                                        <p:tgtEl>
+                                          <p:spTgt spid="27"/>
+                                        </p:tgtEl>
+                                        <p:attrNameLst>
+                                          <p:attrName>ppt_x</p:attrName>
+                                          <p:attrName>ppt_y</p:attrName>
+                                        </p:attrNameLst>
+                                      </p:cBhvr>
+                                    </p:animMotion>
+                                    <p:animRot by="1500000">
+                                      <p:cBhvr>
+                                        <p:cTn id="10" dur="150" fill="hold">
+                                          <p:stCondLst>
+                                            <p:cond delay="0"/>
+                                          </p:stCondLst>
+                                        </p:cTn>
+                                        <p:tgtEl>
+                                          <p:spTgt spid="27"/>
+                                        </p:tgtEl>
+                                        <p:attrNameLst>
+                                          <p:attrName>r</p:attrName>
+                                        </p:attrNameLst>
+                                      </p:cBhvr>
+                                    </p:animRot>
+                                    <p:animRot by="-1500000">
+                                      <p:cBhvr>
+                                        <p:cTn id="11" dur="150" fill="hold">
+                                          <p:stCondLst>
+                                            <p:cond delay="150"/>
+                                          </p:stCondLst>
+                                        </p:cTn>
+                                        <p:tgtEl>
+                                          <p:spTgt spid="27"/>
+                                        </p:tgtEl>
+                                        <p:attrNameLst>
+                                          <p:attrName>r</p:attrName>
+                                        </p:attrNameLst>
+                                      </p:cBhvr>
+                                    </p:animRot>
+                                    <p:animRot by="-1500000">
+                                      <p:cBhvr>
+                                        <p:cTn id="12" dur="150" fill="hold">
+                                          <p:stCondLst>
+                                            <p:cond delay="300"/>
+                                          </p:stCondLst>
+                                        </p:cTn>
+                                        <p:tgtEl>
+                                          <p:spTgt spid="27"/>
+                                        </p:tgtEl>
+                                        <p:attrNameLst>
+                                          <p:attrName>r</p:attrName>
+                                        </p:attrNameLst>
+                                      </p:cBhvr>
+                                    </p:animRot>
+                                    <p:animRot by="1500000">
+                                      <p:cBhvr>
+                                        <p:cTn id="13" dur="150" fill="hold">
+                                          <p:stCondLst>
+                                            <p:cond delay="450"/>
+                                          </p:stCondLst>
+                                        </p:cTn>
+                                        <p:tgtEl>
+                                          <p:spTgt spid="27"/>
+                                        </p:tgtEl>
+                                        <p:attrNameLst>
+                                          <p:attrName>r</p:attrName>
+                                        </p:attrNameLst>
+                                      </p:cBhvr>
+                                    </p:animRot>
+                                  </p:childTnLst>
+                                </p:cTn>
+                              </p:par>
+                            </p:childTnLst>
+                          </p:cTn>
+                        </p:par>
+                      </p:childTnLst>
+                    </p:cTn>
+                  </p:par>
+                  <p:par>
+                    <p:cTn id="14" fill="hold">
+                      <p:stCondLst>
+                        <p:cond delay="indefinite"/>
+                      </p:stCondLst>
+                      <p:childTnLst>
+                        <p:par>
+                          <p:cTn id="15" fill="hold">
+                            <p:stCondLst>
+                              <p:cond delay="0"/>
+                            </p:stCondLst>
+                            <p:childTnLst>
+                              <p:par>
+                                <p:cTn id="16" presetID="16" presetClass="entr" presetSubtype="21" fill="hold" nodeType="clickEffect">
+                                  <p:stCondLst>
+                                    <p:cond delay="0"/>
+                                  </p:stCondLst>
+                                  <p:childTnLst>
+                                    <p:set>
+                                      <p:cBhvr>
+                                        <p:cTn id="17" dur="1" fill="hold">
+                                          <p:stCondLst>
+                                            <p:cond delay="0"/>
+                                          </p:stCondLst>
+                                        </p:cTn>
+                                        <p:tgtEl>
+                                          <p:spTgt spid="2"/>
+                                        </p:tgtEl>
+                                        <p:attrNameLst>
+                                          <p:attrName>style.visibility</p:attrName>
+                                        </p:attrNameLst>
+                                      </p:cBhvr>
+                                      <p:to>
+                                        <p:strVal val="visible"/>
+                                      </p:to>
+                                    </p:set>
+                                    <p:animEffect transition="in" filter="barn(inVertical)">
+                                      <p:cBhvr>
+                                        <p:cTn id="18" dur="500"/>
+                                        <p:tgtEl>
+                                          <p:spTgt spid="2"/>
+                                        </p:tgtEl>
+                                      </p:cBhvr>
+                                    </p:animEffect>
+                                  </p:childTnLst>
+                                </p:cTn>
+                              </p:par>
+                            </p:childTnLst>
+                          </p:cTn>
+                        </p:par>
+                      </p:childTnLst>
+                    </p:cTn>
+                  </p:par>
+                </p:childTnLst>
+              </p:cTn>
+              <p:prevCondLst>
+                <p:cond evt="onPrev" delay="0">
+                  <p:tgtEl>
+                    <p:sldTgt/>
+                  </p:tgtEl>
+                </p:cond>
+              </p:prevCondLst>
+              <p:nextCondLst>
+                <p:cond evt="onNext" delay="0">
+                  <p:tgtEl>
+                    <p:sldTgt/>
+                  </p:tgtEl>
+                </p:cond>
+              </p:nextCondLst>
+            </p:seq>
+          </p:childTnLst>
+        </p:cTn>
+      </p:par>
+    </p:tnLst>
+    <p:bldLst>
+      <p:bldP spid="27" grpId="0"/>
+      <p:bldP spid="27" grpId="1"/>
+    </p:bldLst>
+  </p:timing>
+</p:sld>
+</file>
+
+<file path=ppt/slides/slide20.xml><?xml version="1.0" encoding="utf-8"?>
+<p:sld xmlns:a="http://schemas.openxmlformats.org/drawingml/2006/main" xmlns:r="http://schemas.openxmlformats.org/officeDocument/2006/relationships" xmlns:p="http://schemas.openxmlformats.org/presentationml/2006/main">
+  <p:cSld>
+    <p:spTree>
+      <p:nvGrpSpPr>
+        <p:cNvPr id="1" name=""/>
+        <p:cNvGrpSpPr/>
+        <p:nvPr/>
+      </p:nvGrpSpPr>
+      <p:grpSpPr>
+        <a:xfrm>
+          <a:off x="0" y="0"/>
+          <a:ext cx="0" cy="0"/>
+          <a:chOff x="0" y="0"/>
+          <a:chExt cx="0" cy="0"/>
+        </a:xfrm>
+      </p:grpSpPr>
       <p:pic>
         <p:nvPicPr>
           <p:cNvPr id="2" name="图片 1"/>
@@ -9939,3297 +13388,6 @@
     <p:bldLst>
       <p:bldP spid="4" grpId="0"/>
       <p:bldP spid="4" grpId="1"/>
-    </p:bldLst>
-  </p:timing>
-</p:sld>
-</file>
-
-<file path=ppt/slides/slide2.xml><?xml version="1.0" encoding="utf-8"?>
-<p:sld xmlns:a="http://schemas.openxmlformats.org/drawingml/2006/main" xmlns:r="http://schemas.openxmlformats.org/officeDocument/2006/relationships" xmlns:p="http://schemas.openxmlformats.org/presentationml/2006/main">
-  <p:cSld>
-    <p:spTree>
-      <p:nvGrpSpPr>
-        <p:cNvPr id="1" name=""/>
-        <p:cNvGrpSpPr/>
-        <p:nvPr/>
-      </p:nvGrpSpPr>
-      <p:grpSpPr>
-        <a:xfrm>
-          <a:off x="0" y="0"/>
-          <a:ext cx="0" cy="0"/>
-          <a:chOff x="0" y="0"/>
-          <a:chExt cx="0" cy="0"/>
-        </a:xfrm>
-      </p:grpSpPr>
-      <p:grpSp>
-        <p:nvGrpSpPr>
-          <p:cNvPr id="2" name="c5accd2d-f733-4824-ad64-beb893ea6727"/>
-          <p:cNvGrpSpPr>
-            <a:grpSpLocks noChangeAspect="1"/>
-          </p:cNvGrpSpPr>
-          <p:nvPr/>
-        </p:nvGrpSpPr>
-        <p:grpSpPr>
-          <a:xfrm>
-            <a:off x="942421" y="2377132"/>
-            <a:ext cx="10358133" cy="2309777"/>
-            <a:chOff x="1390565" y="2834333"/>
-            <a:chExt cx="9909989" cy="2209845"/>
-          </a:xfrm>
-        </p:grpSpPr>
-        <p:grpSp>
-          <p:nvGrpSpPr>
-            <p:cNvPr id="3" name="Group 28"/>
-            <p:cNvGrpSpPr/>
-            <p:nvPr/>
-          </p:nvGrpSpPr>
-          <p:grpSpPr>
-            <a:xfrm>
-              <a:off x="1768046" y="2834333"/>
-              <a:ext cx="1458180" cy="1663040"/>
-              <a:chOff x="1856520" y="2834333"/>
-              <a:chExt cx="1458180" cy="1663040"/>
-            </a:xfrm>
-          </p:grpSpPr>
-          <p:sp>
-            <p:nvSpPr>
-              <p:cNvPr id="25" name="Freeform: Shape 1"/>
-              <p:cNvSpPr>
-                <a:spLocks/>
-              </p:cNvSpPr>
-              <p:nvPr/>
-            </p:nvSpPr>
-            <p:spPr bwMode="auto">
-              <a:xfrm>
-                <a:off x="1856520" y="2834333"/>
-                <a:ext cx="1458180" cy="1663040"/>
-              </a:xfrm>
-              <a:custGeom>
-                <a:avLst/>
-                <a:gdLst>
-                  <a:gd name="T0" fmla="*/ 573 w 1146"/>
-                  <a:gd name="T1" fmla="*/ 0 h 1307"/>
-                  <a:gd name="T2" fmla="*/ 1146 w 1146"/>
-                  <a:gd name="T3" fmla="*/ 287 h 1307"/>
-                  <a:gd name="T4" fmla="*/ 1146 w 1146"/>
-                  <a:gd name="T5" fmla="*/ 1021 h 1307"/>
-                  <a:gd name="T6" fmla="*/ 573 w 1146"/>
-                  <a:gd name="T7" fmla="*/ 1307 h 1307"/>
-                  <a:gd name="T8" fmla="*/ 0 w 1146"/>
-                  <a:gd name="T9" fmla="*/ 1021 h 1307"/>
-                  <a:gd name="T10" fmla="*/ 0 w 1146"/>
-                  <a:gd name="T11" fmla="*/ 287 h 1307"/>
-                  <a:gd name="T12" fmla="*/ 573 w 1146"/>
-                  <a:gd name="T13" fmla="*/ 0 h 1307"/>
-                </a:gdLst>
-                <a:ahLst/>
-                <a:cxnLst>
-                  <a:cxn ang="0">
-                    <a:pos x="T0" y="T1"/>
-                  </a:cxn>
-                  <a:cxn ang="0">
-                    <a:pos x="T2" y="T3"/>
-                  </a:cxn>
-                  <a:cxn ang="0">
-                    <a:pos x="T4" y="T5"/>
-                  </a:cxn>
-                  <a:cxn ang="0">
-                    <a:pos x="T6" y="T7"/>
-                  </a:cxn>
-                  <a:cxn ang="0">
-                    <a:pos x="T8" y="T9"/>
-                  </a:cxn>
-                  <a:cxn ang="0">
-                    <a:pos x="T10" y="T11"/>
-                  </a:cxn>
-                  <a:cxn ang="0">
-                    <a:pos x="T12" y="T13"/>
-                  </a:cxn>
-                </a:cxnLst>
-                <a:rect l="0" t="0" r="r" b="b"/>
-                <a:pathLst>
-                  <a:path w="1146" h="1307">
-                    <a:moveTo>
-                      <a:pt x="573" y="0"/>
-                    </a:moveTo>
-                    <a:lnTo>
-                      <a:pt x="1146" y="287"/>
-                    </a:lnTo>
-                    <a:lnTo>
-                      <a:pt x="1146" y="1021"/>
-                    </a:lnTo>
-                    <a:lnTo>
-                      <a:pt x="573" y="1307"/>
-                    </a:lnTo>
-                    <a:lnTo>
-                      <a:pt x="0" y="1021"/>
-                    </a:lnTo>
-                    <a:lnTo>
-                      <a:pt x="0" y="287"/>
-                    </a:lnTo>
-                    <a:lnTo>
-                      <a:pt x="573" y="0"/>
-                    </a:lnTo>
-                    <a:close/>
-                  </a:path>
-                </a:pathLst>
-              </a:custGeom>
-              <a:noFill/>
-              <a:ln w="28575">
-                <a:solidFill>
-                  <a:schemeClr val="accent1"/>
-                </a:solidFill>
-              </a:ln>
-              <a:extLst/>
-            </p:spPr>
-            <p:txBody>
-              <a:bodyPr anchor="ctr"/>
-              <a:lstStyle/>
-              <a:p>
-                <a:pPr algn="ctr"/>
-                <a:endParaRPr/>
-              </a:p>
-            </p:txBody>
-          </p:sp>
-          <p:sp>
-            <p:nvSpPr>
-              <p:cNvPr id="26" name="Freeform: Shape 10"/>
-              <p:cNvSpPr>
-                <a:spLocks noChangeAspect="1"/>
-              </p:cNvSpPr>
-              <p:nvPr/>
-            </p:nvSpPr>
-            <p:spPr bwMode="auto">
-              <a:xfrm>
-                <a:off x="2330879" y="3400302"/>
-                <a:ext cx="497910" cy="531102"/>
-              </a:xfrm>
-              <a:custGeom>
-                <a:avLst/>
-                <a:gdLst>
-                  <a:gd name="T0" fmla="*/ 41 w 45"/>
-                  <a:gd name="T1" fmla="*/ 48 h 48"/>
-                  <a:gd name="T2" fmla="*/ 0 w 45"/>
-                  <a:gd name="T3" fmla="*/ 44 h 48"/>
-                  <a:gd name="T4" fmla="*/ 3 w 45"/>
-                  <a:gd name="T5" fmla="*/ 7 h 48"/>
-                  <a:gd name="T6" fmla="*/ 7 w 45"/>
-                  <a:gd name="T7" fmla="*/ 4 h 48"/>
-                  <a:gd name="T8" fmla="*/ 13 w 45"/>
-                  <a:gd name="T9" fmla="*/ 0 h 48"/>
-                  <a:gd name="T10" fmla="*/ 17 w 45"/>
-                  <a:gd name="T11" fmla="*/ 7 h 48"/>
-                  <a:gd name="T12" fmla="*/ 27 w 45"/>
-                  <a:gd name="T13" fmla="*/ 4 h 48"/>
-                  <a:gd name="T14" fmla="*/ 33 w 45"/>
-                  <a:gd name="T15" fmla="*/ 0 h 48"/>
-                  <a:gd name="T16" fmla="*/ 38 w 45"/>
-                  <a:gd name="T17" fmla="*/ 7 h 48"/>
-                  <a:gd name="T18" fmla="*/ 45 w 45"/>
-                  <a:gd name="T19" fmla="*/ 10 h 48"/>
-                  <a:gd name="T20" fmla="*/ 11 w 45"/>
-                  <a:gd name="T21" fmla="*/ 25 h 48"/>
-                  <a:gd name="T22" fmla="*/ 3 w 45"/>
-                  <a:gd name="T23" fmla="*/ 17 h 48"/>
-                  <a:gd name="T24" fmla="*/ 11 w 45"/>
-                  <a:gd name="T25" fmla="*/ 25 h 48"/>
-                  <a:gd name="T26" fmla="*/ 11 w 45"/>
-                  <a:gd name="T27" fmla="*/ 26 h 48"/>
-                  <a:gd name="T28" fmla="*/ 3 w 45"/>
-                  <a:gd name="T29" fmla="*/ 35 h 48"/>
-                  <a:gd name="T30" fmla="*/ 11 w 45"/>
-                  <a:gd name="T31" fmla="*/ 44 h 48"/>
-                  <a:gd name="T32" fmla="*/ 3 w 45"/>
-                  <a:gd name="T33" fmla="*/ 37 h 48"/>
-                  <a:gd name="T34" fmla="*/ 11 w 45"/>
-                  <a:gd name="T35" fmla="*/ 44 h 48"/>
-                  <a:gd name="T36" fmla="*/ 13 w 45"/>
-                  <a:gd name="T37" fmla="*/ 3 h 48"/>
-                  <a:gd name="T38" fmla="*/ 10 w 45"/>
-                  <a:gd name="T39" fmla="*/ 4 h 48"/>
-                  <a:gd name="T40" fmla="*/ 11 w 45"/>
-                  <a:gd name="T41" fmla="*/ 13 h 48"/>
-                  <a:gd name="T42" fmla="*/ 14 w 45"/>
-                  <a:gd name="T43" fmla="*/ 12 h 48"/>
-                  <a:gd name="T44" fmla="*/ 21 w 45"/>
-                  <a:gd name="T45" fmla="*/ 25 h 48"/>
-                  <a:gd name="T46" fmla="*/ 13 w 45"/>
-                  <a:gd name="T47" fmla="*/ 17 h 48"/>
-                  <a:gd name="T48" fmla="*/ 21 w 45"/>
-                  <a:gd name="T49" fmla="*/ 25 h 48"/>
-                  <a:gd name="T50" fmla="*/ 21 w 45"/>
-                  <a:gd name="T51" fmla="*/ 26 h 48"/>
-                  <a:gd name="T52" fmla="*/ 13 w 45"/>
-                  <a:gd name="T53" fmla="*/ 35 h 48"/>
-                  <a:gd name="T54" fmla="*/ 21 w 45"/>
-                  <a:gd name="T55" fmla="*/ 44 h 48"/>
-                  <a:gd name="T56" fmla="*/ 13 w 45"/>
-                  <a:gd name="T57" fmla="*/ 37 h 48"/>
-                  <a:gd name="T58" fmla="*/ 21 w 45"/>
-                  <a:gd name="T59" fmla="*/ 44 h 48"/>
-                  <a:gd name="T60" fmla="*/ 32 w 45"/>
-                  <a:gd name="T61" fmla="*/ 17 h 48"/>
-                  <a:gd name="T62" fmla="*/ 23 w 45"/>
-                  <a:gd name="T63" fmla="*/ 25 h 48"/>
-                  <a:gd name="T64" fmla="*/ 32 w 45"/>
-                  <a:gd name="T65" fmla="*/ 35 h 48"/>
-                  <a:gd name="T66" fmla="*/ 23 w 45"/>
-                  <a:gd name="T67" fmla="*/ 26 h 48"/>
-                  <a:gd name="T68" fmla="*/ 32 w 45"/>
-                  <a:gd name="T69" fmla="*/ 35 h 48"/>
-                  <a:gd name="T70" fmla="*/ 32 w 45"/>
-                  <a:gd name="T71" fmla="*/ 37 h 48"/>
-                  <a:gd name="T72" fmla="*/ 23 w 45"/>
-                  <a:gd name="T73" fmla="*/ 44 h 48"/>
-                  <a:gd name="T74" fmla="*/ 34 w 45"/>
-                  <a:gd name="T75" fmla="*/ 4 h 48"/>
-                  <a:gd name="T76" fmla="*/ 32 w 45"/>
-                  <a:gd name="T77" fmla="*/ 3 h 48"/>
-                  <a:gd name="T78" fmla="*/ 31 w 45"/>
-                  <a:gd name="T79" fmla="*/ 12 h 48"/>
-                  <a:gd name="T80" fmla="*/ 33 w 45"/>
-                  <a:gd name="T81" fmla="*/ 13 h 48"/>
-                  <a:gd name="T82" fmla="*/ 34 w 45"/>
-                  <a:gd name="T83" fmla="*/ 4 h 48"/>
-                  <a:gd name="T84" fmla="*/ 41 w 45"/>
-                  <a:gd name="T85" fmla="*/ 17 h 48"/>
-                  <a:gd name="T86" fmla="*/ 33 w 45"/>
-                  <a:gd name="T87" fmla="*/ 25 h 48"/>
-                  <a:gd name="T88" fmla="*/ 41 w 45"/>
-                  <a:gd name="T89" fmla="*/ 35 h 48"/>
-                  <a:gd name="T90" fmla="*/ 33 w 45"/>
-                  <a:gd name="T91" fmla="*/ 26 h 48"/>
-                  <a:gd name="T92" fmla="*/ 41 w 45"/>
-                  <a:gd name="T93" fmla="*/ 35 h 48"/>
-                  <a:gd name="T94" fmla="*/ 41 w 45"/>
-                  <a:gd name="T95" fmla="*/ 37 h 48"/>
-                  <a:gd name="T96" fmla="*/ 33 w 45"/>
-                  <a:gd name="T97" fmla="*/ 44 h 48"/>
-                </a:gdLst>
-                <a:ahLst/>
-                <a:cxnLst>
-                  <a:cxn ang="0">
-                    <a:pos x="T0" y="T1"/>
-                  </a:cxn>
-                  <a:cxn ang="0">
-                    <a:pos x="T2" y="T3"/>
-                  </a:cxn>
-                  <a:cxn ang="0">
-                    <a:pos x="T4" y="T5"/>
-                  </a:cxn>
-                  <a:cxn ang="0">
-                    <a:pos x="T6" y="T7"/>
-                  </a:cxn>
-                  <a:cxn ang="0">
-                    <a:pos x="T8" y="T9"/>
-                  </a:cxn>
-                  <a:cxn ang="0">
-                    <a:pos x="T10" y="T11"/>
-                  </a:cxn>
-                  <a:cxn ang="0">
-                    <a:pos x="T12" y="T13"/>
-                  </a:cxn>
-                  <a:cxn ang="0">
-                    <a:pos x="T14" y="T15"/>
-                  </a:cxn>
-                  <a:cxn ang="0">
-                    <a:pos x="T16" y="T17"/>
-                  </a:cxn>
-                  <a:cxn ang="0">
-                    <a:pos x="T18" y="T19"/>
-                  </a:cxn>
-                  <a:cxn ang="0">
-                    <a:pos x="T20" y="T21"/>
-                  </a:cxn>
-                  <a:cxn ang="0">
-                    <a:pos x="T22" y="T23"/>
-                  </a:cxn>
-                  <a:cxn ang="0">
-                    <a:pos x="T24" y="T25"/>
-                  </a:cxn>
-                  <a:cxn ang="0">
-                    <a:pos x="T26" y="T27"/>
-                  </a:cxn>
-                  <a:cxn ang="0">
-                    <a:pos x="T28" y="T29"/>
-                  </a:cxn>
-                  <a:cxn ang="0">
-                    <a:pos x="T30" y="T31"/>
-                  </a:cxn>
-                  <a:cxn ang="0">
-                    <a:pos x="T32" y="T33"/>
-                  </a:cxn>
-                  <a:cxn ang="0">
-                    <a:pos x="T34" y="T35"/>
-                  </a:cxn>
-                  <a:cxn ang="0">
-                    <a:pos x="T36" y="T37"/>
-                  </a:cxn>
-                  <a:cxn ang="0">
-                    <a:pos x="T38" y="T39"/>
-                  </a:cxn>
-                  <a:cxn ang="0">
-                    <a:pos x="T40" y="T41"/>
-                  </a:cxn>
-                  <a:cxn ang="0">
-                    <a:pos x="T42" y="T43"/>
-                  </a:cxn>
-                  <a:cxn ang="0">
-                    <a:pos x="T44" y="T45"/>
-                  </a:cxn>
-                  <a:cxn ang="0">
-                    <a:pos x="T46" y="T47"/>
-                  </a:cxn>
-                  <a:cxn ang="0">
-                    <a:pos x="T48" y="T49"/>
-                  </a:cxn>
-                  <a:cxn ang="0">
-                    <a:pos x="T50" y="T51"/>
-                  </a:cxn>
-                  <a:cxn ang="0">
-                    <a:pos x="T52" y="T53"/>
-                  </a:cxn>
-                  <a:cxn ang="0">
-                    <a:pos x="T54" y="T55"/>
-                  </a:cxn>
-                  <a:cxn ang="0">
-                    <a:pos x="T56" y="T57"/>
-                  </a:cxn>
-                  <a:cxn ang="0">
-                    <a:pos x="T58" y="T59"/>
-                  </a:cxn>
-                  <a:cxn ang="0">
-                    <a:pos x="T60" y="T61"/>
-                  </a:cxn>
-                  <a:cxn ang="0">
-                    <a:pos x="T62" y="T63"/>
-                  </a:cxn>
-                  <a:cxn ang="0">
-                    <a:pos x="T64" y="T65"/>
-                  </a:cxn>
-                  <a:cxn ang="0">
-                    <a:pos x="T66" y="T67"/>
-                  </a:cxn>
-                  <a:cxn ang="0">
-                    <a:pos x="T68" y="T69"/>
-                  </a:cxn>
-                  <a:cxn ang="0">
-                    <a:pos x="T70" y="T71"/>
-                  </a:cxn>
-                  <a:cxn ang="0">
-                    <a:pos x="T72" y="T73"/>
-                  </a:cxn>
-                  <a:cxn ang="0">
-                    <a:pos x="T74" y="T75"/>
-                  </a:cxn>
-                  <a:cxn ang="0">
-                    <a:pos x="T76" y="T77"/>
-                  </a:cxn>
-                  <a:cxn ang="0">
-                    <a:pos x="T78" y="T79"/>
-                  </a:cxn>
-                  <a:cxn ang="0">
-                    <a:pos x="T80" y="T81"/>
-                  </a:cxn>
-                  <a:cxn ang="0">
-                    <a:pos x="T82" y="T83"/>
-                  </a:cxn>
-                  <a:cxn ang="0">
-                    <a:pos x="T84" y="T85"/>
-                  </a:cxn>
-                  <a:cxn ang="0">
-                    <a:pos x="T86" y="T87"/>
-                  </a:cxn>
-                  <a:cxn ang="0">
-                    <a:pos x="T88" y="T89"/>
-                  </a:cxn>
-                  <a:cxn ang="0">
-                    <a:pos x="T90" y="T91"/>
-                  </a:cxn>
-                  <a:cxn ang="0">
-                    <a:pos x="T92" y="T93"/>
-                  </a:cxn>
-                  <a:cxn ang="0">
-                    <a:pos x="T94" y="T95"/>
-                  </a:cxn>
-                  <a:cxn ang="0">
-                    <a:pos x="T96" y="T97"/>
-                  </a:cxn>
-                </a:cxnLst>
-                <a:rect l="0" t="0" r="r" b="b"/>
-                <a:pathLst>
-                  <a:path w="45" h="48">
-                    <a:moveTo>
-                      <a:pt x="45" y="44"/>
-                    </a:moveTo>
-                    <a:cubicBezTo>
-                      <a:pt x="45" y="46"/>
-                      <a:pt x="43" y="48"/>
-                      <a:pt x="41" y="48"/>
-                    </a:cubicBezTo>
-                    <a:cubicBezTo>
-                      <a:pt x="3" y="48"/>
-                      <a:pt x="3" y="48"/>
-                      <a:pt x="3" y="48"/>
-                    </a:cubicBezTo>
-                    <a:cubicBezTo>
-                      <a:pt x="1" y="48"/>
-                      <a:pt x="0" y="46"/>
-                      <a:pt x="0" y="44"/>
-                    </a:cubicBezTo>
-                    <a:cubicBezTo>
-                      <a:pt x="0" y="10"/>
-                      <a:pt x="0" y="10"/>
-                      <a:pt x="0" y="10"/>
-                    </a:cubicBezTo>
-                    <a:cubicBezTo>
-                      <a:pt x="0" y="8"/>
-                      <a:pt x="1" y="7"/>
-                      <a:pt x="3" y="7"/>
-                    </a:cubicBezTo>
-                    <a:cubicBezTo>
-                      <a:pt x="7" y="7"/>
-                      <a:pt x="7" y="7"/>
-                      <a:pt x="7" y="7"/>
-                    </a:cubicBezTo>
-                    <a:cubicBezTo>
-                      <a:pt x="7" y="4"/>
-                      <a:pt x="7" y="4"/>
-                      <a:pt x="7" y="4"/>
-                    </a:cubicBezTo>
-                    <a:cubicBezTo>
-                      <a:pt x="7" y="2"/>
-                      <a:pt x="9" y="0"/>
-                      <a:pt x="11" y="0"/>
-                    </a:cubicBezTo>
-                    <a:cubicBezTo>
-                      <a:pt x="13" y="0"/>
-                      <a:pt x="13" y="0"/>
-                      <a:pt x="13" y="0"/>
-                    </a:cubicBezTo>
-                    <a:cubicBezTo>
-                      <a:pt x="15" y="0"/>
-                      <a:pt x="17" y="2"/>
-                      <a:pt x="17" y="4"/>
-                    </a:cubicBezTo>
-                    <a:cubicBezTo>
-                      <a:pt x="17" y="7"/>
-                      <a:pt x="17" y="7"/>
-                      <a:pt x="17" y="7"/>
-                    </a:cubicBezTo>
-                    <a:cubicBezTo>
-                      <a:pt x="27" y="7"/>
-                      <a:pt x="27" y="7"/>
-                      <a:pt x="27" y="7"/>
-                    </a:cubicBezTo>
-                    <a:cubicBezTo>
-                      <a:pt x="27" y="4"/>
-                      <a:pt x="27" y="4"/>
-                      <a:pt x="27" y="4"/>
-                    </a:cubicBezTo>
-                    <a:cubicBezTo>
-                      <a:pt x="27" y="2"/>
-                      <a:pt x="29" y="0"/>
-                      <a:pt x="32" y="0"/>
-                    </a:cubicBezTo>
-                    <a:cubicBezTo>
-                      <a:pt x="33" y="0"/>
-                      <a:pt x="33" y="0"/>
-                      <a:pt x="33" y="0"/>
-                    </a:cubicBezTo>
-                    <a:cubicBezTo>
-                      <a:pt x="36" y="0"/>
-                      <a:pt x="38" y="2"/>
-                      <a:pt x="38" y="4"/>
-                    </a:cubicBezTo>
-                    <a:cubicBezTo>
-                      <a:pt x="38" y="7"/>
-                      <a:pt x="38" y="7"/>
-                      <a:pt x="38" y="7"/>
-                    </a:cubicBezTo>
-                    <a:cubicBezTo>
-                      <a:pt x="41" y="7"/>
-                      <a:pt x="41" y="7"/>
-                      <a:pt x="41" y="7"/>
-                    </a:cubicBezTo>
-                    <a:cubicBezTo>
-                      <a:pt x="43" y="7"/>
-                      <a:pt x="45" y="8"/>
-                      <a:pt x="45" y="10"/>
-                    </a:cubicBezTo>
-                    <a:lnTo>
-                      <a:pt x="45" y="44"/>
-                    </a:lnTo>
-                    <a:close/>
-                    <a:moveTo>
-                      <a:pt x="11" y="25"/>
-                    </a:moveTo>
-                    <a:cubicBezTo>
-                      <a:pt x="11" y="17"/>
-                      <a:pt x="11" y="17"/>
-                      <a:pt x="11" y="17"/>
-                    </a:cubicBezTo>
-                    <a:cubicBezTo>
-                      <a:pt x="3" y="17"/>
-                      <a:pt x="3" y="17"/>
-                      <a:pt x="3" y="17"/>
-                    </a:cubicBezTo>
-                    <a:cubicBezTo>
-                      <a:pt x="3" y="25"/>
-                      <a:pt x="3" y="25"/>
-                      <a:pt x="3" y="25"/>
-                    </a:cubicBezTo>
-                    <a:lnTo>
-                      <a:pt x="11" y="25"/>
-                    </a:lnTo>
-                    <a:close/>
-                    <a:moveTo>
-                      <a:pt x="11" y="35"/>
-                    </a:moveTo>
-                    <a:cubicBezTo>
-                      <a:pt x="11" y="26"/>
-                      <a:pt x="11" y="26"/>
-                      <a:pt x="11" y="26"/>
-                    </a:cubicBezTo>
-                    <a:cubicBezTo>
-                      <a:pt x="3" y="26"/>
-                      <a:pt x="3" y="26"/>
-                      <a:pt x="3" y="26"/>
-                    </a:cubicBezTo>
-                    <a:cubicBezTo>
-                      <a:pt x="3" y="35"/>
-                      <a:pt x="3" y="35"/>
-                      <a:pt x="3" y="35"/>
-                    </a:cubicBezTo>
-                    <a:lnTo>
-                      <a:pt x="11" y="35"/>
-                    </a:lnTo>
-                    <a:close/>
-                    <a:moveTo>
-                      <a:pt x="11" y="44"/>
-                    </a:moveTo>
-                    <a:cubicBezTo>
-                      <a:pt x="11" y="37"/>
-                      <a:pt x="11" y="37"/>
-                      <a:pt x="11" y="37"/>
-                    </a:cubicBezTo>
-                    <a:cubicBezTo>
-                      <a:pt x="3" y="37"/>
-                      <a:pt x="3" y="37"/>
-                      <a:pt x="3" y="37"/>
-                    </a:cubicBezTo>
-                    <a:cubicBezTo>
-                      <a:pt x="3" y="44"/>
-                      <a:pt x="3" y="44"/>
-                      <a:pt x="3" y="44"/>
-                    </a:cubicBezTo>
-                    <a:lnTo>
-                      <a:pt x="11" y="44"/>
-                    </a:lnTo>
-                    <a:close/>
-                    <a:moveTo>
-                      <a:pt x="14" y="4"/>
-                    </a:moveTo>
-                    <a:cubicBezTo>
-                      <a:pt x="14" y="4"/>
-                      <a:pt x="13" y="3"/>
-                      <a:pt x="13" y="3"/>
-                    </a:cubicBezTo>
-                    <a:cubicBezTo>
-                      <a:pt x="11" y="3"/>
-                      <a:pt x="11" y="3"/>
-                      <a:pt x="11" y="3"/>
-                    </a:cubicBezTo>
-                    <a:cubicBezTo>
-                      <a:pt x="11" y="3"/>
-                      <a:pt x="10" y="4"/>
-                      <a:pt x="10" y="4"/>
-                    </a:cubicBezTo>
-                    <a:cubicBezTo>
-                      <a:pt x="10" y="12"/>
-                      <a:pt x="10" y="12"/>
-                      <a:pt x="10" y="12"/>
-                    </a:cubicBezTo>
-                    <a:cubicBezTo>
-                      <a:pt x="10" y="12"/>
-                      <a:pt x="11" y="13"/>
-                      <a:pt x="11" y="13"/>
-                    </a:cubicBezTo>
-                    <a:cubicBezTo>
-                      <a:pt x="13" y="13"/>
-                      <a:pt x="13" y="13"/>
-                      <a:pt x="13" y="13"/>
-                    </a:cubicBezTo>
-                    <a:cubicBezTo>
-                      <a:pt x="13" y="13"/>
-                      <a:pt x="14" y="12"/>
-                      <a:pt x="14" y="12"/>
-                    </a:cubicBezTo>
-                    <a:lnTo>
-                      <a:pt x="14" y="4"/>
-                    </a:lnTo>
-                    <a:close/>
-                    <a:moveTo>
-                      <a:pt x="21" y="25"/>
-                    </a:moveTo>
-                    <a:cubicBezTo>
-                      <a:pt x="21" y="17"/>
-                      <a:pt x="21" y="17"/>
-                      <a:pt x="21" y="17"/>
-                    </a:cubicBezTo>
-                    <a:cubicBezTo>
-                      <a:pt x="13" y="17"/>
-                      <a:pt x="13" y="17"/>
-                      <a:pt x="13" y="17"/>
-                    </a:cubicBezTo>
-                    <a:cubicBezTo>
-                      <a:pt x="13" y="25"/>
-                      <a:pt x="13" y="25"/>
-                      <a:pt x="13" y="25"/>
-                    </a:cubicBezTo>
-                    <a:lnTo>
-                      <a:pt x="21" y="25"/>
-                    </a:lnTo>
-                    <a:close/>
-                    <a:moveTo>
-                      <a:pt x="21" y="35"/>
-                    </a:moveTo>
-                    <a:cubicBezTo>
-                      <a:pt x="21" y="26"/>
-                      <a:pt x="21" y="26"/>
-                      <a:pt x="21" y="26"/>
-                    </a:cubicBezTo>
-                    <a:cubicBezTo>
-                      <a:pt x="13" y="26"/>
-                      <a:pt x="13" y="26"/>
-                      <a:pt x="13" y="26"/>
-                    </a:cubicBezTo>
-                    <a:cubicBezTo>
-                      <a:pt x="13" y="35"/>
-                      <a:pt x="13" y="35"/>
-                      <a:pt x="13" y="35"/>
-                    </a:cubicBezTo>
-                    <a:lnTo>
-                      <a:pt x="21" y="35"/>
-                    </a:lnTo>
-                    <a:close/>
-                    <a:moveTo>
-                      <a:pt x="21" y="44"/>
-                    </a:moveTo>
-                    <a:cubicBezTo>
-                      <a:pt x="21" y="37"/>
-                      <a:pt x="21" y="37"/>
-                      <a:pt x="21" y="37"/>
-                    </a:cubicBezTo>
-                    <a:cubicBezTo>
-                      <a:pt x="13" y="37"/>
-                      <a:pt x="13" y="37"/>
-                      <a:pt x="13" y="37"/>
-                    </a:cubicBezTo>
-                    <a:cubicBezTo>
-                      <a:pt x="13" y="44"/>
-                      <a:pt x="13" y="44"/>
-                      <a:pt x="13" y="44"/>
-                    </a:cubicBezTo>
-                    <a:lnTo>
-                      <a:pt x="21" y="44"/>
-                    </a:lnTo>
-                    <a:close/>
-                    <a:moveTo>
-                      <a:pt x="32" y="25"/>
-                    </a:moveTo>
-                    <a:cubicBezTo>
-                      <a:pt x="32" y="17"/>
-                      <a:pt x="32" y="17"/>
-                      <a:pt x="32" y="17"/>
-                    </a:cubicBezTo>
-                    <a:cubicBezTo>
-                      <a:pt x="23" y="17"/>
-                      <a:pt x="23" y="17"/>
-                      <a:pt x="23" y="17"/>
-                    </a:cubicBezTo>
-                    <a:cubicBezTo>
-                      <a:pt x="23" y="25"/>
-                      <a:pt x="23" y="25"/>
-                      <a:pt x="23" y="25"/>
-                    </a:cubicBezTo>
-                    <a:lnTo>
-                      <a:pt x="32" y="25"/>
-                    </a:lnTo>
-                    <a:close/>
-                    <a:moveTo>
-                      <a:pt x="32" y="35"/>
-                    </a:moveTo>
-                    <a:cubicBezTo>
-                      <a:pt x="32" y="26"/>
-                      <a:pt x="32" y="26"/>
-                      <a:pt x="32" y="26"/>
-                    </a:cubicBezTo>
-                    <a:cubicBezTo>
-                      <a:pt x="23" y="26"/>
-                      <a:pt x="23" y="26"/>
-                      <a:pt x="23" y="26"/>
-                    </a:cubicBezTo>
-                    <a:cubicBezTo>
-                      <a:pt x="23" y="35"/>
-                      <a:pt x="23" y="35"/>
-                      <a:pt x="23" y="35"/>
-                    </a:cubicBezTo>
-                    <a:lnTo>
-                      <a:pt x="32" y="35"/>
-                    </a:lnTo>
-                    <a:close/>
-                    <a:moveTo>
-                      <a:pt x="32" y="44"/>
-                    </a:moveTo>
-                    <a:cubicBezTo>
-                      <a:pt x="32" y="37"/>
-                      <a:pt x="32" y="37"/>
-                      <a:pt x="32" y="37"/>
-                    </a:cubicBezTo>
-                    <a:cubicBezTo>
-                      <a:pt x="23" y="37"/>
-                      <a:pt x="23" y="37"/>
-                      <a:pt x="23" y="37"/>
-                    </a:cubicBezTo>
-                    <a:cubicBezTo>
-                      <a:pt x="23" y="44"/>
-                      <a:pt x="23" y="44"/>
-                      <a:pt x="23" y="44"/>
-                    </a:cubicBezTo>
-                    <a:lnTo>
-                      <a:pt x="32" y="44"/>
-                    </a:lnTo>
-                    <a:close/>
-                    <a:moveTo>
-                      <a:pt x="34" y="4"/>
-                    </a:moveTo>
-                    <a:cubicBezTo>
-                      <a:pt x="34" y="4"/>
-                      <a:pt x="34" y="3"/>
-                      <a:pt x="33" y="3"/>
-                    </a:cubicBezTo>
-                    <a:cubicBezTo>
-                      <a:pt x="32" y="3"/>
-                      <a:pt x="32" y="3"/>
-                      <a:pt x="32" y="3"/>
-                    </a:cubicBezTo>
-                    <a:cubicBezTo>
-                      <a:pt x="31" y="3"/>
-                      <a:pt x="31" y="4"/>
-                      <a:pt x="31" y="4"/>
-                    </a:cubicBezTo>
-                    <a:cubicBezTo>
-                      <a:pt x="31" y="12"/>
-                      <a:pt x="31" y="12"/>
-                      <a:pt x="31" y="12"/>
-                    </a:cubicBezTo>
-                    <a:cubicBezTo>
-                      <a:pt x="31" y="12"/>
-                      <a:pt x="31" y="13"/>
-                      <a:pt x="32" y="13"/>
-                    </a:cubicBezTo>
-                    <a:cubicBezTo>
-                      <a:pt x="33" y="13"/>
-                      <a:pt x="33" y="13"/>
-                      <a:pt x="33" y="13"/>
-                    </a:cubicBezTo>
-                    <a:cubicBezTo>
-                      <a:pt x="34" y="13"/>
-                      <a:pt x="34" y="12"/>
-                      <a:pt x="34" y="12"/>
-                    </a:cubicBezTo>
-                    <a:lnTo>
-                      <a:pt x="34" y="4"/>
-                    </a:lnTo>
-                    <a:close/>
-                    <a:moveTo>
-                      <a:pt x="41" y="25"/>
-                    </a:moveTo>
-                    <a:cubicBezTo>
-                      <a:pt x="41" y="17"/>
-                      <a:pt x="41" y="17"/>
-                      <a:pt x="41" y="17"/>
-                    </a:cubicBezTo>
-                    <a:cubicBezTo>
-                      <a:pt x="33" y="17"/>
-                      <a:pt x="33" y="17"/>
-                      <a:pt x="33" y="17"/>
-                    </a:cubicBezTo>
-                    <a:cubicBezTo>
-                      <a:pt x="33" y="25"/>
-                      <a:pt x="33" y="25"/>
-                      <a:pt x="33" y="25"/>
-                    </a:cubicBezTo>
-                    <a:lnTo>
-                      <a:pt x="41" y="25"/>
-                    </a:lnTo>
-                    <a:close/>
-                    <a:moveTo>
-                      <a:pt x="41" y="35"/>
-                    </a:moveTo>
-                    <a:cubicBezTo>
-                      <a:pt x="41" y="26"/>
-                      <a:pt x="41" y="26"/>
-                      <a:pt x="41" y="26"/>
-                    </a:cubicBezTo>
-                    <a:cubicBezTo>
-                      <a:pt x="33" y="26"/>
-                      <a:pt x="33" y="26"/>
-                      <a:pt x="33" y="26"/>
-                    </a:cubicBezTo>
-                    <a:cubicBezTo>
-                      <a:pt x="33" y="35"/>
-                      <a:pt x="33" y="35"/>
-                      <a:pt x="33" y="35"/>
-                    </a:cubicBezTo>
-                    <a:lnTo>
-                      <a:pt x="41" y="35"/>
-                    </a:lnTo>
-                    <a:close/>
-                    <a:moveTo>
-                      <a:pt x="41" y="44"/>
-                    </a:moveTo>
-                    <a:cubicBezTo>
-                      <a:pt x="41" y="37"/>
-                      <a:pt x="41" y="37"/>
-                      <a:pt x="41" y="37"/>
-                    </a:cubicBezTo>
-                    <a:cubicBezTo>
-                      <a:pt x="33" y="37"/>
-                      <a:pt x="33" y="37"/>
-                      <a:pt x="33" y="37"/>
-                    </a:cubicBezTo>
-                    <a:cubicBezTo>
-                      <a:pt x="33" y="44"/>
-                      <a:pt x="33" y="44"/>
-                      <a:pt x="33" y="44"/>
-                    </a:cubicBezTo>
-                    <a:lnTo>
-                      <a:pt x="41" y="44"/>
-                    </a:lnTo>
-                    <a:close/>
-                  </a:path>
-                </a:pathLst>
-              </a:custGeom>
-              <a:solidFill>
-                <a:schemeClr val="accent1"/>
-              </a:solidFill>
-              <a:ln>
-                <a:noFill/>
-              </a:ln>
-            </p:spPr>
-            <p:txBody>
-              <a:bodyPr anchor="ctr"/>
-              <a:lstStyle/>
-              <a:p>
-                <a:pPr algn="ctr"/>
-                <a:endParaRPr/>
-              </a:p>
-            </p:txBody>
-          </p:sp>
-        </p:grpSp>
-        <p:grpSp>
-          <p:nvGrpSpPr>
-            <p:cNvPr id="4" name="Group 29"/>
-            <p:cNvGrpSpPr/>
-            <p:nvPr/>
-          </p:nvGrpSpPr>
-          <p:grpSpPr>
-            <a:xfrm>
-              <a:off x="4333661" y="2834333"/>
-              <a:ext cx="1458180" cy="1663040"/>
-              <a:chOff x="4196780" y="2834333"/>
-              <a:chExt cx="1458180" cy="1663040"/>
-            </a:xfrm>
-          </p:grpSpPr>
-          <p:sp>
-            <p:nvSpPr>
-              <p:cNvPr id="23" name="Freeform: Shape 2"/>
-              <p:cNvSpPr>
-                <a:spLocks/>
-              </p:cNvSpPr>
-              <p:nvPr/>
-            </p:nvSpPr>
-            <p:spPr bwMode="auto">
-              <a:xfrm>
-                <a:off x="4196780" y="2834333"/>
-                <a:ext cx="1458180" cy="1663040"/>
-              </a:xfrm>
-              <a:custGeom>
-                <a:avLst/>
-                <a:gdLst>
-                  <a:gd name="T0" fmla="*/ 573 w 1146"/>
-                  <a:gd name="T1" fmla="*/ 0 h 1307"/>
-                  <a:gd name="T2" fmla="*/ 1146 w 1146"/>
-                  <a:gd name="T3" fmla="*/ 287 h 1307"/>
-                  <a:gd name="T4" fmla="*/ 1146 w 1146"/>
-                  <a:gd name="T5" fmla="*/ 1021 h 1307"/>
-                  <a:gd name="T6" fmla="*/ 573 w 1146"/>
-                  <a:gd name="T7" fmla="*/ 1307 h 1307"/>
-                  <a:gd name="T8" fmla="*/ 0 w 1146"/>
-                  <a:gd name="T9" fmla="*/ 1021 h 1307"/>
-                  <a:gd name="T10" fmla="*/ 0 w 1146"/>
-                  <a:gd name="T11" fmla="*/ 287 h 1307"/>
-                  <a:gd name="T12" fmla="*/ 573 w 1146"/>
-                  <a:gd name="T13" fmla="*/ 0 h 1307"/>
-                </a:gdLst>
-                <a:ahLst/>
-                <a:cxnLst>
-                  <a:cxn ang="0">
-                    <a:pos x="T0" y="T1"/>
-                  </a:cxn>
-                  <a:cxn ang="0">
-                    <a:pos x="T2" y="T3"/>
-                  </a:cxn>
-                  <a:cxn ang="0">
-                    <a:pos x="T4" y="T5"/>
-                  </a:cxn>
-                  <a:cxn ang="0">
-                    <a:pos x="T6" y="T7"/>
-                  </a:cxn>
-                  <a:cxn ang="0">
-                    <a:pos x="T8" y="T9"/>
-                  </a:cxn>
-                  <a:cxn ang="0">
-                    <a:pos x="T10" y="T11"/>
-                  </a:cxn>
-                  <a:cxn ang="0">
-                    <a:pos x="T12" y="T13"/>
-                  </a:cxn>
-                </a:cxnLst>
-                <a:rect l="0" t="0" r="r" b="b"/>
-                <a:pathLst>
-                  <a:path w="1146" h="1307">
-                    <a:moveTo>
-                      <a:pt x="573" y="0"/>
-                    </a:moveTo>
-                    <a:lnTo>
-                      <a:pt x="1146" y="287"/>
-                    </a:lnTo>
-                    <a:lnTo>
-                      <a:pt x="1146" y="1021"/>
-                    </a:lnTo>
-                    <a:lnTo>
-                      <a:pt x="573" y="1307"/>
-                    </a:lnTo>
-                    <a:lnTo>
-                      <a:pt x="0" y="1021"/>
-                    </a:lnTo>
-                    <a:lnTo>
-                      <a:pt x="0" y="287"/>
-                    </a:lnTo>
-                    <a:lnTo>
-                      <a:pt x="573" y="0"/>
-                    </a:lnTo>
-                    <a:close/>
-                  </a:path>
-                </a:pathLst>
-              </a:custGeom>
-              <a:noFill/>
-              <a:ln w="28575">
-                <a:solidFill>
-                  <a:schemeClr val="accent2"/>
-                </a:solidFill>
-              </a:ln>
-              <a:extLst/>
-            </p:spPr>
-            <p:txBody>
-              <a:bodyPr anchor="ctr"/>
-              <a:lstStyle/>
-              <a:p>
-                <a:pPr algn="ctr"/>
-                <a:endParaRPr/>
-              </a:p>
-            </p:txBody>
-          </p:sp>
-          <p:sp>
-            <p:nvSpPr>
-              <p:cNvPr id="24" name="Freeform: Shape 11"/>
-              <p:cNvSpPr>
-                <a:spLocks noChangeAspect="1"/>
-              </p:cNvSpPr>
-              <p:nvPr/>
-            </p:nvSpPr>
-            <p:spPr bwMode="auto">
-              <a:xfrm>
-                <a:off x="4660320" y="3439028"/>
-                <a:ext cx="531100" cy="453650"/>
-              </a:xfrm>
-              <a:custGeom>
-                <a:avLst/>
-                <a:gdLst>
-                  <a:gd name="T0" fmla="*/ 48 w 48"/>
-                  <a:gd name="T1" fmla="*/ 38 h 41"/>
-                  <a:gd name="T2" fmla="*/ 45 w 48"/>
-                  <a:gd name="T3" fmla="*/ 41 h 41"/>
-                  <a:gd name="T4" fmla="*/ 37 w 48"/>
-                  <a:gd name="T5" fmla="*/ 41 h 41"/>
-                  <a:gd name="T6" fmla="*/ 34 w 48"/>
-                  <a:gd name="T7" fmla="*/ 38 h 41"/>
-                  <a:gd name="T8" fmla="*/ 34 w 48"/>
-                  <a:gd name="T9" fmla="*/ 30 h 41"/>
-                  <a:gd name="T10" fmla="*/ 37 w 48"/>
-                  <a:gd name="T11" fmla="*/ 27 h 41"/>
-                  <a:gd name="T12" fmla="*/ 39 w 48"/>
-                  <a:gd name="T13" fmla="*/ 27 h 41"/>
-                  <a:gd name="T14" fmla="*/ 39 w 48"/>
-                  <a:gd name="T15" fmla="*/ 22 h 41"/>
-                  <a:gd name="T16" fmla="*/ 25 w 48"/>
-                  <a:gd name="T17" fmla="*/ 22 h 41"/>
-                  <a:gd name="T18" fmla="*/ 25 w 48"/>
-                  <a:gd name="T19" fmla="*/ 27 h 41"/>
-                  <a:gd name="T20" fmla="*/ 28 w 48"/>
-                  <a:gd name="T21" fmla="*/ 27 h 41"/>
-                  <a:gd name="T22" fmla="*/ 31 w 48"/>
-                  <a:gd name="T23" fmla="*/ 30 h 41"/>
-                  <a:gd name="T24" fmla="*/ 31 w 48"/>
-                  <a:gd name="T25" fmla="*/ 38 h 41"/>
-                  <a:gd name="T26" fmla="*/ 28 w 48"/>
-                  <a:gd name="T27" fmla="*/ 41 h 41"/>
-                  <a:gd name="T28" fmla="*/ 19 w 48"/>
-                  <a:gd name="T29" fmla="*/ 41 h 41"/>
-                  <a:gd name="T30" fmla="*/ 17 w 48"/>
-                  <a:gd name="T31" fmla="*/ 38 h 41"/>
-                  <a:gd name="T32" fmla="*/ 17 w 48"/>
-                  <a:gd name="T33" fmla="*/ 30 h 41"/>
-                  <a:gd name="T34" fmla="*/ 19 w 48"/>
-                  <a:gd name="T35" fmla="*/ 27 h 41"/>
-                  <a:gd name="T36" fmla="*/ 22 w 48"/>
-                  <a:gd name="T37" fmla="*/ 27 h 41"/>
-                  <a:gd name="T38" fmla="*/ 22 w 48"/>
-                  <a:gd name="T39" fmla="*/ 22 h 41"/>
-                  <a:gd name="T40" fmla="*/ 8 w 48"/>
-                  <a:gd name="T41" fmla="*/ 22 h 41"/>
-                  <a:gd name="T42" fmla="*/ 8 w 48"/>
-                  <a:gd name="T43" fmla="*/ 27 h 41"/>
-                  <a:gd name="T44" fmla="*/ 11 w 48"/>
-                  <a:gd name="T45" fmla="*/ 27 h 41"/>
-                  <a:gd name="T46" fmla="*/ 13 w 48"/>
-                  <a:gd name="T47" fmla="*/ 30 h 41"/>
-                  <a:gd name="T48" fmla="*/ 13 w 48"/>
-                  <a:gd name="T49" fmla="*/ 38 h 41"/>
-                  <a:gd name="T50" fmla="*/ 11 w 48"/>
-                  <a:gd name="T51" fmla="*/ 41 h 41"/>
-                  <a:gd name="T52" fmla="*/ 2 w 48"/>
-                  <a:gd name="T53" fmla="*/ 41 h 41"/>
-                  <a:gd name="T54" fmla="*/ 0 w 48"/>
-                  <a:gd name="T55" fmla="*/ 38 h 41"/>
-                  <a:gd name="T56" fmla="*/ 0 w 48"/>
-                  <a:gd name="T57" fmla="*/ 30 h 41"/>
-                  <a:gd name="T58" fmla="*/ 2 w 48"/>
-                  <a:gd name="T59" fmla="*/ 27 h 41"/>
-                  <a:gd name="T60" fmla="*/ 5 w 48"/>
-                  <a:gd name="T61" fmla="*/ 27 h 41"/>
-                  <a:gd name="T62" fmla="*/ 5 w 48"/>
-                  <a:gd name="T63" fmla="*/ 22 h 41"/>
-                  <a:gd name="T64" fmla="*/ 8 w 48"/>
-                  <a:gd name="T65" fmla="*/ 19 h 41"/>
-                  <a:gd name="T66" fmla="*/ 22 w 48"/>
-                  <a:gd name="T67" fmla="*/ 19 h 41"/>
-                  <a:gd name="T68" fmla="*/ 22 w 48"/>
-                  <a:gd name="T69" fmla="*/ 13 h 41"/>
-                  <a:gd name="T70" fmla="*/ 19 w 48"/>
-                  <a:gd name="T71" fmla="*/ 13 h 41"/>
-                  <a:gd name="T72" fmla="*/ 17 w 48"/>
-                  <a:gd name="T73" fmla="*/ 11 h 41"/>
-                  <a:gd name="T74" fmla="*/ 17 w 48"/>
-                  <a:gd name="T75" fmla="*/ 2 h 41"/>
-                  <a:gd name="T76" fmla="*/ 19 w 48"/>
-                  <a:gd name="T77" fmla="*/ 0 h 41"/>
-                  <a:gd name="T78" fmla="*/ 28 w 48"/>
-                  <a:gd name="T79" fmla="*/ 0 h 41"/>
-                  <a:gd name="T80" fmla="*/ 31 w 48"/>
-                  <a:gd name="T81" fmla="*/ 2 h 41"/>
-                  <a:gd name="T82" fmla="*/ 31 w 48"/>
-                  <a:gd name="T83" fmla="*/ 11 h 41"/>
-                  <a:gd name="T84" fmla="*/ 28 w 48"/>
-                  <a:gd name="T85" fmla="*/ 13 h 41"/>
-                  <a:gd name="T86" fmla="*/ 25 w 48"/>
-                  <a:gd name="T87" fmla="*/ 13 h 41"/>
-                  <a:gd name="T88" fmla="*/ 25 w 48"/>
-                  <a:gd name="T89" fmla="*/ 19 h 41"/>
-                  <a:gd name="T90" fmla="*/ 39 w 48"/>
-                  <a:gd name="T91" fmla="*/ 19 h 41"/>
-                  <a:gd name="T92" fmla="*/ 43 w 48"/>
-                  <a:gd name="T93" fmla="*/ 22 h 41"/>
-                  <a:gd name="T94" fmla="*/ 43 w 48"/>
-                  <a:gd name="T95" fmla="*/ 27 h 41"/>
-                  <a:gd name="T96" fmla="*/ 45 w 48"/>
-                  <a:gd name="T97" fmla="*/ 27 h 41"/>
-                  <a:gd name="T98" fmla="*/ 48 w 48"/>
-                  <a:gd name="T99" fmla="*/ 30 h 41"/>
-                  <a:gd name="T100" fmla="*/ 48 w 48"/>
-                  <a:gd name="T101" fmla="*/ 38 h 41"/>
-                </a:gdLst>
-                <a:ahLst/>
-                <a:cxnLst>
-                  <a:cxn ang="0">
-                    <a:pos x="T0" y="T1"/>
-                  </a:cxn>
-                  <a:cxn ang="0">
-                    <a:pos x="T2" y="T3"/>
-                  </a:cxn>
-                  <a:cxn ang="0">
-                    <a:pos x="T4" y="T5"/>
-                  </a:cxn>
-                  <a:cxn ang="0">
-                    <a:pos x="T6" y="T7"/>
-                  </a:cxn>
-                  <a:cxn ang="0">
-                    <a:pos x="T8" y="T9"/>
-                  </a:cxn>
-                  <a:cxn ang="0">
-                    <a:pos x="T10" y="T11"/>
-                  </a:cxn>
-                  <a:cxn ang="0">
-                    <a:pos x="T12" y="T13"/>
-                  </a:cxn>
-                  <a:cxn ang="0">
-                    <a:pos x="T14" y="T15"/>
-                  </a:cxn>
-                  <a:cxn ang="0">
-                    <a:pos x="T16" y="T17"/>
-                  </a:cxn>
-                  <a:cxn ang="0">
-                    <a:pos x="T18" y="T19"/>
-                  </a:cxn>
-                  <a:cxn ang="0">
-                    <a:pos x="T20" y="T21"/>
-                  </a:cxn>
-                  <a:cxn ang="0">
-                    <a:pos x="T22" y="T23"/>
-                  </a:cxn>
-                  <a:cxn ang="0">
-                    <a:pos x="T24" y="T25"/>
-                  </a:cxn>
-                  <a:cxn ang="0">
-                    <a:pos x="T26" y="T27"/>
-                  </a:cxn>
-                  <a:cxn ang="0">
-                    <a:pos x="T28" y="T29"/>
-                  </a:cxn>
-                  <a:cxn ang="0">
-                    <a:pos x="T30" y="T31"/>
-                  </a:cxn>
-                  <a:cxn ang="0">
-                    <a:pos x="T32" y="T33"/>
-                  </a:cxn>
-                  <a:cxn ang="0">
-                    <a:pos x="T34" y="T35"/>
-                  </a:cxn>
-                  <a:cxn ang="0">
-                    <a:pos x="T36" y="T37"/>
-                  </a:cxn>
-                  <a:cxn ang="0">
-                    <a:pos x="T38" y="T39"/>
-                  </a:cxn>
-                  <a:cxn ang="0">
-                    <a:pos x="T40" y="T41"/>
-                  </a:cxn>
-                  <a:cxn ang="0">
-                    <a:pos x="T42" y="T43"/>
-                  </a:cxn>
-                  <a:cxn ang="0">
-                    <a:pos x="T44" y="T45"/>
-                  </a:cxn>
-                  <a:cxn ang="0">
-                    <a:pos x="T46" y="T47"/>
-                  </a:cxn>
-                  <a:cxn ang="0">
-                    <a:pos x="T48" y="T49"/>
-                  </a:cxn>
-                  <a:cxn ang="0">
-                    <a:pos x="T50" y="T51"/>
-                  </a:cxn>
-                  <a:cxn ang="0">
-                    <a:pos x="T52" y="T53"/>
-                  </a:cxn>
-                  <a:cxn ang="0">
-                    <a:pos x="T54" y="T55"/>
-                  </a:cxn>
-                  <a:cxn ang="0">
-                    <a:pos x="T56" y="T57"/>
-                  </a:cxn>
-                  <a:cxn ang="0">
-                    <a:pos x="T58" y="T59"/>
-                  </a:cxn>
-                  <a:cxn ang="0">
-                    <a:pos x="T60" y="T61"/>
-                  </a:cxn>
-                  <a:cxn ang="0">
-                    <a:pos x="T62" y="T63"/>
-                  </a:cxn>
-                  <a:cxn ang="0">
-                    <a:pos x="T64" y="T65"/>
-                  </a:cxn>
-                  <a:cxn ang="0">
-                    <a:pos x="T66" y="T67"/>
-                  </a:cxn>
-                  <a:cxn ang="0">
-                    <a:pos x="T68" y="T69"/>
-                  </a:cxn>
-                  <a:cxn ang="0">
-                    <a:pos x="T70" y="T71"/>
-                  </a:cxn>
-                  <a:cxn ang="0">
-                    <a:pos x="T72" y="T73"/>
-                  </a:cxn>
-                  <a:cxn ang="0">
-                    <a:pos x="T74" y="T75"/>
-                  </a:cxn>
-                  <a:cxn ang="0">
-                    <a:pos x="T76" y="T77"/>
-                  </a:cxn>
-                  <a:cxn ang="0">
-                    <a:pos x="T78" y="T79"/>
-                  </a:cxn>
-                  <a:cxn ang="0">
-                    <a:pos x="T80" y="T81"/>
-                  </a:cxn>
-                  <a:cxn ang="0">
-                    <a:pos x="T82" y="T83"/>
-                  </a:cxn>
-                  <a:cxn ang="0">
-                    <a:pos x="T84" y="T85"/>
-                  </a:cxn>
-                  <a:cxn ang="0">
-                    <a:pos x="T86" y="T87"/>
-                  </a:cxn>
-                  <a:cxn ang="0">
-                    <a:pos x="T88" y="T89"/>
-                  </a:cxn>
-                  <a:cxn ang="0">
-                    <a:pos x="T90" y="T91"/>
-                  </a:cxn>
-                  <a:cxn ang="0">
-                    <a:pos x="T92" y="T93"/>
-                  </a:cxn>
-                  <a:cxn ang="0">
-                    <a:pos x="T94" y="T95"/>
-                  </a:cxn>
-                  <a:cxn ang="0">
-                    <a:pos x="T96" y="T97"/>
-                  </a:cxn>
-                  <a:cxn ang="0">
-                    <a:pos x="T98" y="T99"/>
-                  </a:cxn>
-                  <a:cxn ang="0">
-                    <a:pos x="T100" y="T101"/>
-                  </a:cxn>
-                </a:cxnLst>
-                <a:rect l="0" t="0" r="r" b="b"/>
-                <a:pathLst>
-                  <a:path w="48" h="41">
-                    <a:moveTo>
-                      <a:pt x="48" y="38"/>
-                    </a:moveTo>
-                    <a:cubicBezTo>
-                      <a:pt x="48" y="40"/>
-                      <a:pt x="47" y="41"/>
-                      <a:pt x="45" y="41"/>
-                    </a:cubicBezTo>
-                    <a:cubicBezTo>
-                      <a:pt x="37" y="41"/>
-                      <a:pt x="37" y="41"/>
-                      <a:pt x="37" y="41"/>
-                    </a:cubicBezTo>
-                    <a:cubicBezTo>
-                      <a:pt x="35" y="41"/>
-                      <a:pt x="34" y="40"/>
-                      <a:pt x="34" y="38"/>
-                    </a:cubicBezTo>
-                    <a:cubicBezTo>
-                      <a:pt x="34" y="30"/>
-                      <a:pt x="34" y="30"/>
-                      <a:pt x="34" y="30"/>
-                    </a:cubicBezTo>
-                    <a:cubicBezTo>
-                      <a:pt x="34" y="28"/>
-                      <a:pt x="35" y="27"/>
-                      <a:pt x="37" y="27"/>
-                    </a:cubicBezTo>
-                    <a:cubicBezTo>
-                      <a:pt x="39" y="27"/>
-                      <a:pt x="39" y="27"/>
-                      <a:pt x="39" y="27"/>
-                    </a:cubicBezTo>
-                    <a:cubicBezTo>
-                      <a:pt x="39" y="22"/>
-                      <a:pt x="39" y="22"/>
-                      <a:pt x="39" y="22"/>
-                    </a:cubicBezTo>
-                    <a:cubicBezTo>
-                      <a:pt x="25" y="22"/>
-                      <a:pt x="25" y="22"/>
-                      <a:pt x="25" y="22"/>
-                    </a:cubicBezTo>
-                    <a:cubicBezTo>
-                      <a:pt x="25" y="27"/>
-                      <a:pt x="25" y="27"/>
-                      <a:pt x="25" y="27"/>
-                    </a:cubicBezTo>
-                    <a:cubicBezTo>
-                      <a:pt x="28" y="27"/>
-                      <a:pt x="28" y="27"/>
-                      <a:pt x="28" y="27"/>
-                    </a:cubicBezTo>
-                    <a:cubicBezTo>
-                      <a:pt x="29" y="27"/>
-                      <a:pt x="31" y="28"/>
-                      <a:pt x="31" y="30"/>
-                    </a:cubicBezTo>
-                    <a:cubicBezTo>
-                      <a:pt x="31" y="38"/>
-                      <a:pt x="31" y="38"/>
-                      <a:pt x="31" y="38"/>
-                    </a:cubicBezTo>
-                    <a:cubicBezTo>
-                      <a:pt x="31" y="40"/>
-                      <a:pt x="29" y="41"/>
-                      <a:pt x="28" y="41"/>
-                    </a:cubicBezTo>
-                    <a:cubicBezTo>
-                      <a:pt x="19" y="41"/>
-                      <a:pt x="19" y="41"/>
-                      <a:pt x="19" y="41"/>
-                    </a:cubicBezTo>
-                    <a:cubicBezTo>
-                      <a:pt x="18" y="41"/>
-                      <a:pt x="17" y="40"/>
-                      <a:pt x="17" y="38"/>
-                    </a:cubicBezTo>
-                    <a:cubicBezTo>
-                      <a:pt x="17" y="30"/>
-                      <a:pt x="17" y="30"/>
-                      <a:pt x="17" y="30"/>
-                    </a:cubicBezTo>
-                    <a:cubicBezTo>
-                      <a:pt x="17" y="28"/>
-                      <a:pt x="18" y="27"/>
-                      <a:pt x="19" y="27"/>
-                    </a:cubicBezTo>
-                    <a:cubicBezTo>
-                      <a:pt x="22" y="27"/>
-                      <a:pt x="22" y="27"/>
-                      <a:pt x="22" y="27"/>
-                    </a:cubicBezTo>
-                    <a:cubicBezTo>
-                      <a:pt x="22" y="22"/>
-                      <a:pt x="22" y="22"/>
-                      <a:pt x="22" y="22"/>
-                    </a:cubicBezTo>
-                    <a:cubicBezTo>
-                      <a:pt x="8" y="22"/>
-                      <a:pt x="8" y="22"/>
-                      <a:pt x="8" y="22"/>
-                    </a:cubicBezTo>
-                    <a:cubicBezTo>
-                      <a:pt x="8" y="27"/>
-                      <a:pt x="8" y="27"/>
-                      <a:pt x="8" y="27"/>
-                    </a:cubicBezTo>
-                    <a:cubicBezTo>
-                      <a:pt x="11" y="27"/>
-                      <a:pt x="11" y="27"/>
-                      <a:pt x="11" y="27"/>
-                    </a:cubicBezTo>
-                    <a:cubicBezTo>
-                      <a:pt x="12" y="27"/>
-                      <a:pt x="13" y="28"/>
-                      <a:pt x="13" y="30"/>
-                    </a:cubicBezTo>
-                    <a:cubicBezTo>
-                      <a:pt x="13" y="38"/>
-                      <a:pt x="13" y="38"/>
-                      <a:pt x="13" y="38"/>
-                    </a:cubicBezTo>
-                    <a:cubicBezTo>
-                      <a:pt x="13" y="40"/>
-                      <a:pt x="12" y="41"/>
-                      <a:pt x="11" y="41"/>
-                    </a:cubicBezTo>
-                    <a:cubicBezTo>
-                      <a:pt x="2" y="41"/>
-                      <a:pt x="2" y="41"/>
-                      <a:pt x="2" y="41"/>
-                    </a:cubicBezTo>
-                    <a:cubicBezTo>
-                      <a:pt x="1" y="41"/>
-                      <a:pt x="0" y="40"/>
-                      <a:pt x="0" y="38"/>
-                    </a:cubicBezTo>
-                    <a:cubicBezTo>
-                      <a:pt x="0" y="30"/>
-                      <a:pt x="0" y="30"/>
-                      <a:pt x="0" y="30"/>
-                    </a:cubicBezTo>
-                    <a:cubicBezTo>
-                      <a:pt x="0" y="28"/>
-                      <a:pt x="1" y="27"/>
-                      <a:pt x="2" y="27"/>
-                    </a:cubicBezTo>
-                    <a:cubicBezTo>
-                      <a:pt x="5" y="27"/>
-                      <a:pt x="5" y="27"/>
-                      <a:pt x="5" y="27"/>
-                    </a:cubicBezTo>
-                    <a:cubicBezTo>
-                      <a:pt x="5" y="22"/>
-                      <a:pt x="5" y="22"/>
-                      <a:pt x="5" y="22"/>
-                    </a:cubicBezTo>
-                    <a:cubicBezTo>
-                      <a:pt x="5" y="20"/>
-                      <a:pt x="6" y="19"/>
-                      <a:pt x="8" y="19"/>
-                    </a:cubicBezTo>
-                    <a:cubicBezTo>
-                      <a:pt x="22" y="19"/>
-                      <a:pt x="22" y="19"/>
-                      <a:pt x="22" y="19"/>
-                    </a:cubicBezTo>
-                    <a:cubicBezTo>
-                      <a:pt x="22" y="13"/>
-                      <a:pt x="22" y="13"/>
-                      <a:pt x="22" y="13"/>
-                    </a:cubicBezTo>
-                    <a:cubicBezTo>
-                      <a:pt x="19" y="13"/>
-                      <a:pt x="19" y="13"/>
-                      <a:pt x="19" y="13"/>
-                    </a:cubicBezTo>
-                    <a:cubicBezTo>
-                      <a:pt x="18" y="13"/>
-                      <a:pt x="17" y="12"/>
-                      <a:pt x="17" y="11"/>
-                    </a:cubicBezTo>
-                    <a:cubicBezTo>
-                      <a:pt x="17" y="2"/>
-                      <a:pt x="17" y="2"/>
-                      <a:pt x="17" y="2"/>
-                    </a:cubicBezTo>
-                    <a:cubicBezTo>
-                      <a:pt x="17" y="1"/>
-                      <a:pt x="18" y="0"/>
-                      <a:pt x="19" y="0"/>
-                    </a:cubicBezTo>
-                    <a:cubicBezTo>
-                      <a:pt x="28" y="0"/>
-                      <a:pt x="28" y="0"/>
-                      <a:pt x="28" y="0"/>
-                    </a:cubicBezTo>
-                    <a:cubicBezTo>
-                      <a:pt x="29" y="0"/>
-                      <a:pt x="31" y="1"/>
-                      <a:pt x="31" y="2"/>
-                    </a:cubicBezTo>
-                    <a:cubicBezTo>
-                      <a:pt x="31" y="11"/>
-                      <a:pt x="31" y="11"/>
-                      <a:pt x="31" y="11"/>
-                    </a:cubicBezTo>
-                    <a:cubicBezTo>
-                      <a:pt x="31" y="12"/>
-                      <a:pt x="29" y="13"/>
-                      <a:pt x="28" y="13"/>
-                    </a:cubicBezTo>
-                    <a:cubicBezTo>
-                      <a:pt x="25" y="13"/>
-                      <a:pt x="25" y="13"/>
-                      <a:pt x="25" y="13"/>
-                    </a:cubicBezTo>
-                    <a:cubicBezTo>
-                      <a:pt x="25" y="19"/>
-                      <a:pt x="25" y="19"/>
-                      <a:pt x="25" y="19"/>
-                    </a:cubicBezTo>
-                    <a:cubicBezTo>
-                      <a:pt x="39" y="19"/>
-                      <a:pt x="39" y="19"/>
-                      <a:pt x="39" y="19"/>
-                    </a:cubicBezTo>
-                    <a:cubicBezTo>
-                      <a:pt x="41" y="19"/>
-                      <a:pt x="43" y="20"/>
-                      <a:pt x="43" y="22"/>
-                    </a:cubicBezTo>
-                    <a:cubicBezTo>
-                      <a:pt x="43" y="27"/>
-                      <a:pt x="43" y="27"/>
-                      <a:pt x="43" y="27"/>
-                    </a:cubicBezTo>
-                    <a:cubicBezTo>
-                      <a:pt x="45" y="27"/>
-                      <a:pt x="45" y="27"/>
-                      <a:pt x="45" y="27"/>
-                    </a:cubicBezTo>
-                    <a:cubicBezTo>
-                      <a:pt x="47" y="27"/>
-                      <a:pt x="48" y="28"/>
-                      <a:pt x="48" y="30"/>
-                    </a:cubicBezTo>
-                    <a:lnTo>
-                      <a:pt x="48" y="38"/>
-                    </a:lnTo>
-                    <a:close/>
-                  </a:path>
-                </a:pathLst>
-              </a:custGeom>
-              <a:solidFill>
-                <a:schemeClr val="accent2">
-                  <a:lumMod val="100000"/>
-                </a:schemeClr>
-              </a:solidFill>
-              <a:ln>
-                <a:noFill/>
-              </a:ln>
-            </p:spPr>
-            <p:txBody>
-              <a:bodyPr anchor="ctr"/>
-              <a:lstStyle/>
-              <a:p>
-                <a:pPr algn="ctr"/>
-                <a:endParaRPr/>
-              </a:p>
-            </p:txBody>
-          </p:sp>
-        </p:grpSp>
-        <p:grpSp>
-          <p:nvGrpSpPr>
-            <p:cNvPr id="5" name="Group 30"/>
-            <p:cNvGrpSpPr/>
-            <p:nvPr/>
-          </p:nvGrpSpPr>
-          <p:grpSpPr>
-            <a:xfrm>
-              <a:off x="6899276" y="2834333"/>
-              <a:ext cx="1458180" cy="1663040"/>
-              <a:chOff x="6537040" y="2834333"/>
-              <a:chExt cx="1458180" cy="1663040"/>
-            </a:xfrm>
-          </p:grpSpPr>
-          <p:sp>
-            <p:nvSpPr>
-              <p:cNvPr id="21" name="Freeform: Shape 3"/>
-              <p:cNvSpPr>
-                <a:spLocks/>
-              </p:cNvSpPr>
-              <p:nvPr/>
-            </p:nvSpPr>
-            <p:spPr bwMode="auto">
-              <a:xfrm>
-                <a:off x="6537040" y="2834333"/>
-                <a:ext cx="1458180" cy="1663040"/>
-              </a:xfrm>
-              <a:custGeom>
-                <a:avLst/>
-                <a:gdLst>
-                  <a:gd name="T0" fmla="*/ 573 w 1146"/>
-                  <a:gd name="T1" fmla="*/ 0 h 1307"/>
-                  <a:gd name="T2" fmla="*/ 1146 w 1146"/>
-                  <a:gd name="T3" fmla="*/ 287 h 1307"/>
-                  <a:gd name="T4" fmla="*/ 1146 w 1146"/>
-                  <a:gd name="T5" fmla="*/ 1021 h 1307"/>
-                  <a:gd name="T6" fmla="*/ 573 w 1146"/>
-                  <a:gd name="T7" fmla="*/ 1307 h 1307"/>
-                  <a:gd name="T8" fmla="*/ 0 w 1146"/>
-                  <a:gd name="T9" fmla="*/ 1021 h 1307"/>
-                  <a:gd name="T10" fmla="*/ 0 w 1146"/>
-                  <a:gd name="T11" fmla="*/ 287 h 1307"/>
-                  <a:gd name="T12" fmla="*/ 573 w 1146"/>
-                  <a:gd name="T13" fmla="*/ 0 h 1307"/>
-                </a:gdLst>
-                <a:ahLst/>
-                <a:cxnLst>
-                  <a:cxn ang="0">
-                    <a:pos x="T0" y="T1"/>
-                  </a:cxn>
-                  <a:cxn ang="0">
-                    <a:pos x="T2" y="T3"/>
-                  </a:cxn>
-                  <a:cxn ang="0">
-                    <a:pos x="T4" y="T5"/>
-                  </a:cxn>
-                  <a:cxn ang="0">
-                    <a:pos x="T6" y="T7"/>
-                  </a:cxn>
-                  <a:cxn ang="0">
-                    <a:pos x="T8" y="T9"/>
-                  </a:cxn>
-                  <a:cxn ang="0">
-                    <a:pos x="T10" y="T11"/>
-                  </a:cxn>
-                  <a:cxn ang="0">
-                    <a:pos x="T12" y="T13"/>
-                  </a:cxn>
-                </a:cxnLst>
-                <a:rect l="0" t="0" r="r" b="b"/>
-                <a:pathLst>
-                  <a:path w="1146" h="1307">
-                    <a:moveTo>
-                      <a:pt x="573" y="0"/>
-                    </a:moveTo>
-                    <a:lnTo>
-                      <a:pt x="1146" y="287"/>
-                    </a:lnTo>
-                    <a:lnTo>
-                      <a:pt x="1146" y="1021"/>
-                    </a:lnTo>
-                    <a:lnTo>
-                      <a:pt x="573" y="1307"/>
-                    </a:lnTo>
-                    <a:lnTo>
-                      <a:pt x="0" y="1021"/>
-                    </a:lnTo>
-                    <a:lnTo>
-                      <a:pt x="0" y="287"/>
-                    </a:lnTo>
-                    <a:lnTo>
-                      <a:pt x="573" y="0"/>
-                    </a:lnTo>
-                    <a:close/>
-                  </a:path>
-                </a:pathLst>
-              </a:custGeom>
-              <a:noFill/>
-              <a:ln w="28575">
-                <a:solidFill>
-                  <a:schemeClr val="accent3"/>
-                </a:solidFill>
-              </a:ln>
-              <a:extLst/>
-            </p:spPr>
-            <p:txBody>
-              <a:bodyPr anchor="ctr"/>
-              <a:lstStyle/>
-              <a:p>
-                <a:pPr algn="ctr"/>
-                <a:endParaRPr/>
-              </a:p>
-            </p:txBody>
-          </p:sp>
-          <p:sp>
-            <p:nvSpPr>
-              <p:cNvPr id="22" name="Freeform: Shape 12"/>
-              <p:cNvSpPr>
-                <a:spLocks noChangeAspect="1"/>
-              </p:cNvSpPr>
-              <p:nvPr/>
-            </p:nvSpPr>
-            <p:spPr bwMode="auto">
-              <a:xfrm>
-                <a:off x="6988290" y="3404376"/>
-                <a:ext cx="555680" cy="522954"/>
-              </a:xfrm>
-              <a:custGeom>
-                <a:avLst/>
-                <a:gdLst>
-                  <a:gd name="connsiteX0" fmla="*/ 69646 w 508000"/>
-                  <a:gd name="connsiteY0" fmla="*/ 394096 h 478080"/>
-                  <a:gd name="connsiteX1" fmla="*/ 438355 w 508000"/>
-                  <a:gd name="connsiteY1" fmla="*/ 394096 h 478080"/>
-                  <a:gd name="connsiteX2" fmla="*/ 438355 w 508000"/>
-                  <a:gd name="connsiteY2" fmla="*/ 422773 h 478080"/>
-                  <a:gd name="connsiteX3" fmla="*/ 473178 w 508000"/>
-                  <a:gd name="connsiteY3" fmla="*/ 422773 h 478080"/>
-                  <a:gd name="connsiteX4" fmla="*/ 473178 w 508000"/>
-                  <a:gd name="connsiteY4" fmla="*/ 447354 h 478080"/>
-                  <a:gd name="connsiteX5" fmla="*/ 497758 w 508000"/>
-                  <a:gd name="connsiteY5" fmla="*/ 447354 h 478080"/>
-                  <a:gd name="connsiteX6" fmla="*/ 497758 w 508000"/>
-                  <a:gd name="connsiteY6" fmla="*/ 478080 h 478080"/>
-                  <a:gd name="connsiteX7" fmla="*/ 14339 w 508000"/>
-                  <a:gd name="connsiteY7" fmla="*/ 478080 h 478080"/>
-                  <a:gd name="connsiteX8" fmla="*/ 14339 w 508000"/>
-                  <a:gd name="connsiteY8" fmla="*/ 447354 h 478080"/>
-                  <a:gd name="connsiteX9" fmla="*/ 38920 w 508000"/>
-                  <a:gd name="connsiteY9" fmla="*/ 447354 h 478080"/>
-                  <a:gd name="connsiteX10" fmla="*/ 38920 w 508000"/>
-                  <a:gd name="connsiteY10" fmla="*/ 422773 h 478080"/>
-                  <a:gd name="connsiteX11" fmla="*/ 69646 w 508000"/>
-                  <a:gd name="connsiteY11" fmla="*/ 422773 h 478080"/>
-                  <a:gd name="connsiteX12" fmla="*/ 362031 w 508000"/>
-                  <a:gd name="connsiteY12" fmla="*/ 193354 h 478080"/>
-                  <a:gd name="connsiteX13" fmla="*/ 436842 w 508000"/>
-                  <a:gd name="connsiteY13" fmla="*/ 193354 h 478080"/>
-                  <a:gd name="connsiteX14" fmla="*/ 456791 w 508000"/>
-                  <a:gd name="connsiteY14" fmla="*/ 213383 h 478080"/>
-                  <a:gd name="connsiteX15" fmla="*/ 456791 w 508000"/>
-                  <a:gd name="connsiteY15" fmla="*/ 233411 h 478080"/>
-                  <a:gd name="connsiteX16" fmla="*/ 436842 w 508000"/>
-                  <a:gd name="connsiteY16" fmla="*/ 233411 h 478080"/>
-                  <a:gd name="connsiteX17" fmla="*/ 436842 w 508000"/>
-                  <a:gd name="connsiteY17" fmla="*/ 373612 h 478080"/>
-                  <a:gd name="connsiteX18" fmla="*/ 362031 w 508000"/>
-                  <a:gd name="connsiteY18" fmla="*/ 373612 h 478080"/>
-                  <a:gd name="connsiteX19" fmla="*/ 362031 w 508000"/>
-                  <a:gd name="connsiteY19" fmla="*/ 233411 h 478080"/>
-                  <a:gd name="connsiteX20" fmla="*/ 342081 w 508000"/>
-                  <a:gd name="connsiteY20" fmla="*/ 233411 h 478080"/>
-                  <a:gd name="connsiteX21" fmla="*/ 342081 w 508000"/>
-                  <a:gd name="connsiteY21" fmla="*/ 213383 h 478080"/>
-                  <a:gd name="connsiteX22" fmla="*/ 362031 w 508000"/>
-                  <a:gd name="connsiteY22" fmla="*/ 193354 h 478080"/>
-                  <a:gd name="connsiteX23" fmla="*/ 218644 w 508000"/>
-                  <a:gd name="connsiteY23" fmla="*/ 193354 h 478080"/>
-                  <a:gd name="connsiteX24" fmla="*/ 293455 w 508000"/>
-                  <a:gd name="connsiteY24" fmla="*/ 193354 h 478080"/>
-                  <a:gd name="connsiteX25" fmla="*/ 313404 w 508000"/>
-                  <a:gd name="connsiteY25" fmla="*/ 213383 h 478080"/>
-                  <a:gd name="connsiteX26" fmla="*/ 313404 w 508000"/>
-                  <a:gd name="connsiteY26" fmla="*/ 233411 h 478080"/>
-                  <a:gd name="connsiteX27" fmla="*/ 293455 w 508000"/>
-                  <a:gd name="connsiteY27" fmla="*/ 233411 h 478080"/>
-                  <a:gd name="connsiteX28" fmla="*/ 293455 w 508000"/>
-                  <a:gd name="connsiteY28" fmla="*/ 373612 h 478080"/>
-                  <a:gd name="connsiteX29" fmla="*/ 213656 w 508000"/>
-                  <a:gd name="connsiteY29" fmla="*/ 373612 h 478080"/>
-                  <a:gd name="connsiteX30" fmla="*/ 213656 w 508000"/>
-                  <a:gd name="connsiteY30" fmla="*/ 233411 h 478080"/>
-                  <a:gd name="connsiteX31" fmla="*/ 198694 w 508000"/>
-                  <a:gd name="connsiteY31" fmla="*/ 233411 h 478080"/>
-                  <a:gd name="connsiteX32" fmla="*/ 198694 w 508000"/>
-                  <a:gd name="connsiteY32" fmla="*/ 213383 h 478080"/>
-                  <a:gd name="connsiteX33" fmla="*/ 218644 w 508000"/>
-                  <a:gd name="connsiteY33" fmla="*/ 193354 h 478080"/>
-                  <a:gd name="connsiteX34" fmla="*/ 73208 w 508000"/>
-                  <a:gd name="connsiteY34" fmla="*/ 193354 h 478080"/>
-                  <a:gd name="connsiteX35" fmla="*/ 148019 w 508000"/>
-                  <a:gd name="connsiteY35" fmla="*/ 193354 h 478080"/>
-                  <a:gd name="connsiteX36" fmla="*/ 167968 w 508000"/>
-                  <a:gd name="connsiteY36" fmla="*/ 213383 h 478080"/>
-                  <a:gd name="connsiteX37" fmla="*/ 167968 w 508000"/>
-                  <a:gd name="connsiteY37" fmla="*/ 233411 h 478080"/>
-                  <a:gd name="connsiteX38" fmla="*/ 148019 w 508000"/>
-                  <a:gd name="connsiteY38" fmla="*/ 233411 h 478080"/>
-                  <a:gd name="connsiteX39" fmla="*/ 148019 w 508000"/>
-                  <a:gd name="connsiteY39" fmla="*/ 373612 h 478080"/>
-                  <a:gd name="connsiteX40" fmla="*/ 73208 w 508000"/>
-                  <a:gd name="connsiteY40" fmla="*/ 373612 h 478080"/>
-                  <a:gd name="connsiteX41" fmla="*/ 73208 w 508000"/>
-                  <a:gd name="connsiteY41" fmla="*/ 233411 h 478080"/>
-                  <a:gd name="connsiteX42" fmla="*/ 53258 w 508000"/>
-                  <a:gd name="connsiteY42" fmla="*/ 233411 h 478080"/>
-                  <a:gd name="connsiteX43" fmla="*/ 53258 w 508000"/>
-                  <a:gd name="connsiteY43" fmla="*/ 213383 h 478080"/>
-                  <a:gd name="connsiteX44" fmla="*/ 73208 w 508000"/>
-                  <a:gd name="connsiteY44" fmla="*/ 193354 h 478080"/>
-                  <a:gd name="connsiteX45" fmla="*/ 234079 w 508000"/>
-                  <a:gd name="connsiteY45" fmla="*/ 68402 h 478080"/>
-                  <a:gd name="connsiteX46" fmla="*/ 169334 w 508000"/>
-                  <a:gd name="connsiteY46" fmla="*/ 108199 h 478080"/>
-                  <a:gd name="connsiteX47" fmla="*/ 169334 w 508000"/>
-                  <a:gd name="connsiteY47" fmla="*/ 113174 h 478080"/>
-                  <a:gd name="connsiteX48" fmla="*/ 174314 w 508000"/>
-                  <a:gd name="connsiteY48" fmla="*/ 113174 h 478080"/>
-                  <a:gd name="connsiteX49" fmla="*/ 333687 w 508000"/>
-                  <a:gd name="connsiteY49" fmla="*/ 113174 h 478080"/>
-                  <a:gd name="connsiteX50" fmla="*/ 338667 w 508000"/>
-                  <a:gd name="connsiteY50" fmla="*/ 113174 h 478080"/>
-                  <a:gd name="connsiteX51" fmla="*/ 338667 w 508000"/>
-                  <a:gd name="connsiteY51" fmla="*/ 108199 h 478080"/>
-                  <a:gd name="connsiteX52" fmla="*/ 273922 w 508000"/>
-                  <a:gd name="connsiteY52" fmla="*/ 68402 h 478080"/>
-                  <a:gd name="connsiteX53" fmla="*/ 234079 w 508000"/>
-                  <a:gd name="connsiteY53" fmla="*/ 68402 h 478080"/>
-                  <a:gd name="connsiteX54" fmla="*/ 234079 w 508000"/>
-                  <a:gd name="connsiteY54" fmla="*/ 3732 h 478080"/>
-                  <a:gd name="connsiteX55" fmla="*/ 273922 w 508000"/>
-                  <a:gd name="connsiteY55" fmla="*/ 3732 h 478080"/>
-                  <a:gd name="connsiteX56" fmla="*/ 488079 w 508000"/>
-                  <a:gd name="connsiteY56" fmla="*/ 123123 h 478080"/>
-                  <a:gd name="connsiteX57" fmla="*/ 508000 w 508000"/>
-                  <a:gd name="connsiteY57" fmla="*/ 157946 h 478080"/>
-                  <a:gd name="connsiteX58" fmla="*/ 508000 w 508000"/>
-                  <a:gd name="connsiteY58" fmla="*/ 172870 h 478080"/>
-                  <a:gd name="connsiteX59" fmla="*/ 0 w 508000"/>
-                  <a:gd name="connsiteY59" fmla="*/ 172870 h 478080"/>
-                  <a:gd name="connsiteX60" fmla="*/ 0 w 508000"/>
-                  <a:gd name="connsiteY60" fmla="*/ 157946 h 478080"/>
-                  <a:gd name="connsiteX61" fmla="*/ 19922 w 508000"/>
-                  <a:gd name="connsiteY61" fmla="*/ 123123 h 478080"/>
-                  <a:gd name="connsiteX62" fmla="*/ 234079 w 508000"/>
-                  <a:gd name="connsiteY62" fmla="*/ 3732 h 478080"/>
-                </a:gdLst>
-                <a:ahLst/>
-                <a:cxnLst>
-                  <a:cxn ang="0">
-                    <a:pos x="connsiteX0" y="connsiteY0"/>
-                  </a:cxn>
-                  <a:cxn ang="0">
-                    <a:pos x="connsiteX1" y="connsiteY1"/>
-                  </a:cxn>
-                  <a:cxn ang="0">
-                    <a:pos x="connsiteX2" y="connsiteY2"/>
-                  </a:cxn>
-                  <a:cxn ang="0">
-                    <a:pos x="connsiteX3" y="connsiteY3"/>
-                  </a:cxn>
-                  <a:cxn ang="0">
-                    <a:pos x="connsiteX4" y="connsiteY4"/>
-                  </a:cxn>
-                  <a:cxn ang="0">
-                    <a:pos x="connsiteX5" y="connsiteY5"/>
-                  </a:cxn>
-                  <a:cxn ang="0">
-                    <a:pos x="connsiteX6" y="connsiteY6"/>
-                  </a:cxn>
-                  <a:cxn ang="0">
-                    <a:pos x="connsiteX7" y="connsiteY7"/>
-                  </a:cxn>
-                  <a:cxn ang="0">
-                    <a:pos x="connsiteX8" y="connsiteY8"/>
-                  </a:cxn>
-                  <a:cxn ang="0">
-                    <a:pos x="connsiteX9" y="connsiteY9"/>
-                  </a:cxn>
-                  <a:cxn ang="0">
-                    <a:pos x="connsiteX10" y="connsiteY10"/>
-                  </a:cxn>
-                  <a:cxn ang="0">
-                    <a:pos x="connsiteX11" y="connsiteY11"/>
-                  </a:cxn>
-                  <a:cxn ang="0">
-                    <a:pos x="connsiteX12" y="connsiteY12"/>
-                  </a:cxn>
-                  <a:cxn ang="0">
-                    <a:pos x="connsiteX13" y="connsiteY13"/>
-                  </a:cxn>
-                  <a:cxn ang="0">
-                    <a:pos x="connsiteX14" y="connsiteY14"/>
-                  </a:cxn>
-                  <a:cxn ang="0">
-                    <a:pos x="connsiteX15" y="connsiteY15"/>
-                  </a:cxn>
-                  <a:cxn ang="0">
-                    <a:pos x="connsiteX16" y="connsiteY16"/>
-                  </a:cxn>
-                  <a:cxn ang="0">
-                    <a:pos x="connsiteX17" y="connsiteY17"/>
-                  </a:cxn>
-                  <a:cxn ang="0">
-                    <a:pos x="connsiteX18" y="connsiteY18"/>
-                  </a:cxn>
-                  <a:cxn ang="0">
-                    <a:pos x="connsiteX19" y="connsiteY19"/>
-                  </a:cxn>
-                  <a:cxn ang="0">
-                    <a:pos x="connsiteX20" y="connsiteY20"/>
-                  </a:cxn>
-                  <a:cxn ang="0">
-                    <a:pos x="connsiteX21" y="connsiteY21"/>
-                  </a:cxn>
-                  <a:cxn ang="0">
-                    <a:pos x="connsiteX22" y="connsiteY22"/>
-                  </a:cxn>
-                  <a:cxn ang="0">
-                    <a:pos x="connsiteX23" y="connsiteY23"/>
-                  </a:cxn>
-                  <a:cxn ang="0">
-                    <a:pos x="connsiteX24" y="connsiteY24"/>
-                  </a:cxn>
-                  <a:cxn ang="0">
-                    <a:pos x="connsiteX25" y="connsiteY25"/>
-                  </a:cxn>
-                  <a:cxn ang="0">
-                    <a:pos x="connsiteX26" y="connsiteY26"/>
-                  </a:cxn>
-                  <a:cxn ang="0">
-                    <a:pos x="connsiteX27" y="connsiteY27"/>
-                  </a:cxn>
-                  <a:cxn ang="0">
-                    <a:pos x="connsiteX28" y="connsiteY28"/>
-                  </a:cxn>
-                  <a:cxn ang="0">
-                    <a:pos x="connsiteX29" y="connsiteY29"/>
-                  </a:cxn>
-                  <a:cxn ang="0">
-                    <a:pos x="connsiteX30" y="connsiteY30"/>
-                  </a:cxn>
-                  <a:cxn ang="0">
-                    <a:pos x="connsiteX31" y="connsiteY31"/>
-                  </a:cxn>
-                  <a:cxn ang="0">
-                    <a:pos x="connsiteX32" y="connsiteY32"/>
-                  </a:cxn>
-                  <a:cxn ang="0">
-                    <a:pos x="connsiteX33" y="connsiteY33"/>
-                  </a:cxn>
-                  <a:cxn ang="0">
-                    <a:pos x="connsiteX34" y="connsiteY34"/>
-                  </a:cxn>
-                  <a:cxn ang="0">
-                    <a:pos x="connsiteX35" y="connsiteY35"/>
-                  </a:cxn>
-                  <a:cxn ang="0">
-                    <a:pos x="connsiteX36" y="connsiteY36"/>
-                  </a:cxn>
-                  <a:cxn ang="0">
-                    <a:pos x="connsiteX37" y="connsiteY37"/>
-                  </a:cxn>
-                  <a:cxn ang="0">
-                    <a:pos x="connsiteX38" y="connsiteY38"/>
-                  </a:cxn>
-                  <a:cxn ang="0">
-                    <a:pos x="connsiteX39" y="connsiteY39"/>
-                  </a:cxn>
-                  <a:cxn ang="0">
-                    <a:pos x="connsiteX40" y="connsiteY40"/>
-                  </a:cxn>
-                  <a:cxn ang="0">
-                    <a:pos x="connsiteX41" y="connsiteY41"/>
-                  </a:cxn>
-                  <a:cxn ang="0">
-                    <a:pos x="connsiteX42" y="connsiteY42"/>
-                  </a:cxn>
-                  <a:cxn ang="0">
-                    <a:pos x="connsiteX43" y="connsiteY43"/>
-                  </a:cxn>
-                  <a:cxn ang="0">
-                    <a:pos x="connsiteX44" y="connsiteY44"/>
-                  </a:cxn>
-                  <a:cxn ang="0">
-                    <a:pos x="connsiteX45" y="connsiteY45"/>
-                  </a:cxn>
-                  <a:cxn ang="0">
-                    <a:pos x="connsiteX46" y="connsiteY46"/>
-                  </a:cxn>
-                  <a:cxn ang="0">
-                    <a:pos x="connsiteX47" y="connsiteY47"/>
-                  </a:cxn>
-                  <a:cxn ang="0">
-                    <a:pos x="connsiteX48" y="connsiteY48"/>
-                  </a:cxn>
-                  <a:cxn ang="0">
-                    <a:pos x="connsiteX49" y="connsiteY49"/>
-                  </a:cxn>
-                  <a:cxn ang="0">
-                    <a:pos x="connsiteX50" y="connsiteY50"/>
-                  </a:cxn>
-                  <a:cxn ang="0">
-                    <a:pos x="connsiteX51" y="connsiteY51"/>
-                  </a:cxn>
-                  <a:cxn ang="0">
-                    <a:pos x="connsiteX52" y="connsiteY52"/>
-                  </a:cxn>
-                  <a:cxn ang="0">
-                    <a:pos x="connsiteX53" y="connsiteY53"/>
-                  </a:cxn>
-                  <a:cxn ang="0">
-                    <a:pos x="connsiteX54" y="connsiteY54"/>
-                  </a:cxn>
-                  <a:cxn ang="0">
-                    <a:pos x="connsiteX55" y="connsiteY55"/>
-                  </a:cxn>
-                  <a:cxn ang="0">
-                    <a:pos x="connsiteX56" y="connsiteY56"/>
-                  </a:cxn>
-                  <a:cxn ang="0">
-                    <a:pos x="connsiteX57" y="connsiteY57"/>
-                  </a:cxn>
-                  <a:cxn ang="0">
-                    <a:pos x="connsiteX58" y="connsiteY58"/>
-                  </a:cxn>
-                  <a:cxn ang="0">
-                    <a:pos x="connsiteX59" y="connsiteY59"/>
-                  </a:cxn>
-                  <a:cxn ang="0">
-                    <a:pos x="connsiteX60" y="connsiteY60"/>
-                  </a:cxn>
-                  <a:cxn ang="0">
-                    <a:pos x="connsiteX61" y="connsiteY61"/>
-                  </a:cxn>
-                  <a:cxn ang="0">
-                    <a:pos x="connsiteX62" y="connsiteY62"/>
-                  </a:cxn>
-                </a:cxnLst>
-                <a:rect l="l" t="t" r="r" b="b"/>
-                <a:pathLst>
-                  <a:path w="508000" h="478080">
-                    <a:moveTo>
-                      <a:pt x="69646" y="394096"/>
-                    </a:moveTo>
-                    <a:lnTo>
-                      <a:pt x="438355" y="394096"/>
-                    </a:lnTo>
-                    <a:lnTo>
-                      <a:pt x="438355" y="422773"/>
-                    </a:lnTo>
-                    <a:lnTo>
-                      <a:pt x="473178" y="422773"/>
-                    </a:lnTo>
-                    <a:lnTo>
-                      <a:pt x="473178" y="447354"/>
-                    </a:lnTo>
-                    <a:lnTo>
-                      <a:pt x="497758" y="447354"/>
-                    </a:lnTo>
-                    <a:lnTo>
-                      <a:pt x="497758" y="478080"/>
-                    </a:lnTo>
-                    <a:lnTo>
-                      <a:pt x="14339" y="478080"/>
-                    </a:lnTo>
-                    <a:lnTo>
-                      <a:pt x="14339" y="447354"/>
-                    </a:lnTo>
-                    <a:lnTo>
-                      <a:pt x="38920" y="447354"/>
-                    </a:lnTo>
-                    <a:lnTo>
-                      <a:pt x="38920" y="422773"/>
-                    </a:lnTo>
-                    <a:lnTo>
-                      <a:pt x="69646" y="422773"/>
-                    </a:lnTo>
-                    <a:close/>
-                    <a:moveTo>
-                      <a:pt x="362031" y="193354"/>
-                    </a:moveTo>
-                    <a:cubicBezTo>
-                      <a:pt x="362031" y="193354"/>
-                      <a:pt x="362031" y="193354"/>
-                      <a:pt x="436842" y="193354"/>
-                    </a:cubicBezTo>
-                    <a:cubicBezTo>
-                      <a:pt x="446816" y="193354"/>
-                      <a:pt x="456791" y="203368"/>
-                      <a:pt x="456791" y="213383"/>
-                    </a:cubicBezTo>
-                    <a:cubicBezTo>
-                      <a:pt x="456791" y="213383"/>
-                      <a:pt x="456791" y="213383"/>
-                      <a:pt x="456791" y="233411"/>
-                    </a:cubicBezTo>
-                    <a:cubicBezTo>
-                      <a:pt x="456791" y="233411"/>
-                      <a:pt x="456791" y="233411"/>
-                      <a:pt x="436842" y="233411"/>
-                    </a:cubicBezTo>
-                    <a:cubicBezTo>
-                      <a:pt x="436842" y="233411"/>
-                      <a:pt x="436842" y="233411"/>
-                      <a:pt x="436842" y="373612"/>
-                    </a:cubicBezTo>
-                    <a:lnTo>
-                      <a:pt x="362031" y="373612"/>
-                    </a:lnTo>
-                    <a:cubicBezTo>
-                      <a:pt x="362031" y="373612"/>
-                      <a:pt x="362031" y="373612"/>
-                      <a:pt x="362031" y="233411"/>
-                    </a:cubicBezTo>
-                    <a:cubicBezTo>
-                      <a:pt x="362031" y="233411"/>
-                      <a:pt x="362031" y="233411"/>
-                      <a:pt x="342081" y="233411"/>
-                    </a:cubicBezTo>
-                    <a:cubicBezTo>
-                      <a:pt x="342081" y="233411"/>
-                      <a:pt x="342081" y="233411"/>
-                      <a:pt x="342081" y="213383"/>
-                    </a:cubicBezTo>
-                    <a:cubicBezTo>
-                      <a:pt x="342081" y="203368"/>
-                      <a:pt x="352056" y="193354"/>
-                      <a:pt x="362031" y="193354"/>
-                    </a:cubicBezTo>
-                    <a:close/>
-                    <a:moveTo>
-                      <a:pt x="218644" y="193354"/>
-                    </a:moveTo>
-                    <a:cubicBezTo>
-                      <a:pt x="218644" y="193354"/>
-                      <a:pt x="218644" y="193354"/>
-                      <a:pt x="293455" y="193354"/>
-                    </a:cubicBezTo>
-                    <a:cubicBezTo>
-                      <a:pt x="303429" y="193354"/>
-                      <a:pt x="313404" y="203368"/>
-                      <a:pt x="313404" y="213383"/>
-                    </a:cubicBezTo>
-                    <a:cubicBezTo>
-                      <a:pt x="313404" y="213383"/>
-                      <a:pt x="313404" y="213383"/>
-                      <a:pt x="313404" y="233411"/>
-                    </a:cubicBezTo>
-                    <a:cubicBezTo>
-                      <a:pt x="313404" y="233411"/>
-                      <a:pt x="313404" y="233411"/>
-                      <a:pt x="293455" y="233411"/>
-                    </a:cubicBezTo>
-                    <a:cubicBezTo>
-                      <a:pt x="293455" y="233411"/>
-                      <a:pt x="293455" y="233411"/>
-                      <a:pt x="293455" y="373612"/>
-                    </a:cubicBezTo>
-                    <a:lnTo>
-                      <a:pt x="213656" y="373612"/>
-                    </a:lnTo>
-                    <a:cubicBezTo>
-                      <a:pt x="213656" y="373612"/>
-                      <a:pt x="213656" y="373612"/>
-                      <a:pt x="213656" y="233411"/>
-                    </a:cubicBezTo>
-                    <a:cubicBezTo>
-                      <a:pt x="213656" y="233411"/>
-                      <a:pt x="213656" y="233411"/>
-                      <a:pt x="198694" y="233411"/>
-                    </a:cubicBezTo>
-                    <a:cubicBezTo>
-                      <a:pt x="198694" y="233411"/>
-                      <a:pt x="198694" y="233411"/>
-                      <a:pt x="198694" y="213383"/>
-                    </a:cubicBezTo>
-                    <a:cubicBezTo>
-                      <a:pt x="198694" y="203368"/>
-                      <a:pt x="208669" y="193354"/>
-                      <a:pt x="218644" y="193354"/>
-                    </a:cubicBezTo>
-                    <a:close/>
-                    <a:moveTo>
-                      <a:pt x="73208" y="193354"/>
-                    </a:moveTo>
-                    <a:cubicBezTo>
-                      <a:pt x="73208" y="193354"/>
-                      <a:pt x="73208" y="193354"/>
-                      <a:pt x="148019" y="193354"/>
-                    </a:cubicBezTo>
-                    <a:cubicBezTo>
-                      <a:pt x="157993" y="193354"/>
-                      <a:pt x="167968" y="203368"/>
-                      <a:pt x="167968" y="213383"/>
-                    </a:cubicBezTo>
-                    <a:cubicBezTo>
-                      <a:pt x="167968" y="213383"/>
-                      <a:pt x="167968" y="213383"/>
-                      <a:pt x="167968" y="233411"/>
-                    </a:cubicBezTo>
-                    <a:cubicBezTo>
-                      <a:pt x="167968" y="233411"/>
-                      <a:pt x="167968" y="233411"/>
-                      <a:pt x="148019" y="233411"/>
-                    </a:cubicBezTo>
-                    <a:cubicBezTo>
-                      <a:pt x="148019" y="233411"/>
-                      <a:pt x="148019" y="233411"/>
-                      <a:pt x="148019" y="373612"/>
-                    </a:cubicBezTo>
-                    <a:lnTo>
-                      <a:pt x="73208" y="373612"/>
-                    </a:lnTo>
-                    <a:cubicBezTo>
-                      <a:pt x="73208" y="373612"/>
-                      <a:pt x="73208" y="373612"/>
-                      <a:pt x="73208" y="233411"/>
-                    </a:cubicBezTo>
-                    <a:cubicBezTo>
-                      <a:pt x="73208" y="233411"/>
-                      <a:pt x="73208" y="233411"/>
-                      <a:pt x="53258" y="233411"/>
-                    </a:cubicBezTo>
-                    <a:cubicBezTo>
-                      <a:pt x="53258" y="233411"/>
-                      <a:pt x="53258" y="233411"/>
-                      <a:pt x="53258" y="213383"/>
-                    </a:cubicBezTo>
-                    <a:cubicBezTo>
-                      <a:pt x="53258" y="203368"/>
-                      <a:pt x="63233" y="193354"/>
-                      <a:pt x="73208" y="193354"/>
-                    </a:cubicBezTo>
-                    <a:close/>
-                    <a:moveTo>
-                      <a:pt x="234079" y="68402"/>
-                    </a:moveTo>
-                    <a:cubicBezTo>
-                      <a:pt x="234079" y="68402"/>
-                      <a:pt x="234079" y="68402"/>
-                      <a:pt x="169334" y="108199"/>
-                    </a:cubicBezTo>
-                    <a:cubicBezTo>
-                      <a:pt x="169334" y="108199"/>
-                      <a:pt x="169334" y="108199"/>
-                      <a:pt x="169334" y="113174"/>
-                    </a:cubicBezTo>
-                    <a:cubicBezTo>
-                      <a:pt x="169334" y="113174"/>
-                      <a:pt x="169334" y="113174"/>
-                      <a:pt x="174314" y="113174"/>
-                    </a:cubicBezTo>
-                    <a:lnTo>
-                      <a:pt x="333687" y="113174"/>
-                    </a:lnTo>
-                    <a:cubicBezTo>
-                      <a:pt x="338667" y="113174"/>
-                      <a:pt x="338667" y="113174"/>
-                      <a:pt x="338667" y="113174"/>
-                    </a:cubicBezTo>
-                    <a:cubicBezTo>
-                      <a:pt x="338667" y="108199"/>
-                      <a:pt x="338667" y="108199"/>
-                      <a:pt x="338667" y="108199"/>
-                    </a:cubicBezTo>
-                    <a:cubicBezTo>
-                      <a:pt x="338667" y="108199"/>
-                      <a:pt x="338667" y="108199"/>
-                      <a:pt x="273922" y="68402"/>
-                    </a:cubicBezTo>
-                    <a:cubicBezTo>
-                      <a:pt x="258981" y="63428"/>
-                      <a:pt x="249020" y="63428"/>
-                      <a:pt x="234079" y="68402"/>
-                    </a:cubicBezTo>
-                    <a:close/>
-                    <a:moveTo>
-                      <a:pt x="234079" y="3732"/>
-                    </a:moveTo>
-                    <a:cubicBezTo>
-                      <a:pt x="249020" y="-1243"/>
-                      <a:pt x="258981" y="-1243"/>
-                      <a:pt x="273922" y="3732"/>
-                    </a:cubicBezTo>
-                    <a:lnTo>
-                      <a:pt x="488079" y="123123"/>
-                    </a:lnTo>
-                    <a:cubicBezTo>
-                      <a:pt x="498039" y="128098"/>
-                      <a:pt x="508000" y="143022"/>
-                      <a:pt x="508000" y="157946"/>
-                    </a:cubicBezTo>
-                    <a:cubicBezTo>
-                      <a:pt x="508000" y="157946"/>
-                      <a:pt x="508000" y="157946"/>
-                      <a:pt x="508000" y="172870"/>
-                    </a:cubicBezTo>
-                    <a:cubicBezTo>
-                      <a:pt x="508000" y="172870"/>
-                      <a:pt x="508000" y="172870"/>
-                      <a:pt x="0" y="172870"/>
-                    </a:cubicBezTo>
-                    <a:cubicBezTo>
-                      <a:pt x="0" y="172870"/>
-                      <a:pt x="0" y="172870"/>
-                      <a:pt x="0" y="157946"/>
-                    </a:cubicBezTo>
-                    <a:cubicBezTo>
-                      <a:pt x="0" y="143022"/>
-                      <a:pt x="9961" y="128098"/>
-                      <a:pt x="19922" y="123123"/>
-                    </a:cubicBezTo>
-                    <a:cubicBezTo>
-                      <a:pt x="19922" y="123123"/>
-                      <a:pt x="19922" y="123123"/>
-                      <a:pt x="234079" y="3732"/>
-                    </a:cubicBezTo>
-                    <a:close/>
-                  </a:path>
-                </a:pathLst>
-              </a:custGeom>
-              <a:solidFill>
-                <a:schemeClr val="accent3">
-                  <a:lumMod val="100000"/>
-                </a:schemeClr>
-              </a:solidFill>
-              <a:ln>
-                <a:noFill/>
-              </a:ln>
-              <a:extLst/>
-            </p:spPr>
-            <p:txBody>
-              <a:bodyPr anchor="ctr"/>
-              <a:lstStyle/>
-              <a:p>
-                <a:pPr algn="ctr"/>
-                <a:endParaRPr/>
-              </a:p>
-            </p:txBody>
-          </p:sp>
-        </p:grpSp>
-        <p:grpSp>
-          <p:nvGrpSpPr>
-            <p:cNvPr id="6" name="Group 31"/>
-            <p:cNvGrpSpPr/>
-            <p:nvPr/>
-          </p:nvGrpSpPr>
-          <p:grpSpPr>
-            <a:xfrm>
-              <a:off x="9463886" y="2834333"/>
-              <a:ext cx="1458180" cy="1663040"/>
-              <a:chOff x="8877300" y="2834333"/>
-              <a:chExt cx="1458180" cy="1663040"/>
-            </a:xfrm>
-          </p:grpSpPr>
-          <p:sp>
-            <p:nvSpPr>
-              <p:cNvPr id="19" name="Freeform: Shape 4"/>
-              <p:cNvSpPr>
-                <a:spLocks/>
-              </p:cNvSpPr>
-              <p:nvPr/>
-            </p:nvSpPr>
-            <p:spPr bwMode="auto">
-              <a:xfrm>
-                <a:off x="8877300" y="2834333"/>
-                <a:ext cx="1458180" cy="1663040"/>
-              </a:xfrm>
-              <a:custGeom>
-                <a:avLst/>
-                <a:gdLst>
-                  <a:gd name="T0" fmla="*/ 573 w 1146"/>
-                  <a:gd name="T1" fmla="*/ 0 h 1307"/>
-                  <a:gd name="T2" fmla="*/ 1146 w 1146"/>
-                  <a:gd name="T3" fmla="*/ 287 h 1307"/>
-                  <a:gd name="T4" fmla="*/ 1146 w 1146"/>
-                  <a:gd name="T5" fmla="*/ 1021 h 1307"/>
-                  <a:gd name="T6" fmla="*/ 573 w 1146"/>
-                  <a:gd name="T7" fmla="*/ 1307 h 1307"/>
-                  <a:gd name="T8" fmla="*/ 0 w 1146"/>
-                  <a:gd name="T9" fmla="*/ 1021 h 1307"/>
-                  <a:gd name="T10" fmla="*/ 0 w 1146"/>
-                  <a:gd name="T11" fmla="*/ 287 h 1307"/>
-                  <a:gd name="T12" fmla="*/ 573 w 1146"/>
-                  <a:gd name="T13" fmla="*/ 0 h 1307"/>
-                </a:gdLst>
-                <a:ahLst/>
-                <a:cxnLst>
-                  <a:cxn ang="0">
-                    <a:pos x="T0" y="T1"/>
-                  </a:cxn>
-                  <a:cxn ang="0">
-                    <a:pos x="T2" y="T3"/>
-                  </a:cxn>
-                  <a:cxn ang="0">
-                    <a:pos x="T4" y="T5"/>
-                  </a:cxn>
-                  <a:cxn ang="0">
-                    <a:pos x="T6" y="T7"/>
-                  </a:cxn>
-                  <a:cxn ang="0">
-                    <a:pos x="T8" y="T9"/>
-                  </a:cxn>
-                  <a:cxn ang="0">
-                    <a:pos x="T10" y="T11"/>
-                  </a:cxn>
-                  <a:cxn ang="0">
-                    <a:pos x="T12" y="T13"/>
-                  </a:cxn>
-                </a:cxnLst>
-                <a:rect l="0" t="0" r="r" b="b"/>
-                <a:pathLst>
-                  <a:path w="1146" h="1307">
-                    <a:moveTo>
-                      <a:pt x="573" y="0"/>
-                    </a:moveTo>
-                    <a:lnTo>
-                      <a:pt x="1146" y="287"/>
-                    </a:lnTo>
-                    <a:lnTo>
-                      <a:pt x="1146" y="1021"/>
-                    </a:lnTo>
-                    <a:lnTo>
-                      <a:pt x="573" y="1307"/>
-                    </a:lnTo>
-                    <a:lnTo>
-                      <a:pt x="0" y="1021"/>
-                    </a:lnTo>
-                    <a:lnTo>
-                      <a:pt x="0" y="287"/>
-                    </a:lnTo>
-                    <a:lnTo>
-                      <a:pt x="573" y="0"/>
-                    </a:lnTo>
-                    <a:close/>
-                  </a:path>
-                </a:pathLst>
-              </a:custGeom>
-              <a:noFill/>
-              <a:ln w="28575">
-                <a:solidFill>
-                  <a:schemeClr val="accent4"/>
-                </a:solidFill>
-              </a:ln>
-              <a:extLst/>
-            </p:spPr>
-            <p:txBody>
-              <a:bodyPr anchor="ctr"/>
-              <a:lstStyle/>
-              <a:p>
-                <a:pPr algn="ctr"/>
-                <a:endParaRPr/>
-              </a:p>
-            </p:txBody>
-          </p:sp>
-          <p:sp>
-            <p:nvSpPr>
-              <p:cNvPr id="20" name="Freeform: Shape 13"/>
-              <p:cNvSpPr/>
-              <p:nvPr/>
-            </p:nvSpPr>
-            <p:spPr>
-              <a:xfrm>
-                <a:off x="9340962" y="3400425"/>
-                <a:ext cx="530856" cy="530856"/>
-              </a:xfrm>
-              <a:custGeom>
-                <a:avLst/>
-                <a:gdLst/>
-                <a:ahLst/>
-                <a:cxnLst>
-                  <a:cxn ang="0">
-                    <a:pos x="wd2" y="hd2"/>
-                  </a:cxn>
-                  <a:cxn ang="5400000">
-                    <a:pos x="wd2" y="hd2"/>
-                  </a:cxn>
-                  <a:cxn ang="10800000">
-                    <a:pos x="wd2" y="hd2"/>
-                  </a:cxn>
-                  <a:cxn ang="16200000">
-                    <a:pos x="wd2" y="hd2"/>
-                  </a:cxn>
-                </a:cxnLst>
-                <a:rect l="0" t="0" r="r" b="b"/>
-                <a:pathLst>
-                  <a:path w="21600" h="21600" extrusionOk="0">
-                    <a:moveTo>
-                      <a:pt x="14896" y="15577"/>
-                    </a:moveTo>
-                    <a:cubicBezTo>
-                      <a:pt x="12144" y="16865"/>
-                      <a:pt x="9844" y="18851"/>
-                      <a:pt x="8177" y="21278"/>
-                    </a:cubicBezTo>
-                    <a:cubicBezTo>
-                      <a:pt x="9017" y="21487"/>
-                      <a:pt x="9895" y="21600"/>
-                      <a:pt x="10801" y="21600"/>
-                    </a:cubicBezTo>
-                    <a:cubicBezTo>
-                      <a:pt x="12429" y="21600"/>
-                      <a:pt x="13973" y="21237"/>
-                      <a:pt x="15358" y="20591"/>
-                    </a:cubicBezTo>
-                    <a:cubicBezTo>
-                      <a:pt x="15580" y="19502"/>
-                      <a:pt x="15699" y="18376"/>
-                      <a:pt x="15699" y="17222"/>
-                    </a:cubicBezTo>
-                    <a:cubicBezTo>
-                      <a:pt x="15699" y="16807"/>
-                      <a:pt x="15679" y="16394"/>
-                      <a:pt x="15648" y="15985"/>
-                    </a:cubicBezTo>
-                    <a:cubicBezTo>
-                      <a:pt x="15371" y="15896"/>
-                      <a:pt x="15116" y="15757"/>
-                      <a:pt x="14896" y="15577"/>
-                    </a:cubicBezTo>
-                    <a:close/>
-                    <a:moveTo>
-                      <a:pt x="18049" y="2796"/>
-                    </a:moveTo>
-                    <a:cubicBezTo>
-                      <a:pt x="16319" y="2963"/>
-                      <a:pt x="14667" y="3397"/>
-                      <a:pt x="13127" y="4050"/>
-                    </a:cubicBezTo>
-                    <a:cubicBezTo>
-                      <a:pt x="13136" y="4125"/>
-                      <a:pt x="13139" y="4202"/>
-                      <a:pt x="13139" y="4280"/>
-                    </a:cubicBezTo>
-                    <a:cubicBezTo>
-                      <a:pt x="13139" y="4642"/>
-                      <a:pt x="13052" y="4984"/>
-                      <a:pt x="12904" y="5289"/>
-                    </a:cubicBezTo>
-                    <a:cubicBezTo>
-                      <a:pt x="14441" y="7094"/>
-                      <a:pt x="15635" y="9198"/>
-                      <a:pt x="16388" y="11500"/>
-                    </a:cubicBezTo>
-                    <a:cubicBezTo>
-                      <a:pt x="17323" y="11517"/>
-                      <a:pt x="18121" y="12090"/>
-                      <a:pt x="18465" y="12903"/>
-                    </a:cubicBezTo>
-                    <a:cubicBezTo>
-                      <a:pt x="19505" y="12797"/>
-                      <a:pt x="20517" y="12599"/>
-                      <a:pt x="21493" y="12312"/>
-                    </a:cubicBezTo>
-                    <a:cubicBezTo>
-                      <a:pt x="21562" y="11817"/>
-                      <a:pt x="21600" y="11314"/>
-                      <a:pt x="21600" y="10799"/>
-                    </a:cubicBezTo>
-                    <a:cubicBezTo>
-                      <a:pt x="21600" y="7626"/>
-                      <a:pt x="20230" y="4772"/>
-                      <a:pt x="18049" y="2796"/>
-                    </a:cubicBezTo>
-                    <a:close/>
-                    <a:moveTo>
-                      <a:pt x="13739" y="14349"/>
-                    </a:moveTo>
-                    <a:cubicBezTo>
-                      <a:pt x="11074" y="13908"/>
-                      <a:pt x="8601" y="12890"/>
-                      <a:pt x="6450" y="11433"/>
-                    </a:cubicBezTo>
-                    <a:cubicBezTo>
-                      <a:pt x="6101" y="11646"/>
-                      <a:pt x="5691" y="11773"/>
-                      <a:pt x="5251" y="11773"/>
-                    </a:cubicBezTo>
-                    <a:cubicBezTo>
-                      <a:pt x="5090" y="11773"/>
-                      <a:pt x="4933" y="11755"/>
-                      <a:pt x="4781" y="11724"/>
-                    </a:cubicBezTo>
-                    <a:cubicBezTo>
-                      <a:pt x="3750" y="13677"/>
-                      <a:pt x="3093" y="15854"/>
-                      <a:pt x="2903" y="18164"/>
-                    </a:cubicBezTo>
-                    <a:cubicBezTo>
-                      <a:pt x="3931" y="19266"/>
-                      <a:pt x="5186" y="20154"/>
-                      <a:pt x="6595" y="20750"/>
-                    </a:cubicBezTo>
-                    <a:cubicBezTo>
-                      <a:pt x="8345" y="18059"/>
-                      <a:pt x="10792" y="15833"/>
-                      <a:pt x="13739" y="14349"/>
-                    </a:cubicBezTo>
-                    <a:close/>
-                    <a:moveTo>
-                      <a:pt x="17258" y="15906"/>
-                    </a:moveTo>
-                    <a:cubicBezTo>
-                      <a:pt x="17290" y="16340"/>
-                      <a:pt x="17306" y="16780"/>
-                      <a:pt x="17306" y="17222"/>
-                    </a:cubicBezTo>
-                    <a:cubicBezTo>
-                      <a:pt x="17306" y="18003"/>
-                      <a:pt x="17256" y="18770"/>
-                      <a:pt x="17163" y="19525"/>
-                    </a:cubicBezTo>
-                    <a:cubicBezTo>
-                      <a:pt x="18993" y="18186"/>
-                      <a:pt x="20389" y="16288"/>
-                      <a:pt x="21091" y="14080"/>
-                    </a:cubicBezTo>
-                    <a:cubicBezTo>
-                      <a:pt x="20259" y="14281"/>
-                      <a:pt x="19403" y="14425"/>
-                      <a:pt x="18531" y="14508"/>
-                    </a:cubicBezTo>
-                    <a:cubicBezTo>
-                      <a:pt x="18326" y="15137"/>
-                      <a:pt x="17860" y="15646"/>
-                      <a:pt x="17258" y="15906"/>
-                    </a:cubicBezTo>
-                    <a:close/>
-                    <a:moveTo>
-                      <a:pt x="14278" y="12804"/>
-                    </a:moveTo>
-                    <a:cubicBezTo>
-                      <a:pt x="14421" y="12507"/>
-                      <a:pt x="14624" y="12244"/>
-                      <a:pt x="14874" y="12035"/>
-                    </a:cubicBezTo>
-                    <a:cubicBezTo>
-                      <a:pt x="14196" y="9947"/>
-                      <a:pt x="13122" y="8037"/>
-                      <a:pt x="11738" y="6396"/>
-                    </a:cubicBezTo>
-                    <a:cubicBezTo>
-                      <a:pt x="11462" y="6512"/>
-                      <a:pt x="11160" y="6577"/>
-                      <a:pt x="10842" y="6577"/>
-                    </a:cubicBezTo>
-                    <a:cubicBezTo>
-                      <a:pt x="10343" y="6577"/>
-                      <a:pt x="9883" y="6417"/>
-                      <a:pt x="9507" y="6147"/>
-                    </a:cubicBezTo>
-                    <a:cubicBezTo>
-                      <a:pt x="8673" y="6781"/>
-                      <a:pt x="7903" y="7490"/>
-                      <a:pt x="7202" y="8265"/>
-                    </a:cubicBezTo>
-                    <a:cubicBezTo>
-                      <a:pt x="7421" y="8615"/>
-                      <a:pt x="7550" y="9030"/>
-                      <a:pt x="7550" y="9475"/>
-                    </a:cubicBezTo>
-                    <a:cubicBezTo>
-                      <a:pt x="7550" y="9715"/>
-                      <a:pt x="7513" y="9946"/>
-                      <a:pt x="7444" y="10163"/>
-                    </a:cubicBezTo>
-                    <a:cubicBezTo>
-                      <a:pt x="9459" y="11510"/>
-                      <a:pt x="11779" y="12433"/>
-                      <a:pt x="14278" y="12804"/>
-                    </a:cubicBezTo>
-                    <a:close/>
-                    <a:moveTo>
-                      <a:pt x="10842" y="1982"/>
-                    </a:moveTo>
-                    <a:cubicBezTo>
-                      <a:pt x="11448" y="1982"/>
-                      <a:pt x="11999" y="2219"/>
-                      <a:pt x="12409" y="2604"/>
-                    </a:cubicBezTo>
-                    <a:cubicBezTo>
-                      <a:pt x="13608" y="2088"/>
-                      <a:pt x="14870" y="1692"/>
-                      <a:pt x="16183" y="1439"/>
-                    </a:cubicBezTo>
-                    <a:cubicBezTo>
-                      <a:pt x="14599" y="526"/>
-                      <a:pt x="12761" y="0"/>
-                      <a:pt x="10801" y="0"/>
-                    </a:cubicBezTo>
-                    <a:cubicBezTo>
-                      <a:pt x="9464" y="0"/>
-                      <a:pt x="8183" y="245"/>
-                      <a:pt x="7001" y="690"/>
-                    </a:cubicBezTo>
-                    <a:cubicBezTo>
-                      <a:pt x="7940" y="1152"/>
-                      <a:pt x="8833" y="1693"/>
-                      <a:pt x="9674" y="2303"/>
-                    </a:cubicBezTo>
-                    <a:cubicBezTo>
-                      <a:pt x="10018" y="2100"/>
-                      <a:pt x="10415" y="1982"/>
-                      <a:pt x="10842" y="1982"/>
-                    </a:cubicBezTo>
-                    <a:close/>
-                    <a:moveTo>
-                      <a:pt x="2954" y="9475"/>
-                    </a:moveTo>
-                    <a:cubicBezTo>
-                      <a:pt x="2954" y="9153"/>
-                      <a:pt x="3021" y="8844"/>
-                      <a:pt x="3141" y="8566"/>
-                    </a:cubicBezTo>
-                    <a:cubicBezTo>
-                      <a:pt x="2404" y="7757"/>
-                      <a:pt x="1736" y="6884"/>
-                      <a:pt x="1151" y="5952"/>
-                    </a:cubicBezTo>
-                    <a:cubicBezTo>
-                      <a:pt x="417" y="7410"/>
-                      <a:pt x="0" y="9056"/>
-                      <a:pt x="0" y="10799"/>
-                    </a:cubicBezTo>
-                    <a:cubicBezTo>
-                      <a:pt x="0" y="12819"/>
-                      <a:pt x="556" y="14708"/>
-                      <a:pt x="1521" y="16325"/>
-                    </a:cubicBezTo>
-                    <a:cubicBezTo>
-                      <a:pt x="1866" y="14381"/>
-                      <a:pt x="2520" y="12545"/>
-                      <a:pt x="3424" y="10861"/>
-                    </a:cubicBezTo>
-                    <a:cubicBezTo>
-                      <a:pt x="3130" y="10477"/>
-                      <a:pt x="2954" y="9996"/>
-                      <a:pt x="2954" y="9475"/>
-                    </a:cubicBezTo>
-                    <a:close/>
-                    <a:moveTo>
-                      <a:pt x="5251" y="7176"/>
-                    </a:moveTo>
-                    <a:cubicBezTo>
-                      <a:pt x="5487" y="7176"/>
-                      <a:pt x="5715" y="7213"/>
-                      <a:pt x="5930" y="7278"/>
-                    </a:cubicBezTo>
-                    <a:cubicBezTo>
-                      <a:pt x="6738" y="6372"/>
-                      <a:pt x="7636" y="5547"/>
-                      <a:pt x="8608" y="4813"/>
-                    </a:cubicBezTo>
-                    <a:cubicBezTo>
-                      <a:pt x="8567" y="4642"/>
-                      <a:pt x="8543" y="4464"/>
-                      <a:pt x="8543" y="4280"/>
-                    </a:cubicBezTo>
-                    <a:cubicBezTo>
-                      <a:pt x="8543" y="4026"/>
-                      <a:pt x="8587" y="3781"/>
-                      <a:pt x="8663" y="3552"/>
-                    </a:cubicBezTo>
-                    <a:cubicBezTo>
-                      <a:pt x="7575" y="2771"/>
-                      <a:pt x="6391" y="2115"/>
-                      <a:pt x="5131" y="1609"/>
-                    </a:cubicBezTo>
-                    <a:cubicBezTo>
-                      <a:pt x="3949" y="2338"/>
-                      <a:pt x="2920" y="3289"/>
-                      <a:pt x="2099" y="4405"/>
-                    </a:cubicBezTo>
-                    <a:cubicBezTo>
-                      <a:pt x="2708" y="5484"/>
-                      <a:pt x="3433" y="6491"/>
-                      <a:pt x="4256" y="7407"/>
-                    </a:cubicBezTo>
-                    <a:cubicBezTo>
-                      <a:pt x="4557" y="7261"/>
-                      <a:pt x="4895" y="7176"/>
-                      <a:pt x="5251" y="7176"/>
-                    </a:cubicBezTo>
-                    <a:close/>
-                  </a:path>
-                </a:pathLst>
-              </a:custGeom>
-              <a:solidFill>
-                <a:schemeClr val="accent4">
-                  <a:lumMod val="100000"/>
-                </a:schemeClr>
-              </a:solidFill>
-              <a:ln w="12700">
-                <a:miter lim="400000"/>
-              </a:ln>
-            </p:spPr>
-            <p:txBody>
-              <a:bodyPr anchor="ctr"/>
-              <a:lstStyle/>
-              <a:p>
-                <a:pPr algn="ctr"/>
-                <a:endParaRPr/>
-              </a:p>
-            </p:txBody>
-          </p:sp>
-        </p:grpSp>
-        <p:sp>
-          <p:nvSpPr>
-            <p:cNvPr id="17" name="TextBox 17"/>
-            <p:cNvSpPr txBox="1">
-              <a:spLocks/>
-            </p:cNvSpPr>
-            <p:nvPr/>
-          </p:nvSpPr>
-          <p:spPr bwMode="auto">
-            <a:xfrm>
-              <a:off x="1390565" y="4761148"/>
-              <a:ext cx="2213143" cy="283030"/>
-            </a:xfrm>
-            <a:prstGeom prst="rect">
-              <a:avLst/>
-            </a:prstGeom>
-            <a:noFill/>
-            <a:ln w="9525">
-              <a:noFill/>
-              <a:miter lim="800000"/>
-              <a:headEnd/>
-              <a:tailEnd/>
-            </a:ln>
-          </p:spPr>
-          <p:txBody>
-            <a:bodyPr wrap="none" lIns="0" tIns="0" rIns="0" bIns="0" anchor="ctr" anchorCtr="1">
-              <a:normAutofit/>
-              <a:scene3d>
-                <a:camera prst="orthographicFront"/>
-                <a:lightRig rig="threePt" dir="t"/>
-              </a:scene3d>
-              <a:sp3d>
-                <a:bevelT w="0" h="0"/>
-              </a:sp3d>
-            </a:bodyPr>
-            <a:lstStyle/>
-            <a:p>
-              <a:pPr marL="0" lvl="1" algn="ctr"/>
-              <a:r>
-                <a:rPr lang="en-US" altLang="zh-CN" dirty="0">
-                  <a:latin typeface="Georgia" panose="02040502050405020303" pitchFamily="18" charset="0"/>
-                </a:rPr>
-                <a:t>Data</a:t>
-              </a:r>
-              <a:endParaRPr lang="zh-CN" altLang="en-US" sz="1400" b="1" dirty="0">
-                <a:solidFill>
-                  <a:schemeClr val="accent1"/>
-                </a:solidFill>
-                <a:latin typeface="Georgia" panose="02040502050405020303" pitchFamily="18" charset="0"/>
-              </a:endParaRPr>
-            </a:p>
-          </p:txBody>
-        </p:sp>
-        <p:sp>
-          <p:nvSpPr>
-            <p:cNvPr id="15" name="TextBox 20"/>
-            <p:cNvSpPr txBox="1">
-              <a:spLocks/>
-            </p:cNvSpPr>
-            <p:nvPr/>
-          </p:nvSpPr>
-          <p:spPr bwMode="auto">
-            <a:xfrm>
-              <a:off x="3956180" y="4761148"/>
-              <a:ext cx="2213143" cy="283030"/>
-            </a:xfrm>
-            <a:prstGeom prst="rect">
-              <a:avLst/>
-            </a:prstGeom>
-            <a:noFill/>
-            <a:ln w="9525">
-              <a:noFill/>
-              <a:miter lim="800000"/>
-              <a:headEnd/>
-              <a:tailEnd/>
-            </a:ln>
-          </p:spPr>
-          <p:txBody>
-            <a:bodyPr wrap="none" lIns="0" tIns="0" rIns="0" bIns="0" anchor="ctr" anchorCtr="1">
-              <a:normAutofit/>
-              <a:scene3d>
-                <a:camera prst="orthographicFront"/>
-                <a:lightRig rig="threePt" dir="t"/>
-              </a:scene3d>
-              <a:sp3d>
-                <a:bevelT w="0" h="0"/>
-              </a:sp3d>
-            </a:bodyPr>
-            <a:lstStyle/>
-            <a:p>
-              <a:pPr lvl="0"/>
-              <a:r>
-                <a:rPr lang="en-US" altLang="zh-CN" dirty="0">
-                  <a:latin typeface="Georgia" panose="02040502050405020303" pitchFamily="18" charset="0"/>
-                </a:rPr>
-                <a:t>Eco-system</a:t>
-              </a:r>
-              <a:endParaRPr lang="zh-CN" altLang="zh-CN" dirty="0">
-                <a:latin typeface="Georgia" panose="02040502050405020303" pitchFamily="18" charset="0"/>
-              </a:endParaRPr>
-            </a:p>
-          </p:txBody>
-        </p:sp>
-        <p:sp>
-          <p:nvSpPr>
-            <p:cNvPr id="13" name="TextBox 23"/>
-            <p:cNvSpPr txBox="1">
-              <a:spLocks/>
-            </p:cNvSpPr>
-            <p:nvPr/>
-          </p:nvSpPr>
-          <p:spPr bwMode="auto">
-            <a:xfrm>
-              <a:off x="6521795" y="4761148"/>
-              <a:ext cx="2213143" cy="283030"/>
-            </a:xfrm>
-            <a:prstGeom prst="rect">
-              <a:avLst/>
-            </a:prstGeom>
-            <a:noFill/>
-            <a:ln w="9525">
-              <a:noFill/>
-              <a:miter lim="800000"/>
-              <a:headEnd/>
-              <a:tailEnd/>
-            </a:ln>
-          </p:spPr>
-          <p:txBody>
-            <a:bodyPr wrap="none" lIns="0" tIns="0" rIns="0" bIns="0" anchor="ctr" anchorCtr="1">
-              <a:normAutofit/>
-              <a:scene3d>
-                <a:camera prst="orthographicFront"/>
-                <a:lightRig rig="threePt" dir="t"/>
-              </a:scene3d>
-              <a:sp3d>
-                <a:bevelT w="0" h="0"/>
-              </a:sp3d>
-            </a:bodyPr>
-            <a:lstStyle/>
-            <a:p>
-              <a:pPr lvl="0"/>
-              <a:r>
-                <a:rPr lang="en-US" altLang="zh-CN" dirty="0">
-                  <a:latin typeface="Georgia" panose="02040502050405020303" pitchFamily="18" charset="0"/>
-                </a:rPr>
-                <a:t>Alternating Least Squares</a:t>
-              </a:r>
-              <a:endParaRPr lang="zh-CN" altLang="zh-CN" dirty="0">
-                <a:latin typeface="Georgia" panose="02040502050405020303" pitchFamily="18" charset="0"/>
-              </a:endParaRPr>
-            </a:p>
-          </p:txBody>
-        </p:sp>
-        <p:sp>
-          <p:nvSpPr>
-            <p:cNvPr id="11" name="TextBox 26"/>
-            <p:cNvSpPr txBox="1">
-              <a:spLocks/>
-            </p:cNvSpPr>
-            <p:nvPr/>
-          </p:nvSpPr>
-          <p:spPr bwMode="auto">
-            <a:xfrm>
-              <a:off x="9087411" y="4761148"/>
-              <a:ext cx="2213143" cy="283030"/>
-            </a:xfrm>
-            <a:prstGeom prst="rect">
-              <a:avLst/>
-            </a:prstGeom>
-            <a:noFill/>
-            <a:ln w="9525">
-              <a:noFill/>
-              <a:miter lim="800000"/>
-              <a:headEnd/>
-              <a:tailEnd/>
-            </a:ln>
-          </p:spPr>
-          <p:txBody>
-            <a:bodyPr wrap="none" lIns="0" tIns="0" rIns="0" bIns="0" anchor="ctr" anchorCtr="1">
-              <a:normAutofit/>
-              <a:scene3d>
-                <a:camera prst="orthographicFront"/>
-                <a:lightRig rig="threePt" dir="t"/>
-              </a:scene3d>
-              <a:sp3d>
-                <a:bevelT w="0" h="0"/>
-              </a:sp3d>
-            </a:bodyPr>
-            <a:lstStyle/>
-            <a:p>
-              <a:pPr marL="0" lvl="1" algn="ctr"/>
-              <a:r>
-                <a:rPr lang="en-US" altLang="zh-CN" dirty="0">
-                  <a:latin typeface="Georgia" panose="02040502050405020303" pitchFamily="18" charset="0"/>
-                </a:rPr>
-                <a:t>Performance </a:t>
-              </a:r>
-              <a:endParaRPr lang="zh-CN" altLang="en-US" sz="1400" b="1" dirty="0">
-                <a:solidFill>
-                  <a:schemeClr val="accent4"/>
-                </a:solidFill>
-                <a:latin typeface="Georgia" panose="02040502050405020303" pitchFamily="18" charset="0"/>
-              </a:endParaRPr>
-            </a:p>
-          </p:txBody>
-        </p:sp>
-      </p:grpSp>
-      <p:sp>
-        <p:nvSpPr>
-          <p:cNvPr id="27" name="标题 1"/>
-          <p:cNvSpPr txBox="1">
-            <a:spLocks/>
-          </p:cNvSpPr>
-          <p:nvPr/>
-        </p:nvSpPr>
-        <p:spPr>
-          <a:xfrm>
-            <a:off x="5058227" y="1017053"/>
-            <a:ext cx="2694481" cy="960701"/>
-          </a:xfrm>
-          <a:prstGeom prst="rect">
-            <a:avLst/>
-          </a:prstGeom>
-        </p:spPr>
-        <p:txBody>
-          <a:bodyPr>
-            <a:normAutofit fontScale="70000" lnSpcReduction="20000"/>
-          </a:bodyPr>
-          <a:lstStyle>
-            <a:lvl1pPr algn="l" defTabSz="914400" rtl="0" eaLnBrk="1" latinLnBrk="0" hangingPunct="1">
-              <a:lnSpc>
-                <a:spcPct val="90000"/>
-              </a:lnSpc>
-              <a:spcBef>
-                <a:spcPct val="0"/>
-              </a:spcBef>
-              <a:buNone/>
-              <a:defRPr sz="4400" kern="1200">
-                <a:solidFill>
-                  <a:schemeClr val="tx1"/>
-                </a:solidFill>
-                <a:latin typeface="+mj-lt"/>
-                <a:ea typeface="+mj-ea"/>
-                <a:cs typeface="+mj-cs"/>
-              </a:defRPr>
-            </a:lvl1pPr>
-          </a:lstStyle>
-          <a:p>
-            <a:pPr algn="ctr"/>
-            <a:r>
-              <a:rPr lang="en-US" altLang="zh-CN" sz="5400" b="1" spc="600" dirty="0">
-                <a:latin typeface="Georgia" panose="02040502050405020303" pitchFamily="18" charset="0"/>
-                <a:ea typeface="+mn-ea"/>
-                <a:cs typeface="Times New Roman" panose="02020603050405020304" pitchFamily="18" charset="0"/>
-                <a:sym typeface="+mn-lt"/>
-              </a:rPr>
-              <a:t>Outline</a:t>
-            </a:r>
-            <a:endParaRPr lang="zh-CN" altLang="en-US" sz="5400" b="1" spc="600" dirty="0">
-              <a:latin typeface="Georgia" panose="02040502050405020303" pitchFamily="18" charset="0"/>
-              <a:ea typeface="+mn-ea"/>
-              <a:cs typeface="Times New Roman" panose="02020603050405020304" pitchFamily="18" charset="0"/>
-              <a:sym typeface="+mn-lt"/>
-            </a:endParaRPr>
-          </a:p>
-        </p:txBody>
-      </p:sp>
-    </p:spTree>
-    <p:extLst>
-      <p:ext uri="{BB962C8B-B14F-4D97-AF65-F5344CB8AC3E}">
-        <p14:creationId xmlns:p14="http://schemas.microsoft.com/office/powerpoint/2010/main" val="3865193883"/>
-      </p:ext>
-    </p:extLst>
-  </p:cSld>
-  <p:clrMapOvr>
-    <a:masterClrMapping/>
-  </p:clrMapOvr>
-  <mc:AlternateContent xmlns:mc="http://schemas.openxmlformats.org/markup-compatibility/2006" xmlns:p14="http://schemas.microsoft.com/office/powerpoint/2010/main">
-    <mc:Choice Requires="p14">
-      <p:transition spd="slow" p14:dur="3000">
-        <p14:shred/>
-      </p:transition>
-    </mc:Choice>
-    <mc:Fallback xmlns="">
-      <p:transition spd="slow">
-        <p:fade/>
-      </p:transition>
-    </mc:Fallback>
-  </mc:AlternateContent>
-  <p:timing>
-    <p:tnLst>
-      <p:par>
-        <p:cTn id="1" dur="indefinite" restart="never" nodeType="tmRoot">
-          <p:childTnLst>
-            <p:seq concurrent="1" nextAc="seek">
-              <p:cTn id="2" dur="indefinite" nodeType="mainSeq">
-                <p:childTnLst>
-                  <p:par>
-                    <p:cTn id="3" fill="hold">
-                      <p:stCondLst>
-                        <p:cond delay="indefinite"/>
-                      </p:stCondLst>
-                      <p:childTnLst>
-                        <p:par>
-                          <p:cTn id="4" fill="hold">
-                            <p:stCondLst>
-                              <p:cond delay="0"/>
-                            </p:stCondLst>
-                            <p:childTnLst>
-                              <p:par>
-                                <p:cTn id="5" presetID="10" presetClass="entr" presetSubtype="0" fill="hold" grpId="1" nodeType="clickEffect">
-                                  <p:stCondLst>
-                                    <p:cond delay="0"/>
-                                  </p:stCondLst>
-                                  <p:iterate type="lt">
-                                    <p:tmPct val="0"/>
-                                  </p:iterate>
-                                  <p:childTnLst>
-                                    <p:set>
-                                      <p:cBhvr>
-                                        <p:cTn id="6" dur="1" fill="hold">
-                                          <p:stCondLst>
-                                            <p:cond delay="0"/>
-                                          </p:stCondLst>
-                                        </p:cTn>
-                                        <p:tgtEl>
-                                          <p:spTgt spid="27"/>
-                                        </p:tgtEl>
-                                        <p:attrNameLst>
-                                          <p:attrName>style.visibility</p:attrName>
-                                        </p:attrNameLst>
-                                      </p:cBhvr>
-                                      <p:to>
-                                        <p:strVal val="visible"/>
-                                      </p:to>
-                                    </p:set>
-                                    <p:animEffect transition="in" filter="fade">
-                                      <p:cBhvr>
-                                        <p:cTn id="7" dur="500"/>
-                                        <p:tgtEl>
-                                          <p:spTgt spid="27"/>
-                                        </p:tgtEl>
-                                      </p:cBhvr>
-                                    </p:animEffect>
-                                  </p:childTnLst>
-                                </p:cTn>
-                              </p:par>
-                              <p:par>
-                                <p:cTn id="8" presetID="34" presetClass="emph" presetSubtype="0" fill="hold" grpId="0" nodeType="withEffect">
-                                  <p:stCondLst>
-                                    <p:cond delay="500"/>
-                                  </p:stCondLst>
-                                  <p:iterate type="lt">
-                                    <p:tmPct val="10000"/>
-                                  </p:iterate>
-                                  <p:childTnLst>
-                                    <p:animMotion origin="layout" path="M 0.0 0.0 L 0.0 -0.07213" pathEditMode="relative" ptsTypes="">
-                                      <p:cBhvr>
-                                        <p:cTn id="9" dur="300" accel="50000" decel="50000" autoRev="1" fill="hold">
-                                          <p:stCondLst>
-                                            <p:cond delay="0"/>
-                                          </p:stCondLst>
-                                        </p:cTn>
-                                        <p:tgtEl>
-                                          <p:spTgt spid="27"/>
-                                        </p:tgtEl>
-                                        <p:attrNameLst>
-                                          <p:attrName>ppt_x</p:attrName>
-                                          <p:attrName>ppt_y</p:attrName>
-                                        </p:attrNameLst>
-                                      </p:cBhvr>
-                                    </p:animMotion>
-                                    <p:animRot by="1500000">
-                                      <p:cBhvr>
-                                        <p:cTn id="10" dur="150" fill="hold">
-                                          <p:stCondLst>
-                                            <p:cond delay="0"/>
-                                          </p:stCondLst>
-                                        </p:cTn>
-                                        <p:tgtEl>
-                                          <p:spTgt spid="27"/>
-                                        </p:tgtEl>
-                                        <p:attrNameLst>
-                                          <p:attrName>r</p:attrName>
-                                        </p:attrNameLst>
-                                      </p:cBhvr>
-                                    </p:animRot>
-                                    <p:animRot by="-1500000">
-                                      <p:cBhvr>
-                                        <p:cTn id="11" dur="150" fill="hold">
-                                          <p:stCondLst>
-                                            <p:cond delay="150"/>
-                                          </p:stCondLst>
-                                        </p:cTn>
-                                        <p:tgtEl>
-                                          <p:spTgt spid="27"/>
-                                        </p:tgtEl>
-                                        <p:attrNameLst>
-                                          <p:attrName>r</p:attrName>
-                                        </p:attrNameLst>
-                                      </p:cBhvr>
-                                    </p:animRot>
-                                    <p:animRot by="-1500000">
-                                      <p:cBhvr>
-                                        <p:cTn id="12" dur="150" fill="hold">
-                                          <p:stCondLst>
-                                            <p:cond delay="300"/>
-                                          </p:stCondLst>
-                                        </p:cTn>
-                                        <p:tgtEl>
-                                          <p:spTgt spid="27"/>
-                                        </p:tgtEl>
-                                        <p:attrNameLst>
-                                          <p:attrName>r</p:attrName>
-                                        </p:attrNameLst>
-                                      </p:cBhvr>
-                                    </p:animRot>
-                                    <p:animRot by="1500000">
-                                      <p:cBhvr>
-                                        <p:cTn id="13" dur="150" fill="hold">
-                                          <p:stCondLst>
-                                            <p:cond delay="450"/>
-                                          </p:stCondLst>
-                                        </p:cTn>
-                                        <p:tgtEl>
-                                          <p:spTgt spid="27"/>
-                                        </p:tgtEl>
-                                        <p:attrNameLst>
-                                          <p:attrName>r</p:attrName>
-                                        </p:attrNameLst>
-                                      </p:cBhvr>
-                                    </p:animRot>
-                                  </p:childTnLst>
-                                </p:cTn>
-                              </p:par>
-                            </p:childTnLst>
-                          </p:cTn>
-                        </p:par>
-                      </p:childTnLst>
-                    </p:cTn>
-                  </p:par>
-                  <p:par>
-                    <p:cTn id="14" fill="hold">
-                      <p:stCondLst>
-                        <p:cond delay="indefinite"/>
-                      </p:stCondLst>
-                      <p:childTnLst>
-                        <p:par>
-                          <p:cTn id="15" fill="hold">
-                            <p:stCondLst>
-                              <p:cond delay="0"/>
-                            </p:stCondLst>
-                            <p:childTnLst>
-                              <p:par>
-                                <p:cTn id="16" presetID="16" presetClass="entr" presetSubtype="21" fill="hold" nodeType="clickEffect">
-                                  <p:stCondLst>
-                                    <p:cond delay="0"/>
-                                  </p:stCondLst>
-                                  <p:childTnLst>
-                                    <p:set>
-                                      <p:cBhvr>
-                                        <p:cTn id="17" dur="1" fill="hold">
-                                          <p:stCondLst>
-                                            <p:cond delay="0"/>
-                                          </p:stCondLst>
-                                        </p:cTn>
-                                        <p:tgtEl>
-                                          <p:spTgt spid="2"/>
-                                        </p:tgtEl>
-                                        <p:attrNameLst>
-                                          <p:attrName>style.visibility</p:attrName>
-                                        </p:attrNameLst>
-                                      </p:cBhvr>
-                                      <p:to>
-                                        <p:strVal val="visible"/>
-                                      </p:to>
-                                    </p:set>
-                                    <p:animEffect transition="in" filter="barn(inVertical)">
-                                      <p:cBhvr>
-                                        <p:cTn id="18" dur="500"/>
-                                        <p:tgtEl>
-                                          <p:spTgt spid="2"/>
-                                        </p:tgtEl>
-                                      </p:cBhvr>
-                                    </p:animEffect>
-                                  </p:childTnLst>
-                                </p:cTn>
-                              </p:par>
-                            </p:childTnLst>
-                          </p:cTn>
-                        </p:par>
-                      </p:childTnLst>
-                    </p:cTn>
-                  </p:par>
-                </p:childTnLst>
-              </p:cTn>
-              <p:prevCondLst>
-                <p:cond evt="onPrev" delay="0">
-                  <p:tgtEl>
-                    <p:sldTgt/>
-                  </p:tgtEl>
-                </p:cond>
-              </p:prevCondLst>
-              <p:nextCondLst>
-                <p:cond evt="onNext" delay="0">
-                  <p:tgtEl>
-                    <p:sldTgt/>
-                  </p:tgtEl>
-                </p:cond>
-              </p:nextCondLst>
-            </p:seq>
-          </p:childTnLst>
-        </p:cTn>
-      </p:par>
-    </p:tnLst>
-    <p:bldLst>
-      <p:bldP spid="27" grpId="0"/>
-      <p:bldP spid="27" grpId="1"/>
     </p:bldLst>
   </p:timing>
 </p:sld>
@@ -15295,8 +15453,8 @@
         </p:blipFill>
         <p:spPr>
           <a:xfrm>
-            <a:off x="4516061" y="1208316"/>
-            <a:ext cx="7310932" cy="4420302"/>
+            <a:off x="4677551" y="1166870"/>
+            <a:ext cx="6760820" cy="4087696"/>
           </a:xfrm>
           <a:prstGeom prst="rect">
             <a:avLst/>
@@ -15360,7 +15518,7 @@
         </p:nvSpPr>
         <p:spPr>
           <a:xfrm>
-            <a:off x="4096051" y="4517571"/>
+            <a:off x="4096051" y="4458892"/>
             <a:ext cx="889606" cy="315686"/>
           </a:xfrm>
           <a:prstGeom prst="rightArrow">
@@ -15420,7 +15578,7 @@
         </p:blipFill>
         <p:spPr>
           <a:xfrm>
-            <a:off x="1083493" y="1592352"/>
+            <a:off x="1095850" y="1592352"/>
             <a:ext cx="3012558" cy="1649734"/>
           </a:xfrm>
           <a:prstGeom prst="roundRect">
@@ -15455,11 +15613,116 @@
         </p:nvSpPr>
         <p:spPr>
           <a:xfrm>
-            <a:off x="4096051" y="2996987"/>
+            <a:off x="4126689" y="2697135"/>
             <a:ext cx="889606" cy="315686"/>
           </a:xfrm>
           <a:prstGeom prst="rightArrow">
             <a:avLst/>
+          </a:prstGeom>
+          <a:solidFill>
+            <a:srgbClr val="FFC000"/>
+          </a:solidFill>
+          <a:ln>
+            <a:noFill/>
+          </a:ln>
+        </p:spPr>
+        <p:style>
+          <a:lnRef idx="2">
+            <a:schemeClr val="accent1">
+              <a:shade val="50000"/>
+            </a:schemeClr>
+          </a:lnRef>
+          <a:fillRef idx="1">
+            <a:schemeClr val="accent1"/>
+          </a:fillRef>
+          <a:effectRef idx="0">
+            <a:schemeClr val="accent1"/>
+          </a:effectRef>
+          <a:fontRef idx="minor">
+            <a:schemeClr val="lt1"/>
+          </a:fontRef>
+        </p:style>
+        <p:txBody>
+          <a:bodyPr rtlCol="0" anchor="ctr"/>
+          <a:lstStyle/>
+          <a:p>
+            <a:pPr algn="ctr"/>
+            <a:endParaRPr lang="en-US"/>
+          </a:p>
+        </p:txBody>
+      </p:sp>
+      <p:pic>
+        <p:nvPicPr>
+          <p:cNvPr id="8" name="Picture 7">
+            <a:extLst>
+              <a:ext uri="{FF2B5EF4-FFF2-40B4-BE49-F238E27FC236}">
+                <a16:creationId xmlns:a16="http://schemas.microsoft.com/office/drawing/2014/main" id="{C6242A8C-FA61-EB41-BC8C-A02EF4788AA8}"/>
+              </a:ext>
+            </a:extLst>
+          </p:cNvPr>
+          <p:cNvPicPr>
+            <a:picLocks noChangeAspect="1"/>
+          </p:cNvPicPr>
+          <p:nvPr/>
+        </p:nvPicPr>
+        <p:blipFill>
+          <a:blip r:embed="rId6">
+            <a:extLst>
+              <a:ext uri="{28A0092B-C50C-407E-A947-70E740481C1C}">
+                <a14:useLocalDpi xmlns:a14="http://schemas.microsoft.com/office/drawing/2010/main" val="0"/>
+              </a:ext>
+            </a:extLst>
+          </a:blip>
+          <a:stretch>
+            <a:fillRect/>
+          </a:stretch>
+        </p:blipFill>
+        <p:spPr>
+          <a:xfrm>
+            <a:off x="7520764" y="5308850"/>
+            <a:ext cx="3917607" cy="1464960"/>
+          </a:xfrm>
+          <a:prstGeom prst="roundRect">
+            <a:avLst>
+              <a:gd name="adj" fmla="val 8594"/>
+            </a:avLst>
+          </a:prstGeom>
+          <a:solidFill>
+            <a:srgbClr val="FFFFFF">
+              <a:shade val="85000"/>
+            </a:srgbClr>
+          </a:solidFill>
+          <a:ln>
+            <a:noFill/>
+          </a:ln>
+          <a:effectLst>
+            <a:reflection blurRad="12700" stA="38000" endPos="28000" dist="5000" dir="5400000" sy="-100000" algn="bl" rotWithShape="0"/>
+          </a:effectLst>
+        </p:spPr>
+      </p:pic>
+      <p:sp>
+        <p:nvSpPr>
+          <p:cNvPr id="11" name="Bent-Up Arrow 10">
+            <a:extLst>
+              <a:ext uri="{FF2B5EF4-FFF2-40B4-BE49-F238E27FC236}">
+                <a16:creationId xmlns:a16="http://schemas.microsoft.com/office/drawing/2014/main" id="{9D93247E-3D96-6849-9C30-5BE3C569F051}"/>
+              </a:ext>
+            </a:extLst>
+          </p:cNvPr>
+          <p:cNvSpPr/>
+          <p:nvPr/>
+        </p:nvSpPr>
+        <p:spPr>
+          <a:xfrm flipH="1">
+            <a:off x="6915283" y="5018608"/>
+            <a:ext cx="605481" cy="858119"/>
+          </a:xfrm>
+          <a:prstGeom prst="bentUpArrow">
+            <a:avLst>
+              <a:gd name="adj1" fmla="val 25000"/>
+              <a:gd name="adj2" fmla="val 25000"/>
+              <a:gd name="adj3" fmla="val 25000"/>
+            </a:avLst>
           </a:prstGeom>
           <a:solidFill>
             <a:srgbClr val="FFC000"/>

--- a/doc/Project 5.pptx
+++ b/doc/Project 5.pptx
@@ -4177,59 +4177,15 @@
                                   </p:childTnLst>
                                 </p:cTn>
                               </p:par>
-                            </p:childTnLst>
-                          </p:cTn>
-                        </p:par>
-                      </p:childTnLst>
-                    </p:cTn>
-                  </p:par>
-                  <p:par>
-                    <p:cTn id="36" fill="hold">
-                      <p:stCondLst>
-                        <p:cond delay="indefinite"/>
-                      </p:stCondLst>
-                      <p:childTnLst>
-                        <p:par>
-                          <p:cTn id="37" fill="hold">
-                            <p:stCondLst>
-                              <p:cond delay="0"/>
-                            </p:stCondLst>
-                            <p:childTnLst>
                               <p:par>
-                                <p:cTn id="38" presetID="26" presetClass="emph" presetSubtype="0" fill="hold" nodeType="clickEffect">
+                                <p:cTn id="36" presetID="26" presetClass="emph" presetSubtype="0" fill="hold" nodeType="withEffect">
                                   <p:stCondLst>
                                     <p:cond delay="0"/>
                                   </p:stCondLst>
                                   <p:childTnLst>
                                     <p:animEffect transition="out" filter="fade">
                                       <p:cBhvr>
-                                        <p:cTn id="39" dur="500" tmFilter="0, 0; .2, .5; .8, .5; 1, 0"/>
-                                        <p:tgtEl>
-                                          <p:spTgt spid="3"/>
-                                        </p:tgtEl>
-                                      </p:cBhvr>
-                                    </p:animEffect>
-                                    <p:animScale>
-                                      <p:cBhvr>
-                                        <p:cTn id="40" dur="250" autoRev="1" fill="hold"/>
-                                        <p:tgtEl>
-                                          <p:spTgt spid="3"/>
-                                        </p:tgtEl>
-                                      </p:cBhvr>
-                                      <p:by x="105000" y="105000"/>
-                                    </p:animScale>
-                                  </p:childTnLst>
-                                </p:cTn>
-                              </p:par>
-                              <p:par>
-                                <p:cTn id="41" presetID="26" presetClass="emph" presetSubtype="0" fill="hold" nodeType="withEffect">
-                                  <p:stCondLst>
-                                    <p:cond delay="0"/>
-                                  </p:stCondLst>
-                                  <p:childTnLst>
-                                    <p:animEffect transition="out" filter="fade">
-                                      <p:cBhvr>
-                                        <p:cTn id="42" dur="500" tmFilter="0, 0; .2, .5; .8, .5; 1, 0"/>
+                                        <p:cTn id="37" dur="500" tmFilter="0, 0; .2, .5; .8, .5; 1, 0"/>
                                         <p:tgtEl>
                                           <p:spTgt spid="2"/>
                                         </p:tgtEl>
@@ -4237,77 +4193,7 @@
                                     </p:animEffect>
                                     <p:animScale>
                                       <p:cBhvr>
-                                        <p:cTn id="43" dur="250" autoRev="1" fill="hold"/>
-                                        <p:tgtEl>
-                                          <p:spTgt spid="2"/>
-                                        </p:tgtEl>
-                                      </p:cBhvr>
-                                      <p:by x="105000" y="105000"/>
-                                    </p:animScale>
-                                  </p:childTnLst>
-                                </p:cTn>
-                              </p:par>
-                            </p:childTnLst>
-                          </p:cTn>
-                        </p:par>
-                      </p:childTnLst>
-                    </p:cTn>
-                  </p:par>
-                  <p:par>
-                    <p:cTn id="44" fill="hold">
-                      <p:stCondLst>
-                        <p:cond delay="indefinite"/>
-                      </p:stCondLst>
-                      <p:childTnLst>
-                        <p:par>
-                          <p:cTn id="45" fill="hold">
-                            <p:stCondLst>
-                              <p:cond delay="0"/>
-                            </p:stCondLst>
-                            <p:childTnLst>
-                              <p:par>
-                                <p:cTn id="46" presetID="26" presetClass="emph" presetSubtype="0" fill="hold" nodeType="clickEffect">
-                                  <p:stCondLst>
-                                    <p:cond delay="0"/>
-                                  </p:stCondLst>
-                                  <p:childTnLst>
-                                    <p:animEffect transition="out" filter="fade">
-                                      <p:cBhvr>
-                                        <p:cTn id="47" dur="500" tmFilter="0, 0; .2, .5; .8, .5; 1, 0"/>
-                                        <p:tgtEl>
-                                          <p:spTgt spid="3"/>
-                                        </p:tgtEl>
-                                      </p:cBhvr>
-                                    </p:animEffect>
-                                    <p:animScale>
-                                      <p:cBhvr>
-                                        <p:cTn id="48" dur="250" autoRev="1" fill="hold"/>
-                                        <p:tgtEl>
-                                          <p:spTgt spid="3"/>
-                                        </p:tgtEl>
-                                      </p:cBhvr>
-                                      <p:by x="105000" y="105000"/>
-                                    </p:animScale>
-                                  </p:childTnLst>
-                                </p:cTn>
-                              </p:par>
-                              <p:par>
-                                <p:cTn id="49" presetID="26" presetClass="emph" presetSubtype="0" fill="hold" nodeType="withEffect">
-                                  <p:stCondLst>
-                                    <p:cond delay="0"/>
-                                  </p:stCondLst>
-                                  <p:childTnLst>
-                                    <p:animEffect transition="out" filter="fade">
-                                      <p:cBhvr>
-                                        <p:cTn id="50" dur="500" tmFilter="0, 0; .2, .5; .8, .5; 1, 0"/>
-                                        <p:tgtEl>
-                                          <p:spTgt spid="2"/>
-                                        </p:tgtEl>
-                                      </p:cBhvr>
-                                    </p:animEffect>
-                                    <p:animScale>
-                                      <p:cBhvr>
-                                        <p:cTn id="51" dur="250" autoRev="1" fill="hold"/>
+                                        <p:cTn id="38" dur="250" autoRev="1" fill="hold"/>
                                         <p:tgtEl>
                                           <p:spTgt spid="2"/>
                                         </p:tgtEl>
@@ -5559,175 +5445,6 @@
       </p:transition>
     </mc:Fallback>
   </mc:AlternateContent>
-  <p:timing>
-    <p:tnLst>
-      <p:par>
-        <p:cTn id="1" dur="indefinite" restart="never" nodeType="tmRoot">
-          <p:childTnLst>
-            <p:seq concurrent="1" nextAc="seek">
-              <p:cTn id="2" dur="indefinite" nodeType="mainSeq">
-                <p:childTnLst>
-                  <p:par>
-                    <p:cTn id="3" fill="hold">
-                      <p:stCondLst>
-                        <p:cond delay="indefinite"/>
-                      </p:stCondLst>
-                      <p:childTnLst>
-                        <p:par>
-                          <p:cTn id="4" fill="hold">
-                            <p:stCondLst>
-                              <p:cond delay="0"/>
-                            </p:stCondLst>
-                            <p:childTnLst>
-                              <p:par>
-                                <p:cTn id="5" presetID="2" presetClass="entr" presetSubtype="8" fill="hold" grpId="0" nodeType="clickEffect">
-                                  <p:stCondLst>
-                                    <p:cond delay="0"/>
-                                  </p:stCondLst>
-                                  <p:childTnLst>
-                                    <p:set>
-                                      <p:cBhvr>
-                                        <p:cTn id="6" dur="1" fill="hold">
-                                          <p:stCondLst>
-                                            <p:cond delay="0"/>
-                                          </p:stCondLst>
-                                        </p:cTn>
-                                        <p:tgtEl>
-                                          <p:spTgt spid="47"/>
-                                        </p:tgtEl>
-                                        <p:attrNameLst>
-                                          <p:attrName>style.visibility</p:attrName>
-                                        </p:attrNameLst>
-                                      </p:cBhvr>
-                                      <p:to>
-                                        <p:strVal val="visible"/>
-                                      </p:to>
-                                    </p:set>
-                                    <p:anim calcmode="lin" valueType="num">
-                                      <p:cBhvr additive="base">
-                                        <p:cTn id="7" dur="500" fill="hold"/>
-                                        <p:tgtEl>
-                                          <p:spTgt spid="47"/>
-                                        </p:tgtEl>
-                                        <p:attrNameLst>
-                                          <p:attrName>ppt_x</p:attrName>
-                                        </p:attrNameLst>
-                                      </p:cBhvr>
-                                      <p:tavLst>
-                                        <p:tav tm="0">
-                                          <p:val>
-                                            <p:strVal val="0-#ppt_w/2"/>
-                                          </p:val>
-                                        </p:tav>
-                                        <p:tav tm="100000">
-                                          <p:val>
-                                            <p:strVal val="#ppt_x"/>
-                                          </p:val>
-                                        </p:tav>
-                                      </p:tavLst>
-                                    </p:anim>
-                                    <p:anim calcmode="lin" valueType="num">
-                                      <p:cBhvr additive="base">
-                                        <p:cTn id="8" dur="500" fill="hold"/>
-                                        <p:tgtEl>
-                                          <p:spTgt spid="47"/>
-                                        </p:tgtEl>
-                                        <p:attrNameLst>
-                                          <p:attrName>ppt_y</p:attrName>
-                                        </p:attrNameLst>
-                                      </p:cBhvr>
-                                      <p:tavLst>
-                                        <p:tav tm="0">
-                                          <p:val>
-                                            <p:strVal val="#ppt_y"/>
-                                          </p:val>
-                                        </p:tav>
-                                        <p:tav tm="100000">
-                                          <p:val>
-                                            <p:strVal val="#ppt_y"/>
-                                          </p:val>
-                                        </p:tav>
-                                      </p:tavLst>
-                                    </p:anim>
-                                  </p:childTnLst>
-                                </p:cTn>
-                              </p:par>
-                            </p:childTnLst>
-                          </p:cTn>
-                        </p:par>
-                      </p:childTnLst>
-                    </p:cTn>
-                  </p:par>
-                  <p:par>
-                    <p:cTn id="9" fill="hold">
-                      <p:stCondLst>
-                        <p:cond delay="indefinite"/>
-                      </p:stCondLst>
-                      <p:childTnLst>
-                        <p:par>
-                          <p:cTn id="10" fill="hold">
-                            <p:stCondLst>
-                              <p:cond delay="0"/>
-                            </p:stCondLst>
-                            <p:childTnLst>
-                              <p:par>
-                                <p:cTn id="11" presetID="26" presetClass="emph" presetSubtype="0" fill="hold" grpId="1" nodeType="clickEffect">
-                                  <p:stCondLst>
-                                    <p:cond delay="0"/>
-                                  </p:stCondLst>
-                                  <p:childTnLst>
-                                    <p:animEffect transition="out" filter="fade">
-                                      <p:cBhvr>
-                                        <p:cTn id="12" dur="500" tmFilter="0, 0; .2, .5; .8, .5; 1, 0"/>
-                                        <p:tgtEl>
-                                          <p:spTgt spid="47"/>
-                                        </p:tgtEl>
-                                      </p:cBhvr>
-                                    </p:animEffect>
-                                    <p:animScale>
-                                      <p:cBhvr>
-                                        <p:cTn id="13" dur="250" autoRev="1" fill="hold"/>
-                                        <p:tgtEl>
-                                          <p:spTgt spid="47"/>
-                                        </p:tgtEl>
-                                      </p:cBhvr>
-                                      <p:by x="105000" y="105000"/>
-                                    </p:animScale>
-                                  </p:childTnLst>
-                                </p:cTn>
-                              </p:par>
-                            </p:childTnLst>
-                          </p:cTn>
-                        </p:par>
-                      </p:childTnLst>
-                    </p:cTn>
-                  </p:par>
-                </p:childTnLst>
-              </p:cTn>
-              <p:prevCondLst>
-                <p:cond evt="onPrev" delay="0">
-                  <p:tgtEl>
-                    <p:sldTgt/>
-                  </p:tgtEl>
-                </p:cond>
-              </p:prevCondLst>
-              <p:nextCondLst>
-                <p:cond evt="onNext" delay="0">
-                  <p:tgtEl>
-                    <p:sldTgt/>
-                  </p:tgtEl>
-                </p:cond>
-              </p:nextCondLst>
-            </p:seq>
-          </p:childTnLst>
-        </p:cTn>
-      </p:par>
-    </p:tnLst>
-    <p:bldLst>
-      <p:bldP spid="47" grpId="0"/>
-      <p:bldP spid="47" grpId="1"/>
-    </p:bldLst>
-  </p:timing>
 </p:sld>
 </file>
 
@@ -14332,276 +14049,6 @@
       </p:transition>
     </mc:Fallback>
   </mc:AlternateContent>
-  <p:timing>
-    <p:tnLst>
-      <p:par>
-        <p:cTn id="1" dur="indefinite" restart="never" nodeType="tmRoot">
-          <p:childTnLst>
-            <p:seq concurrent="1" nextAc="seek">
-              <p:cTn id="2" dur="indefinite" nodeType="mainSeq">
-                <p:childTnLst>
-                  <p:par>
-                    <p:cTn id="3" fill="hold">
-                      <p:stCondLst>
-                        <p:cond delay="indefinite"/>
-                      </p:stCondLst>
-                      <p:childTnLst>
-                        <p:par>
-                          <p:cTn id="4" fill="hold">
-                            <p:stCondLst>
-                              <p:cond delay="0"/>
-                            </p:stCondLst>
-                            <p:childTnLst>
-                              <p:par>
-                                <p:cTn id="5" presetID="10" presetClass="entr" presetSubtype="0" fill="hold" grpId="1" nodeType="clickEffect">
-                                  <p:stCondLst>
-                                    <p:cond delay="0"/>
-                                  </p:stCondLst>
-                                  <p:iterate type="lt">
-                                    <p:tmPct val="0"/>
-                                  </p:iterate>
-                                  <p:childTnLst>
-                                    <p:set>
-                                      <p:cBhvr>
-                                        <p:cTn id="6" dur="1" fill="hold">
-                                          <p:stCondLst>
-                                            <p:cond delay="0"/>
-                                          </p:stCondLst>
-                                        </p:cTn>
-                                        <p:tgtEl>
-                                          <p:spTgt spid="26"/>
-                                        </p:tgtEl>
-                                        <p:attrNameLst>
-                                          <p:attrName>style.visibility</p:attrName>
-                                        </p:attrNameLst>
-                                      </p:cBhvr>
-                                      <p:to>
-                                        <p:strVal val="visible"/>
-                                      </p:to>
-                                    </p:set>
-                                    <p:animEffect transition="in" filter="fade">
-                                      <p:cBhvr>
-                                        <p:cTn id="7" dur="500"/>
-                                        <p:tgtEl>
-                                          <p:spTgt spid="26"/>
-                                        </p:tgtEl>
-                                      </p:cBhvr>
-                                    </p:animEffect>
-                                  </p:childTnLst>
-                                </p:cTn>
-                              </p:par>
-                              <p:par>
-                                <p:cTn id="8" presetID="34" presetClass="emph" presetSubtype="0" fill="hold" grpId="0" nodeType="withEffect">
-                                  <p:stCondLst>
-                                    <p:cond delay="500"/>
-                                  </p:stCondLst>
-                                  <p:iterate type="lt">
-                                    <p:tmPct val="10000"/>
-                                  </p:iterate>
-                                  <p:childTnLst>
-                                    <p:animMotion origin="layout" path="M 2.08333E-6 3.7037E-6 L 2.08333E-6 -0.07223 " pathEditMode="relative" rAng="0" ptsTypes="AA">
-                                      <p:cBhvr>
-                                        <p:cTn id="9" dur="300" accel="50000" decel="50000" autoRev="1" fill="hold">
-                                          <p:stCondLst>
-                                            <p:cond delay="0"/>
-                                          </p:stCondLst>
-                                        </p:cTn>
-                                        <p:tgtEl>
-                                          <p:spTgt spid="26"/>
-                                        </p:tgtEl>
-                                        <p:attrNameLst>
-                                          <p:attrName>ppt_x</p:attrName>
-                                          <p:attrName>ppt_y</p:attrName>
-                                        </p:attrNameLst>
-                                      </p:cBhvr>
-                                      <p:rCtr x="0" y="-3611"/>
-                                    </p:animMotion>
-                                    <p:animRot by="1500000">
-                                      <p:cBhvr>
-                                        <p:cTn id="10" dur="150" fill="hold">
-                                          <p:stCondLst>
-                                            <p:cond delay="0"/>
-                                          </p:stCondLst>
-                                        </p:cTn>
-                                        <p:tgtEl>
-                                          <p:spTgt spid="26"/>
-                                        </p:tgtEl>
-                                        <p:attrNameLst>
-                                          <p:attrName>r</p:attrName>
-                                        </p:attrNameLst>
-                                      </p:cBhvr>
-                                    </p:animRot>
-                                    <p:animRot by="-1500000">
-                                      <p:cBhvr>
-                                        <p:cTn id="11" dur="150" fill="hold">
-                                          <p:stCondLst>
-                                            <p:cond delay="150"/>
-                                          </p:stCondLst>
-                                        </p:cTn>
-                                        <p:tgtEl>
-                                          <p:spTgt spid="26"/>
-                                        </p:tgtEl>
-                                        <p:attrNameLst>
-                                          <p:attrName>r</p:attrName>
-                                        </p:attrNameLst>
-                                      </p:cBhvr>
-                                    </p:animRot>
-                                    <p:animRot by="-1500000">
-                                      <p:cBhvr>
-                                        <p:cTn id="12" dur="150" fill="hold">
-                                          <p:stCondLst>
-                                            <p:cond delay="300"/>
-                                          </p:stCondLst>
-                                        </p:cTn>
-                                        <p:tgtEl>
-                                          <p:spTgt spid="26"/>
-                                        </p:tgtEl>
-                                        <p:attrNameLst>
-                                          <p:attrName>r</p:attrName>
-                                        </p:attrNameLst>
-                                      </p:cBhvr>
-                                    </p:animRot>
-                                    <p:animRot by="1500000">
-                                      <p:cBhvr>
-                                        <p:cTn id="13" dur="150" fill="hold">
-                                          <p:stCondLst>
-                                            <p:cond delay="450"/>
-                                          </p:stCondLst>
-                                        </p:cTn>
-                                        <p:tgtEl>
-                                          <p:spTgt spid="26"/>
-                                        </p:tgtEl>
-                                        <p:attrNameLst>
-                                          <p:attrName>r</p:attrName>
-                                        </p:attrNameLst>
-                                      </p:cBhvr>
-                                    </p:animRot>
-                                  </p:childTnLst>
-                                </p:cTn>
-                              </p:par>
-                            </p:childTnLst>
-                          </p:cTn>
-                        </p:par>
-                      </p:childTnLst>
-                    </p:cTn>
-                  </p:par>
-                  <p:par>
-                    <p:cTn id="14" fill="hold">
-                      <p:stCondLst>
-                        <p:cond delay="indefinite"/>
-                      </p:stCondLst>
-                      <p:childTnLst>
-                        <p:par>
-                          <p:cTn id="15" fill="hold">
-                            <p:stCondLst>
-                              <p:cond delay="0"/>
-                            </p:stCondLst>
-                            <p:childTnLst>
-                              <p:par>
-                                <p:cTn id="16" presetID="2" presetClass="entr" presetSubtype="4" fill="hold" nodeType="clickEffect">
-                                  <p:stCondLst>
-                                    <p:cond delay="0"/>
-                                  </p:stCondLst>
-                                  <p:childTnLst>
-                                    <p:set>
-                                      <p:cBhvr>
-                                        <p:cTn id="17" dur="1" fill="hold">
-                                          <p:stCondLst>
-                                            <p:cond delay="0"/>
-                                          </p:stCondLst>
-                                        </p:cTn>
-                                        <p:tgtEl>
-                                          <p:spTgt spid="14"/>
-                                        </p:tgtEl>
-                                        <p:attrNameLst>
-                                          <p:attrName>style.visibility</p:attrName>
-                                        </p:attrNameLst>
-                                      </p:cBhvr>
-                                      <p:to>
-                                        <p:strVal val="visible"/>
-                                      </p:to>
-                                    </p:set>
-                                    <p:anim calcmode="lin" valueType="num">
-                                      <p:cBhvr additive="base">
-                                        <p:cTn id="18" dur="500" fill="hold"/>
-                                        <p:tgtEl>
-                                          <p:spTgt spid="14"/>
-                                        </p:tgtEl>
-                                        <p:attrNameLst>
-                                          <p:attrName>ppt_x</p:attrName>
-                                        </p:attrNameLst>
-                                      </p:cBhvr>
-                                      <p:tavLst>
-                                        <p:tav tm="0">
-                                          <p:val>
-                                            <p:strVal val="#ppt_x"/>
-                                          </p:val>
-                                        </p:tav>
-                                        <p:tav tm="100000">
-                                          <p:val>
-                                            <p:strVal val="#ppt_x"/>
-                                          </p:val>
-                                        </p:tav>
-                                      </p:tavLst>
-                                    </p:anim>
-                                    <p:anim calcmode="lin" valueType="num">
-                                      <p:cBhvr additive="base">
-                                        <p:cTn id="19" dur="500" fill="hold"/>
-                                        <p:tgtEl>
-                                          <p:spTgt spid="14"/>
-                                        </p:tgtEl>
-                                        <p:attrNameLst>
-                                          <p:attrName>ppt_y</p:attrName>
-                                        </p:attrNameLst>
-                                      </p:cBhvr>
-                                      <p:tavLst>
-                                        <p:tav tm="0">
-                                          <p:val>
-                                            <p:strVal val="1+#ppt_h/2"/>
-                                          </p:val>
-                                        </p:tav>
-                                        <p:tav tm="100000">
-                                          <p:val>
-                                            <p:strVal val="#ppt_y"/>
-                                          </p:val>
-                                        </p:tav>
-                                      </p:tavLst>
-                                    </p:anim>
-                                  </p:childTnLst>
-                                </p:cTn>
-                              </p:par>
-                            </p:childTnLst>
-                          </p:cTn>
-                        </p:par>
-                      </p:childTnLst>
-                    </p:cTn>
-                  </p:par>
-                </p:childTnLst>
-              </p:cTn>
-              <p:prevCondLst>
-                <p:cond evt="onPrev" delay="0">
-                  <p:tgtEl>
-                    <p:sldTgt/>
-                  </p:tgtEl>
-                </p:cond>
-              </p:prevCondLst>
-              <p:nextCondLst>
-                <p:cond evt="onNext" delay="0">
-                  <p:tgtEl>
-                    <p:sldTgt/>
-                  </p:tgtEl>
-                </p:cond>
-              </p:nextCondLst>
-            </p:seq>
-          </p:childTnLst>
-        </p:cTn>
-      </p:par>
-    </p:tnLst>
-    <p:bldLst>
-      <p:bldP spid="26" grpId="0"/>
-      <p:bldP spid="26" grpId="1"/>
-    </p:bldLst>
-  </p:timing>
 </p:sld>
 </file>
 
